--- a/Lecture09_BinaryOutcomeVariables/Lecture09_BinaryDepVars.pptx
+++ b/Lecture09_BinaryOutcomeVariables/Lecture09_BinaryDepVars.pptx
@@ -5,7 +5,7 @@
     <p:sldMasterId id="2147483738" r:id="rId1"/>
   </p:sldMasterIdLst>
   <p:notesMasterIdLst>
-    <p:notesMasterId r:id="rId75"/>
+    <p:notesMasterId r:id="rId77"/>
   </p:notesMasterIdLst>
   <p:sldIdLst>
     <p:sldId id="256" r:id="rId2"/>
@@ -45,42 +45,44 @@
     <p:sldId id="551" r:id="rId36"/>
     <p:sldId id="521" r:id="rId37"/>
     <p:sldId id="526" r:id="rId38"/>
-    <p:sldId id="555" r:id="rId39"/>
-    <p:sldId id="554" r:id="rId40"/>
-    <p:sldId id="640" r:id="rId41"/>
-    <p:sldId id="641" r:id="rId42"/>
-    <p:sldId id="639" r:id="rId43"/>
-    <p:sldId id="643" r:id="rId44"/>
-    <p:sldId id="644" r:id="rId45"/>
-    <p:sldId id="638" r:id="rId46"/>
-    <p:sldId id="556" r:id="rId47"/>
-    <p:sldId id="557" r:id="rId48"/>
-    <p:sldId id="527" r:id="rId49"/>
-    <p:sldId id="642" r:id="rId50"/>
-    <p:sldId id="559" r:id="rId51"/>
-    <p:sldId id="558" r:id="rId52"/>
-    <p:sldId id="604" r:id="rId53"/>
-    <p:sldId id="560" r:id="rId54"/>
-    <p:sldId id="605" r:id="rId55"/>
-    <p:sldId id="607" r:id="rId56"/>
-    <p:sldId id="602" r:id="rId57"/>
-    <p:sldId id="616" r:id="rId58"/>
-    <p:sldId id="617" r:id="rId59"/>
-    <p:sldId id="618" r:id="rId60"/>
-    <p:sldId id="619" r:id="rId61"/>
-    <p:sldId id="620" r:id="rId62"/>
-    <p:sldId id="609" r:id="rId63"/>
-    <p:sldId id="586" r:id="rId64"/>
-    <p:sldId id="601" r:id="rId65"/>
-    <p:sldId id="568" r:id="rId66"/>
-    <p:sldId id="593" r:id="rId67"/>
-    <p:sldId id="594" r:id="rId68"/>
-    <p:sldId id="595" r:id="rId69"/>
-    <p:sldId id="596" r:id="rId70"/>
-    <p:sldId id="597" r:id="rId71"/>
-    <p:sldId id="598" r:id="rId72"/>
-    <p:sldId id="599" r:id="rId73"/>
-    <p:sldId id="600" r:id="rId74"/>
+    <p:sldId id="646" r:id="rId39"/>
+    <p:sldId id="645" r:id="rId40"/>
+    <p:sldId id="555" r:id="rId41"/>
+    <p:sldId id="554" r:id="rId42"/>
+    <p:sldId id="640" r:id="rId43"/>
+    <p:sldId id="641" r:id="rId44"/>
+    <p:sldId id="639" r:id="rId45"/>
+    <p:sldId id="643" r:id="rId46"/>
+    <p:sldId id="644" r:id="rId47"/>
+    <p:sldId id="638" r:id="rId48"/>
+    <p:sldId id="556" r:id="rId49"/>
+    <p:sldId id="557" r:id="rId50"/>
+    <p:sldId id="642" r:id="rId51"/>
+    <p:sldId id="527" r:id="rId52"/>
+    <p:sldId id="559" r:id="rId53"/>
+    <p:sldId id="558" r:id="rId54"/>
+    <p:sldId id="604" r:id="rId55"/>
+    <p:sldId id="560" r:id="rId56"/>
+    <p:sldId id="605" r:id="rId57"/>
+    <p:sldId id="607" r:id="rId58"/>
+    <p:sldId id="602" r:id="rId59"/>
+    <p:sldId id="616" r:id="rId60"/>
+    <p:sldId id="617" r:id="rId61"/>
+    <p:sldId id="618" r:id="rId62"/>
+    <p:sldId id="619" r:id="rId63"/>
+    <p:sldId id="620" r:id="rId64"/>
+    <p:sldId id="609" r:id="rId65"/>
+    <p:sldId id="586" r:id="rId66"/>
+    <p:sldId id="601" r:id="rId67"/>
+    <p:sldId id="568" r:id="rId68"/>
+    <p:sldId id="593" r:id="rId69"/>
+    <p:sldId id="594" r:id="rId70"/>
+    <p:sldId id="595" r:id="rId71"/>
+    <p:sldId id="596" r:id="rId72"/>
+    <p:sldId id="597" r:id="rId73"/>
+    <p:sldId id="598" r:id="rId74"/>
+    <p:sldId id="599" r:id="rId75"/>
+    <p:sldId id="600" r:id="rId76"/>
   </p:sldIdLst>
   <p:sldSz cx="12192000" cy="6858000"/>
   <p:notesSz cx="7010400" cy="9296400"/>
@@ -280,7 +282,7 @@
           <a:p>
             <a:fld id="{EF911157-0FC2-4F06-8D61-FD647FE4E19D}" type="datetimeFigureOut">
               <a:rPr lang="en-US" smtClean="0"/>
-              <a:t>11/5/2025</a:t>
+              <a:t>11/21/2025</a:t>
             </a:fld>
             <a:endParaRPr lang="en-US"/>
           </a:p>
@@ -2973,7 +2975,10 @@
           <a:bodyPr/>
           <a:lstStyle/>
           <a:p>
-            <a:endParaRPr lang="en-US" dirty="0"/>
+            <a:r>
+              <a:rPr lang="en-US" dirty="0"/>
+              <a:t>Move this to beginning of another lecture for next time. Link here: https://hadley.github.io/genzplyr/. </a:t>
+            </a:r>
           </a:p>
         </p:txBody>
       </p:sp>
@@ -3018,7 +3023,13 @@
   <p:cSld>
     <p:spTree>
       <p:nvGrpSpPr>
-        <p:cNvPr id="1" name=""/>
+        <p:cNvPr id="1" name="">
+          <a:extLst>
+            <a:ext uri="{FF2B5EF4-FFF2-40B4-BE49-F238E27FC236}">
+              <a16:creationId xmlns:a16="http://schemas.microsoft.com/office/drawing/2014/main" id="{F3DC7C6E-8B35-E59D-7510-35BA90F70913}"/>
+            </a:ext>
+          </a:extLst>
+        </p:cNvPr>
         <p:cNvGrpSpPr/>
         <p:nvPr/>
       </p:nvGrpSpPr>
@@ -3032,7 +3043,13 @@
       </p:grpSpPr>
       <p:sp>
         <p:nvSpPr>
-          <p:cNvPr id="2" name="Slide Image Placeholder 1"/>
+          <p:cNvPr id="2" name="Slide Image Placeholder 1">
+            <a:extLst>
+              <a:ext uri="{FF2B5EF4-FFF2-40B4-BE49-F238E27FC236}">
+                <a16:creationId xmlns:a16="http://schemas.microsoft.com/office/drawing/2014/main" id="{A4DA8A05-3B1B-8C35-8D48-EE8466D9DA03}"/>
+              </a:ext>
+            </a:extLst>
+          </p:cNvPr>
           <p:cNvSpPr>
             <a:spLocks noGrp="1" noRot="1" noChangeAspect="1"/>
           </p:cNvSpPr>
@@ -3044,7 +3061,13 @@
       </p:sp>
       <p:sp>
         <p:nvSpPr>
-          <p:cNvPr id="3" name="Notes Placeholder 2"/>
+          <p:cNvPr id="3" name="Notes Placeholder 2">
+            <a:extLst>
+              <a:ext uri="{FF2B5EF4-FFF2-40B4-BE49-F238E27FC236}">
+                <a16:creationId xmlns:a16="http://schemas.microsoft.com/office/drawing/2014/main" id="{1CEAC7BD-A59B-3CFD-B624-BEE5B6EC7979}"/>
+              </a:ext>
+            </a:extLst>
+          </p:cNvPr>
           <p:cNvSpPr>
             <a:spLocks noGrp="1"/>
           </p:cNvSpPr>
@@ -3063,7 +3086,13 @@
       </p:sp>
       <p:sp>
         <p:nvSpPr>
-          <p:cNvPr id="4" name="Slide Number Placeholder 3"/>
+          <p:cNvPr id="4" name="Slide Number Placeholder 3">
+            <a:extLst>
+              <a:ext uri="{FF2B5EF4-FFF2-40B4-BE49-F238E27FC236}">
+                <a16:creationId xmlns:a16="http://schemas.microsoft.com/office/drawing/2014/main" id="{226CD589-F905-AA73-02C6-403EAF869B7E}"/>
+              </a:ext>
+            </a:extLst>
+          </p:cNvPr>
           <p:cNvSpPr>
             <a:spLocks noGrp="1"/>
           </p:cNvSpPr>
@@ -3087,7 +3116,7 @@
     </p:spTree>
     <p:extLst>
       <p:ext uri="{BB962C8B-B14F-4D97-AF65-F5344CB8AC3E}">
-        <p14:creationId xmlns:p14="http://schemas.microsoft.com/office/powerpoint/2010/main" val="1246714965"/>
+        <p14:creationId xmlns:p14="http://schemas.microsoft.com/office/powerpoint/2010/main" val="1160997302"/>
       </p:ext>
     </p:extLst>
   </p:cSld>
@@ -3102,7 +3131,13 @@
   <p:cSld>
     <p:spTree>
       <p:nvGrpSpPr>
-        <p:cNvPr id="1" name=""/>
+        <p:cNvPr id="1" name="">
+          <a:extLst>
+            <a:ext uri="{FF2B5EF4-FFF2-40B4-BE49-F238E27FC236}">
+              <a16:creationId xmlns:a16="http://schemas.microsoft.com/office/drawing/2014/main" id="{5EE976DB-B838-5984-075C-B5521AA4AEE3}"/>
+            </a:ext>
+          </a:extLst>
+        </p:cNvPr>
         <p:cNvGrpSpPr/>
         <p:nvPr/>
       </p:nvGrpSpPr>
@@ -3116,7 +3151,13 @@
       </p:grpSpPr>
       <p:sp>
         <p:nvSpPr>
-          <p:cNvPr id="2" name="Slide Image Placeholder 1"/>
+          <p:cNvPr id="2" name="Slide Image Placeholder 1">
+            <a:extLst>
+              <a:ext uri="{FF2B5EF4-FFF2-40B4-BE49-F238E27FC236}">
+                <a16:creationId xmlns:a16="http://schemas.microsoft.com/office/drawing/2014/main" id="{20368BEA-C56E-0277-B628-3376A835C316}"/>
+              </a:ext>
+            </a:extLst>
+          </p:cNvPr>
           <p:cNvSpPr>
             <a:spLocks noGrp="1" noRot="1" noChangeAspect="1"/>
           </p:cNvSpPr>
@@ -3128,7 +3169,13 @@
       </p:sp>
       <p:sp>
         <p:nvSpPr>
-          <p:cNvPr id="3" name="Notes Placeholder 2"/>
+          <p:cNvPr id="3" name="Notes Placeholder 2">
+            <a:extLst>
+              <a:ext uri="{FF2B5EF4-FFF2-40B4-BE49-F238E27FC236}">
+                <a16:creationId xmlns:a16="http://schemas.microsoft.com/office/drawing/2014/main" id="{B37F604B-1D3C-886A-FCF6-B4E1577818F7}"/>
+              </a:ext>
+            </a:extLst>
+          </p:cNvPr>
           <p:cNvSpPr>
             <a:spLocks noGrp="1"/>
           </p:cNvSpPr>
@@ -3141,16 +3188,19 @@
           <a:bodyPr/>
           <a:lstStyle/>
           <a:p>
-            <a:r>
-              <a:rPr lang="en-US" dirty="0"/>
-              <a:t>What is that? Have to look it up every time I use one. </a:t>
-            </a:r>
+            <a:endParaRPr lang="en-US" dirty="0"/>
           </a:p>
         </p:txBody>
       </p:sp>
       <p:sp>
         <p:nvSpPr>
-          <p:cNvPr id="4" name="Slide Number Placeholder 3"/>
+          <p:cNvPr id="4" name="Slide Number Placeholder 3">
+            <a:extLst>
+              <a:ext uri="{FF2B5EF4-FFF2-40B4-BE49-F238E27FC236}">
+                <a16:creationId xmlns:a16="http://schemas.microsoft.com/office/drawing/2014/main" id="{CE005069-9297-7333-23C1-4F183C83EEEF}"/>
+              </a:ext>
+            </a:extLst>
+          </p:cNvPr>
           <p:cNvSpPr>
             <a:spLocks noGrp="1"/>
           </p:cNvSpPr>
@@ -3174,7 +3224,7 @@
     </p:spTree>
     <p:extLst>
       <p:ext uri="{BB962C8B-B14F-4D97-AF65-F5344CB8AC3E}">
-        <p14:creationId xmlns:p14="http://schemas.microsoft.com/office/powerpoint/2010/main" val="3651696345"/>
+        <p14:creationId xmlns:p14="http://schemas.microsoft.com/office/powerpoint/2010/main" val="3944875926"/>
       </p:ext>
     </p:extLst>
   </p:cSld>
@@ -3228,10 +3278,7 @@
           <a:bodyPr/>
           <a:lstStyle/>
           <a:p>
-            <a:r>
-              <a:rPr lang="en-US" dirty="0"/>
-              <a:t>Can use a two-way frequency table to calculate these (ish). So here’s the example: does a new program affect 30-day readmission rates (binary outcome), with an RCT (so no identification concerns) for program adherence. </a:t>
-            </a:r>
+            <a:endParaRPr lang="en-US" dirty="0"/>
           </a:p>
         </p:txBody>
       </p:sp>
@@ -3261,7 +3308,7 @@
     </p:spTree>
     <p:extLst>
       <p:ext uri="{BB962C8B-B14F-4D97-AF65-F5344CB8AC3E}">
-        <p14:creationId xmlns:p14="http://schemas.microsoft.com/office/powerpoint/2010/main" val="385520677"/>
+        <p14:creationId xmlns:p14="http://schemas.microsoft.com/office/powerpoint/2010/main" val="1246714965"/>
       </p:ext>
     </p:extLst>
   </p:cSld>
@@ -3317,7 +3364,7 @@
           <a:p>
             <a:r>
               <a:rPr lang="en-US" dirty="0"/>
-              <a:t>So you still have to transform regression coefficients just to get this (less useful) measure. So suppose our log odds is -0.2 (so then our OR = 0.82). So we can say that readmission rates are lower for those randomized into the program vs. not. But what does this mean magnitude-wise? </a:t>
+              <a:t>What is that? Have to look it up every time I use one. </a:t>
             </a:r>
           </a:p>
         </p:txBody>
@@ -3348,7 +3395,7 @@
     </p:spTree>
     <p:extLst>
       <p:ext uri="{BB962C8B-B14F-4D97-AF65-F5344CB8AC3E}">
-        <p14:creationId xmlns:p14="http://schemas.microsoft.com/office/powerpoint/2010/main" val="3761544375"/>
+        <p14:creationId xmlns:p14="http://schemas.microsoft.com/office/powerpoint/2010/main" val="3651696345"/>
       </p:ext>
     </p:extLst>
   </p:cSld>
@@ -3404,49 +3451,8 @@
           <a:p>
             <a:r>
               <a:rPr lang="en-US" dirty="0"/>
-              <a:t>Problems with odds ratios: </a:t>
-            </a:r>
-          </a:p>
-          <a:p>
-            <a:pPr marL="171450" indent="-171450">
-              <a:buFont typeface="Arial" panose="020B0604020202020204" pitchFamily="34" charset="0"/>
-              <a:buChar char="•"/>
-            </a:pPr>
-            <a:r>
-              <a:rPr lang="en-US" dirty="0"/>
-              <a:t>The data affects the scaling here (scaling factor is exp(\beta/\sigma)), so different data/models means </a:t>
-            </a:r>
-            <a:r>
-              <a:rPr lang="en-US" dirty="0" err="1"/>
-              <a:t>uncomparable</a:t>
-            </a:r>
-            <a:r>
-              <a:rPr lang="en-US" dirty="0"/>
-              <a:t> coefficients. This is a big problem for meta-analyses! </a:t>
-            </a:r>
-          </a:p>
-          <a:p>
-            <a:pPr marL="171450" indent="-171450">
-              <a:buFont typeface="Arial" panose="020B0604020202020204" pitchFamily="34" charset="0"/>
-              <a:buChar char="•"/>
-            </a:pPr>
-            <a:r>
-              <a:rPr lang="en-US" dirty="0"/>
-              <a:t>Can’t even compare odds ratios across models in a paper!</a:t>
-            </a:r>
-          </a:p>
-          <a:p>
-            <a:pPr marL="171450" indent="-171450">
-              <a:buFont typeface="Arial" panose="020B0604020202020204" pitchFamily="34" charset="0"/>
-              <a:buChar char="•"/>
-            </a:pPr>
-            <a:r>
-              <a:rPr lang="en-US" dirty="0"/>
-              <a:t>Example: in a perfect RCT, the treatment effect doesn’t depend on if you include covariates or not (because there is absolutely no correlation between treatment assignment and other covariates)</a:t>
-            </a:r>
-          </a:p>
-          <a:p>
-            <a:endParaRPr lang="en-US" dirty="0"/>
+              <a:t>Can use a two-way frequency table to calculate these (ish). So here’s the example: does a new program affect 30-day readmission rates (binary outcome), with an RCT (so no identification concerns) for program adherence. </a:t>
+            </a:r>
           </a:p>
         </p:txBody>
       </p:sp>
@@ -3476,7 +3482,7 @@
     </p:spTree>
     <p:extLst>
       <p:ext uri="{BB962C8B-B14F-4D97-AF65-F5344CB8AC3E}">
-        <p14:creationId xmlns:p14="http://schemas.microsoft.com/office/powerpoint/2010/main" val="795631990"/>
+        <p14:creationId xmlns:p14="http://schemas.microsoft.com/office/powerpoint/2010/main" val="385520677"/>
       </p:ext>
     </p:extLst>
   </p:cSld>
@@ -3618,8 +3624,8 @@
           <a:lstStyle/>
           <a:p>
             <a:r>
-              <a:rPr lang="en-CA" dirty="0"/>
-              <a:t>1. Odds ratios are hard to interpret</a:t>
+              <a:rPr lang="en-US" dirty="0"/>
+              <a:t>So you still have to transform regression coefficients just to get this (less useful) measure. So suppose our log odds is -0.2 (so then our OR = 0.82). So we can say that readmission rates are lower for those randomized into the program vs. not. But what does this mean magnitude-wise? </a:t>
             </a:r>
           </a:p>
         </p:txBody>
@@ -3650,7 +3656,7 @@
     </p:spTree>
     <p:extLst>
       <p:ext uri="{BB962C8B-B14F-4D97-AF65-F5344CB8AC3E}">
-        <p14:creationId xmlns:p14="http://schemas.microsoft.com/office/powerpoint/2010/main" val="2943643502"/>
+        <p14:creationId xmlns:p14="http://schemas.microsoft.com/office/powerpoint/2010/main" val="3761544375"/>
       </p:ext>
     </p:extLst>
   </p:cSld>
@@ -3665,13 +3671,7 @@
   <p:cSld>
     <p:spTree>
       <p:nvGrpSpPr>
-        <p:cNvPr id="1" name="">
-          <a:extLst>
-            <a:ext uri="{FF2B5EF4-FFF2-40B4-BE49-F238E27FC236}">
-              <a16:creationId xmlns:a16="http://schemas.microsoft.com/office/drawing/2014/main" id="{B3EA904D-4B60-EE89-59D9-9B4629F8F414}"/>
-            </a:ext>
-          </a:extLst>
-        </p:cNvPr>
+        <p:cNvPr id="1" name=""/>
         <p:cNvGrpSpPr/>
         <p:nvPr/>
       </p:nvGrpSpPr>
@@ -3685,13 +3685,7 @@
       </p:grpSpPr>
       <p:sp>
         <p:nvSpPr>
-          <p:cNvPr id="2" name="Slide Image Placeholder 1">
-            <a:extLst>
-              <a:ext uri="{FF2B5EF4-FFF2-40B4-BE49-F238E27FC236}">
-                <a16:creationId xmlns:a16="http://schemas.microsoft.com/office/drawing/2014/main" id="{20676BEF-961D-3907-030D-A8318BC568E6}"/>
-              </a:ext>
-            </a:extLst>
-          </p:cNvPr>
+          <p:cNvPr id="2" name="Slide Image Placeholder 1"/>
           <p:cNvSpPr>
             <a:spLocks noGrp="1" noRot="1" noChangeAspect="1"/>
           </p:cNvSpPr>
@@ -3703,13 +3697,7 @@
       </p:sp>
       <p:sp>
         <p:nvSpPr>
-          <p:cNvPr id="3" name="Notes Placeholder 2">
-            <a:extLst>
-              <a:ext uri="{FF2B5EF4-FFF2-40B4-BE49-F238E27FC236}">
-                <a16:creationId xmlns:a16="http://schemas.microsoft.com/office/drawing/2014/main" id="{191FC5A1-0327-C94F-B40A-03C0709A2EC9}"/>
-              </a:ext>
-            </a:extLst>
-          </p:cNvPr>
+          <p:cNvPr id="3" name="Notes Placeholder 2"/>
           <p:cNvSpPr>
             <a:spLocks noGrp="1"/>
           </p:cNvSpPr>
@@ -3723,32 +3711,56 @@
           <a:lstStyle/>
           <a:p>
             <a:r>
-              <a:rPr lang="en-CA" dirty="0"/>
-              <a:t>2. Odds ratios can’t be compared across data/models/papers! This is the problem of </a:t>
-            </a:r>
-            <a:r>
-              <a:rPr lang="en-CA" b="1" dirty="0"/>
-              <a:t>non-collapsibility. </a:t>
-            </a:r>
-          </a:p>
-          <a:p>
-            <a:r>
-              <a:rPr lang="en-CA" b="1" dirty="0"/>
-              <a:t>- Do code first, then come back to this after running through the code. </a:t>
-            </a:r>
-            <a:endParaRPr lang="en-CA" dirty="0"/>
+              <a:rPr lang="en-US" dirty="0"/>
+              <a:t>Problems with odds ratios: </a:t>
+            </a:r>
+          </a:p>
+          <a:p>
+            <a:pPr marL="171450" indent="-171450">
+              <a:buFont typeface="Arial" panose="020B0604020202020204" pitchFamily="34" charset="0"/>
+              <a:buChar char="•"/>
+            </a:pPr>
+            <a:r>
+              <a:rPr lang="en-US" dirty="0"/>
+              <a:t>The data affects the scaling here (scaling factor is exp(\beta/\sigma)), so different data/models means </a:t>
+            </a:r>
+            <a:r>
+              <a:rPr lang="en-US" dirty="0" err="1"/>
+              <a:t>uncomparable</a:t>
+            </a:r>
+            <a:r>
+              <a:rPr lang="en-US" dirty="0"/>
+              <a:t> coefficients. This is a big problem for meta-analyses! </a:t>
+            </a:r>
+          </a:p>
+          <a:p>
+            <a:pPr marL="171450" indent="-171450">
+              <a:buFont typeface="Arial" panose="020B0604020202020204" pitchFamily="34" charset="0"/>
+              <a:buChar char="•"/>
+            </a:pPr>
+            <a:r>
+              <a:rPr lang="en-US" dirty="0"/>
+              <a:t>Can’t even compare odds ratios across models in a paper!</a:t>
+            </a:r>
+          </a:p>
+          <a:p>
+            <a:pPr marL="171450" indent="-171450">
+              <a:buFont typeface="Arial" panose="020B0604020202020204" pitchFamily="34" charset="0"/>
+              <a:buChar char="•"/>
+            </a:pPr>
+            <a:r>
+              <a:rPr lang="en-US" dirty="0"/>
+              <a:t>Example: in a perfect RCT, the treatment effect doesn’t depend on if you include covariates or not (because there is absolutely no correlation between treatment assignment and other covariates)</a:t>
+            </a:r>
+          </a:p>
+          <a:p>
+            <a:endParaRPr lang="en-US" dirty="0"/>
           </a:p>
         </p:txBody>
       </p:sp>
       <p:sp>
         <p:nvSpPr>
-          <p:cNvPr id="4" name="Slide Number Placeholder 3">
-            <a:extLst>
-              <a:ext uri="{FF2B5EF4-FFF2-40B4-BE49-F238E27FC236}">
-                <a16:creationId xmlns:a16="http://schemas.microsoft.com/office/drawing/2014/main" id="{C0B29A48-7C3A-4270-56D7-0B79AD7F9E72}"/>
-              </a:ext>
-            </a:extLst>
-          </p:cNvPr>
+          <p:cNvPr id="4" name="Slide Number Placeholder 3"/>
           <p:cNvSpPr>
             <a:spLocks noGrp="1"/>
           </p:cNvSpPr>
@@ -3772,7 +3784,7 @@
     </p:spTree>
     <p:extLst>
       <p:ext uri="{BB962C8B-B14F-4D97-AF65-F5344CB8AC3E}">
-        <p14:creationId xmlns:p14="http://schemas.microsoft.com/office/powerpoint/2010/main" val="41678395"/>
+        <p14:creationId xmlns:p14="http://schemas.microsoft.com/office/powerpoint/2010/main" val="795631990"/>
       </p:ext>
     </p:extLst>
   </p:cSld>
@@ -3827,8 +3839,8 @@
           <a:lstStyle/>
           <a:p>
             <a:r>
-              <a:rPr lang="en-US" dirty="0"/>
-              <a:t>Given this link function, what is the partial derivative?</a:t>
+              <a:rPr lang="en-CA" dirty="0"/>
+              <a:t>1. Odds ratios are hard to interpret</a:t>
             </a:r>
           </a:p>
         </p:txBody>
@@ -3859,7 +3871,7 @@
     </p:spTree>
     <p:extLst>
       <p:ext uri="{BB962C8B-B14F-4D97-AF65-F5344CB8AC3E}">
-        <p14:creationId xmlns:p14="http://schemas.microsoft.com/office/powerpoint/2010/main" val="2038961847"/>
+        <p14:creationId xmlns:p14="http://schemas.microsoft.com/office/powerpoint/2010/main" val="2943643502"/>
       </p:ext>
     </p:extLst>
   </p:cSld>
@@ -3874,7 +3886,13 @@
   <p:cSld>
     <p:spTree>
       <p:nvGrpSpPr>
-        <p:cNvPr id="1" name=""/>
+        <p:cNvPr id="1" name="">
+          <a:extLst>
+            <a:ext uri="{FF2B5EF4-FFF2-40B4-BE49-F238E27FC236}">
+              <a16:creationId xmlns:a16="http://schemas.microsoft.com/office/drawing/2014/main" id="{B3EA904D-4B60-EE89-59D9-9B4629F8F414}"/>
+            </a:ext>
+          </a:extLst>
+        </p:cNvPr>
         <p:cNvGrpSpPr/>
         <p:nvPr/>
       </p:nvGrpSpPr>
@@ -3888,7 +3906,13 @@
       </p:grpSpPr>
       <p:sp>
         <p:nvSpPr>
-          <p:cNvPr id="2" name="Slide Image Placeholder 1"/>
+          <p:cNvPr id="2" name="Slide Image Placeholder 1">
+            <a:extLst>
+              <a:ext uri="{FF2B5EF4-FFF2-40B4-BE49-F238E27FC236}">
+                <a16:creationId xmlns:a16="http://schemas.microsoft.com/office/drawing/2014/main" id="{20676BEF-961D-3907-030D-A8318BC568E6}"/>
+              </a:ext>
+            </a:extLst>
+          </p:cNvPr>
           <p:cNvSpPr>
             <a:spLocks noGrp="1" noRot="1" noChangeAspect="1"/>
           </p:cNvSpPr>
@@ -3900,7 +3924,13 @@
       </p:sp>
       <p:sp>
         <p:nvSpPr>
-          <p:cNvPr id="3" name="Notes Placeholder 2"/>
+          <p:cNvPr id="3" name="Notes Placeholder 2">
+            <a:extLst>
+              <a:ext uri="{FF2B5EF4-FFF2-40B4-BE49-F238E27FC236}">
+                <a16:creationId xmlns:a16="http://schemas.microsoft.com/office/drawing/2014/main" id="{191FC5A1-0327-C94F-B40A-03C0709A2EC9}"/>
+              </a:ext>
+            </a:extLst>
+          </p:cNvPr>
           <p:cNvSpPr>
             <a:spLocks noGrp="1"/>
           </p:cNvSpPr>
@@ -3913,13 +3943,33 @@
           <a:bodyPr/>
           <a:lstStyle/>
           <a:p>
-            <a:endParaRPr lang="en-US" dirty="0"/>
+            <a:r>
+              <a:rPr lang="en-CA" dirty="0"/>
+              <a:t>2. Odds ratios can’t be compared across data/models/papers! This is the problem of </a:t>
+            </a:r>
+            <a:r>
+              <a:rPr lang="en-CA" b="1" dirty="0"/>
+              <a:t>non-collapsibility. </a:t>
+            </a:r>
+          </a:p>
+          <a:p>
+            <a:r>
+              <a:rPr lang="en-CA" b="1" dirty="0"/>
+              <a:t>- Do code first, then come back to this after running through the code. </a:t>
+            </a:r>
+            <a:endParaRPr lang="en-CA" dirty="0"/>
           </a:p>
         </p:txBody>
       </p:sp>
       <p:sp>
         <p:nvSpPr>
-          <p:cNvPr id="4" name="Slide Number Placeholder 3"/>
+          <p:cNvPr id="4" name="Slide Number Placeholder 3">
+            <a:extLst>
+              <a:ext uri="{FF2B5EF4-FFF2-40B4-BE49-F238E27FC236}">
+                <a16:creationId xmlns:a16="http://schemas.microsoft.com/office/drawing/2014/main" id="{C0B29A48-7C3A-4270-56D7-0B79AD7F9E72}"/>
+              </a:ext>
+            </a:extLst>
+          </p:cNvPr>
           <p:cNvSpPr>
             <a:spLocks noGrp="1"/>
           </p:cNvSpPr>
@@ -3943,7 +3993,7 @@
     </p:spTree>
     <p:extLst>
       <p:ext uri="{BB962C8B-B14F-4D97-AF65-F5344CB8AC3E}">
-        <p14:creationId xmlns:p14="http://schemas.microsoft.com/office/powerpoint/2010/main" val="4162976736"/>
+        <p14:creationId xmlns:p14="http://schemas.microsoft.com/office/powerpoint/2010/main" val="41678395"/>
       </p:ext>
     </p:extLst>
   </p:cSld>
@@ -3999,13 +4049,15 @@
           <a:p>
             <a:r>
               <a:rPr lang="en-US" dirty="0"/>
-              <a:t>Note: MEM is easier to calculate and interpret, but AME is considered to be more appropriate (it takes into account how variables are correlated, and doesn’t produce an ME for something that doesn’t exist – like someone with 2.3 kids, for example). </a:t>
-            </a:r>
-          </a:p>
-          <a:p>
+              <a:t>*** PICK UP HERE *** (with some slides to </a:t>
+            </a:r>
+            <a:r>
+              <a:rPr lang="en-US"/>
+              <a:t>refresh memory) Given </a:t>
+            </a:r>
             <a:r>
               <a:rPr lang="en-US" dirty="0"/>
-              <a:t>When using R, keep track of ME for BMI or smoker for each model. </a:t>
+              <a:t>this link function, what is the partial derivative?</a:t>
             </a:r>
           </a:p>
         </p:txBody>
@@ -4036,7 +4088,7 @@
     </p:spTree>
     <p:extLst>
       <p:ext uri="{BB962C8B-B14F-4D97-AF65-F5344CB8AC3E}">
-        <p14:creationId xmlns:p14="http://schemas.microsoft.com/office/powerpoint/2010/main" val="2711315661"/>
+        <p14:creationId xmlns:p14="http://schemas.microsoft.com/office/powerpoint/2010/main" val="2038961847"/>
       </p:ext>
     </p:extLst>
   </p:cSld>
@@ -4090,10 +4142,7 @@
           <a:bodyPr/>
           <a:lstStyle/>
           <a:p>
-            <a:r>
-              <a:rPr lang="en-US" dirty="0"/>
-              <a:t>Can’t use the F test because the test statistic no longer has an F distribution under the null hypothesis because of the link function. Easy to do in R.</a:t>
-            </a:r>
+            <a:endParaRPr lang="en-US" dirty="0"/>
           </a:p>
         </p:txBody>
       </p:sp>
@@ -4123,7 +4172,7 @@
     </p:spTree>
     <p:extLst>
       <p:ext uri="{BB962C8B-B14F-4D97-AF65-F5344CB8AC3E}">
-        <p14:creationId xmlns:p14="http://schemas.microsoft.com/office/powerpoint/2010/main" val="2225174747"/>
+        <p14:creationId xmlns:p14="http://schemas.microsoft.com/office/powerpoint/2010/main" val="4162976736"/>
       </p:ext>
     </p:extLst>
   </p:cSld>
@@ -4179,13 +4228,14 @@
           <a:p>
             <a:r>
               <a:rPr lang="en-US" dirty="0"/>
-              <a:t>Why? In a linear model, d2/dx1dx2 = d/d(x1x2) = beta_x1x2. But in a nonlinear model, the estimating equation is Phi(b1x2+b2x2+gamma(x1x2)+…), so the cross partial is gamma Phi’() + (beta_1+gamma x2)(beta_2 + gamma x1) Phi’’(), not the simple gamma Phi’(). One immediate takeaway here: if gamma = =0, the cross partial could still be nonzero (could still be an interaction effect!). Another note </a:t>
-            </a:r>
-            <a:r>
-              <a:rPr lang="en-US"/>
-              <a:t>from Wooldridge: https://twitter.com/jmwooldridge/status/1594542775189606400?s=12&amp;t=sQpjyPWgoSWS_PAStprl3Q</a:t>
-            </a:r>
-            <a:endParaRPr lang="en-US" dirty="0"/>
+              <a:t>Note: MEM is easier to calculate and interpret, but AME is considered to be more appropriate (it takes into account how variables are correlated, and doesn’t produce an ME for something that doesn’t exist – like someone with 2.3 kids, for example). </a:t>
+            </a:r>
+          </a:p>
+          <a:p>
+            <a:r>
+              <a:rPr lang="en-US" dirty="0"/>
+              <a:t>When using R, keep track of ME for BMI or smoker for each model. </a:t>
+            </a:r>
           </a:p>
         </p:txBody>
       </p:sp>
@@ -4206,7 +4256,7 @@
           <a:p>
             <a:fld id="{4AF79E1B-2C51-4B9B-8EA4-26DE9E345AFF}" type="slidenum">
               <a:rPr lang="en-US" smtClean="0"/>
-              <a:t>50</a:t>
+              <a:t>49</a:t>
             </a:fld>
             <a:endParaRPr lang="en-US"/>
           </a:p>
@@ -4215,7 +4265,7 @@
     </p:spTree>
     <p:extLst>
       <p:ext uri="{BB962C8B-B14F-4D97-AF65-F5344CB8AC3E}">
-        <p14:creationId xmlns:p14="http://schemas.microsoft.com/office/powerpoint/2010/main" val="91821653"/>
+        <p14:creationId xmlns:p14="http://schemas.microsoft.com/office/powerpoint/2010/main" val="2711315661"/>
       </p:ext>
     </p:extLst>
   </p:cSld>
@@ -4269,7 +4319,10 @@
           <a:bodyPr/>
           <a:lstStyle/>
           <a:p>
-            <a:endParaRPr lang="en-US" dirty="0"/>
+            <a:r>
+              <a:rPr lang="en-US" dirty="0"/>
+              <a:t>Can’t use the F test because the test statistic no longer has an F distribution under the null hypothesis because of the link function. Easy to do in R.</a:t>
+            </a:r>
           </a:p>
         </p:txBody>
       </p:sp>
@@ -4299,7 +4352,7 @@
     </p:spTree>
     <p:extLst>
       <p:ext uri="{BB962C8B-B14F-4D97-AF65-F5344CB8AC3E}">
-        <p14:creationId xmlns:p14="http://schemas.microsoft.com/office/powerpoint/2010/main" val="494354255"/>
+        <p14:creationId xmlns:p14="http://schemas.microsoft.com/office/powerpoint/2010/main" val="2225174747"/>
       </p:ext>
     </p:extLst>
   </p:cSld>
@@ -4353,6 +4406,14 @@
           <a:bodyPr/>
           <a:lstStyle/>
           <a:p>
+            <a:r>
+              <a:rPr lang="en-US" dirty="0"/>
+              <a:t>Why? In a linear model, d2/dx1dx2 = d/d(x1x2) = beta_x1x2. But in a nonlinear model, the estimating equation is Phi(b1x2+b2x2+gamma(x1x2)+…), so the cross partial is gamma Phi’() + (beta_1+gamma x2)(beta_2 + gamma x1) Phi’’(), not the simple gamma Phi’(). One immediate takeaway here: if gamma = =0, the cross partial could still be nonzero (could still be an interaction effect!). Another note </a:t>
+            </a:r>
+            <a:r>
+              <a:rPr lang="en-US"/>
+              <a:t>from Wooldridge: https://twitter.com/jmwooldridge/status/1594542775189606400?s=12&amp;t=sQpjyPWgoSWS_PAStprl3Q</a:t>
+            </a:r>
             <a:endParaRPr lang="en-US" dirty="0"/>
           </a:p>
         </p:txBody>
@@ -4383,7 +4444,7 @@
     </p:spTree>
     <p:extLst>
       <p:ext uri="{BB962C8B-B14F-4D97-AF65-F5344CB8AC3E}">
-        <p14:creationId xmlns:p14="http://schemas.microsoft.com/office/powerpoint/2010/main" val="1831106489"/>
+        <p14:creationId xmlns:p14="http://schemas.microsoft.com/office/powerpoint/2010/main" val="91821653"/>
       </p:ext>
     </p:extLst>
   </p:cSld>
@@ -4467,7 +4528,7 @@
     </p:spTree>
     <p:extLst>
       <p:ext uri="{BB962C8B-B14F-4D97-AF65-F5344CB8AC3E}">
-        <p14:creationId xmlns:p14="http://schemas.microsoft.com/office/powerpoint/2010/main" val="2226157949"/>
+        <p14:creationId xmlns:p14="http://schemas.microsoft.com/office/powerpoint/2010/main" val="494354255"/>
       </p:ext>
     </p:extLst>
   </p:cSld>
@@ -4608,43 +4669,6 @@
           <a:bodyPr/>
           <a:lstStyle/>
           <a:p>
-            <a:pPr algn="l" fontAlgn="base"/>
-            <a:r>
-              <a:rPr lang="en-US" b="0" i="0" dirty="0">
-                <a:solidFill>
-                  <a:srgbClr val="222222"/>
-                </a:solidFill>
-                <a:effectLst/>
-                <a:latin typeface="Source Sans Pro" panose="020B0503030403020204" pitchFamily="34" charset="0"/>
-              </a:rPr>
-              <a:t>This is based off of Wooldridge 2010 : (1) Estimate the first stage using nonlinear regression (logit) and get predicted values. (2) Instead of sticking predicted values into the second stage, use them </a:t>
-            </a:r>
-            <a:r>
-              <a:rPr lang="en-US" b="0" i="1" dirty="0">
-                <a:solidFill>
-                  <a:srgbClr val="222222"/>
-                </a:solidFill>
-                <a:effectLst/>
-                <a:latin typeface="Source Sans Pro" panose="020B0503030403020204" pitchFamily="34" charset="0"/>
-              </a:rPr>
-              <a:t>in place of the instrument</a:t>
-            </a:r>
-            <a:r>
-              <a:rPr lang="en-US" b="0" i="0" dirty="0">
-                <a:solidFill>
-                  <a:srgbClr val="222222"/>
-                </a:solidFill>
-                <a:effectLst/>
-                <a:latin typeface="Source Sans Pro" panose="020B0503030403020204" pitchFamily="34" charset="0"/>
-              </a:rPr>
-              <a:t> in 2SLS. You’ll look at this a little bit in the problem set. Under this process, the nonlinearity no longer biases the estimate, and we get more precise estimates than if we’d run a linear probability model.</a:t>
-            </a:r>
-          </a:p>
-          <a:p>
-            <a:endParaRPr lang="en-US" dirty="0"/>
-          </a:p>
-          <a:p>
-            <a:pPr algn="l" fontAlgn="base"/>
             <a:endParaRPr lang="en-US" dirty="0"/>
           </a:p>
         </p:txBody>
@@ -4675,7 +4699,7 @@
     </p:spTree>
     <p:extLst>
       <p:ext uri="{BB962C8B-B14F-4D97-AF65-F5344CB8AC3E}">
-        <p14:creationId xmlns:p14="http://schemas.microsoft.com/office/powerpoint/2010/main" val="106727666"/>
+        <p14:creationId xmlns:p14="http://schemas.microsoft.com/office/powerpoint/2010/main" val="1831106489"/>
       </p:ext>
     </p:extLst>
   </p:cSld>
@@ -4729,17 +4753,6 @@
           <a:bodyPr/>
           <a:lstStyle/>
           <a:p>
-            <a:pPr algn="l" fontAlgn="base"/>
-            <a:r>
-              <a:rPr lang="en-US" b="0" i="0" dirty="0">
-                <a:solidFill>
-                  <a:srgbClr val="222222"/>
-                </a:solidFill>
-                <a:effectLst/>
-                <a:latin typeface="Source Sans Pro" panose="020B0503030403020204" pitchFamily="34" charset="0"/>
-              </a:rPr>
-              <a:t>Deferring the mechanics of this. </a:t>
-            </a:r>
             <a:endParaRPr lang="en-US" dirty="0"/>
           </a:p>
         </p:txBody>
@@ -4770,7 +4783,7 @@
     </p:spTree>
     <p:extLst>
       <p:ext uri="{BB962C8B-B14F-4D97-AF65-F5344CB8AC3E}">
-        <p14:creationId xmlns:p14="http://schemas.microsoft.com/office/powerpoint/2010/main" val="1084862643"/>
+        <p14:creationId xmlns:p14="http://schemas.microsoft.com/office/powerpoint/2010/main" val="2226157949"/>
       </p:ext>
     </p:extLst>
   </p:cSld>
@@ -4824,10 +4837,44 @@
           <a:bodyPr/>
           <a:lstStyle/>
           <a:p>
-            <a:r>
-              <a:rPr lang="en-US" dirty="0"/>
-              <a:t>Talk about notation here. </a:t>
-            </a:r>
+            <a:pPr algn="l" fontAlgn="base"/>
+            <a:r>
+              <a:rPr lang="en-US" b="0" i="0" dirty="0">
+                <a:solidFill>
+                  <a:srgbClr val="222222"/>
+                </a:solidFill>
+                <a:effectLst/>
+                <a:latin typeface="Source Sans Pro" panose="020B0503030403020204" pitchFamily="34" charset="0"/>
+              </a:rPr>
+              <a:t>This is based off of Wooldridge 2010 : (1) Estimate the first stage using nonlinear regression (logit) and get predicted values. (2) Instead of sticking predicted values into the second stage, use them </a:t>
+            </a:r>
+            <a:r>
+              <a:rPr lang="en-US" b="0" i="1" dirty="0">
+                <a:solidFill>
+                  <a:srgbClr val="222222"/>
+                </a:solidFill>
+                <a:effectLst/>
+                <a:latin typeface="Source Sans Pro" panose="020B0503030403020204" pitchFamily="34" charset="0"/>
+              </a:rPr>
+              <a:t>in place of the instrument</a:t>
+            </a:r>
+            <a:r>
+              <a:rPr lang="en-US" b="0" i="0" dirty="0">
+                <a:solidFill>
+                  <a:srgbClr val="222222"/>
+                </a:solidFill>
+                <a:effectLst/>
+                <a:latin typeface="Source Sans Pro" panose="020B0503030403020204" pitchFamily="34" charset="0"/>
+              </a:rPr>
+              <a:t> in 2SLS. You’ll look at this a little bit in the problem set. Under this process, the nonlinearity no longer biases the estimate, and we get more precise estimates than if we’d run a linear probability model.</a:t>
+            </a:r>
+          </a:p>
+          <a:p>
+            <a:endParaRPr lang="en-US" dirty="0"/>
+          </a:p>
+          <a:p>
+            <a:pPr algn="l" fontAlgn="base"/>
+            <a:endParaRPr lang="en-US" dirty="0"/>
           </a:p>
         </p:txBody>
       </p:sp>
@@ -4848,7 +4895,7 @@
           <a:p>
             <a:fld id="{4AF79E1B-2C51-4B9B-8EA4-26DE9E345AFF}" type="slidenum">
               <a:rPr lang="en-US" smtClean="0"/>
-              <a:t>57</a:t>
+              <a:t>56</a:t>
             </a:fld>
             <a:endParaRPr lang="en-US"/>
           </a:p>
@@ -4857,7 +4904,7 @@
     </p:spTree>
     <p:extLst>
       <p:ext uri="{BB962C8B-B14F-4D97-AF65-F5344CB8AC3E}">
-        <p14:creationId xmlns:p14="http://schemas.microsoft.com/office/powerpoint/2010/main" val="2947825922"/>
+        <p14:creationId xmlns:p14="http://schemas.microsoft.com/office/powerpoint/2010/main" val="106727666"/>
       </p:ext>
     </p:extLst>
   </p:cSld>
@@ -4911,10 +4958,18 @@
           <a:bodyPr/>
           <a:lstStyle/>
           <a:p>
-            <a:r>
-              <a:rPr lang="en-US" dirty="0"/>
-              <a:t>Now, suppose that each of these coefficients is a tilde variable – the parameter of interest is delta. Identified by dividing the reduced-form coefficient of donor 2’s phone call by the reduced-form coefficient of donor 1’s phone call</a:t>
-            </a:r>
+            <a:pPr algn="l" fontAlgn="base"/>
+            <a:r>
+              <a:rPr lang="en-US" b="0" i="0" dirty="0">
+                <a:solidFill>
+                  <a:srgbClr val="222222"/>
+                </a:solidFill>
+                <a:effectLst/>
+                <a:latin typeface="Source Sans Pro" panose="020B0503030403020204" pitchFamily="34" charset="0"/>
+              </a:rPr>
+              <a:t>Deferring the mechanics of this. </a:t>
+            </a:r>
+            <a:endParaRPr lang="en-US" dirty="0"/>
           </a:p>
         </p:txBody>
       </p:sp>
@@ -4935,7 +4990,7 @@
           <a:p>
             <a:fld id="{4AF79E1B-2C51-4B9B-8EA4-26DE9E345AFF}" type="slidenum">
               <a:rPr lang="en-US" smtClean="0"/>
-              <a:t>58</a:t>
+              <a:t>57</a:t>
             </a:fld>
             <a:endParaRPr lang="en-US"/>
           </a:p>
@@ -4944,7 +4999,7 @@
     </p:spTree>
     <p:extLst>
       <p:ext uri="{BB962C8B-B14F-4D97-AF65-F5344CB8AC3E}">
-        <p14:creationId xmlns:p14="http://schemas.microsoft.com/office/powerpoint/2010/main" val="1211491864"/>
+        <p14:creationId xmlns:p14="http://schemas.microsoft.com/office/powerpoint/2010/main" val="1084862643"/>
       </p:ext>
     </p:extLst>
   </p:cSld>
@@ -5000,15 +5055,7 @@
           <a:p>
             <a:r>
               <a:rPr lang="en-US" dirty="0"/>
-              <a:t>We won’t talk much about the bivariate </a:t>
-            </a:r>
-            <a:r>
-              <a:rPr lang="en-US" dirty="0" err="1"/>
-              <a:t>probit</a:t>
-            </a:r>
-            <a:r>
-              <a:rPr lang="en-US" dirty="0"/>
-              <a:t>. </a:t>
+              <a:t>Talk about notation here. </a:t>
             </a:r>
           </a:p>
         </p:txBody>
@@ -5039,7 +5086,7 @@
     </p:spTree>
     <p:extLst>
       <p:ext uri="{BB962C8B-B14F-4D97-AF65-F5344CB8AC3E}">
-        <p14:creationId xmlns:p14="http://schemas.microsoft.com/office/powerpoint/2010/main" val="2456955020"/>
+        <p14:creationId xmlns:p14="http://schemas.microsoft.com/office/powerpoint/2010/main" val="2947825922"/>
       </p:ext>
     </p:extLst>
   </p:cSld>
@@ -5095,7 +5142,7 @@
           <a:p>
             <a:r>
               <a:rPr lang="en-US" dirty="0"/>
-              <a:t>Cut out some of the middle of the table here. Note that we can say something about relative magnitudes and sizes – but no marginal effects (need to look at Appendix A.5 for that)</a:t>
+              <a:t>Now, suppose that each of these coefficients is a tilde variable – the parameter of interest is delta. Identified by dividing the reduced-form coefficient of donor 2’s phone call by the reduced-form coefficient of donor 1’s phone call</a:t>
             </a:r>
           </a:p>
         </p:txBody>
@@ -5126,7 +5173,7 @@
     </p:spTree>
     <p:extLst>
       <p:ext uri="{BB962C8B-B14F-4D97-AF65-F5344CB8AC3E}">
-        <p14:creationId xmlns:p14="http://schemas.microsoft.com/office/powerpoint/2010/main" val="2873427687"/>
+        <p14:creationId xmlns:p14="http://schemas.microsoft.com/office/powerpoint/2010/main" val="1211491864"/>
       </p:ext>
     </p:extLst>
   </p:cSld>
@@ -5182,7 +5229,15 @@
           <a:p>
             <a:r>
               <a:rPr lang="en-US" dirty="0"/>
-              <a:t>Note that these effects are not very comparable – how do we put them in context together? Baseline of 8.7 is 30 percentage points (29%). The 46% is a 5 percentage point increase. Do we really believe that the spillover effects are larger? </a:t>
+              <a:t>We won’t talk much about the bivariate </a:t>
+            </a:r>
+            <a:r>
+              <a:rPr lang="en-US" dirty="0" err="1"/>
+              <a:t>probit</a:t>
+            </a:r>
+            <a:r>
+              <a:rPr lang="en-US" dirty="0"/>
+              <a:t>. </a:t>
             </a:r>
           </a:p>
         </p:txBody>
@@ -5213,7 +5268,7 @@
     </p:spTree>
     <p:extLst>
       <p:ext uri="{BB962C8B-B14F-4D97-AF65-F5344CB8AC3E}">
-        <p14:creationId xmlns:p14="http://schemas.microsoft.com/office/powerpoint/2010/main" val="4208132753"/>
+        <p14:creationId xmlns:p14="http://schemas.microsoft.com/office/powerpoint/2010/main" val="2456955020"/>
       </p:ext>
     </p:extLst>
   </p:cSld>
@@ -5269,7 +5324,7 @@
           <a:p>
             <a:r>
               <a:rPr lang="en-US" dirty="0"/>
-              <a:t>Some issues: data came from people already registered as blood donors? Do you believe the phone call over the letter/text? Is this convenience or is it altruism (does it matter)? </a:t>
+              <a:t>Cut out some of the middle of the table here. Note that we can say something about relative magnitudes and sizes – but no marginal effects (need to look at Appendix A.5 for that)</a:t>
             </a:r>
           </a:p>
         </p:txBody>
@@ -5300,7 +5355,7 @@
     </p:spTree>
     <p:extLst>
       <p:ext uri="{BB962C8B-B14F-4D97-AF65-F5344CB8AC3E}">
-        <p14:creationId xmlns:p14="http://schemas.microsoft.com/office/powerpoint/2010/main" val="3327958466"/>
+        <p14:creationId xmlns:p14="http://schemas.microsoft.com/office/powerpoint/2010/main" val="2873427687"/>
       </p:ext>
     </p:extLst>
   </p:cSld>
@@ -5356,7 +5411,7 @@
           <a:p>
             <a:r>
               <a:rPr lang="en-US" dirty="0"/>
-              <a:t>Here’s where we’re headed next time (or now if we have time!) Note that we have 2-3 case studies (since there are no readings) next week!</a:t>
+              <a:t>Note that these effects are not very comparable – how do we put them in context together? Baseline of 8.7 is 30 percentage points (29%). The 46% is a 5 percentage point increase. Do we really believe that the spillover effects are larger? </a:t>
             </a:r>
           </a:p>
         </p:txBody>
@@ -5387,7 +5442,7 @@
     </p:spTree>
     <p:extLst>
       <p:ext uri="{BB962C8B-B14F-4D97-AF65-F5344CB8AC3E}">
-        <p14:creationId xmlns:p14="http://schemas.microsoft.com/office/powerpoint/2010/main" val="2083499418"/>
+        <p14:creationId xmlns:p14="http://schemas.microsoft.com/office/powerpoint/2010/main" val="4208132753"/>
       </p:ext>
     </p:extLst>
   </p:cSld>
@@ -5443,7 +5498,7 @@
           <a:p>
             <a:r>
               <a:rPr lang="en-US" dirty="0"/>
-              <a:t>Cover if you have time? </a:t>
+              <a:t>Some issues: data came from people already registered as blood donors? Do you believe the phone call over the letter/text? Is this convenience or is it altruism (does it matter)? </a:t>
             </a:r>
           </a:p>
         </p:txBody>
@@ -5474,7 +5529,7 @@
     </p:spTree>
     <p:extLst>
       <p:ext uri="{BB962C8B-B14F-4D97-AF65-F5344CB8AC3E}">
-        <p14:creationId xmlns:p14="http://schemas.microsoft.com/office/powerpoint/2010/main" val="3684093957"/>
+        <p14:creationId xmlns:p14="http://schemas.microsoft.com/office/powerpoint/2010/main" val="3327958466"/>
       </p:ext>
     </p:extLst>
   </p:cSld>
@@ -5617,15 +5672,8 @@
           <a:p>
             <a:r>
               <a:rPr lang="en-US" dirty="0"/>
-              <a:t>Example of likelihood: </a:t>
-            </a:r>
-            <a:r>
-              <a:rPr lang="en-US" sz="1200" dirty="0">
-                <a:cs typeface="Times New Roman" panose="02020603050405020304" pitchFamily="18" charset="0"/>
-              </a:rPr>
-              <a:t>For example, if your model estimates that a coin has a .6 chance of being heads, then two observations of heads followed by one observation of tails has a likelihood of , i.e. a .144 chance of occurring. 0.6 is the “hyperparameter” governing the likelihood, which you test for based on your data and model. </a:t>
-            </a:r>
-            <a:endParaRPr lang="en-US" dirty="0"/>
+              <a:t>Here’s where we’re headed next time (or now if we have time!) Note that we have 2-3 case studies (since there are no readings) next week!</a:t>
+            </a:r>
           </a:p>
         </p:txBody>
       </p:sp>
@@ -5655,7 +5703,7 @@
     </p:spTree>
     <p:extLst>
       <p:ext uri="{BB962C8B-B14F-4D97-AF65-F5344CB8AC3E}">
-        <p14:creationId xmlns:p14="http://schemas.microsoft.com/office/powerpoint/2010/main" val="849807376"/>
+        <p14:creationId xmlns:p14="http://schemas.microsoft.com/office/powerpoint/2010/main" val="2083499418"/>
       </p:ext>
     </p:extLst>
   </p:cSld>
@@ -5711,7 +5759,7 @@
           <a:p>
             <a:r>
               <a:rPr lang="en-US" dirty="0"/>
-              <a:t>These come from some old slides – all of our estimation so far uses MOM (or GMM). </a:t>
+              <a:t>Cover if you have time? </a:t>
             </a:r>
           </a:p>
         </p:txBody>
@@ -5742,7 +5790,7 @@
     </p:spTree>
     <p:extLst>
       <p:ext uri="{BB962C8B-B14F-4D97-AF65-F5344CB8AC3E}">
-        <p14:creationId xmlns:p14="http://schemas.microsoft.com/office/powerpoint/2010/main" val="2572733210"/>
+        <p14:creationId xmlns:p14="http://schemas.microsoft.com/office/powerpoint/2010/main" val="3684093957"/>
       </p:ext>
     </p:extLst>
   </p:cSld>
@@ -5798,8 +5846,15 @@
           <a:p>
             <a:r>
               <a:rPr lang="en-US" dirty="0"/>
-              <a:t>We’re going to be estimating how our data fits various distributions today – these can be done with MOM (provided there are enough conditions and few enough parameters)</a:t>
-            </a:r>
+              <a:t>Example of likelihood: </a:t>
+            </a:r>
+            <a:r>
+              <a:rPr lang="en-US" sz="1200" dirty="0">
+                <a:cs typeface="Times New Roman" panose="02020603050405020304" pitchFamily="18" charset="0"/>
+              </a:rPr>
+              <a:t>For example, if your model estimates that a coin has a .6 chance of being heads, then two observations of heads followed by one observation of tails has a likelihood of , i.e. a .144 chance of occurring. 0.6 is the “hyperparameter” governing the likelihood, which you test for based on your data and model. </a:t>
+            </a:r>
+            <a:endParaRPr lang="en-US" dirty="0"/>
           </a:p>
         </p:txBody>
       </p:sp>
@@ -5829,7 +5884,7 @@
     </p:spTree>
     <p:extLst>
       <p:ext uri="{BB962C8B-B14F-4D97-AF65-F5344CB8AC3E}">
-        <p14:creationId xmlns:p14="http://schemas.microsoft.com/office/powerpoint/2010/main" val="296232470"/>
+        <p14:creationId xmlns:p14="http://schemas.microsoft.com/office/powerpoint/2010/main" val="849807376"/>
       </p:ext>
     </p:extLst>
   </p:cSld>
@@ -5885,7 +5940,7 @@
           <a:p>
             <a:r>
               <a:rPr lang="en-US" dirty="0"/>
-              <a:t>We’re going to be estimating how our data fits various distributions today – these can be done with MOM (provided there are enough conditions and few enough parameters)</a:t>
+              <a:t>These come from some old slides – all of our estimation so far uses MOM (or GMM). </a:t>
             </a:r>
           </a:p>
         </p:txBody>
@@ -5916,7 +5971,7 @@
     </p:spTree>
     <p:extLst>
       <p:ext uri="{BB962C8B-B14F-4D97-AF65-F5344CB8AC3E}">
-        <p14:creationId xmlns:p14="http://schemas.microsoft.com/office/powerpoint/2010/main" val="3669812789"/>
+        <p14:creationId xmlns:p14="http://schemas.microsoft.com/office/powerpoint/2010/main" val="2572733210"/>
       </p:ext>
     </p:extLst>
   </p:cSld>
@@ -5972,7 +6027,7 @@
           <a:p>
             <a:r>
               <a:rPr lang="en-US" dirty="0"/>
-              <a:t>One drawback of MOM is that using the first m moments doesn’t use the full distribution of data. This might matter more as distributions get more non-normal, hence MLE was developed. </a:t>
+              <a:t>We’re going to be estimating how our data fits various distributions today – these can be done with MOM (provided there are enough conditions and few enough parameters)</a:t>
             </a:r>
           </a:p>
         </p:txBody>
@@ -6003,7 +6058,7 @@
     </p:spTree>
     <p:extLst>
       <p:ext uri="{BB962C8B-B14F-4D97-AF65-F5344CB8AC3E}">
-        <p14:creationId xmlns:p14="http://schemas.microsoft.com/office/powerpoint/2010/main" val="3042343118"/>
+        <p14:creationId xmlns:p14="http://schemas.microsoft.com/office/powerpoint/2010/main" val="296232470"/>
       </p:ext>
     </p:extLst>
   </p:cSld>
@@ -6059,7 +6114,7 @@
           <a:p>
             <a:r>
               <a:rPr lang="en-US" dirty="0"/>
-              <a:t>We can use logs because they’re monotonic, so they don’t change the maximum. Work through this on board. </a:t>
+              <a:t>We’re going to be estimating how our data fits various distributions today – these can be done with MOM (provided there are enough conditions and few enough parameters)</a:t>
             </a:r>
           </a:p>
         </p:txBody>
@@ -6090,7 +6145,7 @@
     </p:spTree>
     <p:extLst>
       <p:ext uri="{BB962C8B-B14F-4D97-AF65-F5344CB8AC3E}">
-        <p14:creationId xmlns:p14="http://schemas.microsoft.com/office/powerpoint/2010/main" val="4024523151"/>
+        <p14:creationId xmlns:p14="http://schemas.microsoft.com/office/powerpoint/2010/main" val="3669812789"/>
       </p:ext>
     </p:extLst>
   </p:cSld>
@@ -6146,15 +6201,7 @@
           <a:p>
             <a:r>
               <a:rPr lang="en-US" dirty="0"/>
-              <a:t>Here, we will be </a:t>
-            </a:r>
-            <a:r>
-              <a:rPr lang="en-US" dirty="0" err="1"/>
-              <a:t>usingn</a:t>
-            </a:r>
-            <a:r>
-              <a:rPr lang="en-US" dirty="0"/>
-              <a:t> the actual pdf (full distribution!) of an RV</a:t>
+              <a:t>One drawback of MOM is that using the first m moments doesn’t use the full distribution of data. This might matter more as distributions get more non-normal, hence MLE was developed. </a:t>
             </a:r>
           </a:p>
         </p:txBody>
@@ -6185,7 +6232,7 @@
     </p:spTree>
     <p:extLst>
       <p:ext uri="{BB962C8B-B14F-4D97-AF65-F5344CB8AC3E}">
-        <p14:creationId xmlns:p14="http://schemas.microsoft.com/office/powerpoint/2010/main" val="3161588888"/>
+        <p14:creationId xmlns:p14="http://schemas.microsoft.com/office/powerpoint/2010/main" val="3042343118"/>
       </p:ext>
     </p:extLst>
   </p:cSld>
@@ -6239,7 +6286,10 @@
           <a:bodyPr/>
           <a:lstStyle/>
           <a:p>
-            <a:endParaRPr lang="en-US" dirty="0"/>
+            <a:r>
+              <a:rPr lang="en-US" dirty="0"/>
+              <a:t>We can use logs because they’re monotonic, so they don’t change the maximum. Work through this on board. </a:t>
+            </a:r>
           </a:p>
         </p:txBody>
       </p:sp>
@@ -6269,7 +6319,7 @@
     </p:spTree>
     <p:extLst>
       <p:ext uri="{BB962C8B-B14F-4D97-AF65-F5344CB8AC3E}">
-        <p14:creationId xmlns:p14="http://schemas.microsoft.com/office/powerpoint/2010/main" val="2994937504"/>
+        <p14:creationId xmlns:p14="http://schemas.microsoft.com/office/powerpoint/2010/main" val="4024523151"/>
       </p:ext>
     </p:extLst>
   </p:cSld>
@@ -6325,7 +6375,15 @@
           <a:p>
             <a:r>
               <a:rPr lang="en-US" dirty="0"/>
-              <a:t>You’ll want to check for a maximum. Of course R will do all this for you. </a:t>
+              <a:t>Here, we will be </a:t>
+            </a:r>
+            <a:r>
+              <a:rPr lang="en-US" dirty="0" err="1"/>
+              <a:t>usingn</a:t>
+            </a:r>
+            <a:r>
+              <a:rPr lang="en-US" dirty="0"/>
+              <a:t> the actual pdf (full distribution!) of an RV</a:t>
             </a:r>
           </a:p>
         </p:txBody>
@@ -6356,7 +6414,91 @@
     </p:spTree>
     <p:extLst>
       <p:ext uri="{BB962C8B-B14F-4D97-AF65-F5344CB8AC3E}">
-        <p14:creationId xmlns:p14="http://schemas.microsoft.com/office/powerpoint/2010/main" val="90894342"/>
+        <p14:creationId xmlns:p14="http://schemas.microsoft.com/office/powerpoint/2010/main" val="3161588888"/>
+      </p:ext>
+    </p:extLst>
+  </p:cSld>
+  <p:clrMapOvr>
+    <a:masterClrMapping/>
+  </p:clrMapOvr>
+</p:notes>
+</file>
+
+<file path=ppt/notesSlides/notesSlide69.xml><?xml version="1.0" encoding="utf-8"?>
+<p:notes xmlns:a="http://schemas.openxmlformats.org/drawingml/2006/main" xmlns:r="http://schemas.openxmlformats.org/officeDocument/2006/relationships" xmlns:p="http://schemas.openxmlformats.org/presentationml/2006/main">
+  <p:cSld>
+    <p:spTree>
+      <p:nvGrpSpPr>
+        <p:cNvPr id="1" name=""/>
+        <p:cNvGrpSpPr/>
+        <p:nvPr/>
+      </p:nvGrpSpPr>
+      <p:grpSpPr>
+        <a:xfrm>
+          <a:off x="0" y="0"/>
+          <a:ext cx="0" cy="0"/>
+          <a:chOff x="0" y="0"/>
+          <a:chExt cx="0" cy="0"/>
+        </a:xfrm>
+      </p:grpSpPr>
+      <p:sp>
+        <p:nvSpPr>
+          <p:cNvPr id="2" name="Slide Image Placeholder 1"/>
+          <p:cNvSpPr>
+            <a:spLocks noGrp="1" noRot="1" noChangeAspect="1"/>
+          </p:cNvSpPr>
+          <p:nvPr>
+            <p:ph type="sldImg"/>
+          </p:nvPr>
+        </p:nvSpPr>
+        <p:spPr/>
+      </p:sp>
+      <p:sp>
+        <p:nvSpPr>
+          <p:cNvPr id="3" name="Notes Placeholder 2"/>
+          <p:cNvSpPr>
+            <a:spLocks noGrp="1"/>
+          </p:cNvSpPr>
+          <p:nvPr>
+            <p:ph type="body" idx="1"/>
+          </p:nvPr>
+        </p:nvSpPr>
+        <p:spPr/>
+        <p:txBody>
+          <a:bodyPr/>
+          <a:lstStyle/>
+          <a:p>
+            <a:endParaRPr lang="en-US" dirty="0"/>
+          </a:p>
+        </p:txBody>
+      </p:sp>
+      <p:sp>
+        <p:nvSpPr>
+          <p:cNvPr id="4" name="Slide Number Placeholder 3"/>
+          <p:cNvSpPr>
+            <a:spLocks noGrp="1"/>
+          </p:cNvSpPr>
+          <p:nvPr>
+            <p:ph type="sldNum" sz="quarter" idx="5"/>
+          </p:nvPr>
+        </p:nvSpPr>
+        <p:spPr/>
+        <p:txBody>
+          <a:bodyPr/>
+          <a:lstStyle/>
+          <a:p>
+            <a:fld id="{4AF79E1B-2C51-4B9B-8EA4-26DE9E345AFF}" type="slidenum">
+              <a:rPr lang="en-US" smtClean="0"/>
+              <a:t>74</a:t>
+            </a:fld>
+            <a:endParaRPr lang="en-US"/>
+          </a:p>
+        </p:txBody>
+      </p:sp>
+    </p:spTree>
+    <p:extLst>
+      <p:ext uri="{BB962C8B-B14F-4D97-AF65-F5344CB8AC3E}">
+        <p14:creationId xmlns:p14="http://schemas.microsoft.com/office/powerpoint/2010/main" val="2994937504"/>
       </p:ext>
     </p:extLst>
   </p:cSld>
@@ -6444,6 +6586,93 @@
     <p:extLst>
       <p:ext uri="{BB962C8B-B14F-4D97-AF65-F5344CB8AC3E}">
         <p14:creationId xmlns:p14="http://schemas.microsoft.com/office/powerpoint/2010/main" val="278335146"/>
+      </p:ext>
+    </p:extLst>
+  </p:cSld>
+  <p:clrMapOvr>
+    <a:masterClrMapping/>
+  </p:clrMapOvr>
+</p:notes>
+</file>
+
+<file path=ppt/notesSlides/notesSlide70.xml><?xml version="1.0" encoding="utf-8"?>
+<p:notes xmlns:a="http://schemas.openxmlformats.org/drawingml/2006/main" xmlns:r="http://schemas.openxmlformats.org/officeDocument/2006/relationships" xmlns:p="http://schemas.openxmlformats.org/presentationml/2006/main">
+  <p:cSld>
+    <p:spTree>
+      <p:nvGrpSpPr>
+        <p:cNvPr id="1" name=""/>
+        <p:cNvGrpSpPr/>
+        <p:nvPr/>
+      </p:nvGrpSpPr>
+      <p:grpSpPr>
+        <a:xfrm>
+          <a:off x="0" y="0"/>
+          <a:ext cx="0" cy="0"/>
+          <a:chOff x="0" y="0"/>
+          <a:chExt cx="0" cy="0"/>
+        </a:xfrm>
+      </p:grpSpPr>
+      <p:sp>
+        <p:nvSpPr>
+          <p:cNvPr id="2" name="Slide Image Placeholder 1"/>
+          <p:cNvSpPr>
+            <a:spLocks noGrp="1" noRot="1" noChangeAspect="1"/>
+          </p:cNvSpPr>
+          <p:nvPr>
+            <p:ph type="sldImg"/>
+          </p:nvPr>
+        </p:nvSpPr>
+        <p:spPr/>
+      </p:sp>
+      <p:sp>
+        <p:nvSpPr>
+          <p:cNvPr id="3" name="Notes Placeholder 2"/>
+          <p:cNvSpPr>
+            <a:spLocks noGrp="1"/>
+          </p:cNvSpPr>
+          <p:nvPr>
+            <p:ph type="body" idx="1"/>
+          </p:nvPr>
+        </p:nvSpPr>
+        <p:spPr/>
+        <p:txBody>
+          <a:bodyPr/>
+          <a:lstStyle/>
+          <a:p>
+            <a:r>
+              <a:rPr lang="en-US" dirty="0"/>
+              <a:t>You’ll want to check for a maximum. Of course R will do all this for you. </a:t>
+            </a:r>
+          </a:p>
+        </p:txBody>
+      </p:sp>
+      <p:sp>
+        <p:nvSpPr>
+          <p:cNvPr id="4" name="Slide Number Placeholder 3"/>
+          <p:cNvSpPr>
+            <a:spLocks noGrp="1"/>
+          </p:cNvSpPr>
+          <p:nvPr>
+            <p:ph type="sldNum" sz="quarter" idx="5"/>
+          </p:nvPr>
+        </p:nvSpPr>
+        <p:spPr/>
+        <p:txBody>
+          <a:bodyPr/>
+          <a:lstStyle/>
+          <a:p>
+            <a:fld id="{4AF79E1B-2C51-4B9B-8EA4-26DE9E345AFF}" type="slidenum">
+              <a:rPr lang="en-US" smtClean="0"/>
+              <a:t>75</a:t>
+            </a:fld>
+            <a:endParaRPr lang="en-US"/>
+          </a:p>
+        </p:txBody>
+      </p:sp>
+    </p:spTree>
+    <p:extLst>
+      <p:ext uri="{BB962C8B-B14F-4D97-AF65-F5344CB8AC3E}">
+        <p14:creationId xmlns:p14="http://schemas.microsoft.com/office/powerpoint/2010/main" val="90894342"/>
       </p:ext>
     </p:extLst>
   </p:cSld>
@@ -6804,7 +7033,7 @@
             <a:fld id="{0972D05C-DCFB-4BB6-B49C-AC126BF3ED2C}" type="datetimeFigureOut">
               <a:rPr lang="en-US" smtClean="0"/>
               <a:pPr/>
-              <a:t>11/5/2025</a:t>
+              <a:t>11/21/2025</a:t>
             </a:fld>
             <a:endParaRPr lang="en-US"/>
           </a:p>
@@ -7041,7 +7270,7 @@
             <a:fld id="{0972D05C-DCFB-4BB6-B49C-AC126BF3ED2C}" type="datetimeFigureOut">
               <a:rPr lang="en-US" smtClean="0"/>
               <a:pPr/>
-              <a:t>11/5/2025</a:t>
+              <a:t>11/21/2025</a:t>
             </a:fld>
             <a:endParaRPr lang="en-US"/>
           </a:p>
@@ -7223,7 +7452,7 @@
             <a:fld id="{0972D05C-DCFB-4BB6-B49C-AC126BF3ED2C}" type="datetimeFigureOut">
               <a:rPr lang="en-US" smtClean="0"/>
               <a:pPr/>
-              <a:t>11/5/2025</a:t>
+              <a:t>11/21/2025</a:t>
             </a:fld>
             <a:endParaRPr lang="en-US"/>
           </a:p>
@@ -7395,7 +7624,7 @@
             <a:fld id="{0972D05C-DCFB-4BB6-B49C-AC126BF3ED2C}" type="datetimeFigureOut">
               <a:rPr lang="en-US" smtClean="0"/>
               <a:pPr/>
-              <a:t>11/5/2025</a:t>
+              <a:t>11/21/2025</a:t>
             </a:fld>
             <a:endParaRPr lang="en-US"/>
           </a:p>
@@ -7651,7 +7880,7 @@
             <a:fld id="{0972D05C-DCFB-4BB6-B49C-AC126BF3ED2C}" type="datetimeFigureOut">
               <a:rPr lang="en-US" smtClean="0"/>
               <a:pPr/>
-              <a:t>11/5/2025</a:t>
+              <a:t>11/21/2025</a:t>
             </a:fld>
             <a:endParaRPr lang="en-US"/>
           </a:p>
@@ -7979,7 +8208,7 @@
             <a:fld id="{0972D05C-DCFB-4BB6-B49C-AC126BF3ED2C}" type="datetimeFigureOut">
               <a:rPr lang="en-US" smtClean="0"/>
               <a:pPr/>
-              <a:t>11/5/2025</a:t>
+              <a:t>11/21/2025</a:t>
             </a:fld>
             <a:endParaRPr lang="en-US"/>
           </a:p>
@@ -8432,7 +8661,7 @@
             <a:fld id="{0972D05C-DCFB-4BB6-B49C-AC126BF3ED2C}" type="datetimeFigureOut">
               <a:rPr lang="en-US" smtClean="0"/>
               <a:pPr/>
-              <a:t>11/5/2025</a:t>
+              <a:t>11/21/2025</a:t>
             </a:fld>
             <a:endParaRPr lang="en-US"/>
           </a:p>
@@ -8552,7 +8781,7 @@
             <a:fld id="{0972D05C-DCFB-4BB6-B49C-AC126BF3ED2C}" type="datetimeFigureOut">
               <a:rPr lang="en-US" smtClean="0"/>
               <a:pPr/>
-              <a:t>11/5/2025</a:t>
+              <a:t>11/21/2025</a:t>
             </a:fld>
             <a:endParaRPr lang="en-US"/>
           </a:p>
@@ -8649,7 +8878,7 @@
             <a:fld id="{0972D05C-DCFB-4BB6-B49C-AC126BF3ED2C}" type="datetimeFigureOut">
               <a:rPr lang="en-US" smtClean="0"/>
               <a:pPr/>
-              <a:t>11/5/2025</a:t>
+              <a:t>11/21/2025</a:t>
             </a:fld>
             <a:endParaRPr lang="en-US"/>
           </a:p>
@@ -8938,7 +9167,7 @@
             <a:fld id="{0972D05C-DCFB-4BB6-B49C-AC126BF3ED2C}" type="datetimeFigureOut">
               <a:rPr lang="en-US" smtClean="0"/>
               <a:pPr/>
-              <a:t>11/5/2025</a:t>
+              <a:t>11/21/2025</a:t>
             </a:fld>
             <a:endParaRPr lang="en-US"/>
           </a:p>
@@ -9262,7 +9491,7 @@
             <a:fld id="{0972D05C-DCFB-4BB6-B49C-AC126BF3ED2C}" type="datetimeFigureOut">
               <a:rPr lang="en-US" smtClean="0"/>
               <a:pPr/>
-              <a:t>11/5/2025</a:t>
+              <a:t>11/21/2025</a:t>
             </a:fld>
             <a:endParaRPr lang="en-US"/>
           </a:p>
@@ -9524,7 +9753,7 @@
             <a:fld id="{0972D05C-DCFB-4BB6-B49C-AC126BF3ED2C}" type="datetimeFigureOut">
               <a:rPr lang="en-US" smtClean="0"/>
               <a:pPr/>
-              <a:t>11/5/2025</a:t>
+              <a:t>11/21/2025</a:t>
             </a:fld>
             <a:endParaRPr lang="en-US" dirty="0"/>
           </a:p>
@@ -11408,8 +11637,8 @@
           <a:chExt cx="0" cy="0"/>
         </a:xfrm>
       </p:grpSpPr>
-      <mc:AlternateContent xmlns:mc="http://schemas.openxmlformats.org/markup-compatibility/2006">
-        <mc:Choice xmlns:a14="http://schemas.microsoft.com/office/drawing/2010/main" Requires="a14">
+      <mc:AlternateContent xmlns:mc="http://schemas.openxmlformats.org/markup-compatibility/2006" xmlns:a14="http://schemas.microsoft.com/office/drawing/2010/main">
+        <mc:Choice Requires="a14">
           <p:sp>
             <p:nvSpPr>
               <p:cNvPr id="2" name="Title 1"/>
@@ -11472,7 +11701,7 @@
             </p:txBody>
           </p:sp>
         </mc:Choice>
-        <mc:Fallback>
+        <mc:Fallback xmlns="">
           <p:sp>
             <p:nvSpPr>
               <p:cNvPr id="2" name="Title 1"/>
@@ -11830,8 +12059,8 @@
           <a:chExt cx="0" cy="0"/>
         </a:xfrm>
       </p:grpSpPr>
-      <mc:AlternateContent xmlns:mc="http://schemas.openxmlformats.org/markup-compatibility/2006">
-        <mc:Choice xmlns:a14="http://schemas.microsoft.com/office/drawing/2010/main" Requires="a14">
+      <mc:AlternateContent xmlns:mc="http://schemas.openxmlformats.org/markup-compatibility/2006" xmlns:a14="http://schemas.microsoft.com/office/drawing/2010/main">
+        <mc:Choice Requires="a14">
           <p:sp>
             <p:nvSpPr>
               <p:cNvPr id="2" name="Title 1"/>
@@ -11894,7 +12123,7 @@
             </p:txBody>
           </p:sp>
         </mc:Choice>
-        <mc:Fallback>
+        <mc:Fallback xmlns="">
           <p:sp>
             <p:nvSpPr>
               <p:cNvPr id="2" name="Title 1"/>
@@ -12520,8 +12749,8 @@
           <a:chExt cx="0" cy="0"/>
         </a:xfrm>
       </p:grpSpPr>
-      <mc:AlternateContent xmlns:mc="http://schemas.openxmlformats.org/markup-compatibility/2006">
-        <mc:Choice xmlns:a14="http://schemas.microsoft.com/office/drawing/2010/main" Requires="a14">
+      <mc:AlternateContent xmlns:mc="http://schemas.openxmlformats.org/markup-compatibility/2006" xmlns:a14="http://schemas.microsoft.com/office/drawing/2010/main">
+        <mc:Choice Requires="a14">
           <p:sp>
             <p:nvSpPr>
               <p:cNvPr id="3" name="Content Placeholder 2">
@@ -12689,7 +12918,7 @@
             </p:txBody>
           </p:sp>
         </mc:Choice>
-        <mc:Fallback>
+        <mc:Fallback xmlns="">
           <p:sp>
             <p:nvSpPr>
               <p:cNvPr id="3" name="Content Placeholder 2">
@@ -12961,8 +13190,8 @@
           </a:p>
         </p:txBody>
       </p:sp>
-      <mc:AlternateContent xmlns:mc="http://schemas.openxmlformats.org/markup-compatibility/2006">
-        <mc:Choice xmlns:a14="http://schemas.microsoft.com/office/drawing/2010/main" Requires="a14">
+      <mc:AlternateContent xmlns:mc="http://schemas.openxmlformats.org/markup-compatibility/2006" xmlns:a14="http://schemas.microsoft.com/office/drawing/2010/main">
+        <mc:Choice Requires="a14">
           <p:sp>
             <p:nvSpPr>
               <p:cNvPr id="3" name="Content Placeholder 2"/>
@@ -13109,7 +13338,7 @@
             </p:txBody>
           </p:sp>
         </mc:Choice>
-        <mc:Fallback>
+        <mc:Fallback xmlns="">
           <p:sp>
             <p:nvSpPr>
               <p:cNvPr id="3" name="Content Placeholder 2"/>
@@ -13212,8 +13441,8 @@
           </a:p>
         </p:txBody>
       </p:sp>
-      <mc:AlternateContent xmlns:mc="http://schemas.openxmlformats.org/markup-compatibility/2006">
-        <mc:Choice xmlns:a14="http://schemas.microsoft.com/office/drawing/2010/main" Requires="a14">
+      <mc:AlternateContent xmlns:mc="http://schemas.openxmlformats.org/markup-compatibility/2006" xmlns:a14="http://schemas.microsoft.com/office/drawing/2010/main">
+        <mc:Choice Requires="a14">
           <p:sp>
             <p:nvSpPr>
               <p:cNvPr id="3" name="Content Placeholder 2"/>
@@ -13465,7 +13694,7 @@
             </p:txBody>
           </p:sp>
         </mc:Choice>
-        <mc:Fallback>
+        <mc:Fallback xmlns="">
           <p:sp>
             <p:nvSpPr>
               <p:cNvPr id="3" name="Content Placeholder 2"/>
@@ -15484,8 +15713,8 @@
           </a:p>
         </p:txBody>
       </p:sp>
-      <mc:AlternateContent xmlns:mc="http://schemas.openxmlformats.org/markup-compatibility/2006">
-        <mc:Choice xmlns:a14="http://schemas.microsoft.com/office/drawing/2010/main" Requires="a14">
+      <mc:AlternateContent xmlns:mc="http://schemas.openxmlformats.org/markup-compatibility/2006" xmlns:a14="http://schemas.microsoft.com/office/drawing/2010/main">
+        <mc:Choice Requires="a14">
           <p:sp>
             <p:nvSpPr>
               <p:cNvPr id="3" name="Content Placeholder 2"/>
@@ -16210,7 +16439,7 @@
             </p:txBody>
           </p:sp>
         </mc:Choice>
-        <mc:Fallback>
+        <mc:Fallback xmlns="">
           <p:sp>
             <p:nvSpPr>
               <p:cNvPr id="3" name="Content Placeholder 2"/>
@@ -16310,8 +16539,8 @@
           </a:p>
         </p:txBody>
       </p:sp>
-      <mc:AlternateContent xmlns:mc="http://schemas.openxmlformats.org/markup-compatibility/2006">
-        <mc:Choice xmlns:a14="http://schemas.microsoft.com/office/drawing/2010/main" Requires="a14">
+      <mc:AlternateContent xmlns:mc="http://schemas.openxmlformats.org/markup-compatibility/2006" xmlns:a14="http://schemas.microsoft.com/office/drawing/2010/main">
+        <mc:Choice Requires="a14">
           <p:sp>
             <p:nvSpPr>
               <p:cNvPr id="3" name="Content Placeholder 2"/>
@@ -17114,7 +17343,7 @@
             </p:txBody>
           </p:sp>
         </mc:Choice>
-        <mc:Fallback>
+        <mc:Fallback xmlns="">
           <p:sp>
             <p:nvSpPr>
               <p:cNvPr id="3" name="Content Placeholder 2"/>
@@ -18776,6 +19005,244 @@
                 <a:latin typeface="Times New Roman" panose="02020603050405020304" pitchFamily="18" charset="0"/>
                 <a:cs typeface="Times New Roman" panose="02020603050405020304" pitchFamily="18" charset="0"/>
               </a:rPr>
+              <a:t>But first…</a:t>
+            </a:r>
+          </a:p>
+        </p:txBody>
+      </p:sp>
+      <p:pic>
+        <p:nvPicPr>
+          <p:cNvPr id="6" name="Picture 5">
+            <a:extLst>
+              <a:ext uri="{FF2B5EF4-FFF2-40B4-BE49-F238E27FC236}">
+                <a16:creationId xmlns:a16="http://schemas.microsoft.com/office/drawing/2014/main" id="{18FABF23-63D4-8045-1F8F-6775C282DB0B}"/>
+              </a:ext>
+            </a:extLst>
+          </p:cNvPr>
+          <p:cNvPicPr>
+            <a:picLocks noChangeAspect="1"/>
+          </p:cNvPicPr>
+          <p:nvPr/>
+        </p:nvPicPr>
+        <p:blipFill>
+          <a:blip r:embed="rId3"/>
+          <a:stretch>
+            <a:fillRect/>
+          </a:stretch>
+        </p:blipFill>
+        <p:spPr>
+          <a:xfrm>
+            <a:off x="32084" y="1143000"/>
+            <a:ext cx="11774543" cy="5896798"/>
+          </a:xfrm>
+          <a:prstGeom prst="rect">
+            <a:avLst/>
+          </a:prstGeom>
+        </p:spPr>
+      </p:pic>
+    </p:spTree>
+    <p:extLst>
+      <p:ext uri="{BB962C8B-B14F-4D97-AF65-F5344CB8AC3E}">
+        <p14:creationId xmlns:p14="http://schemas.microsoft.com/office/powerpoint/2010/main" val="1557838854"/>
+      </p:ext>
+    </p:extLst>
+  </p:cSld>
+  <p:clrMapOvr>
+    <a:masterClrMapping/>
+  </p:clrMapOvr>
+</p:sld>
+</file>
+
+<file path=ppt/slides/slide38.xml><?xml version="1.0" encoding="utf-8"?>
+<p:sld xmlns:a="http://schemas.openxmlformats.org/drawingml/2006/main" xmlns:r="http://schemas.openxmlformats.org/officeDocument/2006/relationships" xmlns:p="http://schemas.openxmlformats.org/presentationml/2006/main">
+  <p:cSld>
+    <p:spTree>
+      <p:nvGrpSpPr>
+        <p:cNvPr id="1" name="">
+          <a:extLst>
+            <a:ext uri="{FF2B5EF4-FFF2-40B4-BE49-F238E27FC236}">
+              <a16:creationId xmlns:a16="http://schemas.microsoft.com/office/drawing/2014/main" id="{4999F446-C813-A200-4803-DECAB82C61B1}"/>
+            </a:ext>
+          </a:extLst>
+        </p:cNvPr>
+        <p:cNvGrpSpPr/>
+        <p:nvPr/>
+      </p:nvGrpSpPr>
+      <p:grpSpPr>
+        <a:xfrm>
+          <a:off x="0" y="0"/>
+          <a:ext cx="0" cy="0"/>
+          <a:chOff x="0" y="0"/>
+          <a:chExt cx="0" cy="0"/>
+        </a:xfrm>
+      </p:grpSpPr>
+      <p:sp>
+        <p:nvSpPr>
+          <p:cNvPr id="2" name="Title 1">
+            <a:extLst>
+              <a:ext uri="{FF2B5EF4-FFF2-40B4-BE49-F238E27FC236}">
+                <a16:creationId xmlns:a16="http://schemas.microsoft.com/office/drawing/2014/main" id="{514DE3A3-AF4B-8985-A02D-C074836BF1C7}"/>
+              </a:ext>
+            </a:extLst>
+          </p:cNvPr>
+          <p:cNvSpPr>
+            <a:spLocks noGrp="1"/>
+          </p:cNvSpPr>
+          <p:nvPr>
+            <p:ph type="title"/>
+          </p:nvPr>
+        </p:nvSpPr>
+        <p:spPr>
+          <a:xfrm>
+            <a:off x="609600" y="337392"/>
+            <a:ext cx="10439400" cy="624840"/>
+          </a:xfrm>
+        </p:spPr>
+        <p:txBody>
+          <a:bodyPr>
+            <a:noAutofit/>
+          </a:bodyPr>
+          <a:lstStyle/>
+          <a:p>
+            <a:r>
+              <a:rPr lang="en-US" sz="3600" dirty="0">
+                <a:latin typeface="Times New Roman" panose="02020603050405020304" pitchFamily="18" charset="0"/>
+                <a:cs typeface="Times New Roman" panose="02020603050405020304" pitchFamily="18" charset="0"/>
+              </a:rPr>
+              <a:t>But first…</a:t>
+            </a:r>
+          </a:p>
+        </p:txBody>
+      </p:sp>
+      <p:pic>
+        <p:nvPicPr>
+          <p:cNvPr id="4" name="Picture 3">
+            <a:extLst>
+              <a:ext uri="{FF2B5EF4-FFF2-40B4-BE49-F238E27FC236}">
+                <a16:creationId xmlns:a16="http://schemas.microsoft.com/office/drawing/2014/main" id="{07D30BFC-92FC-9D40-7964-36F920834C44}"/>
+              </a:ext>
+            </a:extLst>
+          </p:cNvPr>
+          <p:cNvPicPr>
+            <a:picLocks noChangeAspect="1"/>
+          </p:cNvPicPr>
+          <p:nvPr/>
+        </p:nvPicPr>
+        <p:blipFill>
+          <a:blip r:embed="rId3"/>
+          <a:stretch>
+            <a:fillRect/>
+          </a:stretch>
+        </p:blipFill>
+        <p:spPr>
+          <a:xfrm>
+            <a:off x="0" y="116304"/>
+            <a:ext cx="6219777" cy="3846096"/>
+          </a:xfrm>
+          <a:prstGeom prst="rect">
+            <a:avLst/>
+          </a:prstGeom>
+        </p:spPr>
+      </p:pic>
+      <p:pic>
+        <p:nvPicPr>
+          <p:cNvPr id="7" name="Picture 6">
+            <a:extLst>
+              <a:ext uri="{FF2B5EF4-FFF2-40B4-BE49-F238E27FC236}">
+                <a16:creationId xmlns:a16="http://schemas.microsoft.com/office/drawing/2014/main" id="{81C3A404-F206-4BBD-6A1B-D1C8C09D14C6}"/>
+              </a:ext>
+            </a:extLst>
+          </p:cNvPr>
+          <p:cNvPicPr>
+            <a:picLocks noChangeAspect="1"/>
+          </p:cNvPicPr>
+          <p:nvPr/>
+        </p:nvPicPr>
+        <p:blipFill>
+          <a:blip r:embed="rId4"/>
+          <a:stretch>
+            <a:fillRect/>
+          </a:stretch>
+        </p:blipFill>
+        <p:spPr>
+          <a:xfrm>
+            <a:off x="6371247" y="3011904"/>
+            <a:ext cx="5824764" cy="3810001"/>
+          </a:xfrm>
+          <a:prstGeom prst="rect">
+            <a:avLst/>
+          </a:prstGeom>
+        </p:spPr>
+      </p:pic>
+    </p:spTree>
+    <p:extLst>
+      <p:ext uri="{BB962C8B-B14F-4D97-AF65-F5344CB8AC3E}">
+        <p14:creationId xmlns:p14="http://schemas.microsoft.com/office/powerpoint/2010/main" val="272964036"/>
+      </p:ext>
+    </p:extLst>
+  </p:cSld>
+  <p:clrMapOvr>
+    <a:masterClrMapping/>
+  </p:clrMapOvr>
+</p:sld>
+</file>
+
+<file path=ppt/slides/slide39.xml><?xml version="1.0" encoding="utf-8"?>
+<p:sld xmlns:a="http://schemas.openxmlformats.org/drawingml/2006/main" xmlns:r="http://schemas.openxmlformats.org/officeDocument/2006/relationships" xmlns:p="http://schemas.openxmlformats.org/presentationml/2006/main">
+  <p:cSld>
+    <p:spTree>
+      <p:nvGrpSpPr>
+        <p:cNvPr id="1" name="">
+          <a:extLst>
+            <a:ext uri="{FF2B5EF4-FFF2-40B4-BE49-F238E27FC236}">
+              <a16:creationId xmlns:a16="http://schemas.microsoft.com/office/drawing/2014/main" id="{B2E9F3BD-C5D1-A90E-C4FE-D9CD2BD998CB}"/>
+            </a:ext>
+          </a:extLst>
+        </p:cNvPr>
+        <p:cNvGrpSpPr/>
+        <p:nvPr/>
+      </p:nvGrpSpPr>
+      <p:grpSpPr>
+        <a:xfrm>
+          <a:off x="0" y="0"/>
+          <a:ext cx="0" cy="0"/>
+          <a:chOff x="0" y="0"/>
+          <a:chExt cx="0" cy="0"/>
+        </a:xfrm>
+      </p:grpSpPr>
+      <p:sp>
+        <p:nvSpPr>
+          <p:cNvPr id="2" name="Title 1">
+            <a:extLst>
+              <a:ext uri="{FF2B5EF4-FFF2-40B4-BE49-F238E27FC236}">
+                <a16:creationId xmlns:a16="http://schemas.microsoft.com/office/drawing/2014/main" id="{29BB1488-8705-068D-3F21-0B0653350141}"/>
+              </a:ext>
+            </a:extLst>
+          </p:cNvPr>
+          <p:cNvSpPr>
+            <a:spLocks noGrp="1"/>
+          </p:cNvSpPr>
+          <p:nvPr>
+            <p:ph type="title"/>
+          </p:nvPr>
+        </p:nvSpPr>
+        <p:spPr>
+          <a:xfrm>
+            <a:off x="609600" y="337392"/>
+            <a:ext cx="10439400" cy="624840"/>
+          </a:xfrm>
+        </p:spPr>
+        <p:txBody>
+          <a:bodyPr>
+            <a:noAutofit/>
+          </a:bodyPr>
+          <a:lstStyle/>
+          <a:p>
+            <a:r>
+              <a:rPr lang="en-US" sz="3600" dirty="0">
+                <a:latin typeface="Times New Roman" panose="02020603050405020304" pitchFamily="18" charset="0"/>
+                <a:cs typeface="Times New Roman" panose="02020603050405020304" pitchFamily="18" charset="0"/>
+              </a:rPr>
               <a:t>Logit/</a:t>
             </a:r>
             <a:r>
@@ -18799,7 +19266,13 @@
         <mc:Choice Requires="a14">
           <p:sp>
             <p:nvSpPr>
-              <p:cNvPr id="3" name="Content Placeholder 2"/>
+              <p:cNvPr id="3" name="Content Placeholder 2">
+                <a:extLst>
+                  <a:ext uri="{FF2B5EF4-FFF2-40B4-BE49-F238E27FC236}">
+                    <a16:creationId xmlns:a16="http://schemas.microsoft.com/office/drawing/2014/main" id="{D004E067-9C98-37E8-E622-F328026F7C01}"/>
+                  </a:ext>
+                </a:extLst>
+              </p:cNvPr>
               <p:cNvSpPr>
                 <a:spLocks noGrp="1"/>
               </p:cNvSpPr>
@@ -19089,7 +19562,7 @@
           <p:cNvPr id="4" name="Picture 2" descr="RStudio - RStudio">
             <a:extLst>
               <a:ext uri="{FF2B5EF4-FFF2-40B4-BE49-F238E27FC236}">
-                <a16:creationId xmlns:a16="http://schemas.microsoft.com/office/drawing/2014/main" id="{D24F87A3-BCAF-963A-30E2-888B7E759B76}"/>
+                <a16:creationId xmlns:a16="http://schemas.microsoft.com/office/drawing/2014/main" id="{B1A6FF66-D8C9-2DF7-B9D7-2E90213664B8}"/>
               </a:ext>
             </a:extLst>
           </p:cNvPr>
@@ -19134,728 +19607,7 @@
     </p:spTree>
     <p:extLst>
       <p:ext uri="{BB962C8B-B14F-4D97-AF65-F5344CB8AC3E}">
-        <p14:creationId xmlns:p14="http://schemas.microsoft.com/office/powerpoint/2010/main" val="1557838854"/>
-      </p:ext>
-    </p:extLst>
-  </p:cSld>
-  <p:clrMapOvr>
-    <a:masterClrMapping/>
-  </p:clrMapOvr>
-</p:sld>
-</file>
-
-<file path=ppt/slides/slide38.xml><?xml version="1.0" encoding="utf-8"?>
-<p:sld xmlns:a="http://schemas.openxmlformats.org/drawingml/2006/main" xmlns:r="http://schemas.openxmlformats.org/officeDocument/2006/relationships" xmlns:p="http://schemas.openxmlformats.org/presentationml/2006/main">
-  <p:cSld>
-    <p:spTree>
-      <p:nvGrpSpPr>
-        <p:cNvPr id="1" name=""/>
-        <p:cNvGrpSpPr/>
-        <p:nvPr/>
-      </p:nvGrpSpPr>
-      <p:grpSpPr>
-        <a:xfrm>
-          <a:off x="0" y="0"/>
-          <a:ext cx="0" cy="0"/>
-          <a:chOff x="0" y="0"/>
-          <a:chExt cx="0" cy="0"/>
-        </a:xfrm>
-      </p:grpSpPr>
-      <p:sp>
-        <p:nvSpPr>
-          <p:cNvPr id="2" name="Title 1"/>
-          <p:cNvSpPr>
-            <a:spLocks noGrp="1"/>
-          </p:cNvSpPr>
-          <p:nvPr>
-            <p:ph type="title"/>
-          </p:nvPr>
-        </p:nvSpPr>
-        <p:spPr>
-          <a:xfrm>
-            <a:off x="609600" y="337392"/>
-            <a:ext cx="10439400" cy="624840"/>
-          </a:xfrm>
-        </p:spPr>
-        <p:txBody>
-          <a:bodyPr>
-            <a:noAutofit/>
-          </a:bodyPr>
-          <a:lstStyle/>
-          <a:p>
-            <a:r>
-              <a:rPr lang="en-US" sz="3600" dirty="0">
-                <a:latin typeface="Times New Roman" panose="02020603050405020304" pitchFamily="18" charset="0"/>
-                <a:cs typeface="Times New Roman" panose="02020603050405020304" pitchFamily="18" charset="0"/>
-              </a:rPr>
-              <a:t>Logit/</a:t>
-            </a:r>
-            <a:r>
-              <a:rPr lang="en-US" sz="3600" dirty="0" err="1">
-                <a:latin typeface="Times New Roman" panose="02020603050405020304" pitchFamily="18" charset="0"/>
-                <a:cs typeface="Times New Roman" panose="02020603050405020304" pitchFamily="18" charset="0"/>
-              </a:rPr>
-              <a:t>Probit</a:t>
-            </a:r>
-            <a:r>
-              <a:rPr lang="en-US" sz="3600" dirty="0">
-                <a:latin typeface="Times New Roman" panose="02020603050405020304" pitchFamily="18" charset="0"/>
-                <a:cs typeface="Times New Roman" panose="02020603050405020304" pitchFamily="18" charset="0"/>
-              </a:rPr>
-              <a:t> in Practice</a:t>
-            </a:r>
-          </a:p>
-        </p:txBody>
-      </p:sp>
-      <mc:AlternateContent xmlns:mc="http://schemas.openxmlformats.org/markup-compatibility/2006" xmlns:a14="http://schemas.microsoft.com/office/drawing/2010/main">
-        <mc:Choice Requires="a14">
-          <p:sp>
-            <p:nvSpPr>
-              <p:cNvPr id="3" name="Content Placeholder 2"/>
-              <p:cNvSpPr>
-                <a:spLocks noGrp="1"/>
-              </p:cNvSpPr>
-              <p:nvPr>
-                <p:ph idx="1"/>
-              </p:nvPr>
-            </p:nvSpPr>
-            <p:spPr>
-              <a:xfrm>
-                <a:off x="914401" y="1066801"/>
-                <a:ext cx="9677400" cy="5141388"/>
-              </a:xfrm>
-            </p:spPr>
-            <p:txBody>
-              <a:bodyPr>
-                <a:noAutofit/>
-              </a:bodyPr>
-              <a:lstStyle/>
-              <a:p>
-                <a:r>
-                  <a:rPr lang="en-US" sz="2400" dirty="0">
-                    <a:cs typeface="Times New Roman" panose="02020603050405020304" pitchFamily="18" charset="0"/>
-                  </a:rPr>
-                  <a:t>Logit and </a:t>
-                </a:r>
-                <a:r>
-                  <a:rPr lang="en-US" sz="2400" dirty="0" err="1">
-                    <a:cs typeface="Times New Roman" panose="02020603050405020304" pitchFamily="18" charset="0"/>
-                  </a:rPr>
-                  <a:t>probit</a:t>
-                </a:r>
-                <a:r>
-                  <a:rPr lang="en-US" sz="2400" dirty="0">
-                    <a:cs typeface="Times New Roman" panose="02020603050405020304" pitchFamily="18" charset="0"/>
-                  </a:rPr>
-                  <a:t> are easy to execute (just use “</a:t>
-                </a:r>
-                <a:r>
-                  <a:rPr lang="en-US" sz="2400" dirty="0" err="1">
-                    <a:cs typeface="Times New Roman" panose="02020603050405020304" pitchFamily="18" charset="0"/>
-                  </a:rPr>
-                  <a:t>glm</a:t>
-                </a:r>
-                <a:r>
-                  <a:rPr lang="en-US" sz="2400" dirty="0">
-                    <a:cs typeface="Times New Roman" panose="02020603050405020304" pitchFamily="18" charset="0"/>
-                  </a:rPr>
-                  <a:t>” method) </a:t>
-                </a:r>
-              </a:p>
-              <a:p>
-                <a:r>
-                  <a:rPr lang="en-US" sz="2400" dirty="0">
-                    <a:cs typeface="Times New Roman" panose="02020603050405020304" pitchFamily="18" charset="0"/>
-                  </a:rPr>
-                  <a:t>Trouble is </a:t>
-                </a:r>
-                <a:r>
-                  <a:rPr lang="en-US" sz="2400" b="1" dirty="0">
-                    <a:solidFill>
-                      <a:schemeClr val="accent2">
-                        <a:lumMod val="75000"/>
-                      </a:schemeClr>
-                    </a:solidFill>
-                    <a:cs typeface="Times New Roman" panose="02020603050405020304" pitchFamily="18" charset="0"/>
-                  </a:rPr>
-                  <a:t>interpreting the coefficients: </a:t>
-                </a:r>
-              </a:p>
-              <a:p>
-                <a:pPr lvl="1"/>
-                <a:r>
-                  <a:rPr lang="en-US" sz="2400" dirty="0">
-                    <a:cs typeface="Times New Roman" panose="02020603050405020304" pitchFamily="18" charset="0"/>
-                  </a:rPr>
-                  <a:t>Recall that </a:t>
-                </a:r>
-                <a14:m>
-                  <m:oMath xmlns:m="http://schemas.openxmlformats.org/officeDocument/2006/math">
-                    <m:sSub>
-                      <m:sSubPr>
-                        <m:ctrlPr>
-                          <a:rPr lang="en-US" sz="2400" b="0" i="1" smtClean="0">
-                            <a:latin typeface="Cambria Math" panose="02040503050406030204" pitchFamily="18" charset="0"/>
-                            <a:cs typeface="Times New Roman" panose="02020603050405020304" pitchFamily="18" charset="0"/>
-                          </a:rPr>
-                        </m:ctrlPr>
-                      </m:sSubPr>
-                      <m:e>
-                        <m:r>
-                          <a:rPr lang="en-US" sz="2400" b="0" i="1" smtClean="0">
-                            <a:latin typeface="Cambria Math" panose="02040503050406030204" pitchFamily="18" charset="0"/>
-                            <a:cs typeface="Times New Roman" panose="02020603050405020304" pitchFamily="18" charset="0"/>
-                          </a:rPr>
-                          <m:t>𝛽</m:t>
-                        </m:r>
-                      </m:e>
-                      <m:sub>
-                        <m:r>
-                          <a:rPr lang="en-US" sz="2400" b="0" i="1" smtClean="0">
-                            <a:latin typeface="Cambria Math" panose="02040503050406030204" pitchFamily="18" charset="0"/>
-                            <a:cs typeface="Times New Roman" panose="02020603050405020304" pitchFamily="18" charset="0"/>
-                          </a:rPr>
-                          <m:t>1</m:t>
-                        </m:r>
-                      </m:sub>
-                    </m:sSub>
-                  </m:oMath>
-                </a14:m>
-                <a:r>
-                  <a:rPr lang="en-US" sz="2400" dirty="0">
-                    <a:cs typeface="Times New Roman" panose="02020603050405020304" pitchFamily="18" charset="0"/>
-                  </a:rPr>
-                  <a:t> tells you how </a:t>
-                </a:r>
-                <a14:m>
-                  <m:oMath xmlns:m="http://schemas.openxmlformats.org/officeDocument/2006/math">
-                    <m:r>
-                      <a:rPr lang="en-US" sz="2400" b="0" i="1" smtClean="0">
-                        <a:latin typeface="Cambria Math" panose="02040503050406030204" pitchFamily="18" charset="0"/>
-                        <a:cs typeface="Times New Roman" panose="02020603050405020304" pitchFamily="18" charset="0"/>
-                      </a:rPr>
-                      <m:t>𝑋</m:t>
-                    </m:r>
-                  </m:oMath>
-                </a14:m>
-                <a:r>
-                  <a:rPr lang="en-US" sz="2400" dirty="0">
-                    <a:cs typeface="Times New Roman" panose="02020603050405020304" pitchFamily="18" charset="0"/>
-                  </a:rPr>
-                  <a:t> affects </a:t>
-                </a:r>
-                <a14:m>
-                  <m:oMath xmlns:m="http://schemas.openxmlformats.org/officeDocument/2006/math">
-                    <m:r>
-                      <a:rPr lang="en-US" sz="2400" b="0" i="1" smtClean="0">
-                        <a:latin typeface="Cambria Math" panose="02040503050406030204" pitchFamily="18" charset="0"/>
-                        <a:cs typeface="Times New Roman" panose="02020603050405020304" pitchFamily="18" charset="0"/>
-                      </a:rPr>
-                      <m:t>𝑖𝑛𝑑𝑒𝑥</m:t>
-                    </m:r>
-                  </m:oMath>
-                </a14:m>
-                <a:r>
-                  <a:rPr lang="en-US" sz="2400" dirty="0">
-                    <a:cs typeface="Times New Roman" panose="02020603050405020304" pitchFamily="18" charset="0"/>
-                  </a:rPr>
-                  <a:t>, not how </a:t>
-                </a:r>
-                <a14:m>
-                  <m:oMath xmlns:m="http://schemas.openxmlformats.org/officeDocument/2006/math">
-                    <m:r>
-                      <a:rPr lang="en-US" sz="2400" b="0" i="1" smtClean="0">
-                        <a:latin typeface="Cambria Math" panose="02040503050406030204" pitchFamily="18" charset="0"/>
-                        <a:cs typeface="Times New Roman" panose="02020603050405020304" pitchFamily="18" charset="0"/>
-                      </a:rPr>
-                      <m:t>𝑋</m:t>
-                    </m:r>
-                  </m:oMath>
-                </a14:m>
-                <a:r>
-                  <a:rPr lang="en-US" sz="2400" dirty="0">
-                    <a:cs typeface="Times New Roman" panose="02020603050405020304" pitchFamily="18" charset="0"/>
-                  </a:rPr>
-                  <a:t> affects </a:t>
-                </a:r>
-                <a14:m>
-                  <m:oMath xmlns:m="http://schemas.openxmlformats.org/officeDocument/2006/math">
-                    <m:r>
-                      <a:rPr lang="en-US" sz="2400" b="0" i="1" smtClean="0">
-                        <a:latin typeface="Cambria Math" panose="02040503050406030204" pitchFamily="18" charset="0"/>
-                        <a:cs typeface="Times New Roman" panose="02020603050405020304" pitchFamily="18" charset="0"/>
-                      </a:rPr>
-                      <m:t>𝐷</m:t>
-                    </m:r>
-                  </m:oMath>
-                </a14:m>
-                <a:endParaRPr lang="en-US" sz="2400" dirty="0">
-                  <a:cs typeface="Times New Roman" panose="02020603050405020304" pitchFamily="18" charset="0"/>
-                </a:endParaRPr>
-              </a:p>
-              <a:p>
-                <a:pPr lvl="1"/>
-                <a:r>
-                  <a:rPr lang="en-US" sz="2400" dirty="0">
-                    <a:cs typeface="Times New Roman" panose="02020603050405020304" pitchFamily="18" charset="0"/>
-                  </a:rPr>
-                  <a:t>We have to consider </a:t>
-                </a:r>
-                <a14:m>
-                  <m:oMath xmlns:m="http://schemas.openxmlformats.org/officeDocument/2006/math">
-                    <m:r>
-                      <a:rPr lang="en-US" sz="2400" b="0" i="1" smtClean="0">
-                        <a:latin typeface="Cambria Math" panose="02040503050406030204" pitchFamily="18" charset="0"/>
-                        <a:cs typeface="Times New Roman" panose="02020603050405020304" pitchFamily="18" charset="0"/>
-                      </a:rPr>
-                      <m:t>𝐹</m:t>
-                    </m:r>
-                    <m:r>
-                      <a:rPr lang="en-US" sz="2400" b="0" i="1" smtClean="0">
-                        <a:latin typeface="Cambria Math" panose="02040503050406030204" pitchFamily="18" charset="0"/>
-                        <a:cs typeface="Times New Roman" panose="02020603050405020304" pitchFamily="18" charset="0"/>
-                      </a:rPr>
-                      <m:t>(⋅)</m:t>
-                    </m:r>
-                  </m:oMath>
-                </a14:m>
-                <a:endParaRPr lang="en-US" sz="2400" dirty="0">
-                  <a:cs typeface="Times New Roman" panose="02020603050405020304" pitchFamily="18" charset="0"/>
-                </a:endParaRPr>
-              </a:p>
-              <a:p>
-                <a:r>
-                  <a:rPr lang="en-US" sz="2400" dirty="0">
-                    <a:cs typeface="Times New Roman" panose="02020603050405020304" pitchFamily="18" charset="0"/>
-                  </a:rPr>
-                  <a:t>You can look at the table to get a sense of </a:t>
-                </a:r>
-                <a:r>
-                  <a:rPr lang="en-US" sz="2400" b="1" dirty="0">
-                    <a:solidFill>
-                      <a:schemeClr val="accent2">
-                        <a:lumMod val="75000"/>
-                      </a:schemeClr>
-                    </a:solidFill>
-                    <a:cs typeface="Times New Roman" panose="02020603050405020304" pitchFamily="18" charset="0"/>
-                  </a:rPr>
-                  <a:t>direction</a:t>
-                </a:r>
-                <a:r>
-                  <a:rPr lang="en-US" sz="2400" dirty="0">
-                    <a:cs typeface="Times New Roman" panose="02020603050405020304" pitchFamily="18" charset="0"/>
-                  </a:rPr>
-                  <a:t> and </a:t>
-                </a:r>
-                <a:r>
-                  <a:rPr lang="en-US" sz="2400" b="1" dirty="0">
-                    <a:solidFill>
-                      <a:schemeClr val="accent2">
-                        <a:lumMod val="75000"/>
-                      </a:schemeClr>
-                    </a:solidFill>
-                    <a:cs typeface="Times New Roman" panose="02020603050405020304" pitchFamily="18" charset="0"/>
-                  </a:rPr>
-                  <a:t>significance</a:t>
-                </a:r>
-                <a:r>
-                  <a:rPr lang="en-US" sz="2400" dirty="0">
-                    <a:cs typeface="Times New Roman" panose="02020603050405020304" pitchFamily="18" charset="0"/>
-                  </a:rPr>
-                  <a:t>, but </a:t>
-                </a:r>
-                <a:r>
-                  <a:rPr lang="en-US" sz="2400" b="1" dirty="0">
-                    <a:solidFill>
-                      <a:srgbClr val="FF0000"/>
-                    </a:solidFill>
-                    <a:cs typeface="Times New Roman" panose="02020603050405020304" pitchFamily="18" charset="0"/>
-                  </a:rPr>
-                  <a:t>not magnitude</a:t>
-                </a:r>
-              </a:p>
-              <a:p>
-                <a:r>
-                  <a:rPr lang="en-US" sz="2400" dirty="0">
-                    <a:cs typeface="Times New Roman" panose="02020603050405020304" pitchFamily="18" charset="0"/>
-                  </a:rPr>
-                  <a:t>You might use an LPM when: </a:t>
-                </a:r>
-              </a:p>
-              <a:p>
-                <a:pPr lvl="1"/>
-                <a:r>
-                  <a:rPr lang="en-US" sz="2400" dirty="0">
-                    <a:cs typeface="Times New Roman" panose="02020603050405020304" pitchFamily="18" charset="0"/>
-                  </a:rPr>
-                  <a:t>LPMs are better in small samples than logit/</a:t>
-                </a:r>
-                <a:r>
-                  <a:rPr lang="en-US" sz="2400" dirty="0" err="1">
-                    <a:cs typeface="Times New Roman" panose="02020603050405020304" pitchFamily="18" charset="0"/>
-                  </a:rPr>
-                  <a:t>probit</a:t>
-                </a:r>
-                <a:r>
-                  <a:rPr lang="en-US" sz="2400" dirty="0">
-                    <a:cs typeface="Times New Roman" panose="02020603050405020304" pitchFamily="18" charset="0"/>
-                  </a:rPr>
-                  <a:t>, which generally use </a:t>
-                </a:r>
-                <a:r>
-                  <a:rPr lang="en-US" sz="2400" b="1" dirty="0">
-                    <a:cs typeface="Times New Roman" panose="02020603050405020304" pitchFamily="18" charset="0"/>
-                  </a:rPr>
-                  <a:t>Maximum Likelihood Estimation (MLE) </a:t>
-                </a:r>
-              </a:p>
-              <a:p>
-                <a:pPr lvl="1"/>
-                <a:r>
-                  <a:rPr lang="en-US" sz="2400" dirty="0">
-                    <a:cs typeface="Times New Roman" panose="02020603050405020304" pitchFamily="18" charset="0"/>
-                  </a:rPr>
-                  <a:t>You only care about slope for predicted values far from boundaries</a:t>
-                </a:r>
-              </a:p>
-              <a:p>
-                <a:pPr lvl="1"/>
-                <a:r>
-                  <a:rPr lang="en-US" sz="2400" dirty="0">
-                    <a:cs typeface="Times New Roman" panose="02020603050405020304" pitchFamily="18" charset="0"/>
-                  </a:rPr>
-                  <a:t>There are limited values on RHS (less variation </a:t>
-                </a:r>
-                <a14:m>
-                  <m:oMath xmlns:m="http://schemas.openxmlformats.org/officeDocument/2006/math">
-                    <m:r>
-                      <a:rPr lang="en-US" sz="2400" b="0" i="1" smtClean="0">
-                        <a:latin typeface="Cambria Math" panose="02040503050406030204" pitchFamily="18" charset="0"/>
-                        <a:cs typeface="Times New Roman" panose="02020603050405020304" pitchFamily="18" charset="0"/>
-                      </a:rPr>
-                      <m:t>⇒</m:t>
-                    </m:r>
-                  </m:oMath>
-                </a14:m>
-                <a:r>
-                  <a:rPr lang="en-US" sz="2400" dirty="0">
-                    <a:cs typeface="Times New Roman" panose="02020603050405020304" pitchFamily="18" charset="0"/>
-                  </a:rPr>
-                  <a:t> fewer prediction issues)</a:t>
-                </a:r>
-              </a:p>
-              <a:p>
-                <a:pPr lvl="1"/>
-                <a:r>
-                  <a:rPr lang="en-US" sz="2400" b="1" dirty="0">
-                    <a:cs typeface="Times New Roman" panose="02020603050405020304" pitchFamily="18" charset="0"/>
-                  </a:rPr>
-                  <a:t>Remember LPM performs poorly if </a:t>
-                </a:r>
-                <a14:m>
-                  <m:oMath xmlns:m="http://schemas.openxmlformats.org/officeDocument/2006/math">
-                    <m:acc>
-                      <m:accPr>
-                        <m:chr m:val="̅"/>
-                        <m:ctrlPr>
-                          <a:rPr lang="en-US" sz="2400" b="1" i="1" smtClean="0">
-                            <a:latin typeface="Cambria Math" panose="02040503050406030204" pitchFamily="18" charset="0"/>
-                            <a:cs typeface="Times New Roman" panose="02020603050405020304" pitchFamily="18" charset="0"/>
-                          </a:rPr>
-                        </m:ctrlPr>
-                      </m:accPr>
-                      <m:e>
-                        <m:r>
-                          <a:rPr lang="en-US" sz="2400" b="0" i="1" smtClean="0">
-                            <a:latin typeface="Cambria Math" panose="02040503050406030204" pitchFamily="18" charset="0"/>
-                            <a:cs typeface="Times New Roman" panose="02020603050405020304" pitchFamily="18" charset="0"/>
-                          </a:rPr>
-                          <m:t>𝑦</m:t>
-                        </m:r>
-                      </m:e>
-                    </m:acc>
-                  </m:oMath>
-                </a14:m>
-                <a:r>
-                  <a:rPr lang="en-US" sz="2400" b="1" dirty="0">
-                    <a:cs typeface="Times New Roman" panose="02020603050405020304" pitchFamily="18" charset="0"/>
-                  </a:rPr>
-                  <a:t> is close to 0 or 1!</a:t>
-                </a:r>
-              </a:p>
-              <a:p>
-                <a:endParaRPr lang="en-US" sz="2400" dirty="0">
-                  <a:cs typeface="Times New Roman" panose="02020603050405020304" pitchFamily="18" charset="0"/>
-                </a:endParaRPr>
-              </a:p>
-            </p:txBody>
-          </p:sp>
-        </mc:Choice>
-        <mc:Fallback xmlns="">
-          <p:sp>
-            <p:nvSpPr>
-              <p:cNvPr id="3" name="Content Placeholder 2"/>
-              <p:cNvSpPr>
-                <a:spLocks noGrp="1" noRot="1" noChangeAspect="1" noMove="1" noResize="1" noEditPoints="1" noAdjustHandles="1" noChangeArrowheads="1" noChangeShapeType="1" noTextEdit="1"/>
-              </p:cNvSpPr>
-              <p:nvPr>
-                <p:ph idx="1"/>
-              </p:nvPr>
-            </p:nvSpPr>
-            <p:spPr>
-              <a:xfrm>
-                <a:off x="914401" y="1066801"/>
-                <a:ext cx="9677400" cy="5141388"/>
-              </a:xfrm>
-              <a:blipFill>
-                <a:blip r:embed="rId3"/>
-                <a:stretch>
-                  <a:fillRect l="-441" t="-1305" b="-10083"/>
-                </a:stretch>
-              </a:blipFill>
-            </p:spPr>
-            <p:txBody>
-              <a:bodyPr/>
-              <a:lstStyle/>
-              <a:p>
-                <a:r>
-                  <a:rPr lang="en-US">
-                    <a:noFill/>
-                  </a:rPr>
-                  <a:t> </a:t>
-                </a:r>
-              </a:p>
-            </p:txBody>
-          </p:sp>
-        </mc:Fallback>
-      </mc:AlternateContent>
-      <p:pic>
-        <p:nvPicPr>
-          <p:cNvPr id="4" name="Picture 2" descr="RStudio - RStudio">
-            <a:extLst>
-              <a:ext uri="{FF2B5EF4-FFF2-40B4-BE49-F238E27FC236}">
-                <a16:creationId xmlns:a16="http://schemas.microsoft.com/office/drawing/2014/main" id="{D24F87A3-BCAF-963A-30E2-888B7E759B76}"/>
-              </a:ext>
-            </a:extLst>
-          </p:cNvPr>
-          <p:cNvPicPr>
-            <a:picLocks noChangeAspect="1" noChangeArrowheads="1"/>
-          </p:cNvPicPr>
-          <p:nvPr/>
-        </p:nvPicPr>
-        <p:blipFill>
-          <a:blip r:embed="rId4">
-            <a:extLst>
-              <a:ext uri="{28A0092B-C50C-407E-A947-70E740481C1C}">
-                <a14:useLocalDpi xmlns:a14="http://schemas.microsoft.com/office/drawing/2010/main" val="0"/>
-              </a:ext>
-            </a:extLst>
-          </a:blip>
-          <a:srcRect/>
-          <a:stretch>
-            <a:fillRect/>
-          </a:stretch>
-        </p:blipFill>
-        <p:spPr bwMode="auto">
-          <a:xfrm>
-            <a:off x="9829800" y="5209968"/>
-            <a:ext cx="1371600" cy="1371600"/>
-          </a:xfrm>
-          <a:prstGeom prst="rect">
-            <a:avLst/>
-          </a:prstGeom>
-          <a:noFill/>
-          <a:extLst>
-            <a:ext uri="{909E8E84-426E-40DD-AFC4-6F175D3DCCD1}">
-              <a14:hiddenFill xmlns:a14="http://schemas.microsoft.com/office/drawing/2010/main">
-                <a:solidFill>
-                  <a:srgbClr val="FFFFFF"/>
-                </a:solidFill>
-              </a14:hiddenFill>
-            </a:ext>
-          </a:extLst>
-        </p:spPr>
-      </p:pic>
-    </p:spTree>
-    <p:extLst>
-      <p:ext uri="{BB962C8B-B14F-4D97-AF65-F5344CB8AC3E}">
-        <p14:creationId xmlns:p14="http://schemas.microsoft.com/office/powerpoint/2010/main" val="4178901138"/>
-      </p:ext>
-    </p:extLst>
-  </p:cSld>
-  <p:clrMapOvr>
-    <a:masterClrMapping/>
-  </p:clrMapOvr>
-</p:sld>
-</file>
-
-<file path=ppt/slides/slide39.xml><?xml version="1.0" encoding="utf-8"?>
-<p:sld xmlns:a="http://schemas.openxmlformats.org/drawingml/2006/main" xmlns:r="http://schemas.openxmlformats.org/officeDocument/2006/relationships" xmlns:p="http://schemas.openxmlformats.org/presentationml/2006/main">
-  <p:cSld>
-    <p:spTree>
-      <p:nvGrpSpPr>
-        <p:cNvPr id="1" name=""/>
-        <p:cNvGrpSpPr/>
-        <p:nvPr/>
-      </p:nvGrpSpPr>
-      <p:grpSpPr>
-        <a:xfrm>
-          <a:off x="0" y="0"/>
-          <a:ext cx="0" cy="0"/>
-          <a:chOff x="0" y="0"/>
-          <a:chExt cx="0" cy="0"/>
-        </a:xfrm>
-      </p:grpSpPr>
-      <p:sp>
-        <p:nvSpPr>
-          <p:cNvPr id="2" name="Title 1"/>
-          <p:cNvSpPr>
-            <a:spLocks noGrp="1"/>
-          </p:cNvSpPr>
-          <p:nvPr>
-            <p:ph type="title"/>
-          </p:nvPr>
-        </p:nvSpPr>
-        <p:spPr>
-          <a:xfrm>
-            <a:off x="609600" y="337392"/>
-            <a:ext cx="10439400" cy="624840"/>
-          </a:xfrm>
-        </p:spPr>
-        <p:txBody>
-          <a:bodyPr>
-            <a:noAutofit/>
-          </a:bodyPr>
-          <a:lstStyle/>
-          <a:p>
-            <a:r>
-              <a:rPr lang="en-US" sz="3600" dirty="0">
-                <a:latin typeface="Times New Roman" panose="02020603050405020304" pitchFamily="18" charset="0"/>
-                <a:cs typeface="Times New Roman" panose="02020603050405020304" pitchFamily="18" charset="0"/>
-              </a:rPr>
-              <a:t>How to interpret logit/</a:t>
-            </a:r>
-            <a:r>
-              <a:rPr lang="en-US" sz="3600" dirty="0" err="1">
-                <a:latin typeface="Times New Roman" panose="02020603050405020304" pitchFamily="18" charset="0"/>
-                <a:cs typeface="Times New Roman" panose="02020603050405020304" pitchFamily="18" charset="0"/>
-              </a:rPr>
-              <a:t>probit</a:t>
-            </a:r>
-            <a:r>
-              <a:rPr lang="en-US" sz="3600" dirty="0">
-                <a:latin typeface="Times New Roman" panose="02020603050405020304" pitchFamily="18" charset="0"/>
-                <a:cs typeface="Times New Roman" panose="02020603050405020304" pitchFamily="18" charset="0"/>
-              </a:rPr>
-              <a:t> results?</a:t>
-            </a:r>
-          </a:p>
-        </p:txBody>
-      </p:sp>
-      <p:sp>
-        <p:nvSpPr>
-          <p:cNvPr id="3" name="Content Placeholder 2"/>
-          <p:cNvSpPr>
-            <a:spLocks noGrp="1"/>
-          </p:cNvSpPr>
-          <p:nvPr>
-            <p:ph idx="1"/>
-          </p:nvPr>
-        </p:nvSpPr>
-        <p:spPr>
-          <a:xfrm>
-            <a:off x="609600" y="1066801"/>
-            <a:ext cx="10289629" cy="5141388"/>
-          </a:xfrm>
-        </p:spPr>
-        <p:txBody>
-          <a:bodyPr>
-            <a:normAutofit/>
-          </a:bodyPr>
-          <a:lstStyle/>
-          <a:p>
-            <a:r>
-              <a:rPr lang="en-US" sz="2400" dirty="0">
-                <a:cs typeface="Times New Roman" panose="02020603050405020304" pitchFamily="18" charset="0"/>
-              </a:rPr>
-              <a:t>Typically, journals report results from logit/probit regressions using </a:t>
-            </a:r>
-            <a:r>
-              <a:rPr lang="en-US" sz="2400" b="1" dirty="0">
-                <a:cs typeface="Times New Roman" panose="02020603050405020304" pitchFamily="18" charset="0"/>
-              </a:rPr>
-              <a:t>odds ratios</a:t>
-            </a:r>
-          </a:p>
-          <a:p>
-            <a:r>
-              <a:rPr lang="en-US" sz="2400" dirty="0">
-                <a:cs typeface="Times New Roman" panose="02020603050405020304" pitchFamily="18" charset="0"/>
-              </a:rPr>
-              <a:t> What does</a:t>
-            </a:r>
-          </a:p>
-          <a:p>
-            <a:pPr marL="0" indent="0">
-              <a:buNone/>
-            </a:pPr>
-            <a:endParaRPr lang="en-US" sz="2400" dirty="0">
-              <a:cs typeface="Times New Roman" panose="02020603050405020304" pitchFamily="18" charset="0"/>
-            </a:endParaRPr>
-          </a:p>
-        </p:txBody>
-      </p:sp>
-      <p:pic>
-        <p:nvPicPr>
-          <p:cNvPr id="1026" name="Picture 2" descr="What is a meme? Here's everything you need to know | Digital Trends">
-            <a:extLst>
-              <a:ext uri="{FF2B5EF4-FFF2-40B4-BE49-F238E27FC236}">
-                <a16:creationId xmlns:a16="http://schemas.microsoft.com/office/drawing/2014/main" id="{524E3057-0FB5-4790-63D2-1507DF7B4044}"/>
-              </a:ext>
-            </a:extLst>
-          </p:cNvPr>
-          <p:cNvPicPr>
-            <a:picLocks noChangeAspect="1" noChangeArrowheads="1"/>
-          </p:cNvPicPr>
-          <p:nvPr/>
-        </p:nvPicPr>
-        <p:blipFill>
-          <a:blip r:embed="rId3">
-            <a:extLst>
-              <a:ext uri="{28A0092B-C50C-407E-A947-70E740481C1C}">
-                <a14:useLocalDpi xmlns:a14="http://schemas.microsoft.com/office/drawing/2010/main" val="0"/>
-              </a:ext>
-            </a:extLst>
-          </a:blip>
-          <a:srcRect/>
-          <a:stretch>
-            <a:fillRect/>
-          </a:stretch>
-        </p:blipFill>
-        <p:spPr bwMode="auto">
-          <a:xfrm>
-            <a:off x="457200" y="1532552"/>
-            <a:ext cx="7696200" cy="5130800"/>
-          </a:xfrm>
-          <a:prstGeom prst="rect">
-            <a:avLst/>
-          </a:prstGeom>
-          <a:noFill/>
-          <a:extLst>
-            <a:ext uri="{909E8E84-426E-40DD-AFC4-6F175D3DCCD1}">
-              <a14:hiddenFill xmlns:a14="http://schemas.microsoft.com/office/drawing/2010/main">
-                <a:solidFill>
-                  <a:srgbClr val="FFFFFF"/>
-                </a:solidFill>
-              </a14:hiddenFill>
-            </a:ext>
-          </a:extLst>
-        </p:spPr>
-      </p:pic>
-    </p:spTree>
-    <p:extLst>
-      <p:ext uri="{BB962C8B-B14F-4D97-AF65-F5344CB8AC3E}">
-        <p14:creationId xmlns:p14="http://schemas.microsoft.com/office/powerpoint/2010/main" val="1022374273"/>
+        <p14:creationId xmlns:p14="http://schemas.microsoft.com/office/powerpoint/2010/main" val="3749419061"/>
       </p:ext>
     </p:extLst>
   </p:cSld>
@@ -20096,6 +19848,727 @@
 </file>
 
 <file path=ppt/slides/slide40.xml><?xml version="1.0" encoding="utf-8"?>
+<p:sld xmlns:a="http://schemas.openxmlformats.org/drawingml/2006/main" xmlns:r="http://schemas.openxmlformats.org/officeDocument/2006/relationships" xmlns:p="http://schemas.openxmlformats.org/presentationml/2006/main">
+  <p:cSld>
+    <p:spTree>
+      <p:nvGrpSpPr>
+        <p:cNvPr id="1" name=""/>
+        <p:cNvGrpSpPr/>
+        <p:nvPr/>
+      </p:nvGrpSpPr>
+      <p:grpSpPr>
+        <a:xfrm>
+          <a:off x="0" y="0"/>
+          <a:ext cx="0" cy="0"/>
+          <a:chOff x="0" y="0"/>
+          <a:chExt cx="0" cy="0"/>
+        </a:xfrm>
+      </p:grpSpPr>
+      <p:sp>
+        <p:nvSpPr>
+          <p:cNvPr id="2" name="Title 1"/>
+          <p:cNvSpPr>
+            <a:spLocks noGrp="1"/>
+          </p:cNvSpPr>
+          <p:nvPr>
+            <p:ph type="title"/>
+          </p:nvPr>
+        </p:nvSpPr>
+        <p:spPr>
+          <a:xfrm>
+            <a:off x="609600" y="337392"/>
+            <a:ext cx="10439400" cy="624840"/>
+          </a:xfrm>
+        </p:spPr>
+        <p:txBody>
+          <a:bodyPr>
+            <a:noAutofit/>
+          </a:bodyPr>
+          <a:lstStyle/>
+          <a:p>
+            <a:r>
+              <a:rPr lang="en-US" sz="3600" dirty="0">
+                <a:latin typeface="Times New Roman" panose="02020603050405020304" pitchFamily="18" charset="0"/>
+                <a:cs typeface="Times New Roman" panose="02020603050405020304" pitchFamily="18" charset="0"/>
+              </a:rPr>
+              <a:t>Logit/</a:t>
+            </a:r>
+            <a:r>
+              <a:rPr lang="en-US" sz="3600" dirty="0" err="1">
+                <a:latin typeface="Times New Roman" panose="02020603050405020304" pitchFamily="18" charset="0"/>
+                <a:cs typeface="Times New Roman" panose="02020603050405020304" pitchFamily="18" charset="0"/>
+              </a:rPr>
+              <a:t>Probit</a:t>
+            </a:r>
+            <a:r>
+              <a:rPr lang="en-US" sz="3600" dirty="0">
+                <a:latin typeface="Times New Roman" panose="02020603050405020304" pitchFamily="18" charset="0"/>
+                <a:cs typeface="Times New Roman" panose="02020603050405020304" pitchFamily="18" charset="0"/>
+              </a:rPr>
+              <a:t> in Practice</a:t>
+            </a:r>
+          </a:p>
+        </p:txBody>
+      </p:sp>
+      <mc:AlternateContent xmlns:mc="http://schemas.openxmlformats.org/markup-compatibility/2006" xmlns:a14="http://schemas.microsoft.com/office/drawing/2010/main">
+        <mc:Choice Requires="a14">
+          <p:sp>
+            <p:nvSpPr>
+              <p:cNvPr id="3" name="Content Placeholder 2"/>
+              <p:cNvSpPr>
+                <a:spLocks noGrp="1"/>
+              </p:cNvSpPr>
+              <p:nvPr>
+                <p:ph idx="1"/>
+              </p:nvPr>
+            </p:nvSpPr>
+            <p:spPr>
+              <a:xfrm>
+                <a:off x="914401" y="1066801"/>
+                <a:ext cx="9677400" cy="5141388"/>
+              </a:xfrm>
+            </p:spPr>
+            <p:txBody>
+              <a:bodyPr>
+                <a:noAutofit/>
+              </a:bodyPr>
+              <a:lstStyle/>
+              <a:p>
+                <a:r>
+                  <a:rPr lang="en-US" sz="2400" dirty="0">
+                    <a:cs typeface="Times New Roman" panose="02020603050405020304" pitchFamily="18" charset="0"/>
+                  </a:rPr>
+                  <a:t>Logit and </a:t>
+                </a:r>
+                <a:r>
+                  <a:rPr lang="en-US" sz="2400" dirty="0" err="1">
+                    <a:cs typeface="Times New Roman" panose="02020603050405020304" pitchFamily="18" charset="0"/>
+                  </a:rPr>
+                  <a:t>probit</a:t>
+                </a:r>
+                <a:r>
+                  <a:rPr lang="en-US" sz="2400" dirty="0">
+                    <a:cs typeface="Times New Roman" panose="02020603050405020304" pitchFamily="18" charset="0"/>
+                  </a:rPr>
+                  <a:t> are easy to execute (just use “</a:t>
+                </a:r>
+                <a:r>
+                  <a:rPr lang="en-US" sz="2400" dirty="0" err="1">
+                    <a:cs typeface="Times New Roman" panose="02020603050405020304" pitchFamily="18" charset="0"/>
+                  </a:rPr>
+                  <a:t>glm</a:t>
+                </a:r>
+                <a:r>
+                  <a:rPr lang="en-US" sz="2400" dirty="0">
+                    <a:cs typeface="Times New Roman" panose="02020603050405020304" pitchFamily="18" charset="0"/>
+                  </a:rPr>
+                  <a:t>” method) </a:t>
+                </a:r>
+              </a:p>
+              <a:p>
+                <a:r>
+                  <a:rPr lang="en-US" sz="2400" dirty="0">
+                    <a:cs typeface="Times New Roman" panose="02020603050405020304" pitchFamily="18" charset="0"/>
+                  </a:rPr>
+                  <a:t>Trouble is </a:t>
+                </a:r>
+                <a:r>
+                  <a:rPr lang="en-US" sz="2400" b="1" dirty="0">
+                    <a:solidFill>
+                      <a:schemeClr val="accent2">
+                        <a:lumMod val="75000"/>
+                      </a:schemeClr>
+                    </a:solidFill>
+                    <a:cs typeface="Times New Roman" panose="02020603050405020304" pitchFamily="18" charset="0"/>
+                  </a:rPr>
+                  <a:t>interpreting the coefficients: </a:t>
+                </a:r>
+              </a:p>
+              <a:p>
+                <a:pPr lvl="1"/>
+                <a:r>
+                  <a:rPr lang="en-US" sz="2400" dirty="0">
+                    <a:cs typeface="Times New Roman" panose="02020603050405020304" pitchFamily="18" charset="0"/>
+                  </a:rPr>
+                  <a:t>Recall that </a:t>
+                </a:r>
+                <a14:m>
+                  <m:oMath xmlns:m="http://schemas.openxmlformats.org/officeDocument/2006/math">
+                    <m:sSub>
+                      <m:sSubPr>
+                        <m:ctrlPr>
+                          <a:rPr lang="en-US" sz="2400" b="0" i="1" smtClean="0">
+                            <a:latin typeface="Cambria Math" panose="02040503050406030204" pitchFamily="18" charset="0"/>
+                            <a:cs typeface="Times New Roman" panose="02020603050405020304" pitchFamily="18" charset="0"/>
+                          </a:rPr>
+                        </m:ctrlPr>
+                      </m:sSubPr>
+                      <m:e>
+                        <m:r>
+                          <a:rPr lang="en-US" sz="2400" b="0" i="1" smtClean="0">
+                            <a:latin typeface="Cambria Math" panose="02040503050406030204" pitchFamily="18" charset="0"/>
+                            <a:cs typeface="Times New Roman" panose="02020603050405020304" pitchFamily="18" charset="0"/>
+                          </a:rPr>
+                          <m:t>𝛽</m:t>
+                        </m:r>
+                      </m:e>
+                      <m:sub>
+                        <m:r>
+                          <a:rPr lang="en-US" sz="2400" b="0" i="1" smtClean="0">
+                            <a:latin typeface="Cambria Math" panose="02040503050406030204" pitchFamily="18" charset="0"/>
+                            <a:cs typeface="Times New Roman" panose="02020603050405020304" pitchFamily="18" charset="0"/>
+                          </a:rPr>
+                          <m:t>1</m:t>
+                        </m:r>
+                      </m:sub>
+                    </m:sSub>
+                  </m:oMath>
+                </a14:m>
+                <a:r>
+                  <a:rPr lang="en-US" sz="2400" dirty="0">
+                    <a:cs typeface="Times New Roman" panose="02020603050405020304" pitchFamily="18" charset="0"/>
+                  </a:rPr>
+                  <a:t> tells you how </a:t>
+                </a:r>
+                <a14:m>
+                  <m:oMath xmlns:m="http://schemas.openxmlformats.org/officeDocument/2006/math">
+                    <m:r>
+                      <a:rPr lang="en-US" sz="2400" b="0" i="1" smtClean="0">
+                        <a:latin typeface="Cambria Math" panose="02040503050406030204" pitchFamily="18" charset="0"/>
+                        <a:cs typeface="Times New Roman" panose="02020603050405020304" pitchFamily="18" charset="0"/>
+                      </a:rPr>
+                      <m:t>𝑋</m:t>
+                    </m:r>
+                  </m:oMath>
+                </a14:m>
+                <a:r>
+                  <a:rPr lang="en-US" sz="2400" dirty="0">
+                    <a:cs typeface="Times New Roman" panose="02020603050405020304" pitchFamily="18" charset="0"/>
+                  </a:rPr>
+                  <a:t> affects </a:t>
+                </a:r>
+                <a14:m>
+                  <m:oMath xmlns:m="http://schemas.openxmlformats.org/officeDocument/2006/math">
+                    <m:r>
+                      <a:rPr lang="en-US" sz="2400" b="0" i="1" smtClean="0">
+                        <a:latin typeface="Cambria Math" panose="02040503050406030204" pitchFamily="18" charset="0"/>
+                        <a:cs typeface="Times New Roman" panose="02020603050405020304" pitchFamily="18" charset="0"/>
+                      </a:rPr>
+                      <m:t>𝑖𝑛𝑑𝑒𝑥</m:t>
+                    </m:r>
+                  </m:oMath>
+                </a14:m>
+                <a:r>
+                  <a:rPr lang="en-US" sz="2400" dirty="0">
+                    <a:cs typeface="Times New Roman" panose="02020603050405020304" pitchFamily="18" charset="0"/>
+                  </a:rPr>
+                  <a:t>, not how </a:t>
+                </a:r>
+                <a14:m>
+                  <m:oMath xmlns:m="http://schemas.openxmlformats.org/officeDocument/2006/math">
+                    <m:r>
+                      <a:rPr lang="en-US" sz="2400" b="0" i="1" smtClean="0">
+                        <a:latin typeface="Cambria Math" panose="02040503050406030204" pitchFamily="18" charset="0"/>
+                        <a:cs typeface="Times New Roman" panose="02020603050405020304" pitchFamily="18" charset="0"/>
+                      </a:rPr>
+                      <m:t>𝑋</m:t>
+                    </m:r>
+                  </m:oMath>
+                </a14:m>
+                <a:r>
+                  <a:rPr lang="en-US" sz="2400" dirty="0">
+                    <a:cs typeface="Times New Roman" panose="02020603050405020304" pitchFamily="18" charset="0"/>
+                  </a:rPr>
+                  <a:t> affects </a:t>
+                </a:r>
+                <a14:m>
+                  <m:oMath xmlns:m="http://schemas.openxmlformats.org/officeDocument/2006/math">
+                    <m:r>
+                      <a:rPr lang="en-US" sz="2400" b="0" i="1" smtClean="0">
+                        <a:latin typeface="Cambria Math" panose="02040503050406030204" pitchFamily="18" charset="0"/>
+                        <a:cs typeface="Times New Roman" panose="02020603050405020304" pitchFamily="18" charset="0"/>
+                      </a:rPr>
+                      <m:t>𝐷</m:t>
+                    </m:r>
+                  </m:oMath>
+                </a14:m>
+                <a:endParaRPr lang="en-US" sz="2400" dirty="0">
+                  <a:cs typeface="Times New Roman" panose="02020603050405020304" pitchFamily="18" charset="0"/>
+                </a:endParaRPr>
+              </a:p>
+              <a:p>
+                <a:pPr lvl="1"/>
+                <a:r>
+                  <a:rPr lang="en-US" sz="2400" dirty="0">
+                    <a:cs typeface="Times New Roman" panose="02020603050405020304" pitchFamily="18" charset="0"/>
+                  </a:rPr>
+                  <a:t>We have to consider </a:t>
+                </a:r>
+                <a14:m>
+                  <m:oMath xmlns:m="http://schemas.openxmlformats.org/officeDocument/2006/math">
+                    <m:r>
+                      <a:rPr lang="en-US" sz="2400" b="0" i="1" smtClean="0">
+                        <a:latin typeface="Cambria Math" panose="02040503050406030204" pitchFamily="18" charset="0"/>
+                        <a:cs typeface="Times New Roman" panose="02020603050405020304" pitchFamily="18" charset="0"/>
+                      </a:rPr>
+                      <m:t>𝐹</m:t>
+                    </m:r>
+                    <m:r>
+                      <a:rPr lang="en-US" sz="2400" b="0" i="1" smtClean="0">
+                        <a:latin typeface="Cambria Math" panose="02040503050406030204" pitchFamily="18" charset="0"/>
+                        <a:cs typeface="Times New Roman" panose="02020603050405020304" pitchFamily="18" charset="0"/>
+                      </a:rPr>
+                      <m:t>(⋅)</m:t>
+                    </m:r>
+                  </m:oMath>
+                </a14:m>
+                <a:endParaRPr lang="en-US" sz="2400" dirty="0">
+                  <a:cs typeface="Times New Roman" panose="02020603050405020304" pitchFamily="18" charset="0"/>
+                </a:endParaRPr>
+              </a:p>
+              <a:p>
+                <a:r>
+                  <a:rPr lang="en-US" sz="2400" dirty="0">
+                    <a:cs typeface="Times New Roman" panose="02020603050405020304" pitchFamily="18" charset="0"/>
+                  </a:rPr>
+                  <a:t>You can look at the table to get a sense of </a:t>
+                </a:r>
+                <a:r>
+                  <a:rPr lang="en-US" sz="2400" b="1" dirty="0">
+                    <a:solidFill>
+                      <a:schemeClr val="accent2">
+                        <a:lumMod val="75000"/>
+                      </a:schemeClr>
+                    </a:solidFill>
+                    <a:cs typeface="Times New Roman" panose="02020603050405020304" pitchFamily="18" charset="0"/>
+                  </a:rPr>
+                  <a:t>direction</a:t>
+                </a:r>
+                <a:r>
+                  <a:rPr lang="en-US" sz="2400" dirty="0">
+                    <a:cs typeface="Times New Roman" panose="02020603050405020304" pitchFamily="18" charset="0"/>
+                  </a:rPr>
+                  <a:t> and </a:t>
+                </a:r>
+                <a:r>
+                  <a:rPr lang="en-US" sz="2400" b="1" dirty="0">
+                    <a:solidFill>
+                      <a:schemeClr val="accent2">
+                        <a:lumMod val="75000"/>
+                      </a:schemeClr>
+                    </a:solidFill>
+                    <a:cs typeface="Times New Roman" panose="02020603050405020304" pitchFamily="18" charset="0"/>
+                  </a:rPr>
+                  <a:t>significance</a:t>
+                </a:r>
+                <a:r>
+                  <a:rPr lang="en-US" sz="2400" dirty="0">
+                    <a:cs typeface="Times New Roman" panose="02020603050405020304" pitchFamily="18" charset="0"/>
+                  </a:rPr>
+                  <a:t>, but </a:t>
+                </a:r>
+                <a:r>
+                  <a:rPr lang="en-US" sz="2400" b="1" dirty="0">
+                    <a:solidFill>
+                      <a:srgbClr val="FF0000"/>
+                    </a:solidFill>
+                    <a:cs typeface="Times New Roman" panose="02020603050405020304" pitchFamily="18" charset="0"/>
+                  </a:rPr>
+                  <a:t>not magnitude</a:t>
+                </a:r>
+              </a:p>
+              <a:p>
+                <a:r>
+                  <a:rPr lang="en-US" sz="2400" dirty="0">
+                    <a:cs typeface="Times New Roman" panose="02020603050405020304" pitchFamily="18" charset="0"/>
+                  </a:rPr>
+                  <a:t>You might use an LPM when: </a:t>
+                </a:r>
+              </a:p>
+              <a:p>
+                <a:pPr lvl="1"/>
+                <a:r>
+                  <a:rPr lang="en-US" sz="2400" dirty="0">
+                    <a:cs typeface="Times New Roman" panose="02020603050405020304" pitchFamily="18" charset="0"/>
+                  </a:rPr>
+                  <a:t>LPMs are better in small samples than logit/</a:t>
+                </a:r>
+                <a:r>
+                  <a:rPr lang="en-US" sz="2400" dirty="0" err="1">
+                    <a:cs typeface="Times New Roman" panose="02020603050405020304" pitchFamily="18" charset="0"/>
+                  </a:rPr>
+                  <a:t>probit</a:t>
+                </a:r>
+                <a:r>
+                  <a:rPr lang="en-US" sz="2400" dirty="0">
+                    <a:cs typeface="Times New Roman" panose="02020603050405020304" pitchFamily="18" charset="0"/>
+                  </a:rPr>
+                  <a:t>, which generally use </a:t>
+                </a:r>
+                <a:r>
+                  <a:rPr lang="en-US" sz="2400" b="1" dirty="0">
+                    <a:cs typeface="Times New Roman" panose="02020603050405020304" pitchFamily="18" charset="0"/>
+                  </a:rPr>
+                  <a:t>Maximum Likelihood Estimation (MLE) </a:t>
+                </a:r>
+              </a:p>
+              <a:p>
+                <a:pPr lvl="1"/>
+                <a:r>
+                  <a:rPr lang="en-US" sz="2400" dirty="0">
+                    <a:cs typeface="Times New Roman" panose="02020603050405020304" pitchFamily="18" charset="0"/>
+                  </a:rPr>
+                  <a:t>You only care about slope for predicted values far from boundaries</a:t>
+                </a:r>
+              </a:p>
+              <a:p>
+                <a:pPr lvl="1"/>
+                <a:r>
+                  <a:rPr lang="en-US" sz="2400" dirty="0">
+                    <a:cs typeface="Times New Roman" panose="02020603050405020304" pitchFamily="18" charset="0"/>
+                  </a:rPr>
+                  <a:t>There are limited values on RHS (less variation </a:t>
+                </a:r>
+                <a14:m>
+                  <m:oMath xmlns:m="http://schemas.openxmlformats.org/officeDocument/2006/math">
+                    <m:r>
+                      <a:rPr lang="en-US" sz="2400" b="0" i="1" smtClean="0">
+                        <a:latin typeface="Cambria Math" panose="02040503050406030204" pitchFamily="18" charset="0"/>
+                        <a:cs typeface="Times New Roman" panose="02020603050405020304" pitchFamily="18" charset="0"/>
+                      </a:rPr>
+                      <m:t>⇒</m:t>
+                    </m:r>
+                  </m:oMath>
+                </a14:m>
+                <a:r>
+                  <a:rPr lang="en-US" sz="2400" dirty="0">
+                    <a:cs typeface="Times New Roman" panose="02020603050405020304" pitchFamily="18" charset="0"/>
+                  </a:rPr>
+                  <a:t> fewer prediction issues)</a:t>
+                </a:r>
+              </a:p>
+              <a:p>
+                <a:pPr lvl="1"/>
+                <a:r>
+                  <a:rPr lang="en-US" sz="2400" b="1" dirty="0">
+                    <a:cs typeface="Times New Roman" panose="02020603050405020304" pitchFamily="18" charset="0"/>
+                  </a:rPr>
+                  <a:t>Remember LPM performs poorly if </a:t>
+                </a:r>
+                <a14:m>
+                  <m:oMath xmlns:m="http://schemas.openxmlformats.org/officeDocument/2006/math">
+                    <m:acc>
+                      <m:accPr>
+                        <m:chr m:val="̅"/>
+                        <m:ctrlPr>
+                          <a:rPr lang="en-US" sz="2400" b="1" i="1" smtClean="0">
+                            <a:latin typeface="Cambria Math" panose="02040503050406030204" pitchFamily="18" charset="0"/>
+                            <a:cs typeface="Times New Roman" panose="02020603050405020304" pitchFamily="18" charset="0"/>
+                          </a:rPr>
+                        </m:ctrlPr>
+                      </m:accPr>
+                      <m:e>
+                        <m:r>
+                          <a:rPr lang="en-US" sz="2400" b="0" i="1" smtClean="0">
+                            <a:latin typeface="Cambria Math" panose="02040503050406030204" pitchFamily="18" charset="0"/>
+                            <a:cs typeface="Times New Roman" panose="02020603050405020304" pitchFamily="18" charset="0"/>
+                          </a:rPr>
+                          <m:t>𝑦</m:t>
+                        </m:r>
+                      </m:e>
+                    </m:acc>
+                  </m:oMath>
+                </a14:m>
+                <a:r>
+                  <a:rPr lang="en-US" sz="2400" b="1" dirty="0">
+                    <a:cs typeface="Times New Roman" panose="02020603050405020304" pitchFamily="18" charset="0"/>
+                  </a:rPr>
+                  <a:t> is close to 0 or 1!</a:t>
+                </a:r>
+              </a:p>
+              <a:p>
+                <a:endParaRPr lang="en-US" sz="2400" dirty="0">
+                  <a:cs typeface="Times New Roman" panose="02020603050405020304" pitchFamily="18" charset="0"/>
+                </a:endParaRPr>
+              </a:p>
+            </p:txBody>
+          </p:sp>
+        </mc:Choice>
+        <mc:Fallback xmlns="">
+          <p:sp>
+            <p:nvSpPr>
+              <p:cNvPr id="3" name="Content Placeholder 2"/>
+              <p:cNvSpPr>
+                <a:spLocks noGrp="1" noRot="1" noChangeAspect="1" noMove="1" noResize="1" noEditPoints="1" noAdjustHandles="1" noChangeArrowheads="1" noChangeShapeType="1" noTextEdit="1"/>
+              </p:cNvSpPr>
+              <p:nvPr>
+                <p:ph idx="1"/>
+              </p:nvPr>
+            </p:nvSpPr>
+            <p:spPr>
+              <a:xfrm>
+                <a:off x="914401" y="1066801"/>
+                <a:ext cx="9677400" cy="5141388"/>
+              </a:xfrm>
+              <a:blipFill>
+                <a:blip r:embed="rId3"/>
+                <a:stretch>
+                  <a:fillRect l="-441" t="-1305" b="-10083"/>
+                </a:stretch>
+              </a:blipFill>
+            </p:spPr>
+            <p:txBody>
+              <a:bodyPr/>
+              <a:lstStyle/>
+              <a:p>
+                <a:r>
+                  <a:rPr lang="en-US">
+                    <a:noFill/>
+                  </a:rPr>
+                  <a:t> </a:t>
+                </a:r>
+              </a:p>
+            </p:txBody>
+          </p:sp>
+        </mc:Fallback>
+      </mc:AlternateContent>
+      <p:pic>
+        <p:nvPicPr>
+          <p:cNvPr id="4" name="Picture 2" descr="RStudio - RStudio">
+            <a:extLst>
+              <a:ext uri="{FF2B5EF4-FFF2-40B4-BE49-F238E27FC236}">
+                <a16:creationId xmlns:a16="http://schemas.microsoft.com/office/drawing/2014/main" id="{D24F87A3-BCAF-963A-30E2-888B7E759B76}"/>
+              </a:ext>
+            </a:extLst>
+          </p:cNvPr>
+          <p:cNvPicPr>
+            <a:picLocks noChangeAspect="1" noChangeArrowheads="1"/>
+          </p:cNvPicPr>
+          <p:nvPr/>
+        </p:nvPicPr>
+        <p:blipFill>
+          <a:blip r:embed="rId4">
+            <a:extLst>
+              <a:ext uri="{28A0092B-C50C-407E-A947-70E740481C1C}">
+                <a14:useLocalDpi xmlns:a14="http://schemas.microsoft.com/office/drawing/2010/main" val="0"/>
+              </a:ext>
+            </a:extLst>
+          </a:blip>
+          <a:srcRect/>
+          <a:stretch>
+            <a:fillRect/>
+          </a:stretch>
+        </p:blipFill>
+        <p:spPr bwMode="auto">
+          <a:xfrm>
+            <a:off x="9829800" y="5209968"/>
+            <a:ext cx="1371600" cy="1371600"/>
+          </a:xfrm>
+          <a:prstGeom prst="rect">
+            <a:avLst/>
+          </a:prstGeom>
+          <a:noFill/>
+          <a:extLst>
+            <a:ext uri="{909E8E84-426E-40DD-AFC4-6F175D3DCCD1}">
+              <a14:hiddenFill xmlns:a14="http://schemas.microsoft.com/office/drawing/2010/main">
+                <a:solidFill>
+                  <a:srgbClr val="FFFFFF"/>
+                </a:solidFill>
+              </a14:hiddenFill>
+            </a:ext>
+          </a:extLst>
+        </p:spPr>
+      </p:pic>
+    </p:spTree>
+    <p:extLst>
+      <p:ext uri="{BB962C8B-B14F-4D97-AF65-F5344CB8AC3E}">
+        <p14:creationId xmlns:p14="http://schemas.microsoft.com/office/powerpoint/2010/main" val="4178901138"/>
+      </p:ext>
+    </p:extLst>
+  </p:cSld>
+  <p:clrMapOvr>
+    <a:masterClrMapping/>
+  </p:clrMapOvr>
+</p:sld>
+</file>
+
+<file path=ppt/slides/slide41.xml><?xml version="1.0" encoding="utf-8"?>
+<p:sld xmlns:a="http://schemas.openxmlformats.org/drawingml/2006/main" xmlns:r="http://schemas.openxmlformats.org/officeDocument/2006/relationships" xmlns:p="http://schemas.openxmlformats.org/presentationml/2006/main">
+  <p:cSld>
+    <p:spTree>
+      <p:nvGrpSpPr>
+        <p:cNvPr id="1" name=""/>
+        <p:cNvGrpSpPr/>
+        <p:nvPr/>
+      </p:nvGrpSpPr>
+      <p:grpSpPr>
+        <a:xfrm>
+          <a:off x="0" y="0"/>
+          <a:ext cx="0" cy="0"/>
+          <a:chOff x="0" y="0"/>
+          <a:chExt cx="0" cy="0"/>
+        </a:xfrm>
+      </p:grpSpPr>
+      <p:sp>
+        <p:nvSpPr>
+          <p:cNvPr id="2" name="Title 1"/>
+          <p:cNvSpPr>
+            <a:spLocks noGrp="1"/>
+          </p:cNvSpPr>
+          <p:nvPr>
+            <p:ph type="title"/>
+          </p:nvPr>
+        </p:nvSpPr>
+        <p:spPr>
+          <a:xfrm>
+            <a:off x="609600" y="337392"/>
+            <a:ext cx="10439400" cy="624840"/>
+          </a:xfrm>
+        </p:spPr>
+        <p:txBody>
+          <a:bodyPr>
+            <a:noAutofit/>
+          </a:bodyPr>
+          <a:lstStyle/>
+          <a:p>
+            <a:r>
+              <a:rPr lang="en-US" sz="3600" dirty="0">
+                <a:latin typeface="Times New Roman" panose="02020603050405020304" pitchFamily="18" charset="0"/>
+                <a:cs typeface="Times New Roman" panose="02020603050405020304" pitchFamily="18" charset="0"/>
+              </a:rPr>
+              <a:t>How to interpret logit/</a:t>
+            </a:r>
+            <a:r>
+              <a:rPr lang="en-US" sz="3600" dirty="0" err="1">
+                <a:latin typeface="Times New Roman" panose="02020603050405020304" pitchFamily="18" charset="0"/>
+                <a:cs typeface="Times New Roman" panose="02020603050405020304" pitchFamily="18" charset="0"/>
+              </a:rPr>
+              <a:t>probit</a:t>
+            </a:r>
+            <a:r>
+              <a:rPr lang="en-US" sz="3600" dirty="0">
+                <a:latin typeface="Times New Roman" panose="02020603050405020304" pitchFamily="18" charset="0"/>
+                <a:cs typeface="Times New Roman" panose="02020603050405020304" pitchFamily="18" charset="0"/>
+              </a:rPr>
+              <a:t> results?</a:t>
+            </a:r>
+          </a:p>
+        </p:txBody>
+      </p:sp>
+      <p:sp>
+        <p:nvSpPr>
+          <p:cNvPr id="3" name="Content Placeholder 2"/>
+          <p:cNvSpPr>
+            <a:spLocks noGrp="1"/>
+          </p:cNvSpPr>
+          <p:nvPr>
+            <p:ph idx="1"/>
+          </p:nvPr>
+        </p:nvSpPr>
+        <p:spPr>
+          <a:xfrm>
+            <a:off x="609600" y="1066801"/>
+            <a:ext cx="10289629" cy="5141388"/>
+          </a:xfrm>
+        </p:spPr>
+        <p:txBody>
+          <a:bodyPr>
+            <a:normAutofit/>
+          </a:bodyPr>
+          <a:lstStyle/>
+          <a:p>
+            <a:r>
+              <a:rPr lang="en-US" sz="2400" dirty="0">
+                <a:cs typeface="Times New Roman" panose="02020603050405020304" pitchFamily="18" charset="0"/>
+              </a:rPr>
+              <a:t>Typically, journals report results from logit/probit regressions using </a:t>
+            </a:r>
+            <a:r>
+              <a:rPr lang="en-US" sz="2400" b="1" dirty="0">
+                <a:cs typeface="Times New Roman" panose="02020603050405020304" pitchFamily="18" charset="0"/>
+              </a:rPr>
+              <a:t>odds ratios</a:t>
+            </a:r>
+          </a:p>
+          <a:p>
+            <a:r>
+              <a:rPr lang="en-US" sz="2400" dirty="0">
+                <a:cs typeface="Times New Roman" panose="02020603050405020304" pitchFamily="18" charset="0"/>
+              </a:rPr>
+              <a:t> What does</a:t>
+            </a:r>
+          </a:p>
+          <a:p>
+            <a:pPr marL="0" indent="0">
+              <a:buNone/>
+            </a:pPr>
+            <a:endParaRPr lang="en-US" sz="2400" dirty="0">
+              <a:cs typeface="Times New Roman" panose="02020603050405020304" pitchFamily="18" charset="0"/>
+            </a:endParaRPr>
+          </a:p>
+        </p:txBody>
+      </p:sp>
+      <p:pic>
+        <p:nvPicPr>
+          <p:cNvPr id="1026" name="Picture 2" descr="What is a meme? Here's everything you need to know | Digital Trends">
+            <a:extLst>
+              <a:ext uri="{FF2B5EF4-FFF2-40B4-BE49-F238E27FC236}">
+                <a16:creationId xmlns:a16="http://schemas.microsoft.com/office/drawing/2014/main" id="{524E3057-0FB5-4790-63D2-1507DF7B4044}"/>
+              </a:ext>
+            </a:extLst>
+          </p:cNvPr>
+          <p:cNvPicPr>
+            <a:picLocks noChangeAspect="1" noChangeArrowheads="1"/>
+          </p:cNvPicPr>
+          <p:nvPr/>
+        </p:nvPicPr>
+        <p:blipFill>
+          <a:blip r:embed="rId3">
+            <a:extLst>
+              <a:ext uri="{28A0092B-C50C-407E-A947-70E740481C1C}">
+                <a14:useLocalDpi xmlns:a14="http://schemas.microsoft.com/office/drawing/2010/main" val="0"/>
+              </a:ext>
+            </a:extLst>
+          </a:blip>
+          <a:srcRect/>
+          <a:stretch>
+            <a:fillRect/>
+          </a:stretch>
+        </p:blipFill>
+        <p:spPr bwMode="auto">
+          <a:xfrm>
+            <a:off x="457200" y="1532552"/>
+            <a:ext cx="7696200" cy="5130800"/>
+          </a:xfrm>
+          <a:prstGeom prst="rect">
+            <a:avLst/>
+          </a:prstGeom>
+          <a:noFill/>
+          <a:extLst>
+            <a:ext uri="{909E8E84-426E-40DD-AFC4-6F175D3DCCD1}">
+              <a14:hiddenFill xmlns:a14="http://schemas.microsoft.com/office/drawing/2010/main">
+                <a:solidFill>
+                  <a:srgbClr val="FFFFFF"/>
+                </a:solidFill>
+              </a14:hiddenFill>
+            </a:ext>
+          </a:extLst>
+        </p:spPr>
+      </p:pic>
+    </p:spTree>
+    <p:extLst>
+      <p:ext uri="{BB962C8B-B14F-4D97-AF65-F5344CB8AC3E}">
+        <p14:creationId xmlns:p14="http://schemas.microsoft.com/office/powerpoint/2010/main" val="1022374273"/>
+      </p:ext>
+    </p:extLst>
+  </p:cSld>
+  <p:clrMapOvr>
+    <a:masterClrMapping/>
+  </p:clrMapOvr>
+</p:sld>
+</file>
+
+<file path=ppt/slides/slide42.xml><?xml version="1.0" encoding="utf-8"?>
 <p:sld xmlns:a="http://schemas.openxmlformats.org/drawingml/2006/main" xmlns:r="http://schemas.openxmlformats.org/officeDocument/2006/relationships" xmlns:p="http://schemas.openxmlformats.org/presentationml/2006/main">
   <p:cSld>
     <p:spTree>
@@ -20595,7 +21068,7 @@
 </p:sld>
 </file>
 
-<file path=ppt/slides/slide41.xml><?xml version="1.0" encoding="utf-8"?>
+<file path=ppt/slides/slide43.xml><?xml version="1.0" encoding="utf-8"?>
 <p:sld xmlns:a="http://schemas.openxmlformats.org/drawingml/2006/main" xmlns:r="http://schemas.openxmlformats.org/officeDocument/2006/relationships" xmlns:p="http://schemas.openxmlformats.org/presentationml/2006/main">
   <p:cSld>
     <p:spTree>
@@ -21095,7 +21568,7 @@
 </p:sld>
 </file>
 
-<file path=ppt/slides/slide42.xml><?xml version="1.0" encoding="utf-8"?>
+<file path=ppt/slides/slide44.xml><?xml version="1.0" encoding="utf-8"?>
 <p:sld xmlns:a="http://schemas.openxmlformats.org/drawingml/2006/main" xmlns:r="http://schemas.openxmlformats.org/officeDocument/2006/relationships" xmlns:p="http://schemas.openxmlformats.org/presentationml/2006/main">
   <p:cSld>
     <p:spTree>
@@ -21553,7 +22026,7 @@
 </p:sld>
 </file>
 
-<file path=ppt/slides/slide43.xml><?xml version="1.0" encoding="utf-8"?>
+<file path=ppt/slides/slide45.xml><?xml version="1.0" encoding="utf-8"?>
 <p:sld xmlns:a="http://schemas.openxmlformats.org/drawingml/2006/main" xmlns:r="http://schemas.openxmlformats.org/officeDocument/2006/relationships" xmlns:p="http://schemas.openxmlformats.org/presentationml/2006/main">
   <p:cSld>
     <p:spTree>
@@ -21799,8 +22272,8 @@
           </a:graphicData>
         </a:graphic>
       </p:graphicFrame>
-      <mc:AlternateContent xmlns:mc="http://schemas.openxmlformats.org/markup-compatibility/2006">
-        <mc:Choice xmlns:a14="http://schemas.microsoft.com/office/drawing/2010/main" Requires="a14">
+      <mc:AlternateContent xmlns:mc="http://schemas.openxmlformats.org/markup-compatibility/2006" xmlns:a14="http://schemas.microsoft.com/office/drawing/2010/main">
+        <mc:Choice Requires="a14">
           <p:sp>
             <p:nvSpPr>
               <p:cNvPr id="5" name="TextBox 4">
@@ -21867,6 +22340,7 @@
                 </a:r>
               </a:p>
               <a:p>
+                <a:pPr/>
                 <a14:m>
                   <m:oMathPara xmlns:m="http://schemas.openxmlformats.org/officeDocument/2006/math">
                     <m:oMathParaPr>
@@ -21904,7 +22378,7 @@
             </p:txBody>
           </p:sp>
         </mc:Choice>
-        <mc:Fallback>
+        <mc:Fallback xmlns="">
           <p:sp>
             <p:nvSpPr>
               <p:cNvPr id="5" name="TextBox 4">
@@ -21962,7 +22436,7 @@
 </p:sld>
 </file>
 
-<file path=ppt/slides/slide44.xml><?xml version="1.0" encoding="utf-8"?>
+<file path=ppt/slides/slide46.xml><?xml version="1.0" encoding="utf-8"?>
 <p:sld xmlns:a="http://schemas.openxmlformats.org/drawingml/2006/main" xmlns:r="http://schemas.openxmlformats.org/officeDocument/2006/relationships" xmlns:p="http://schemas.openxmlformats.org/presentationml/2006/main">
   <p:cSld>
     <p:spTree>
@@ -22018,8 +22492,8 @@
           </a:p>
         </p:txBody>
       </p:sp>
-      <mc:AlternateContent xmlns:mc="http://schemas.openxmlformats.org/markup-compatibility/2006">
-        <mc:Choice xmlns:a14="http://schemas.microsoft.com/office/drawing/2010/main" Requires="a14">
+      <mc:AlternateContent xmlns:mc="http://schemas.openxmlformats.org/markup-compatibility/2006" xmlns:a14="http://schemas.microsoft.com/office/drawing/2010/main">
+        <mc:Choice Requires="a14">
           <p:sp>
             <p:nvSpPr>
               <p:cNvPr id="3" name="Content Placeholder 2">
@@ -22240,7 +22714,7 @@
             </p:txBody>
           </p:sp>
         </mc:Choice>
-        <mc:Fallback>
+        <mc:Fallback xmlns="">
           <p:sp>
             <p:nvSpPr>
               <p:cNvPr id="3" name="Content Placeholder 2">
@@ -22344,7 +22818,7 @@
 </p:sld>
 </file>
 
-<file path=ppt/slides/slide45.xml><?xml version="1.0" encoding="utf-8"?>
+<file path=ppt/slides/slide47.xml><?xml version="1.0" encoding="utf-8"?>
 <p:sld xmlns:a="http://schemas.openxmlformats.org/drawingml/2006/main" xmlns:r="http://schemas.openxmlformats.org/officeDocument/2006/relationships" xmlns:p="http://schemas.openxmlformats.org/presentationml/2006/main">
   <p:cSld>
     <p:spTree>
@@ -22904,7 +23378,7 @@
 </p:sld>
 </file>
 
-<file path=ppt/slides/slide46.xml><?xml version="1.0" encoding="utf-8"?>
+<file path=ppt/slides/slide48.xml><?xml version="1.0" encoding="utf-8"?>
 <p:sld xmlns:a="http://schemas.openxmlformats.org/drawingml/2006/main" xmlns:r="http://schemas.openxmlformats.org/officeDocument/2006/relationships" xmlns:p="http://schemas.openxmlformats.org/presentationml/2006/main">
   <p:cSld>
     <p:spTree>
@@ -23902,7 +24376,7 @@
 </p:sld>
 </file>
 
-<file path=ppt/slides/slide47.xml><?xml version="1.0" encoding="utf-8"?>
+<file path=ppt/slides/slide49.xml><?xml version="1.0" encoding="utf-8"?>
 <p:sld xmlns:a="http://schemas.openxmlformats.org/drawingml/2006/main" xmlns:r="http://schemas.openxmlformats.org/officeDocument/2006/relationships" xmlns:p="http://schemas.openxmlformats.org/presentationml/2006/main">
   <p:cSld>
     <p:spTree>
@@ -24223,342 +24697,6 @@
     <p:extLst>
       <p:ext uri="{BB962C8B-B14F-4D97-AF65-F5344CB8AC3E}">
         <p14:creationId xmlns:p14="http://schemas.microsoft.com/office/powerpoint/2010/main" val="1761431866"/>
-      </p:ext>
-    </p:extLst>
-  </p:cSld>
-  <p:clrMapOvr>
-    <a:masterClrMapping/>
-  </p:clrMapOvr>
-</p:sld>
-</file>
-
-<file path=ppt/slides/slide48.xml><?xml version="1.0" encoding="utf-8"?>
-<p:sld xmlns:a="http://schemas.openxmlformats.org/drawingml/2006/main" xmlns:r="http://schemas.openxmlformats.org/officeDocument/2006/relationships" xmlns:p="http://schemas.openxmlformats.org/presentationml/2006/main">
-  <p:cSld>
-    <p:spTree>
-      <p:nvGrpSpPr>
-        <p:cNvPr id="1" name=""/>
-        <p:cNvGrpSpPr/>
-        <p:nvPr/>
-      </p:nvGrpSpPr>
-      <p:grpSpPr>
-        <a:xfrm>
-          <a:off x="0" y="0"/>
-          <a:ext cx="0" cy="0"/>
-          <a:chOff x="0" y="0"/>
-          <a:chExt cx="0" cy="0"/>
-        </a:xfrm>
-      </p:grpSpPr>
-      <p:sp>
-        <p:nvSpPr>
-          <p:cNvPr id="2" name="Title 1"/>
-          <p:cNvSpPr>
-            <a:spLocks noGrp="1"/>
-          </p:cNvSpPr>
-          <p:nvPr>
-            <p:ph type="title"/>
-          </p:nvPr>
-        </p:nvSpPr>
-        <p:spPr>
-          <a:xfrm>
-            <a:off x="609600" y="337392"/>
-            <a:ext cx="10439400" cy="624840"/>
-          </a:xfrm>
-        </p:spPr>
-        <p:txBody>
-          <a:bodyPr>
-            <a:noAutofit/>
-          </a:bodyPr>
-          <a:lstStyle/>
-          <a:p>
-            <a:r>
-              <a:rPr lang="en-US" sz="3600" dirty="0">
-                <a:cs typeface="Times New Roman" panose="02020603050405020304" pitchFamily="18" charset="0"/>
-              </a:rPr>
-              <a:t>Complications in GLM: Hypothesis Testing</a:t>
-            </a:r>
-            <a:endParaRPr lang="en-US" sz="3600" dirty="0">
-              <a:latin typeface="Times New Roman" panose="02020603050405020304" pitchFamily="18" charset="0"/>
-              <a:cs typeface="Times New Roman" panose="02020603050405020304" pitchFamily="18" charset="0"/>
-            </a:endParaRPr>
-          </a:p>
-        </p:txBody>
-      </p:sp>
-      <mc:AlternateContent xmlns:mc="http://schemas.openxmlformats.org/markup-compatibility/2006">
-        <mc:Choice xmlns:a14="http://schemas.microsoft.com/office/drawing/2010/main" Requires="a14">
-          <p:sp>
-            <p:nvSpPr>
-              <p:cNvPr id="3" name="Content Placeholder 2"/>
-              <p:cNvSpPr>
-                <a:spLocks noGrp="1"/>
-              </p:cNvSpPr>
-              <p:nvPr>
-                <p:ph idx="1"/>
-              </p:nvPr>
-            </p:nvSpPr>
-            <p:spPr>
-              <a:xfrm>
-                <a:off x="914400" y="1066801"/>
-                <a:ext cx="9984829" cy="5141388"/>
-              </a:xfrm>
-            </p:spPr>
-            <p:txBody>
-              <a:bodyPr>
-                <a:normAutofit/>
-              </a:bodyPr>
-              <a:lstStyle/>
-              <a:p>
-                <a:r>
-                  <a:rPr lang="en-US" sz="2400" dirty="0">
-                    <a:cs typeface="Times New Roman" panose="02020603050405020304" pitchFamily="18" charset="0"/>
-                  </a:rPr>
-                  <a:t>If you want to test </a:t>
-                </a:r>
-                <a:r>
-                  <a:rPr lang="en-US" sz="2400" b="1" dirty="0">
-                    <a:cs typeface="Times New Roman" panose="02020603050405020304" pitchFamily="18" charset="0"/>
-                  </a:rPr>
-                  <a:t>multiple hypotheses </a:t>
-                </a:r>
-                <a:r>
-                  <a:rPr lang="en-US" sz="2400" dirty="0">
-                    <a:cs typeface="Times New Roman" panose="02020603050405020304" pitchFamily="18" charset="0"/>
-                  </a:rPr>
-                  <a:t>in GLM, can’t use the </a:t>
-                </a:r>
-                <a14:m>
-                  <m:oMath xmlns:m="http://schemas.openxmlformats.org/officeDocument/2006/math">
-                    <m:r>
-                      <a:rPr lang="en-US" sz="2400" b="0" i="1" smtClean="0">
-                        <a:latin typeface="Cambria Math" panose="02040503050406030204" pitchFamily="18" charset="0"/>
-                        <a:cs typeface="Times New Roman" panose="02020603050405020304" pitchFamily="18" charset="0"/>
-                      </a:rPr>
-                      <m:t>𝐹</m:t>
-                    </m:r>
-                  </m:oMath>
-                </a14:m>
-                <a:r>
-                  <a:rPr lang="en-US" sz="2400" dirty="0">
-                    <a:cs typeface="Times New Roman" panose="02020603050405020304" pitchFamily="18" charset="0"/>
-                  </a:rPr>
-                  <a:t> test</a:t>
-                </a:r>
-              </a:p>
-              <a:p>
-                <a:r>
-                  <a:rPr lang="en-US" sz="2400" dirty="0">
-                    <a:cs typeface="Times New Roman" panose="02020603050405020304" pitchFamily="18" charset="0"/>
-                  </a:rPr>
-                  <a:t>Instead, need to use the </a:t>
-                </a:r>
-                <a:r>
-                  <a:rPr lang="en-US" sz="2400" b="1" dirty="0">
-                    <a:cs typeface="Times New Roman" panose="02020603050405020304" pitchFamily="18" charset="0"/>
-                  </a:rPr>
-                  <a:t>Wald test </a:t>
-                </a:r>
-                <a:r>
-                  <a:rPr lang="en-US" sz="2400" dirty="0">
-                    <a:cs typeface="Times New Roman" panose="02020603050405020304" pitchFamily="18" charset="0"/>
-                  </a:rPr>
-                  <a:t>or fit </a:t>
-                </a:r>
-                <a:r>
-                  <a:rPr lang="en-US" sz="2400" b="1" dirty="0">
-                    <a:cs typeface="Times New Roman" panose="02020603050405020304" pitchFamily="18" charset="0"/>
-                  </a:rPr>
-                  <a:t>nested models </a:t>
-                </a:r>
-                <a:endParaRPr lang="en-US" sz="2400" dirty="0">
-                  <a:cs typeface="Times New Roman" panose="02020603050405020304" pitchFamily="18" charset="0"/>
-                </a:endParaRPr>
-              </a:p>
-            </p:txBody>
-          </p:sp>
-        </mc:Choice>
-        <mc:Fallback>
-          <p:sp>
-            <p:nvSpPr>
-              <p:cNvPr id="3" name="Content Placeholder 2"/>
-              <p:cNvSpPr>
-                <a:spLocks noGrp="1" noRot="1" noChangeAspect="1" noMove="1" noResize="1" noEditPoints="1" noAdjustHandles="1" noChangeArrowheads="1" noChangeShapeType="1" noTextEdit="1"/>
-              </p:cNvSpPr>
-              <p:nvPr>
-                <p:ph idx="1"/>
-              </p:nvPr>
-            </p:nvSpPr>
-            <p:spPr>
-              <a:xfrm>
-                <a:off x="914400" y="1066801"/>
-                <a:ext cx="9984829" cy="5141388"/>
-              </a:xfrm>
-              <a:blipFill>
-                <a:blip r:embed="rId3"/>
-                <a:stretch>
-                  <a:fillRect l="-427" t="-1305"/>
-                </a:stretch>
-              </a:blipFill>
-            </p:spPr>
-            <p:txBody>
-              <a:bodyPr/>
-              <a:lstStyle/>
-              <a:p>
-                <a:r>
-                  <a:rPr lang="en-CA">
-                    <a:noFill/>
-                  </a:rPr>
-                  <a:t> </a:t>
-                </a:r>
-              </a:p>
-            </p:txBody>
-          </p:sp>
-        </mc:Fallback>
-      </mc:AlternateContent>
-      <p:pic>
-        <p:nvPicPr>
-          <p:cNvPr id="4" name="Picture 2" descr="RStudio - RStudio">
-            <a:extLst>
-              <a:ext uri="{FF2B5EF4-FFF2-40B4-BE49-F238E27FC236}">
-                <a16:creationId xmlns:a16="http://schemas.microsoft.com/office/drawing/2014/main" id="{75779AFD-88E8-23E3-40E6-87896577D567}"/>
-              </a:ext>
-            </a:extLst>
-          </p:cNvPr>
-          <p:cNvPicPr>
-            <a:picLocks noChangeAspect="1" noChangeArrowheads="1"/>
-          </p:cNvPicPr>
-          <p:nvPr/>
-        </p:nvPicPr>
-        <p:blipFill>
-          <a:blip r:embed="rId4">
-            <a:extLst>
-              <a:ext uri="{28A0092B-C50C-407E-A947-70E740481C1C}">
-                <a14:useLocalDpi xmlns:a14="http://schemas.microsoft.com/office/drawing/2010/main" val="0"/>
-              </a:ext>
-            </a:extLst>
-          </a:blip>
-          <a:srcRect/>
-          <a:stretch>
-            <a:fillRect/>
-          </a:stretch>
-        </p:blipFill>
-        <p:spPr bwMode="auto">
-          <a:xfrm>
-            <a:off x="9601200" y="5181600"/>
-            <a:ext cx="1371600" cy="1371600"/>
-          </a:xfrm>
-          <a:prstGeom prst="rect">
-            <a:avLst/>
-          </a:prstGeom>
-          <a:noFill/>
-          <a:extLst>
-            <a:ext uri="{909E8E84-426E-40DD-AFC4-6F175D3DCCD1}">
-              <a14:hiddenFill xmlns:a14="http://schemas.microsoft.com/office/drawing/2010/main">
-                <a:solidFill>
-                  <a:srgbClr val="FFFFFF"/>
-                </a:solidFill>
-              </a14:hiddenFill>
-            </a:ext>
-          </a:extLst>
-        </p:spPr>
-      </p:pic>
-    </p:spTree>
-    <p:extLst>
-      <p:ext uri="{BB962C8B-B14F-4D97-AF65-F5344CB8AC3E}">
-        <p14:creationId xmlns:p14="http://schemas.microsoft.com/office/powerpoint/2010/main" val="2684980541"/>
-      </p:ext>
-    </p:extLst>
-  </p:cSld>
-  <p:clrMapOvr>
-    <a:masterClrMapping/>
-  </p:clrMapOvr>
-</p:sld>
-</file>
-
-<file path=ppt/slides/slide49.xml><?xml version="1.0" encoding="utf-8"?>
-<p:sld xmlns:a="http://schemas.openxmlformats.org/drawingml/2006/main" xmlns:r="http://schemas.openxmlformats.org/officeDocument/2006/relationships" xmlns:p="http://schemas.openxmlformats.org/presentationml/2006/main">
-  <p:cSld>
-    <p:spTree>
-      <p:nvGrpSpPr>
-        <p:cNvPr id="1" name="">
-          <a:extLst>
-            <a:ext uri="{FF2B5EF4-FFF2-40B4-BE49-F238E27FC236}">
-              <a16:creationId xmlns:a16="http://schemas.microsoft.com/office/drawing/2014/main" id="{CB069162-0B8C-104E-0FA9-15F4CBA166AE}"/>
-            </a:ext>
-          </a:extLst>
-        </p:cNvPr>
-        <p:cNvGrpSpPr/>
-        <p:nvPr/>
-      </p:nvGrpSpPr>
-      <p:grpSpPr>
-        <a:xfrm>
-          <a:off x="0" y="0"/>
-          <a:ext cx="0" cy="0"/>
-          <a:chOff x="0" y="0"/>
-          <a:chExt cx="0" cy="0"/>
-        </a:xfrm>
-      </p:grpSpPr>
-      <p:sp>
-        <p:nvSpPr>
-          <p:cNvPr id="2" name="Title 1">
-            <a:extLst>
-              <a:ext uri="{FF2B5EF4-FFF2-40B4-BE49-F238E27FC236}">
-                <a16:creationId xmlns:a16="http://schemas.microsoft.com/office/drawing/2014/main" id="{F2DC0611-69BE-597D-CE3E-99862FD2411F}"/>
-              </a:ext>
-            </a:extLst>
-          </p:cNvPr>
-          <p:cNvSpPr>
-            <a:spLocks noGrp="1"/>
-          </p:cNvSpPr>
-          <p:nvPr>
-            <p:ph type="ctrTitle"/>
-          </p:nvPr>
-        </p:nvSpPr>
-        <p:spPr>
-          <a:xfrm>
-            <a:off x="1261872" y="758952"/>
-            <a:ext cx="10549128" cy="4041648"/>
-          </a:xfrm>
-        </p:spPr>
-        <p:txBody>
-          <a:bodyPr/>
-          <a:lstStyle/>
-          <a:p>
-            <a:r>
-              <a:rPr lang="en-US" dirty="0"/>
-              <a:t>Some Logit/Probit Warnings</a:t>
-            </a:r>
-          </a:p>
-        </p:txBody>
-      </p:sp>
-      <p:sp>
-        <p:nvSpPr>
-          <p:cNvPr id="3" name="Subtitle 2">
-            <a:extLst>
-              <a:ext uri="{FF2B5EF4-FFF2-40B4-BE49-F238E27FC236}">
-                <a16:creationId xmlns:a16="http://schemas.microsoft.com/office/drawing/2014/main" id="{E52AD138-D35F-FF87-9D90-A28E5E785D3F}"/>
-              </a:ext>
-            </a:extLst>
-          </p:cNvPr>
-          <p:cNvSpPr>
-            <a:spLocks noGrp="1"/>
-          </p:cNvSpPr>
-          <p:nvPr>
-            <p:ph type="subTitle" idx="1"/>
-          </p:nvPr>
-        </p:nvSpPr>
-        <p:spPr/>
-        <p:txBody>
-          <a:bodyPr/>
-          <a:lstStyle/>
-          <a:p>
-            <a:endParaRPr lang="en-US"/>
-          </a:p>
-        </p:txBody>
-      </p:sp>
-    </p:spTree>
-    <p:extLst>
-      <p:ext uri="{BB962C8B-B14F-4D97-AF65-F5344CB8AC3E}">
-        <p14:creationId xmlns:p14="http://schemas.microsoft.com/office/powerpoint/2010/main" val="480658131"/>
       </p:ext>
     </p:extLst>
   </p:cSld>
@@ -24813,6 +24951,342 @@
 </file>
 
 <file path=ppt/slides/slide50.xml><?xml version="1.0" encoding="utf-8"?>
+<p:sld xmlns:a="http://schemas.openxmlformats.org/drawingml/2006/main" xmlns:r="http://schemas.openxmlformats.org/officeDocument/2006/relationships" xmlns:p="http://schemas.openxmlformats.org/presentationml/2006/main">
+  <p:cSld>
+    <p:spTree>
+      <p:nvGrpSpPr>
+        <p:cNvPr id="1" name="">
+          <a:extLst>
+            <a:ext uri="{FF2B5EF4-FFF2-40B4-BE49-F238E27FC236}">
+              <a16:creationId xmlns:a16="http://schemas.microsoft.com/office/drawing/2014/main" id="{CB069162-0B8C-104E-0FA9-15F4CBA166AE}"/>
+            </a:ext>
+          </a:extLst>
+        </p:cNvPr>
+        <p:cNvGrpSpPr/>
+        <p:nvPr/>
+      </p:nvGrpSpPr>
+      <p:grpSpPr>
+        <a:xfrm>
+          <a:off x="0" y="0"/>
+          <a:ext cx="0" cy="0"/>
+          <a:chOff x="0" y="0"/>
+          <a:chExt cx="0" cy="0"/>
+        </a:xfrm>
+      </p:grpSpPr>
+      <p:sp>
+        <p:nvSpPr>
+          <p:cNvPr id="2" name="Title 1">
+            <a:extLst>
+              <a:ext uri="{FF2B5EF4-FFF2-40B4-BE49-F238E27FC236}">
+                <a16:creationId xmlns:a16="http://schemas.microsoft.com/office/drawing/2014/main" id="{F2DC0611-69BE-597D-CE3E-99862FD2411F}"/>
+              </a:ext>
+            </a:extLst>
+          </p:cNvPr>
+          <p:cNvSpPr>
+            <a:spLocks noGrp="1"/>
+          </p:cNvSpPr>
+          <p:nvPr>
+            <p:ph type="ctrTitle"/>
+          </p:nvPr>
+        </p:nvSpPr>
+        <p:spPr>
+          <a:xfrm>
+            <a:off x="1261872" y="758952"/>
+            <a:ext cx="10549128" cy="4041648"/>
+          </a:xfrm>
+        </p:spPr>
+        <p:txBody>
+          <a:bodyPr/>
+          <a:lstStyle/>
+          <a:p>
+            <a:r>
+              <a:rPr lang="en-US" dirty="0"/>
+              <a:t>Some Logit/Probit Warnings</a:t>
+            </a:r>
+          </a:p>
+        </p:txBody>
+      </p:sp>
+      <p:sp>
+        <p:nvSpPr>
+          <p:cNvPr id="3" name="Subtitle 2">
+            <a:extLst>
+              <a:ext uri="{FF2B5EF4-FFF2-40B4-BE49-F238E27FC236}">
+                <a16:creationId xmlns:a16="http://schemas.microsoft.com/office/drawing/2014/main" id="{E52AD138-D35F-FF87-9D90-A28E5E785D3F}"/>
+              </a:ext>
+            </a:extLst>
+          </p:cNvPr>
+          <p:cNvSpPr>
+            <a:spLocks noGrp="1"/>
+          </p:cNvSpPr>
+          <p:nvPr>
+            <p:ph type="subTitle" idx="1"/>
+          </p:nvPr>
+        </p:nvSpPr>
+        <p:spPr/>
+        <p:txBody>
+          <a:bodyPr/>
+          <a:lstStyle/>
+          <a:p>
+            <a:endParaRPr lang="en-US"/>
+          </a:p>
+        </p:txBody>
+      </p:sp>
+    </p:spTree>
+    <p:extLst>
+      <p:ext uri="{BB962C8B-B14F-4D97-AF65-F5344CB8AC3E}">
+        <p14:creationId xmlns:p14="http://schemas.microsoft.com/office/powerpoint/2010/main" val="480658131"/>
+      </p:ext>
+    </p:extLst>
+  </p:cSld>
+  <p:clrMapOvr>
+    <a:masterClrMapping/>
+  </p:clrMapOvr>
+</p:sld>
+</file>
+
+<file path=ppt/slides/slide51.xml><?xml version="1.0" encoding="utf-8"?>
+<p:sld xmlns:a="http://schemas.openxmlformats.org/drawingml/2006/main" xmlns:r="http://schemas.openxmlformats.org/officeDocument/2006/relationships" xmlns:p="http://schemas.openxmlformats.org/presentationml/2006/main">
+  <p:cSld>
+    <p:spTree>
+      <p:nvGrpSpPr>
+        <p:cNvPr id="1" name=""/>
+        <p:cNvGrpSpPr/>
+        <p:nvPr/>
+      </p:nvGrpSpPr>
+      <p:grpSpPr>
+        <a:xfrm>
+          <a:off x="0" y="0"/>
+          <a:ext cx="0" cy="0"/>
+          <a:chOff x="0" y="0"/>
+          <a:chExt cx="0" cy="0"/>
+        </a:xfrm>
+      </p:grpSpPr>
+      <p:sp>
+        <p:nvSpPr>
+          <p:cNvPr id="2" name="Title 1"/>
+          <p:cNvSpPr>
+            <a:spLocks noGrp="1"/>
+          </p:cNvSpPr>
+          <p:nvPr>
+            <p:ph type="title"/>
+          </p:nvPr>
+        </p:nvSpPr>
+        <p:spPr>
+          <a:xfrm>
+            <a:off x="609600" y="337392"/>
+            <a:ext cx="10439400" cy="624840"/>
+          </a:xfrm>
+        </p:spPr>
+        <p:txBody>
+          <a:bodyPr>
+            <a:noAutofit/>
+          </a:bodyPr>
+          <a:lstStyle/>
+          <a:p>
+            <a:r>
+              <a:rPr lang="en-US" sz="3600" dirty="0">
+                <a:cs typeface="Times New Roman" panose="02020603050405020304" pitchFamily="18" charset="0"/>
+              </a:rPr>
+              <a:t>Complications in GLM: Hypothesis Testing</a:t>
+            </a:r>
+            <a:endParaRPr lang="en-US" sz="3600" dirty="0">
+              <a:latin typeface="Times New Roman" panose="02020603050405020304" pitchFamily="18" charset="0"/>
+              <a:cs typeface="Times New Roman" panose="02020603050405020304" pitchFamily="18" charset="0"/>
+            </a:endParaRPr>
+          </a:p>
+        </p:txBody>
+      </p:sp>
+      <mc:AlternateContent xmlns:mc="http://schemas.openxmlformats.org/markup-compatibility/2006" xmlns:a14="http://schemas.microsoft.com/office/drawing/2010/main">
+        <mc:Choice Requires="a14">
+          <p:sp>
+            <p:nvSpPr>
+              <p:cNvPr id="3" name="Content Placeholder 2"/>
+              <p:cNvSpPr>
+                <a:spLocks noGrp="1"/>
+              </p:cNvSpPr>
+              <p:nvPr>
+                <p:ph idx="1"/>
+              </p:nvPr>
+            </p:nvSpPr>
+            <p:spPr>
+              <a:xfrm>
+                <a:off x="914400" y="1066801"/>
+                <a:ext cx="9984829" cy="5141388"/>
+              </a:xfrm>
+            </p:spPr>
+            <p:txBody>
+              <a:bodyPr>
+                <a:normAutofit/>
+              </a:bodyPr>
+              <a:lstStyle/>
+              <a:p>
+                <a:r>
+                  <a:rPr lang="en-US" sz="2400" dirty="0">
+                    <a:cs typeface="Times New Roman" panose="02020603050405020304" pitchFamily="18" charset="0"/>
+                  </a:rPr>
+                  <a:t>If you want to test </a:t>
+                </a:r>
+                <a:r>
+                  <a:rPr lang="en-US" sz="2400" b="1" dirty="0">
+                    <a:cs typeface="Times New Roman" panose="02020603050405020304" pitchFamily="18" charset="0"/>
+                  </a:rPr>
+                  <a:t>multiple hypotheses </a:t>
+                </a:r>
+                <a:r>
+                  <a:rPr lang="en-US" sz="2400" dirty="0">
+                    <a:cs typeface="Times New Roman" panose="02020603050405020304" pitchFamily="18" charset="0"/>
+                  </a:rPr>
+                  <a:t>in GLM, can’t use the </a:t>
+                </a:r>
+                <a14:m>
+                  <m:oMath xmlns:m="http://schemas.openxmlformats.org/officeDocument/2006/math">
+                    <m:r>
+                      <a:rPr lang="en-US" sz="2400" b="0" i="1" smtClean="0">
+                        <a:latin typeface="Cambria Math" panose="02040503050406030204" pitchFamily="18" charset="0"/>
+                        <a:cs typeface="Times New Roman" panose="02020603050405020304" pitchFamily="18" charset="0"/>
+                      </a:rPr>
+                      <m:t>𝐹</m:t>
+                    </m:r>
+                  </m:oMath>
+                </a14:m>
+                <a:r>
+                  <a:rPr lang="en-US" sz="2400" dirty="0">
+                    <a:cs typeface="Times New Roman" panose="02020603050405020304" pitchFamily="18" charset="0"/>
+                  </a:rPr>
+                  <a:t> test</a:t>
+                </a:r>
+              </a:p>
+              <a:p>
+                <a:r>
+                  <a:rPr lang="en-US" sz="2400" dirty="0">
+                    <a:cs typeface="Times New Roman" panose="02020603050405020304" pitchFamily="18" charset="0"/>
+                  </a:rPr>
+                  <a:t>Instead, need to use the </a:t>
+                </a:r>
+                <a:r>
+                  <a:rPr lang="en-US" sz="2400" b="1" dirty="0">
+                    <a:cs typeface="Times New Roman" panose="02020603050405020304" pitchFamily="18" charset="0"/>
+                  </a:rPr>
+                  <a:t>Wald test </a:t>
+                </a:r>
+                <a:r>
+                  <a:rPr lang="en-US" sz="2400" dirty="0">
+                    <a:cs typeface="Times New Roman" panose="02020603050405020304" pitchFamily="18" charset="0"/>
+                  </a:rPr>
+                  <a:t>or fit </a:t>
+                </a:r>
+                <a:r>
+                  <a:rPr lang="en-US" sz="2400" b="1" dirty="0">
+                    <a:cs typeface="Times New Roman" panose="02020603050405020304" pitchFamily="18" charset="0"/>
+                  </a:rPr>
+                  <a:t>nested models </a:t>
+                </a:r>
+                <a:endParaRPr lang="en-US" sz="2400" dirty="0">
+                  <a:cs typeface="Times New Roman" panose="02020603050405020304" pitchFamily="18" charset="0"/>
+                </a:endParaRPr>
+              </a:p>
+            </p:txBody>
+          </p:sp>
+        </mc:Choice>
+        <mc:Fallback xmlns="">
+          <p:sp>
+            <p:nvSpPr>
+              <p:cNvPr id="3" name="Content Placeholder 2"/>
+              <p:cNvSpPr>
+                <a:spLocks noGrp="1" noRot="1" noChangeAspect="1" noMove="1" noResize="1" noEditPoints="1" noAdjustHandles="1" noChangeArrowheads="1" noChangeShapeType="1" noTextEdit="1"/>
+              </p:cNvSpPr>
+              <p:nvPr>
+                <p:ph idx="1"/>
+              </p:nvPr>
+            </p:nvSpPr>
+            <p:spPr>
+              <a:xfrm>
+                <a:off x="914400" y="1066801"/>
+                <a:ext cx="9984829" cy="5141388"/>
+              </a:xfrm>
+              <a:blipFill>
+                <a:blip r:embed="rId3"/>
+                <a:stretch>
+                  <a:fillRect l="-427" t="-1305"/>
+                </a:stretch>
+              </a:blipFill>
+            </p:spPr>
+            <p:txBody>
+              <a:bodyPr/>
+              <a:lstStyle/>
+              <a:p>
+                <a:r>
+                  <a:rPr lang="en-CA">
+                    <a:noFill/>
+                  </a:rPr>
+                  <a:t> </a:t>
+                </a:r>
+              </a:p>
+            </p:txBody>
+          </p:sp>
+        </mc:Fallback>
+      </mc:AlternateContent>
+      <p:pic>
+        <p:nvPicPr>
+          <p:cNvPr id="4" name="Picture 2" descr="RStudio - RStudio">
+            <a:extLst>
+              <a:ext uri="{FF2B5EF4-FFF2-40B4-BE49-F238E27FC236}">
+                <a16:creationId xmlns:a16="http://schemas.microsoft.com/office/drawing/2014/main" id="{75779AFD-88E8-23E3-40E6-87896577D567}"/>
+              </a:ext>
+            </a:extLst>
+          </p:cNvPr>
+          <p:cNvPicPr>
+            <a:picLocks noChangeAspect="1" noChangeArrowheads="1"/>
+          </p:cNvPicPr>
+          <p:nvPr/>
+        </p:nvPicPr>
+        <p:blipFill>
+          <a:blip r:embed="rId4">
+            <a:extLst>
+              <a:ext uri="{28A0092B-C50C-407E-A947-70E740481C1C}">
+                <a14:useLocalDpi xmlns:a14="http://schemas.microsoft.com/office/drawing/2010/main" val="0"/>
+              </a:ext>
+            </a:extLst>
+          </a:blip>
+          <a:srcRect/>
+          <a:stretch>
+            <a:fillRect/>
+          </a:stretch>
+        </p:blipFill>
+        <p:spPr bwMode="auto">
+          <a:xfrm>
+            <a:off x="9601200" y="5181600"/>
+            <a:ext cx="1371600" cy="1371600"/>
+          </a:xfrm>
+          <a:prstGeom prst="rect">
+            <a:avLst/>
+          </a:prstGeom>
+          <a:noFill/>
+          <a:extLst>
+            <a:ext uri="{909E8E84-426E-40DD-AFC4-6F175D3DCCD1}">
+              <a14:hiddenFill xmlns:a14="http://schemas.microsoft.com/office/drawing/2010/main">
+                <a:solidFill>
+                  <a:srgbClr val="FFFFFF"/>
+                </a:solidFill>
+              </a14:hiddenFill>
+            </a:ext>
+          </a:extLst>
+        </p:spPr>
+      </p:pic>
+    </p:spTree>
+    <p:extLst>
+      <p:ext uri="{BB962C8B-B14F-4D97-AF65-F5344CB8AC3E}">
+        <p14:creationId xmlns:p14="http://schemas.microsoft.com/office/powerpoint/2010/main" val="2684980541"/>
+      </p:ext>
+    </p:extLst>
+  </p:cSld>
+  <p:clrMapOvr>
+    <a:masterClrMapping/>
+  </p:clrMapOvr>
+</p:sld>
+</file>
+
+<file path=ppt/slides/slide52.xml><?xml version="1.0" encoding="utf-8"?>
 <p:sld xmlns:a="http://schemas.openxmlformats.org/drawingml/2006/main" xmlns:r="http://schemas.openxmlformats.org/officeDocument/2006/relationships" xmlns:p="http://schemas.openxmlformats.org/presentationml/2006/main" show="0">
   <p:cSld>
     <p:spTree>
@@ -25138,7 +25612,7 @@
 </p:sld>
 </file>
 
-<file path=ppt/slides/slide51.xml><?xml version="1.0" encoding="utf-8"?>
+<file path=ppt/slides/slide53.xml><?xml version="1.0" encoding="utf-8"?>
 <p:sld xmlns:a="http://schemas.openxmlformats.org/drawingml/2006/main" xmlns:r="http://schemas.openxmlformats.org/officeDocument/2006/relationships" xmlns:p="http://schemas.openxmlformats.org/presentationml/2006/main">
   <p:cSld>
     <p:spTree>
@@ -25272,7 +25746,7 @@
 </p:sld>
 </file>
 
-<file path=ppt/slides/slide52.xml><?xml version="1.0" encoding="utf-8"?>
+<file path=ppt/slides/slide54.xml><?xml version="1.0" encoding="utf-8"?>
 <p:sld xmlns:a="http://schemas.openxmlformats.org/drawingml/2006/main" xmlns:r="http://schemas.openxmlformats.org/officeDocument/2006/relationships" xmlns:p="http://schemas.openxmlformats.org/presentationml/2006/main">
   <p:cSld>
     <p:spTree>
@@ -25648,7 +26122,7 @@
 </p:sld>
 </file>
 
-<file path=ppt/slides/slide53.xml><?xml version="1.0" encoding="utf-8"?>
+<file path=ppt/slides/slide55.xml><?xml version="1.0" encoding="utf-8"?>
 <p:sld xmlns:a="http://schemas.openxmlformats.org/drawingml/2006/main" xmlns:r="http://schemas.openxmlformats.org/officeDocument/2006/relationships" xmlns:p="http://schemas.openxmlformats.org/presentationml/2006/main">
   <p:cSld>
     <p:spTree>
@@ -25866,7 +26340,7 @@
 </p:sld>
 </file>
 
-<file path=ppt/slides/slide54.xml><?xml version="1.0" encoding="utf-8"?>
+<file path=ppt/slides/slide56.xml><?xml version="1.0" encoding="utf-8"?>
 <p:sld xmlns:a="http://schemas.openxmlformats.org/drawingml/2006/main" xmlns:r="http://schemas.openxmlformats.org/officeDocument/2006/relationships" xmlns:p="http://schemas.openxmlformats.org/presentationml/2006/main">
   <p:cSld>
     <p:spTree>
@@ -26176,7 +26650,7 @@
 </p:sld>
 </file>
 
-<file path=ppt/slides/slide55.xml><?xml version="1.0" encoding="utf-8"?>
+<file path=ppt/slides/slide57.xml><?xml version="1.0" encoding="utf-8"?>
 <p:sld xmlns:a="http://schemas.openxmlformats.org/drawingml/2006/main" xmlns:r="http://schemas.openxmlformats.org/officeDocument/2006/relationships" xmlns:p="http://schemas.openxmlformats.org/presentationml/2006/main">
   <p:cSld>
     <p:spTree>
@@ -26608,7 +27082,7 @@
 </p:sld>
 </file>
 
-<file path=ppt/slides/slide56.xml><?xml version="1.0" encoding="utf-8"?>
+<file path=ppt/slides/slide58.xml><?xml version="1.0" encoding="utf-8"?>
 <p:sld xmlns:a="http://schemas.openxmlformats.org/drawingml/2006/main" xmlns:r="http://schemas.openxmlformats.org/officeDocument/2006/relationships" xmlns:p="http://schemas.openxmlformats.org/presentationml/2006/main">
   <p:cSld>
     <p:spTree>
@@ -26716,7 +27190,7 @@
 </p:sld>
 </file>
 
-<file path=ppt/slides/slide57.xml><?xml version="1.0" encoding="utf-8"?>
+<file path=ppt/slides/slide59.xml><?xml version="1.0" encoding="utf-8"?>
 <p:sld xmlns:a="http://schemas.openxmlformats.org/drawingml/2006/main" xmlns:r="http://schemas.openxmlformats.org/officeDocument/2006/relationships" xmlns:p="http://schemas.openxmlformats.org/presentationml/2006/main">
   <p:cSld>
     <p:spTree>
@@ -27372,7 +27846,405 @@
 </p:sld>
 </file>
 
-<file path=ppt/slides/slide58.xml><?xml version="1.0" encoding="utf-8"?>
+<file path=ppt/slides/slide6.xml><?xml version="1.0" encoding="utf-8"?>
+<p:sld xmlns:a="http://schemas.openxmlformats.org/drawingml/2006/main" xmlns:r="http://schemas.openxmlformats.org/officeDocument/2006/relationships" xmlns:p="http://schemas.openxmlformats.org/presentationml/2006/main">
+  <p:cSld>
+    <p:spTree>
+      <p:nvGrpSpPr>
+        <p:cNvPr id="1" name=""/>
+        <p:cNvGrpSpPr/>
+        <p:nvPr/>
+      </p:nvGrpSpPr>
+      <p:grpSpPr>
+        <a:xfrm>
+          <a:off x="0" y="0"/>
+          <a:ext cx="0" cy="0"/>
+          <a:chOff x="0" y="0"/>
+          <a:chExt cx="0" cy="0"/>
+        </a:xfrm>
+      </p:grpSpPr>
+      <p:sp>
+        <p:nvSpPr>
+          <p:cNvPr id="2" name="Title 1"/>
+          <p:cNvSpPr>
+            <a:spLocks noGrp="1"/>
+          </p:cNvSpPr>
+          <p:nvPr>
+            <p:ph type="title"/>
+          </p:nvPr>
+        </p:nvSpPr>
+        <p:spPr>
+          <a:xfrm>
+            <a:off x="609600" y="337392"/>
+            <a:ext cx="10439400" cy="624840"/>
+          </a:xfrm>
+        </p:spPr>
+        <p:txBody>
+          <a:bodyPr>
+            <a:noAutofit/>
+          </a:bodyPr>
+          <a:lstStyle/>
+          <a:p>
+            <a:r>
+              <a:rPr lang="en-US" sz="3600" dirty="0">
+                <a:cs typeface="Times New Roman" panose="02020603050405020304" pitchFamily="18" charset="0"/>
+              </a:rPr>
+              <a:t>Examples of Limited Dependent Variables</a:t>
+            </a:r>
+            <a:endParaRPr lang="en-US" sz="3600" dirty="0">
+              <a:latin typeface="Times New Roman" panose="02020603050405020304" pitchFamily="18" charset="0"/>
+              <a:cs typeface="Times New Roman" panose="02020603050405020304" pitchFamily="18" charset="0"/>
+            </a:endParaRPr>
+          </a:p>
+        </p:txBody>
+      </p:sp>
+      <mc:AlternateContent xmlns:mc="http://schemas.openxmlformats.org/markup-compatibility/2006" xmlns:a14="http://schemas.microsoft.com/office/drawing/2010/main">
+        <mc:Choice Requires="a14">
+          <p:sp>
+            <p:nvSpPr>
+              <p:cNvPr id="3" name="Content Placeholder 2"/>
+              <p:cNvSpPr>
+                <a:spLocks noGrp="1"/>
+              </p:cNvSpPr>
+              <p:nvPr>
+                <p:ph idx="1"/>
+              </p:nvPr>
+            </p:nvSpPr>
+            <p:spPr>
+              <a:xfrm>
+                <a:off x="1219199" y="1066801"/>
+                <a:ext cx="9405791" cy="5141388"/>
+              </a:xfrm>
+            </p:spPr>
+            <p:txBody>
+              <a:bodyPr>
+                <a:noAutofit/>
+              </a:bodyPr>
+              <a:lstStyle/>
+              <a:p>
+                <a:r>
+                  <a:rPr lang="en-US" sz="2400" b="1" dirty="0">
+                    <a:cs typeface="Times New Roman" panose="02020603050405020304" pitchFamily="18" charset="0"/>
+                  </a:rPr>
+                  <a:t>Binary</a:t>
+                </a:r>
+                <a:r>
+                  <a:rPr lang="en-US" sz="2400" dirty="0">
+                    <a:cs typeface="Times New Roman" panose="02020603050405020304" pitchFamily="18" charset="0"/>
+                  </a:rPr>
+                  <a:t>: Whether or not someone receives a treatment</a:t>
+                </a:r>
+              </a:p>
+              <a:p>
+                <a:r>
+                  <a:rPr lang="en-US" sz="2400" b="1" dirty="0">
+                    <a:cs typeface="Times New Roman" panose="02020603050405020304" pitchFamily="18" charset="0"/>
+                  </a:rPr>
+                  <a:t>Ordered</a:t>
+                </a:r>
+                <a:r>
+                  <a:rPr lang="en-US" sz="2400" dirty="0">
+                    <a:cs typeface="Times New Roman" panose="02020603050405020304" pitchFamily="18" charset="0"/>
+                  </a:rPr>
+                  <a:t>: Number of prenatal visits during a pregnancy</a:t>
+                </a:r>
+              </a:p>
+              <a:p>
+                <a:r>
+                  <a:rPr lang="en-US" sz="2400" b="1" dirty="0">
+                    <a:cs typeface="Times New Roman" panose="02020603050405020304" pitchFamily="18" charset="0"/>
+                  </a:rPr>
+                  <a:t>Censored</a:t>
+                </a:r>
+                <a:r>
+                  <a:rPr lang="en-US" sz="2400" dirty="0">
+                    <a:cs typeface="Times New Roman" panose="02020603050405020304" pitchFamily="18" charset="0"/>
+                  </a:rPr>
+                  <a:t>: Income data is observed only in a certain range</a:t>
+                </a:r>
+              </a:p>
+              <a:p>
+                <a:r>
+                  <a:rPr lang="en-US" sz="2400" b="1" dirty="0">
+                    <a:cs typeface="Times New Roman" panose="02020603050405020304" pitchFamily="18" charset="0"/>
+                  </a:rPr>
+                  <a:t>Truncated</a:t>
+                </a:r>
+                <a:r>
+                  <a:rPr lang="en-US" sz="2400" dirty="0">
+                    <a:cs typeface="Times New Roman" panose="02020603050405020304" pitchFamily="18" charset="0"/>
+                  </a:rPr>
+                  <a:t>: Data has a “hard limit” at a certain value</a:t>
+                </a:r>
+              </a:p>
+              <a:p>
+                <a:pPr lvl="1"/>
+                <a:r>
+                  <a:rPr lang="en-US" sz="2400" dirty="0">
+                    <a:cs typeface="Times New Roman" panose="02020603050405020304" pitchFamily="18" charset="0"/>
+                  </a:rPr>
+                  <a:t>Can be natural (no negative income) or imposed (top-coded spending)</a:t>
+                </a:r>
+              </a:p>
+              <a:p>
+                <a:pPr marL="274320" lvl="1" indent="0">
+                  <a:buNone/>
+                </a:pPr>
+                <a14:m>
+                  <m:oMathPara xmlns:m="http://schemas.openxmlformats.org/officeDocument/2006/math">
+                    <m:oMathParaPr>
+                      <m:jc m:val="centerGroup"/>
+                    </m:oMathParaPr>
+                    <m:oMath xmlns:m="http://schemas.openxmlformats.org/officeDocument/2006/math">
+                      <m:r>
+                        <a:rPr lang="en-US" sz="2400" b="0" i="1" smtClean="0">
+                          <a:latin typeface="Cambria Math" panose="02040503050406030204" pitchFamily="18" charset="0"/>
+                          <a:cs typeface="Times New Roman" panose="02020603050405020304" pitchFamily="18" charset="0"/>
+                        </a:rPr>
+                        <m:t>𝑌</m:t>
+                      </m:r>
+                      <m:r>
+                        <a:rPr lang="en-US" sz="2400" b="0" i="1" smtClean="0">
+                          <a:latin typeface="Cambria Math" panose="02040503050406030204" pitchFamily="18" charset="0"/>
+                          <a:cs typeface="Times New Roman" panose="02020603050405020304" pitchFamily="18" charset="0"/>
+                        </a:rPr>
+                        <m:t>= </m:t>
+                      </m:r>
+                      <m:d>
+                        <m:dPr>
+                          <m:begChr m:val="{"/>
+                          <m:endChr m:val=""/>
+                          <m:ctrlPr>
+                            <a:rPr lang="en-US" sz="2400" b="0" i="1" smtClean="0">
+                              <a:latin typeface="Cambria Math" panose="02040503050406030204" pitchFamily="18" charset="0"/>
+                              <a:cs typeface="Times New Roman" panose="02020603050405020304" pitchFamily="18" charset="0"/>
+                            </a:rPr>
+                          </m:ctrlPr>
+                        </m:dPr>
+                        <m:e>
+                          <m:eqArr>
+                            <m:eqArrPr>
+                              <m:ctrlPr>
+                                <a:rPr lang="en-US" sz="2400" b="0" i="1" smtClean="0">
+                                  <a:latin typeface="Cambria Math" panose="02040503050406030204" pitchFamily="18" charset="0"/>
+                                  <a:cs typeface="Times New Roman" panose="02020603050405020304" pitchFamily="18" charset="0"/>
+                                </a:rPr>
+                              </m:ctrlPr>
+                            </m:eqArrPr>
+                            <m:e>
+                              <m:sSub>
+                                <m:sSubPr>
+                                  <m:ctrlPr>
+                                    <a:rPr lang="en-US" sz="2400" b="0" i="1" smtClean="0">
+                                      <a:latin typeface="Cambria Math" panose="02040503050406030204" pitchFamily="18" charset="0"/>
+                                      <a:cs typeface="Times New Roman" panose="02020603050405020304" pitchFamily="18" charset="0"/>
+                                    </a:rPr>
+                                  </m:ctrlPr>
+                                </m:sSubPr>
+                                <m:e>
+                                  <m:r>
+                                    <a:rPr lang="en-US" sz="2400" b="0" i="1" smtClean="0">
+                                      <a:latin typeface="Cambria Math" panose="02040503050406030204" pitchFamily="18" charset="0"/>
+                                      <a:cs typeface="Times New Roman" panose="02020603050405020304" pitchFamily="18" charset="0"/>
+                                    </a:rPr>
+                                    <m:t>𝑦</m:t>
+                                  </m:r>
+                                </m:e>
+                                <m:sub>
+                                  <m:r>
+                                    <a:rPr lang="en-US" sz="2400" b="0" i="1" smtClean="0">
+                                      <a:latin typeface="Cambria Math" panose="02040503050406030204" pitchFamily="18" charset="0"/>
+                                      <a:cs typeface="Times New Roman" panose="02020603050405020304" pitchFamily="18" charset="0"/>
+                                    </a:rPr>
+                                    <m:t>𝑖</m:t>
+                                  </m:r>
+                                  <m:r>
+                                    <a:rPr lang="en-US" sz="2400" b="0" i="1" smtClean="0">
+                                      <a:latin typeface="Cambria Math" panose="02040503050406030204" pitchFamily="18" charset="0"/>
+                                      <a:cs typeface="Times New Roman" panose="02020603050405020304" pitchFamily="18" charset="0"/>
+                                    </a:rPr>
+                                    <m:t> </m:t>
+                                  </m:r>
+                                </m:sub>
+                              </m:sSub>
+                              <m:r>
+                                <a:rPr lang="en-US" sz="2400" b="0" i="1" smtClean="0">
+                                  <a:latin typeface="Cambria Math" panose="02040503050406030204" pitchFamily="18" charset="0"/>
+                                  <a:cs typeface="Times New Roman" panose="02020603050405020304" pitchFamily="18" charset="0"/>
+                                </a:rPr>
+                                <m:t>𝑖𝑓</m:t>
+                              </m:r>
+                              <m:r>
+                                <a:rPr lang="en-US" sz="2400" b="0" i="1" smtClean="0">
+                                  <a:latin typeface="Cambria Math" panose="02040503050406030204" pitchFamily="18" charset="0"/>
+                                  <a:cs typeface="Times New Roman" panose="02020603050405020304" pitchFamily="18" charset="0"/>
+                                </a:rPr>
+                                <m:t> </m:t>
+                              </m:r>
+                              <m:sSub>
+                                <m:sSubPr>
+                                  <m:ctrlPr>
+                                    <a:rPr lang="en-US" sz="2400" b="0" i="1" smtClean="0">
+                                      <a:latin typeface="Cambria Math" panose="02040503050406030204" pitchFamily="18" charset="0"/>
+                                      <a:cs typeface="Times New Roman" panose="02020603050405020304" pitchFamily="18" charset="0"/>
+                                    </a:rPr>
+                                  </m:ctrlPr>
+                                </m:sSubPr>
+                                <m:e>
+                                  <m:r>
+                                    <a:rPr lang="en-US" sz="2400" b="0" i="1" smtClean="0">
+                                      <a:latin typeface="Cambria Math" panose="02040503050406030204" pitchFamily="18" charset="0"/>
+                                      <a:cs typeface="Times New Roman" panose="02020603050405020304" pitchFamily="18" charset="0"/>
+                                    </a:rPr>
+                                    <m:t>𝑦</m:t>
+                                  </m:r>
+                                </m:e>
+                                <m:sub>
+                                  <m:r>
+                                    <a:rPr lang="en-US" sz="2400" b="0" i="1" smtClean="0">
+                                      <a:latin typeface="Cambria Math" panose="02040503050406030204" pitchFamily="18" charset="0"/>
+                                      <a:cs typeface="Times New Roman" panose="02020603050405020304" pitchFamily="18" charset="0"/>
+                                    </a:rPr>
+                                    <m:t>𝑖</m:t>
+                                  </m:r>
+                                </m:sub>
+                              </m:sSub>
+                              <m:r>
+                                <a:rPr lang="en-US" sz="2400" b="0" i="1" smtClean="0">
+                                  <a:latin typeface="Cambria Math" panose="02040503050406030204" pitchFamily="18" charset="0"/>
+                                  <a:cs typeface="Times New Roman" panose="02020603050405020304" pitchFamily="18" charset="0"/>
+                                </a:rPr>
+                                <m:t>≥0</m:t>
+                              </m:r>
+                            </m:e>
+                            <m:e>
+                              <m:r>
+                                <a:rPr lang="en-US" sz="2400" b="0" i="1" smtClean="0">
+                                  <a:latin typeface="Cambria Math" panose="02040503050406030204" pitchFamily="18" charset="0"/>
+                                  <a:cs typeface="Times New Roman" panose="02020603050405020304" pitchFamily="18" charset="0"/>
+                                </a:rPr>
+                                <m:t>0 </m:t>
+                              </m:r>
+                              <m:r>
+                                <a:rPr lang="en-US" sz="2400" b="0" i="1" smtClean="0">
+                                  <a:latin typeface="Cambria Math" panose="02040503050406030204" pitchFamily="18" charset="0"/>
+                                  <a:cs typeface="Times New Roman" panose="02020603050405020304" pitchFamily="18" charset="0"/>
+                                </a:rPr>
+                                <m:t>𝑖𝑓</m:t>
+                              </m:r>
+                              <m:r>
+                                <a:rPr lang="en-US" sz="2400" b="0" i="1" smtClean="0">
+                                  <a:latin typeface="Cambria Math" panose="02040503050406030204" pitchFamily="18" charset="0"/>
+                                  <a:cs typeface="Times New Roman" panose="02020603050405020304" pitchFamily="18" charset="0"/>
+                                </a:rPr>
+                                <m:t> </m:t>
+                              </m:r>
+                              <m:sSub>
+                                <m:sSubPr>
+                                  <m:ctrlPr>
+                                    <a:rPr lang="en-US" sz="2400" b="0" i="1" smtClean="0">
+                                      <a:latin typeface="Cambria Math" panose="02040503050406030204" pitchFamily="18" charset="0"/>
+                                      <a:cs typeface="Times New Roman" panose="02020603050405020304" pitchFamily="18" charset="0"/>
+                                    </a:rPr>
+                                  </m:ctrlPr>
+                                </m:sSubPr>
+                                <m:e>
+                                  <m:r>
+                                    <a:rPr lang="en-US" sz="2400" b="0" i="1" smtClean="0">
+                                      <a:latin typeface="Cambria Math" panose="02040503050406030204" pitchFamily="18" charset="0"/>
+                                      <a:cs typeface="Times New Roman" panose="02020603050405020304" pitchFamily="18" charset="0"/>
+                                    </a:rPr>
+                                    <m:t>𝑦</m:t>
+                                  </m:r>
+                                </m:e>
+                                <m:sub>
+                                  <m:r>
+                                    <a:rPr lang="en-US" sz="2400" b="0" i="1" smtClean="0">
+                                      <a:latin typeface="Cambria Math" panose="02040503050406030204" pitchFamily="18" charset="0"/>
+                                      <a:cs typeface="Times New Roman" panose="02020603050405020304" pitchFamily="18" charset="0"/>
+                                    </a:rPr>
+                                    <m:t>𝑖</m:t>
+                                  </m:r>
+                                </m:sub>
+                              </m:sSub>
+                              <m:r>
+                                <a:rPr lang="en-US" sz="2400" b="0" i="1" smtClean="0">
+                                  <a:latin typeface="Cambria Math" panose="02040503050406030204" pitchFamily="18" charset="0"/>
+                                  <a:cs typeface="Times New Roman" panose="02020603050405020304" pitchFamily="18" charset="0"/>
+                                </a:rPr>
+                                <m:t>&lt;0</m:t>
+                              </m:r>
+                            </m:e>
+                          </m:eqArr>
+                        </m:e>
+                      </m:d>
+                    </m:oMath>
+                  </m:oMathPara>
+                </a14:m>
+                <a:endParaRPr lang="en-US" sz="2400" dirty="0">
+                  <a:cs typeface="Times New Roman" panose="02020603050405020304" pitchFamily="18" charset="0"/>
+                </a:endParaRPr>
+              </a:p>
+              <a:p>
+                <a:endParaRPr lang="en-US" sz="2400" dirty="0">
+                  <a:cs typeface="Times New Roman" panose="02020603050405020304" pitchFamily="18" charset="0"/>
+                </a:endParaRPr>
+              </a:p>
+            </p:txBody>
+          </p:sp>
+        </mc:Choice>
+        <mc:Fallback xmlns="">
+          <p:sp>
+            <p:nvSpPr>
+              <p:cNvPr id="3" name="Content Placeholder 2"/>
+              <p:cNvSpPr>
+                <a:spLocks noGrp="1" noRot="1" noChangeAspect="1" noMove="1" noResize="1" noEditPoints="1" noAdjustHandles="1" noChangeArrowheads="1" noChangeShapeType="1" noTextEdit="1"/>
+              </p:cNvSpPr>
+              <p:nvPr>
+                <p:ph idx="1"/>
+              </p:nvPr>
+            </p:nvSpPr>
+            <p:spPr>
+              <a:xfrm>
+                <a:off x="1219199" y="1066801"/>
+                <a:ext cx="9405791" cy="5141388"/>
+              </a:xfrm>
+              <a:blipFill>
+                <a:blip r:embed="rId3"/>
+                <a:stretch>
+                  <a:fillRect l="-454" t="-1305"/>
+                </a:stretch>
+              </a:blipFill>
+            </p:spPr>
+            <p:txBody>
+              <a:bodyPr/>
+              <a:lstStyle/>
+              <a:p>
+                <a:r>
+                  <a:rPr lang="en-US">
+                    <a:noFill/>
+                  </a:rPr>
+                  <a:t> </a:t>
+                </a:r>
+              </a:p>
+            </p:txBody>
+          </p:sp>
+        </mc:Fallback>
+      </mc:AlternateContent>
+    </p:spTree>
+    <p:extLst>
+      <p:ext uri="{BB962C8B-B14F-4D97-AF65-F5344CB8AC3E}">
+        <p14:creationId xmlns:p14="http://schemas.microsoft.com/office/powerpoint/2010/main" val="402010716"/>
+      </p:ext>
+    </p:extLst>
+  </p:cSld>
+  <p:clrMapOvr>
+    <a:masterClrMapping/>
+  </p:clrMapOvr>
+</p:sld>
+</file>
+
+<file path=ppt/slides/slide60.xml><?xml version="1.0" encoding="utf-8"?>
 <p:sld xmlns:a="http://schemas.openxmlformats.org/drawingml/2006/main" xmlns:r="http://schemas.openxmlformats.org/officeDocument/2006/relationships" xmlns:p="http://schemas.openxmlformats.org/presentationml/2006/main">
   <p:cSld>
     <p:spTree>
@@ -28726,7 +29598,7 @@
 </p:sld>
 </file>
 
-<file path=ppt/slides/slide59.xml><?xml version="1.0" encoding="utf-8"?>
+<file path=ppt/slides/slide61.xml><?xml version="1.0" encoding="utf-8"?>
 <p:sld xmlns:a="http://schemas.openxmlformats.org/drawingml/2006/main" xmlns:r="http://schemas.openxmlformats.org/officeDocument/2006/relationships" xmlns:p="http://schemas.openxmlformats.org/presentationml/2006/main">
   <p:cSld>
     <p:spTree>
@@ -30127,405 +30999,7 @@
 </p:sld>
 </file>
 
-<file path=ppt/slides/slide6.xml><?xml version="1.0" encoding="utf-8"?>
-<p:sld xmlns:a="http://schemas.openxmlformats.org/drawingml/2006/main" xmlns:r="http://schemas.openxmlformats.org/officeDocument/2006/relationships" xmlns:p="http://schemas.openxmlformats.org/presentationml/2006/main">
-  <p:cSld>
-    <p:spTree>
-      <p:nvGrpSpPr>
-        <p:cNvPr id="1" name=""/>
-        <p:cNvGrpSpPr/>
-        <p:nvPr/>
-      </p:nvGrpSpPr>
-      <p:grpSpPr>
-        <a:xfrm>
-          <a:off x="0" y="0"/>
-          <a:ext cx="0" cy="0"/>
-          <a:chOff x="0" y="0"/>
-          <a:chExt cx="0" cy="0"/>
-        </a:xfrm>
-      </p:grpSpPr>
-      <p:sp>
-        <p:nvSpPr>
-          <p:cNvPr id="2" name="Title 1"/>
-          <p:cNvSpPr>
-            <a:spLocks noGrp="1"/>
-          </p:cNvSpPr>
-          <p:nvPr>
-            <p:ph type="title"/>
-          </p:nvPr>
-        </p:nvSpPr>
-        <p:spPr>
-          <a:xfrm>
-            <a:off x="609600" y="337392"/>
-            <a:ext cx="10439400" cy="624840"/>
-          </a:xfrm>
-        </p:spPr>
-        <p:txBody>
-          <a:bodyPr>
-            <a:noAutofit/>
-          </a:bodyPr>
-          <a:lstStyle/>
-          <a:p>
-            <a:r>
-              <a:rPr lang="en-US" sz="3600" dirty="0">
-                <a:cs typeface="Times New Roman" panose="02020603050405020304" pitchFamily="18" charset="0"/>
-              </a:rPr>
-              <a:t>Examples of Limited Dependent Variables</a:t>
-            </a:r>
-            <a:endParaRPr lang="en-US" sz="3600" dirty="0">
-              <a:latin typeface="Times New Roman" panose="02020603050405020304" pitchFamily="18" charset="0"/>
-              <a:cs typeface="Times New Roman" panose="02020603050405020304" pitchFamily="18" charset="0"/>
-            </a:endParaRPr>
-          </a:p>
-        </p:txBody>
-      </p:sp>
-      <mc:AlternateContent xmlns:mc="http://schemas.openxmlformats.org/markup-compatibility/2006" xmlns:a14="http://schemas.microsoft.com/office/drawing/2010/main">
-        <mc:Choice Requires="a14">
-          <p:sp>
-            <p:nvSpPr>
-              <p:cNvPr id="3" name="Content Placeholder 2"/>
-              <p:cNvSpPr>
-                <a:spLocks noGrp="1"/>
-              </p:cNvSpPr>
-              <p:nvPr>
-                <p:ph idx="1"/>
-              </p:nvPr>
-            </p:nvSpPr>
-            <p:spPr>
-              <a:xfrm>
-                <a:off x="1219199" y="1066801"/>
-                <a:ext cx="9405791" cy="5141388"/>
-              </a:xfrm>
-            </p:spPr>
-            <p:txBody>
-              <a:bodyPr>
-                <a:noAutofit/>
-              </a:bodyPr>
-              <a:lstStyle/>
-              <a:p>
-                <a:r>
-                  <a:rPr lang="en-US" sz="2400" b="1" dirty="0">
-                    <a:cs typeface="Times New Roman" panose="02020603050405020304" pitchFamily="18" charset="0"/>
-                  </a:rPr>
-                  <a:t>Binary</a:t>
-                </a:r>
-                <a:r>
-                  <a:rPr lang="en-US" sz="2400" dirty="0">
-                    <a:cs typeface="Times New Roman" panose="02020603050405020304" pitchFamily="18" charset="0"/>
-                  </a:rPr>
-                  <a:t>: Whether or not someone receives a treatment</a:t>
-                </a:r>
-              </a:p>
-              <a:p>
-                <a:r>
-                  <a:rPr lang="en-US" sz="2400" b="1" dirty="0">
-                    <a:cs typeface="Times New Roman" panose="02020603050405020304" pitchFamily="18" charset="0"/>
-                  </a:rPr>
-                  <a:t>Ordered</a:t>
-                </a:r>
-                <a:r>
-                  <a:rPr lang="en-US" sz="2400" dirty="0">
-                    <a:cs typeface="Times New Roman" panose="02020603050405020304" pitchFamily="18" charset="0"/>
-                  </a:rPr>
-                  <a:t>: Number of prenatal visits during a pregnancy</a:t>
-                </a:r>
-              </a:p>
-              <a:p>
-                <a:r>
-                  <a:rPr lang="en-US" sz="2400" b="1" dirty="0">
-                    <a:cs typeface="Times New Roman" panose="02020603050405020304" pitchFamily="18" charset="0"/>
-                  </a:rPr>
-                  <a:t>Censored</a:t>
-                </a:r>
-                <a:r>
-                  <a:rPr lang="en-US" sz="2400" dirty="0">
-                    <a:cs typeface="Times New Roman" panose="02020603050405020304" pitchFamily="18" charset="0"/>
-                  </a:rPr>
-                  <a:t>: Income data is observed only in a certain range</a:t>
-                </a:r>
-              </a:p>
-              <a:p>
-                <a:r>
-                  <a:rPr lang="en-US" sz="2400" b="1" dirty="0">
-                    <a:cs typeface="Times New Roman" panose="02020603050405020304" pitchFamily="18" charset="0"/>
-                  </a:rPr>
-                  <a:t>Truncated</a:t>
-                </a:r>
-                <a:r>
-                  <a:rPr lang="en-US" sz="2400" dirty="0">
-                    <a:cs typeface="Times New Roman" panose="02020603050405020304" pitchFamily="18" charset="0"/>
-                  </a:rPr>
-                  <a:t>: Data has a “hard limit” at a certain value</a:t>
-                </a:r>
-              </a:p>
-              <a:p>
-                <a:pPr lvl="1"/>
-                <a:r>
-                  <a:rPr lang="en-US" sz="2400" dirty="0">
-                    <a:cs typeface="Times New Roman" panose="02020603050405020304" pitchFamily="18" charset="0"/>
-                  </a:rPr>
-                  <a:t>Can be natural (no negative income) or imposed (top-coded spending)</a:t>
-                </a:r>
-              </a:p>
-              <a:p>
-                <a:pPr marL="274320" lvl="1" indent="0">
-                  <a:buNone/>
-                </a:pPr>
-                <a14:m>
-                  <m:oMathPara xmlns:m="http://schemas.openxmlformats.org/officeDocument/2006/math">
-                    <m:oMathParaPr>
-                      <m:jc m:val="centerGroup"/>
-                    </m:oMathParaPr>
-                    <m:oMath xmlns:m="http://schemas.openxmlformats.org/officeDocument/2006/math">
-                      <m:r>
-                        <a:rPr lang="en-US" sz="2400" b="0" i="1" smtClean="0">
-                          <a:latin typeface="Cambria Math" panose="02040503050406030204" pitchFamily="18" charset="0"/>
-                          <a:cs typeface="Times New Roman" panose="02020603050405020304" pitchFamily="18" charset="0"/>
-                        </a:rPr>
-                        <m:t>𝑌</m:t>
-                      </m:r>
-                      <m:r>
-                        <a:rPr lang="en-US" sz="2400" b="0" i="1" smtClean="0">
-                          <a:latin typeface="Cambria Math" panose="02040503050406030204" pitchFamily="18" charset="0"/>
-                          <a:cs typeface="Times New Roman" panose="02020603050405020304" pitchFamily="18" charset="0"/>
-                        </a:rPr>
-                        <m:t>= </m:t>
-                      </m:r>
-                      <m:d>
-                        <m:dPr>
-                          <m:begChr m:val="{"/>
-                          <m:endChr m:val=""/>
-                          <m:ctrlPr>
-                            <a:rPr lang="en-US" sz="2400" b="0" i="1" smtClean="0">
-                              <a:latin typeface="Cambria Math" panose="02040503050406030204" pitchFamily="18" charset="0"/>
-                              <a:cs typeface="Times New Roman" panose="02020603050405020304" pitchFamily="18" charset="0"/>
-                            </a:rPr>
-                          </m:ctrlPr>
-                        </m:dPr>
-                        <m:e>
-                          <m:eqArr>
-                            <m:eqArrPr>
-                              <m:ctrlPr>
-                                <a:rPr lang="en-US" sz="2400" b="0" i="1" smtClean="0">
-                                  <a:latin typeface="Cambria Math" panose="02040503050406030204" pitchFamily="18" charset="0"/>
-                                  <a:cs typeface="Times New Roman" panose="02020603050405020304" pitchFamily="18" charset="0"/>
-                                </a:rPr>
-                              </m:ctrlPr>
-                            </m:eqArrPr>
-                            <m:e>
-                              <m:sSub>
-                                <m:sSubPr>
-                                  <m:ctrlPr>
-                                    <a:rPr lang="en-US" sz="2400" b="0" i="1" smtClean="0">
-                                      <a:latin typeface="Cambria Math" panose="02040503050406030204" pitchFamily="18" charset="0"/>
-                                      <a:cs typeface="Times New Roman" panose="02020603050405020304" pitchFamily="18" charset="0"/>
-                                    </a:rPr>
-                                  </m:ctrlPr>
-                                </m:sSubPr>
-                                <m:e>
-                                  <m:r>
-                                    <a:rPr lang="en-US" sz="2400" b="0" i="1" smtClean="0">
-                                      <a:latin typeface="Cambria Math" panose="02040503050406030204" pitchFamily="18" charset="0"/>
-                                      <a:cs typeface="Times New Roman" panose="02020603050405020304" pitchFamily="18" charset="0"/>
-                                    </a:rPr>
-                                    <m:t>𝑦</m:t>
-                                  </m:r>
-                                </m:e>
-                                <m:sub>
-                                  <m:r>
-                                    <a:rPr lang="en-US" sz="2400" b="0" i="1" smtClean="0">
-                                      <a:latin typeface="Cambria Math" panose="02040503050406030204" pitchFamily="18" charset="0"/>
-                                      <a:cs typeface="Times New Roman" panose="02020603050405020304" pitchFamily="18" charset="0"/>
-                                    </a:rPr>
-                                    <m:t>𝑖</m:t>
-                                  </m:r>
-                                  <m:r>
-                                    <a:rPr lang="en-US" sz="2400" b="0" i="1" smtClean="0">
-                                      <a:latin typeface="Cambria Math" panose="02040503050406030204" pitchFamily="18" charset="0"/>
-                                      <a:cs typeface="Times New Roman" panose="02020603050405020304" pitchFamily="18" charset="0"/>
-                                    </a:rPr>
-                                    <m:t> </m:t>
-                                  </m:r>
-                                </m:sub>
-                              </m:sSub>
-                              <m:r>
-                                <a:rPr lang="en-US" sz="2400" b="0" i="1" smtClean="0">
-                                  <a:latin typeface="Cambria Math" panose="02040503050406030204" pitchFamily="18" charset="0"/>
-                                  <a:cs typeface="Times New Roman" panose="02020603050405020304" pitchFamily="18" charset="0"/>
-                                </a:rPr>
-                                <m:t>𝑖𝑓</m:t>
-                              </m:r>
-                              <m:r>
-                                <a:rPr lang="en-US" sz="2400" b="0" i="1" smtClean="0">
-                                  <a:latin typeface="Cambria Math" panose="02040503050406030204" pitchFamily="18" charset="0"/>
-                                  <a:cs typeface="Times New Roman" panose="02020603050405020304" pitchFamily="18" charset="0"/>
-                                </a:rPr>
-                                <m:t> </m:t>
-                              </m:r>
-                              <m:sSub>
-                                <m:sSubPr>
-                                  <m:ctrlPr>
-                                    <a:rPr lang="en-US" sz="2400" b="0" i="1" smtClean="0">
-                                      <a:latin typeface="Cambria Math" panose="02040503050406030204" pitchFamily="18" charset="0"/>
-                                      <a:cs typeface="Times New Roman" panose="02020603050405020304" pitchFamily="18" charset="0"/>
-                                    </a:rPr>
-                                  </m:ctrlPr>
-                                </m:sSubPr>
-                                <m:e>
-                                  <m:r>
-                                    <a:rPr lang="en-US" sz="2400" b="0" i="1" smtClean="0">
-                                      <a:latin typeface="Cambria Math" panose="02040503050406030204" pitchFamily="18" charset="0"/>
-                                      <a:cs typeface="Times New Roman" panose="02020603050405020304" pitchFamily="18" charset="0"/>
-                                    </a:rPr>
-                                    <m:t>𝑦</m:t>
-                                  </m:r>
-                                </m:e>
-                                <m:sub>
-                                  <m:r>
-                                    <a:rPr lang="en-US" sz="2400" b="0" i="1" smtClean="0">
-                                      <a:latin typeface="Cambria Math" panose="02040503050406030204" pitchFamily="18" charset="0"/>
-                                      <a:cs typeface="Times New Roman" panose="02020603050405020304" pitchFamily="18" charset="0"/>
-                                    </a:rPr>
-                                    <m:t>𝑖</m:t>
-                                  </m:r>
-                                </m:sub>
-                              </m:sSub>
-                              <m:r>
-                                <a:rPr lang="en-US" sz="2400" b="0" i="1" smtClean="0">
-                                  <a:latin typeface="Cambria Math" panose="02040503050406030204" pitchFamily="18" charset="0"/>
-                                  <a:cs typeface="Times New Roman" panose="02020603050405020304" pitchFamily="18" charset="0"/>
-                                </a:rPr>
-                                <m:t>≥0</m:t>
-                              </m:r>
-                            </m:e>
-                            <m:e>
-                              <m:r>
-                                <a:rPr lang="en-US" sz="2400" b="0" i="1" smtClean="0">
-                                  <a:latin typeface="Cambria Math" panose="02040503050406030204" pitchFamily="18" charset="0"/>
-                                  <a:cs typeface="Times New Roman" panose="02020603050405020304" pitchFamily="18" charset="0"/>
-                                </a:rPr>
-                                <m:t>0 </m:t>
-                              </m:r>
-                              <m:r>
-                                <a:rPr lang="en-US" sz="2400" b="0" i="1" smtClean="0">
-                                  <a:latin typeface="Cambria Math" panose="02040503050406030204" pitchFamily="18" charset="0"/>
-                                  <a:cs typeface="Times New Roman" panose="02020603050405020304" pitchFamily="18" charset="0"/>
-                                </a:rPr>
-                                <m:t>𝑖𝑓</m:t>
-                              </m:r>
-                              <m:r>
-                                <a:rPr lang="en-US" sz="2400" b="0" i="1" smtClean="0">
-                                  <a:latin typeface="Cambria Math" panose="02040503050406030204" pitchFamily="18" charset="0"/>
-                                  <a:cs typeface="Times New Roman" panose="02020603050405020304" pitchFamily="18" charset="0"/>
-                                </a:rPr>
-                                <m:t> </m:t>
-                              </m:r>
-                              <m:sSub>
-                                <m:sSubPr>
-                                  <m:ctrlPr>
-                                    <a:rPr lang="en-US" sz="2400" b="0" i="1" smtClean="0">
-                                      <a:latin typeface="Cambria Math" panose="02040503050406030204" pitchFamily="18" charset="0"/>
-                                      <a:cs typeface="Times New Roman" panose="02020603050405020304" pitchFamily="18" charset="0"/>
-                                    </a:rPr>
-                                  </m:ctrlPr>
-                                </m:sSubPr>
-                                <m:e>
-                                  <m:r>
-                                    <a:rPr lang="en-US" sz="2400" b="0" i="1" smtClean="0">
-                                      <a:latin typeface="Cambria Math" panose="02040503050406030204" pitchFamily="18" charset="0"/>
-                                      <a:cs typeface="Times New Roman" panose="02020603050405020304" pitchFamily="18" charset="0"/>
-                                    </a:rPr>
-                                    <m:t>𝑦</m:t>
-                                  </m:r>
-                                </m:e>
-                                <m:sub>
-                                  <m:r>
-                                    <a:rPr lang="en-US" sz="2400" b="0" i="1" smtClean="0">
-                                      <a:latin typeface="Cambria Math" panose="02040503050406030204" pitchFamily="18" charset="0"/>
-                                      <a:cs typeface="Times New Roman" panose="02020603050405020304" pitchFamily="18" charset="0"/>
-                                    </a:rPr>
-                                    <m:t>𝑖</m:t>
-                                  </m:r>
-                                </m:sub>
-                              </m:sSub>
-                              <m:r>
-                                <a:rPr lang="en-US" sz="2400" b="0" i="1" smtClean="0">
-                                  <a:latin typeface="Cambria Math" panose="02040503050406030204" pitchFamily="18" charset="0"/>
-                                  <a:cs typeface="Times New Roman" panose="02020603050405020304" pitchFamily="18" charset="0"/>
-                                </a:rPr>
-                                <m:t>&lt;0</m:t>
-                              </m:r>
-                            </m:e>
-                          </m:eqArr>
-                        </m:e>
-                      </m:d>
-                    </m:oMath>
-                  </m:oMathPara>
-                </a14:m>
-                <a:endParaRPr lang="en-US" sz="2400" dirty="0">
-                  <a:cs typeface="Times New Roman" panose="02020603050405020304" pitchFamily="18" charset="0"/>
-                </a:endParaRPr>
-              </a:p>
-              <a:p>
-                <a:endParaRPr lang="en-US" sz="2400" dirty="0">
-                  <a:cs typeface="Times New Roman" panose="02020603050405020304" pitchFamily="18" charset="0"/>
-                </a:endParaRPr>
-              </a:p>
-            </p:txBody>
-          </p:sp>
-        </mc:Choice>
-        <mc:Fallback xmlns="">
-          <p:sp>
-            <p:nvSpPr>
-              <p:cNvPr id="3" name="Content Placeholder 2"/>
-              <p:cNvSpPr>
-                <a:spLocks noGrp="1" noRot="1" noChangeAspect="1" noMove="1" noResize="1" noEditPoints="1" noAdjustHandles="1" noChangeArrowheads="1" noChangeShapeType="1" noTextEdit="1"/>
-              </p:cNvSpPr>
-              <p:nvPr>
-                <p:ph idx="1"/>
-              </p:nvPr>
-            </p:nvSpPr>
-            <p:spPr>
-              <a:xfrm>
-                <a:off x="1219199" y="1066801"/>
-                <a:ext cx="9405791" cy="5141388"/>
-              </a:xfrm>
-              <a:blipFill>
-                <a:blip r:embed="rId3"/>
-                <a:stretch>
-                  <a:fillRect l="-454" t="-1305"/>
-                </a:stretch>
-              </a:blipFill>
-            </p:spPr>
-            <p:txBody>
-              <a:bodyPr/>
-              <a:lstStyle/>
-              <a:p>
-                <a:r>
-                  <a:rPr lang="en-US">
-                    <a:noFill/>
-                  </a:rPr>
-                  <a:t> </a:t>
-                </a:r>
-              </a:p>
-            </p:txBody>
-          </p:sp>
-        </mc:Fallback>
-      </mc:AlternateContent>
-    </p:spTree>
-    <p:extLst>
-      <p:ext uri="{BB962C8B-B14F-4D97-AF65-F5344CB8AC3E}">
-        <p14:creationId xmlns:p14="http://schemas.microsoft.com/office/powerpoint/2010/main" val="402010716"/>
-      </p:ext>
-    </p:extLst>
-  </p:cSld>
-  <p:clrMapOvr>
-    <a:masterClrMapping/>
-  </p:clrMapOvr>
-</p:sld>
-</file>
-
-<file path=ppt/slides/slide60.xml><?xml version="1.0" encoding="utf-8"?>
+<file path=ppt/slides/slide62.xml><?xml version="1.0" encoding="utf-8"?>
 <p:sld xmlns:a="http://schemas.openxmlformats.org/drawingml/2006/main" xmlns:r="http://schemas.openxmlformats.org/officeDocument/2006/relationships" xmlns:p="http://schemas.openxmlformats.org/presentationml/2006/main">
   <p:cSld>
     <p:spTree>
@@ -30704,7 +31178,7 @@
 </p:sld>
 </file>
 
-<file path=ppt/slides/slide61.xml><?xml version="1.0" encoding="utf-8"?>
+<file path=ppt/slides/slide63.xml><?xml version="1.0" encoding="utf-8"?>
 <p:sld xmlns:a="http://schemas.openxmlformats.org/drawingml/2006/main" xmlns:r="http://schemas.openxmlformats.org/officeDocument/2006/relationships" xmlns:p="http://schemas.openxmlformats.org/presentationml/2006/main">
   <p:cSld>
     <p:spTree>
@@ -30977,350 +31451,6 @@
 </p:sld>
 </file>
 
-<file path=ppt/slides/slide62.xml><?xml version="1.0" encoding="utf-8"?>
-<p:sld xmlns:a="http://schemas.openxmlformats.org/drawingml/2006/main" xmlns:r="http://schemas.openxmlformats.org/officeDocument/2006/relationships" xmlns:p="http://schemas.openxmlformats.org/presentationml/2006/main">
-  <p:cSld>
-    <p:spTree>
-      <p:nvGrpSpPr>
-        <p:cNvPr id="1" name=""/>
-        <p:cNvGrpSpPr/>
-        <p:nvPr/>
-      </p:nvGrpSpPr>
-      <p:grpSpPr>
-        <a:xfrm>
-          <a:off x="0" y="0"/>
-          <a:ext cx="0" cy="0"/>
-          <a:chOff x="0" y="0"/>
-          <a:chExt cx="0" cy="0"/>
-        </a:xfrm>
-      </p:grpSpPr>
-      <p:sp>
-        <p:nvSpPr>
-          <p:cNvPr id="2" name="Title 1"/>
-          <p:cNvSpPr>
-            <a:spLocks noGrp="1"/>
-          </p:cNvSpPr>
-          <p:nvPr>
-            <p:ph type="title"/>
-          </p:nvPr>
-        </p:nvSpPr>
-        <p:spPr>
-          <a:xfrm>
-            <a:off x="609600" y="337392"/>
-            <a:ext cx="10439400" cy="624840"/>
-          </a:xfrm>
-        </p:spPr>
-        <p:txBody>
-          <a:bodyPr>
-            <a:noAutofit/>
-          </a:bodyPr>
-          <a:lstStyle/>
-          <a:p>
-            <a:r>
-              <a:rPr lang="en-US" sz="3600" dirty="0">
-                <a:latin typeface="Times New Roman" panose="02020603050405020304" pitchFamily="18" charset="0"/>
-                <a:cs typeface="Times New Roman" panose="02020603050405020304" pitchFamily="18" charset="0"/>
-              </a:rPr>
-              <a:t>Other research results</a:t>
-            </a:r>
-          </a:p>
-        </p:txBody>
-      </p:sp>
-      <p:sp>
-        <p:nvSpPr>
-          <p:cNvPr id="3" name="Content Placeholder 2"/>
-          <p:cNvSpPr>
-            <a:spLocks noGrp="1"/>
-          </p:cNvSpPr>
-          <p:nvPr>
-            <p:ph idx="1"/>
-          </p:nvPr>
-        </p:nvSpPr>
-        <p:spPr>
-          <a:xfrm>
-            <a:off x="914400" y="1066801"/>
-            <a:ext cx="9984829" cy="5141388"/>
-          </a:xfrm>
-        </p:spPr>
-        <p:txBody>
-          <a:bodyPr>
-            <a:normAutofit/>
-          </a:bodyPr>
-          <a:lstStyle/>
-          <a:p>
-            <a:r>
-              <a:rPr lang="en-US" sz="2400" dirty="0">
-                <a:cs typeface="Times New Roman" panose="02020603050405020304" pitchFamily="18" charset="0"/>
-              </a:rPr>
-              <a:t>Is this just a blood type issue (e.g., was the call informative to both)? </a:t>
-            </a:r>
-            <a:r>
-              <a:rPr lang="en-US" sz="2400" b="1" dirty="0">
-                <a:cs typeface="Times New Roman" panose="02020603050405020304" pitchFamily="18" charset="0"/>
-              </a:rPr>
-              <a:t>No!</a:t>
-            </a:r>
-            <a:endParaRPr lang="en-US" sz="2400" dirty="0">
-              <a:cs typeface="Times New Roman" panose="02020603050405020304" pitchFamily="18" charset="0"/>
-            </a:endParaRPr>
-          </a:p>
-          <a:p>
-            <a:r>
-              <a:rPr lang="en-US" sz="2400" dirty="0">
-                <a:cs typeface="Times New Roman" panose="02020603050405020304" pitchFamily="18" charset="0"/>
-              </a:rPr>
-              <a:t>Was it simply a reminder? </a:t>
-            </a:r>
-            <a:r>
-              <a:rPr lang="en-US" sz="2400" b="1" dirty="0">
-                <a:cs typeface="Times New Roman" panose="02020603050405020304" pitchFamily="18" charset="0"/>
-              </a:rPr>
-              <a:t>No! </a:t>
-            </a:r>
-          </a:p>
-          <a:p>
-            <a:r>
-              <a:rPr lang="en-US" sz="2400" b="1" dirty="0">
-                <a:cs typeface="Times New Roman" panose="02020603050405020304" pitchFamily="18" charset="0"/>
-              </a:rPr>
-              <a:t>Estimate the social multiplier: 70-85% (big policy implications!) </a:t>
-            </a:r>
-          </a:p>
-          <a:p>
-            <a:r>
-              <a:rPr lang="en-US" sz="2400" dirty="0">
-                <a:cs typeface="Times New Roman" panose="02020603050405020304" pitchFamily="18" charset="0"/>
-              </a:rPr>
-              <a:t>Are people just giving blood sooner (intertemporal substitution)? </a:t>
-            </a:r>
-            <a:r>
-              <a:rPr lang="en-US" sz="2400" b="1" dirty="0">
-                <a:cs typeface="Times New Roman" panose="02020603050405020304" pitchFamily="18" charset="0"/>
-              </a:rPr>
-              <a:t>No!</a:t>
-            </a:r>
-            <a:endParaRPr lang="en-US" sz="2400" dirty="0">
-              <a:cs typeface="Times New Roman" panose="02020603050405020304" pitchFamily="18" charset="0"/>
-            </a:endParaRPr>
-          </a:p>
-          <a:p>
-            <a:endParaRPr lang="en-US" sz="2400" dirty="0">
-              <a:cs typeface="Times New Roman" panose="02020603050405020304" pitchFamily="18" charset="0"/>
-            </a:endParaRPr>
-          </a:p>
-          <a:p>
-            <a:pPr marL="0" indent="0">
-              <a:buNone/>
-            </a:pPr>
-            <a:r>
-              <a:rPr lang="en-US" sz="2400" b="1" u="sng" dirty="0">
-                <a:solidFill>
-                  <a:schemeClr val="accent2">
-                    <a:lumMod val="75000"/>
-                  </a:schemeClr>
-                </a:solidFill>
-                <a:cs typeface="Times New Roman" panose="02020603050405020304" pitchFamily="18" charset="0"/>
-              </a:rPr>
-              <a:t>What issues did you see with the paper? </a:t>
-            </a:r>
-          </a:p>
-        </p:txBody>
-      </p:sp>
-    </p:spTree>
-    <p:extLst>
-      <p:ext uri="{BB962C8B-B14F-4D97-AF65-F5344CB8AC3E}">
-        <p14:creationId xmlns:p14="http://schemas.microsoft.com/office/powerpoint/2010/main" val="3500699807"/>
-      </p:ext>
-    </p:extLst>
-  </p:cSld>
-  <p:clrMapOvr>
-    <a:masterClrMapping/>
-  </p:clrMapOvr>
-</p:sld>
-</file>
-
-<file path=ppt/slides/slide63.xml><?xml version="1.0" encoding="utf-8"?>
-<p:sld xmlns:a="http://schemas.openxmlformats.org/drawingml/2006/main" xmlns:r="http://schemas.openxmlformats.org/officeDocument/2006/relationships" xmlns:p="http://schemas.openxmlformats.org/presentationml/2006/main">
-  <p:cSld>
-    <p:spTree>
-      <p:nvGrpSpPr>
-        <p:cNvPr id="1" name=""/>
-        <p:cNvGrpSpPr/>
-        <p:nvPr/>
-      </p:nvGrpSpPr>
-      <p:grpSpPr>
-        <a:xfrm>
-          <a:off x="0" y="0"/>
-          <a:ext cx="0" cy="0"/>
-          <a:chOff x="0" y="0"/>
-          <a:chExt cx="0" cy="0"/>
-        </a:xfrm>
-      </p:grpSpPr>
-      <p:sp>
-        <p:nvSpPr>
-          <p:cNvPr id="2" name="Title 1"/>
-          <p:cNvSpPr>
-            <a:spLocks noGrp="1"/>
-          </p:cNvSpPr>
-          <p:nvPr>
-            <p:ph type="title"/>
-          </p:nvPr>
-        </p:nvSpPr>
-        <p:spPr>
-          <a:xfrm>
-            <a:off x="609600" y="337392"/>
-            <a:ext cx="10439400" cy="624840"/>
-          </a:xfrm>
-        </p:spPr>
-        <p:txBody>
-          <a:bodyPr>
-            <a:noAutofit/>
-          </a:bodyPr>
-          <a:lstStyle/>
-          <a:p>
-            <a:r>
-              <a:rPr lang="en-US" sz="3600" dirty="0">
-                <a:cs typeface="Times New Roman" panose="02020603050405020304" pitchFamily="18" charset="0"/>
-              </a:rPr>
-              <a:t>Conclusion: Limited Dependent Variables</a:t>
-            </a:r>
-            <a:endParaRPr lang="en-US" sz="3600" dirty="0">
-              <a:latin typeface="Times New Roman" panose="02020603050405020304" pitchFamily="18" charset="0"/>
-              <a:cs typeface="Times New Roman" panose="02020603050405020304" pitchFamily="18" charset="0"/>
-            </a:endParaRPr>
-          </a:p>
-        </p:txBody>
-      </p:sp>
-      <p:sp>
-        <p:nvSpPr>
-          <p:cNvPr id="3" name="Content Placeholder 2"/>
-          <p:cNvSpPr>
-            <a:spLocks noGrp="1"/>
-          </p:cNvSpPr>
-          <p:nvPr>
-            <p:ph idx="1"/>
-          </p:nvPr>
-        </p:nvSpPr>
-        <p:spPr>
-          <a:xfrm>
-            <a:off x="1219199" y="1066801"/>
-            <a:ext cx="9405791" cy="5141388"/>
-          </a:xfrm>
-        </p:spPr>
-        <p:txBody>
-          <a:bodyPr>
-            <a:noAutofit/>
-          </a:bodyPr>
-          <a:lstStyle/>
-          <a:p>
-            <a:r>
-              <a:rPr lang="en-US" sz="2400" b="1" dirty="0">
-                <a:solidFill>
-                  <a:schemeClr val="accent2">
-                    <a:lumMod val="75000"/>
-                  </a:schemeClr>
-                </a:solidFill>
-                <a:cs typeface="Times New Roman" panose="02020603050405020304" pitchFamily="18" charset="0"/>
-              </a:rPr>
-              <a:t>Binary</a:t>
-            </a:r>
-            <a:r>
-              <a:rPr lang="en-US" sz="2400" dirty="0">
-                <a:cs typeface="Times New Roman" panose="02020603050405020304" pitchFamily="18" charset="0"/>
-              </a:rPr>
-              <a:t>: LPM, Logit, </a:t>
-            </a:r>
-            <a:r>
-              <a:rPr lang="en-US" sz="2400" dirty="0" err="1">
-                <a:cs typeface="Times New Roman" panose="02020603050405020304" pitchFamily="18" charset="0"/>
-              </a:rPr>
-              <a:t>Probit</a:t>
-            </a:r>
-            <a:endParaRPr lang="en-US" sz="2400" dirty="0">
-              <a:cs typeface="Times New Roman" panose="02020603050405020304" pitchFamily="18" charset="0"/>
-            </a:endParaRPr>
-          </a:p>
-          <a:p>
-            <a:r>
-              <a:rPr lang="en-US" sz="2400" b="1" dirty="0">
-                <a:solidFill>
-                  <a:schemeClr val="accent2">
-                    <a:lumMod val="75000"/>
-                  </a:schemeClr>
-                </a:solidFill>
-                <a:cs typeface="Times New Roman" panose="02020603050405020304" pitchFamily="18" charset="0"/>
-              </a:rPr>
-              <a:t>Ordered</a:t>
-            </a:r>
-            <a:r>
-              <a:rPr lang="en-US" sz="2400" dirty="0">
-                <a:cs typeface="Times New Roman" panose="02020603050405020304" pitchFamily="18" charset="0"/>
-              </a:rPr>
-              <a:t>: Poisson, Negative Binomial, possibly truncated</a:t>
-            </a:r>
-          </a:p>
-          <a:p>
-            <a:r>
-              <a:rPr lang="en-US" sz="2400" b="1" dirty="0">
-                <a:solidFill>
-                  <a:schemeClr val="accent2">
-                    <a:lumMod val="75000"/>
-                  </a:schemeClr>
-                </a:solidFill>
-                <a:cs typeface="Times New Roman" panose="02020603050405020304" pitchFamily="18" charset="0"/>
-              </a:rPr>
-              <a:t>Selection</a:t>
-            </a:r>
-            <a:r>
-              <a:rPr lang="en-US" sz="2400" dirty="0">
-                <a:cs typeface="Times New Roman" panose="02020603050405020304" pitchFamily="18" charset="0"/>
-              </a:rPr>
-              <a:t>: Hurdle Models, </a:t>
-            </a:r>
-            <a:r>
-              <a:rPr lang="en-US" sz="2400" dirty="0" err="1">
-                <a:cs typeface="Times New Roman" panose="02020603050405020304" pitchFamily="18" charset="0"/>
-              </a:rPr>
-              <a:t>Heckit</a:t>
-            </a:r>
-            <a:endParaRPr lang="en-US" sz="2400" dirty="0">
-              <a:cs typeface="Times New Roman" panose="02020603050405020304" pitchFamily="18" charset="0"/>
-            </a:endParaRPr>
-          </a:p>
-          <a:p>
-            <a:r>
-              <a:rPr lang="en-US" sz="2400" b="1" dirty="0">
-                <a:solidFill>
-                  <a:schemeClr val="accent2">
-                    <a:lumMod val="75000"/>
-                  </a:schemeClr>
-                </a:solidFill>
-                <a:cs typeface="Times New Roman" panose="02020603050405020304" pitchFamily="18" charset="0"/>
-              </a:rPr>
-              <a:t>Choices</a:t>
-            </a:r>
-            <a:r>
-              <a:rPr lang="en-US" sz="2400" dirty="0">
-                <a:cs typeface="Times New Roman" panose="02020603050405020304" pitchFamily="18" charset="0"/>
-              </a:rPr>
-              <a:t>: Multinomial Logit models</a:t>
-            </a:r>
-          </a:p>
-        </p:txBody>
-      </p:sp>
-    </p:spTree>
-    <p:extLst>
-      <p:ext uri="{BB962C8B-B14F-4D97-AF65-F5344CB8AC3E}">
-        <p14:creationId xmlns:p14="http://schemas.microsoft.com/office/powerpoint/2010/main" val="1285670328"/>
-      </p:ext>
-    </p:extLst>
-  </p:cSld>
-  <p:clrMapOvr>
-    <a:masterClrMapping/>
-  </p:clrMapOvr>
-</p:sld>
-</file>
-
 <file path=ppt/slides/slide64.xml><?xml version="1.0" encoding="utf-8"?>
 <p:sld xmlns:a="http://schemas.openxmlformats.org/drawingml/2006/main" xmlns:r="http://schemas.openxmlformats.org/officeDocument/2006/relationships" xmlns:p="http://schemas.openxmlformats.org/presentationml/2006/main">
   <p:cSld>
@@ -31340,6 +31470,350 @@
       </p:grpSpPr>
       <p:sp>
         <p:nvSpPr>
+          <p:cNvPr id="2" name="Title 1"/>
+          <p:cNvSpPr>
+            <a:spLocks noGrp="1"/>
+          </p:cNvSpPr>
+          <p:nvPr>
+            <p:ph type="title"/>
+          </p:nvPr>
+        </p:nvSpPr>
+        <p:spPr>
+          <a:xfrm>
+            <a:off x="609600" y="337392"/>
+            <a:ext cx="10439400" cy="624840"/>
+          </a:xfrm>
+        </p:spPr>
+        <p:txBody>
+          <a:bodyPr>
+            <a:noAutofit/>
+          </a:bodyPr>
+          <a:lstStyle/>
+          <a:p>
+            <a:r>
+              <a:rPr lang="en-US" sz="3600" dirty="0">
+                <a:latin typeface="Times New Roman" panose="02020603050405020304" pitchFamily="18" charset="0"/>
+                <a:cs typeface="Times New Roman" panose="02020603050405020304" pitchFamily="18" charset="0"/>
+              </a:rPr>
+              <a:t>Other research results</a:t>
+            </a:r>
+          </a:p>
+        </p:txBody>
+      </p:sp>
+      <p:sp>
+        <p:nvSpPr>
+          <p:cNvPr id="3" name="Content Placeholder 2"/>
+          <p:cNvSpPr>
+            <a:spLocks noGrp="1"/>
+          </p:cNvSpPr>
+          <p:nvPr>
+            <p:ph idx="1"/>
+          </p:nvPr>
+        </p:nvSpPr>
+        <p:spPr>
+          <a:xfrm>
+            <a:off x="914400" y="1066801"/>
+            <a:ext cx="9984829" cy="5141388"/>
+          </a:xfrm>
+        </p:spPr>
+        <p:txBody>
+          <a:bodyPr>
+            <a:normAutofit/>
+          </a:bodyPr>
+          <a:lstStyle/>
+          <a:p>
+            <a:r>
+              <a:rPr lang="en-US" sz="2400" dirty="0">
+                <a:cs typeface="Times New Roman" panose="02020603050405020304" pitchFamily="18" charset="0"/>
+              </a:rPr>
+              <a:t>Is this just a blood type issue (e.g., was the call informative to both)? </a:t>
+            </a:r>
+            <a:r>
+              <a:rPr lang="en-US" sz="2400" b="1" dirty="0">
+                <a:cs typeface="Times New Roman" panose="02020603050405020304" pitchFamily="18" charset="0"/>
+              </a:rPr>
+              <a:t>No!</a:t>
+            </a:r>
+            <a:endParaRPr lang="en-US" sz="2400" dirty="0">
+              <a:cs typeface="Times New Roman" panose="02020603050405020304" pitchFamily="18" charset="0"/>
+            </a:endParaRPr>
+          </a:p>
+          <a:p>
+            <a:r>
+              <a:rPr lang="en-US" sz="2400" dirty="0">
+                <a:cs typeface="Times New Roman" panose="02020603050405020304" pitchFamily="18" charset="0"/>
+              </a:rPr>
+              <a:t>Was it simply a reminder? </a:t>
+            </a:r>
+            <a:r>
+              <a:rPr lang="en-US" sz="2400" b="1" dirty="0">
+                <a:cs typeface="Times New Roman" panose="02020603050405020304" pitchFamily="18" charset="0"/>
+              </a:rPr>
+              <a:t>No! </a:t>
+            </a:r>
+          </a:p>
+          <a:p>
+            <a:r>
+              <a:rPr lang="en-US" sz="2400" b="1" dirty="0">
+                <a:cs typeface="Times New Roman" panose="02020603050405020304" pitchFamily="18" charset="0"/>
+              </a:rPr>
+              <a:t>Estimate the social multiplier: 70-85% (big policy implications!) </a:t>
+            </a:r>
+          </a:p>
+          <a:p>
+            <a:r>
+              <a:rPr lang="en-US" sz="2400" dirty="0">
+                <a:cs typeface="Times New Roman" panose="02020603050405020304" pitchFamily="18" charset="0"/>
+              </a:rPr>
+              <a:t>Are people just giving blood sooner (intertemporal substitution)? </a:t>
+            </a:r>
+            <a:r>
+              <a:rPr lang="en-US" sz="2400" b="1" dirty="0">
+                <a:cs typeface="Times New Roman" panose="02020603050405020304" pitchFamily="18" charset="0"/>
+              </a:rPr>
+              <a:t>No!</a:t>
+            </a:r>
+            <a:endParaRPr lang="en-US" sz="2400" dirty="0">
+              <a:cs typeface="Times New Roman" panose="02020603050405020304" pitchFamily="18" charset="0"/>
+            </a:endParaRPr>
+          </a:p>
+          <a:p>
+            <a:endParaRPr lang="en-US" sz="2400" dirty="0">
+              <a:cs typeface="Times New Roman" panose="02020603050405020304" pitchFamily="18" charset="0"/>
+            </a:endParaRPr>
+          </a:p>
+          <a:p>
+            <a:pPr marL="0" indent="0">
+              <a:buNone/>
+            </a:pPr>
+            <a:r>
+              <a:rPr lang="en-US" sz="2400" b="1" u="sng" dirty="0">
+                <a:solidFill>
+                  <a:schemeClr val="accent2">
+                    <a:lumMod val="75000"/>
+                  </a:schemeClr>
+                </a:solidFill>
+                <a:cs typeface="Times New Roman" panose="02020603050405020304" pitchFamily="18" charset="0"/>
+              </a:rPr>
+              <a:t>What issues did you see with the paper? </a:t>
+            </a:r>
+          </a:p>
+        </p:txBody>
+      </p:sp>
+    </p:spTree>
+    <p:extLst>
+      <p:ext uri="{BB962C8B-B14F-4D97-AF65-F5344CB8AC3E}">
+        <p14:creationId xmlns:p14="http://schemas.microsoft.com/office/powerpoint/2010/main" val="3500699807"/>
+      </p:ext>
+    </p:extLst>
+  </p:cSld>
+  <p:clrMapOvr>
+    <a:masterClrMapping/>
+  </p:clrMapOvr>
+</p:sld>
+</file>
+
+<file path=ppt/slides/slide65.xml><?xml version="1.0" encoding="utf-8"?>
+<p:sld xmlns:a="http://schemas.openxmlformats.org/drawingml/2006/main" xmlns:r="http://schemas.openxmlformats.org/officeDocument/2006/relationships" xmlns:p="http://schemas.openxmlformats.org/presentationml/2006/main">
+  <p:cSld>
+    <p:spTree>
+      <p:nvGrpSpPr>
+        <p:cNvPr id="1" name=""/>
+        <p:cNvGrpSpPr/>
+        <p:nvPr/>
+      </p:nvGrpSpPr>
+      <p:grpSpPr>
+        <a:xfrm>
+          <a:off x="0" y="0"/>
+          <a:ext cx="0" cy="0"/>
+          <a:chOff x="0" y="0"/>
+          <a:chExt cx="0" cy="0"/>
+        </a:xfrm>
+      </p:grpSpPr>
+      <p:sp>
+        <p:nvSpPr>
+          <p:cNvPr id="2" name="Title 1"/>
+          <p:cNvSpPr>
+            <a:spLocks noGrp="1"/>
+          </p:cNvSpPr>
+          <p:nvPr>
+            <p:ph type="title"/>
+          </p:nvPr>
+        </p:nvSpPr>
+        <p:spPr>
+          <a:xfrm>
+            <a:off x="609600" y="337392"/>
+            <a:ext cx="10439400" cy="624840"/>
+          </a:xfrm>
+        </p:spPr>
+        <p:txBody>
+          <a:bodyPr>
+            <a:noAutofit/>
+          </a:bodyPr>
+          <a:lstStyle/>
+          <a:p>
+            <a:r>
+              <a:rPr lang="en-US" sz="3600" dirty="0">
+                <a:cs typeface="Times New Roman" panose="02020603050405020304" pitchFamily="18" charset="0"/>
+              </a:rPr>
+              <a:t>Conclusion: Limited Dependent Variables</a:t>
+            </a:r>
+            <a:endParaRPr lang="en-US" sz="3600" dirty="0">
+              <a:latin typeface="Times New Roman" panose="02020603050405020304" pitchFamily="18" charset="0"/>
+              <a:cs typeface="Times New Roman" panose="02020603050405020304" pitchFamily="18" charset="0"/>
+            </a:endParaRPr>
+          </a:p>
+        </p:txBody>
+      </p:sp>
+      <p:sp>
+        <p:nvSpPr>
+          <p:cNvPr id="3" name="Content Placeholder 2"/>
+          <p:cNvSpPr>
+            <a:spLocks noGrp="1"/>
+          </p:cNvSpPr>
+          <p:nvPr>
+            <p:ph idx="1"/>
+          </p:nvPr>
+        </p:nvSpPr>
+        <p:spPr>
+          <a:xfrm>
+            <a:off x="1219199" y="1066801"/>
+            <a:ext cx="9405791" cy="5141388"/>
+          </a:xfrm>
+        </p:spPr>
+        <p:txBody>
+          <a:bodyPr>
+            <a:noAutofit/>
+          </a:bodyPr>
+          <a:lstStyle/>
+          <a:p>
+            <a:r>
+              <a:rPr lang="en-US" sz="2400" b="1" dirty="0">
+                <a:solidFill>
+                  <a:schemeClr val="accent2">
+                    <a:lumMod val="75000"/>
+                  </a:schemeClr>
+                </a:solidFill>
+                <a:cs typeface="Times New Roman" panose="02020603050405020304" pitchFamily="18" charset="0"/>
+              </a:rPr>
+              <a:t>Binary</a:t>
+            </a:r>
+            <a:r>
+              <a:rPr lang="en-US" sz="2400" dirty="0">
+                <a:cs typeface="Times New Roman" panose="02020603050405020304" pitchFamily="18" charset="0"/>
+              </a:rPr>
+              <a:t>: LPM, Logit, </a:t>
+            </a:r>
+            <a:r>
+              <a:rPr lang="en-US" sz="2400" dirty="0" err="1">
+                <a:cs typeface="Times New Roman" panose="02020603050405020304" pitchFamily="18" charset="0"/>
+              </a:rPr>
+              <a:t>Probit</a:t>
+            </a:r>
+            <a:endParaRPr lang="en-US" sz="2400" dirty="0">
+              <a:cs typeface="Times New Roman" panose="02020603050405020304" pitchFamily="18" charset="0"/>
+            </a:endParaRPr>
+          </a:p>
+          <a:p>
+            <a:r>
+              <a:rPr lang="en-US" sz="2400" b="1" dirty="0">
+                <a:solidFill>
+                  <a:schemeClr val="accent2">
+                    <a:lumMod val="75000"/>
+                  </a:schemeClr>
+                </a:solidFill>
+                <a:cs typeface="Times New Roman" panose="02020603050405020304" pitchFamily="18" charset="0"/>
+              </a:rPr>
+              <a:t>Ordered</a:t>
+            </a:r>
+            <a:r>
+              <a:rPr lang="en-US" sz="2400" dirty="0">
+                <a:cs typeface="Times New Roman" panose="02020603050405020304" pitchFamily="18" charset="0"/>
+              </a:rPr>
+              <a:t>: Poisson, Negative Binomial, possibly truncated</a:t>
+            </a:r>
+          </a:p>
+          <a:p>
+            <a:r>
+              <a:rPr lang="en-US" sz="2400" b="1" dirty="0">
+                <a:solidFill>
+                  <a:schemeClr val="accent2">
+                    <a:lumMod val="75000"/>
+                  </a:schemeClr>
+                </a:solidFill>
+                <a:cs typeface="Times New Roman" panose="02020603050405020304" pitchFamily="18" charset="0"/>
+              </a:rPr>
+              <a:t>Selection</a:t>
+            </a:r>
+            <a:r>
+              <a:rPr lang="en-US" sz="2400" dirty="0">
+                <a:cs typeface="Times New Roman" panose="02020603050405020304" pitchFamily="18" charset="0"/>
+              </a:rPr>
+              <a:t>: Hurdle Models, </a:t>
+            </a:r>
+            <a:r>
+              <a:rPr lang="en-US" sz="2400" dirty="0" err="1">
+                <a:cs typeface="Times New Roman" panose="02020603050405020304" pitchFamily="18" charset="0"/>
+              </a:rPr>
+              <a:t>Heckit</a:t>
+            </a:r>
+            <a:endParaRPr lang="en-US" sz="2400" dirty="0">
+              <a:cs typeface="Times New Roman" panose="02020603050405020304" pitchFamily="18" charset="0"/>
+            </a:endParaRPr>
+          </a:p>
+          <a:p>
+            <a:r>
+              <a:rPr lang="en-US" sz="2400" b="1" dirty="0">
+                <a:solidFill>
+                  <a:schemeClr val="accent2">
+                    <a:lumMod val="75000"/>
+                  </a:schemeClr>
+                </a:solidFill>
+                <a:cs typeface="Times New Roman" panose="02020603050405020304" pitchFamily="18" charset="0"/>
+              </a:rPr>
+              <a:t>Choices</a:t>
+            </a:r>
+            <a:r>
+              <a:rPr lang="en-US" sz="2400" dirty="0">
+                <a:cs typeface="Times New Roman" panose="02020603050405020304" pitchFamily="18" charset="0"/>
+              </a:rPr>
+              <a:t>: Multinomial Logit models</a:t>
+            </a:r>
+          </a:p>
+        </p:txBody>
+      </p:sp>
+    </p:spTree>
+    <p:extLst>
+      <p:ext uri="{BB962C8B-B14F-4D97-AF65-F5344CB8AC3E}">
+        <p14:creationId xmlns:p14="http://schemas.microsoft.com/office/powerpoint/2010/main" val="1285670328"/>
+      </p:ext>
+    </p:extLst>
+  </p:cSld>
+  <p:clrMapOvr>
+    <a:masterClrMapping/>
+  </p:clrMapOvr>
+</p:sld>
+</file>
+
+<file path=ppt/slides/slide66.xml><?xml version="1.0" encoding="utf-8"?>
+<p:sld xmlns:a="http://schemas.openxmlformats.org/drawingml/2006/main" xmlns:r="http://schemas.openxmlformats.org/officeDocument/2006/relationships" xmlns:p="http://schemas.openxmlformats.org/presentationml/2006/main">
+  <p:cSld>
+    <p:spTree>
+      <p:nvGrpSpPr>
+        <p:cNvPr id="1" name=""/>
+        <p:cNvGrpSpPr/>
+        <p:nvPr/>
+      </p:nvGrpSpPr>
+      <p:grpSpPr>
+        <a:xfrm>
+          <a:off x="0" y="0"/>
+          <a:ext cx="0" cy="0"/>
+          <a:chOff x="0" y="0"/>
+          <a:chExt cx="0" cy="0"/>
+        </a:xfrm>
+      </p:grpSpPr>
+      <p:sp>
+        <p:nvSpPr>
           <p:cNvPr id="2" name="Title 1">
             <a:extLst>
               <a:ext uri="{FF2B5EF4-FFF2-40B4-BE49-F238E27FC236}">
@@ -31411,7 +31885,7 @@
 </p:sld>
 </file>
 
-<file path=ppt/slides/slide65.xml><?xml version="1.0" encoding="utf-8"?>
+<file path=ppt/slides/slide67.xml><?xml version="1.0" encoding="utf-8"?>
 <p:sld xmlns:a="http://schemas.openxmlformats.org/drawingml/2006/main" xmlns:r="http://schemas.openxmlformats.org/officeDocument/2006/relationships" xmlns:p="http://schemas.openxmlformats.org/presentationml/2006/main">
   <p:cSld>
     <p:spTree>
@@ -31731,7 +32205,7 @@
 </p:sld>
 </file>
 
-<file path=ppt/slides/slide66.xml><?xml version="1.0" encoding="utf-8"?>
+<file path=ppt/slides/slide68.xml><?xml version="1.0" encoding="utf-8"?>
 <p:sld xmlns:a="http://schemas.openxmlformats.org/drawingml/2006/main" xmlns:r="http://schemas.openxmlformats.org/officeDocument/2006/relationships" xmlns:p="http://schemas.openxmlformats.org/presentationml/2006/main">
   <p:cSld>
     <p:spTree>
@@ -31854,7 +32328,7 @@
 </p:sld>
 </file>
 
-<file path=ppt/slides/slide67.xml><?xml version="1.0" encoding="utf-8"?>
+<file path=ppt/slides/slide69.xml><?xml version="1.0" encoding="utf-8"?>
 <p:sld xmlns:a="http://schemas.openxmlformats.org/drawingml/2006/main" xmlns:r="http://schemas.openxmlformats.org/officeDocument/2006/relationships" xmlns:p="http://schemas.openxmlformats.org/presentationml/2006/main">
   <p:cSld>
     <p:spTree>
@@ -31968,252 +32442,6 @@
     <p:extLst>
       <p:ext uri="{BB962C8B-B14F-4D97-AF65-F5344CB8AC3E}">
         <p14:creationId xmlns:p14="http://schemas.microsoft.com/office/powerpoint/2010/main" val="57578072"/>
-      </p:ext>
-    </p:extLst>
-  </p:cSld>
-  <p:clrMapOvr>
-    <a:masterClrMapping/>
-  </p:clrMapOvr>
-</p:sld>
-</file>
-
-<file path=ppt/slides/slide68.xml><?xml version="1.0" encoding="utf-8"?>
-<p:sld xmlns:a="http://schemas.openxmlformats.org/drawingml/2006/main" xmlns:r="http://schemas.openxmlformats.org/officeDocument/2006/relationships" xmlns:p="http://schemas.openxmlformats.org/presentationml/2006/main">
-  <p:cSld>
-    <p:spTree>
-      <p:nvGrpSpPr>
-        <p:cNvPr id="1" name=""/>
-        <p:cNvGrpSpPr/>
-        <p:nvPr/>
-      </p:nvGrpSpPr>
-      <p:grpSpPr>
-        <a:xfrm>
-          <a:off x="0" y="0"/>
-          <a:ext cx="0" cy="0"/>
-          <a:chOff x="0" y="0"/>
-          <a:chExt cx="0" cy="0"/>
-        </a:xfrm>
-      </p:grpSpPr>
-      <p:sp>
-        <p:nvSpPr>
-          <p:cNvPr id="2" name="Title 1"/>
-          <p:cNvSpPr>
-            <a:spLocks noGrp="1"/>
-          </p:cNvSpPr>
-          <p:nvPr>
-            <p:ph type="title"/>
-          </p:nvPr>
-        </p:nvSpPr>
-        <p:spPr>
-          <a:xfrm>
-            <a:off x="609600" y="337392"/>
-            <a:ext cx="10439400" cy="624840"/>
-          </a:xfrm>
-        </p:spPr>
-        <p:txBody>
-          <a:bodyPr>
-            <a:noAutofit/>
-          </a:bodyPr>
-          <a:lstStyle/>
-          <a:p>
-            <a:r>
-              <a:rPr lang="en-US" sz="3600" dirty="0">
-                <a:cs typeface="Times New Roman" panose="02020603050405020304" pitchFamily="18" charset="0"/>
-              </a:rPr>
-              <a:t>Method of Moments (Generally)</a:t>
-            </a:r>
-            <a:endParaRPr lang="en-US" sz="3600" dirty="0">
-              <a:latin typeface="Times New Roman" panose="02020603050405020304" pitchFamily="18" charset="0"/>
-              <a:cs typeface="Times New Roman" panose="02020603050405020304" pitchFamily="18" charset="0"/>
-            </a:endParaRPr>
-          </a:p>
-        </p:txBody>
-      </p:sp>
-      <p:sp>
-        <p:nvSpPr>
-          <p:cNvPr id="3" name="Content Placeholder 2"/>
-          <p:cNvSpPr>
-            <a:spLocks noGrp="1"/>
-          </p:cNvSpPr>
-          <p:nvPr>
-            <p:ph idx="1"/>
-          </p:nvPr>
-        </p:nvSpPr>
-        <p:spPr>
-          <a:xfrm>
-            <a:off x="1219199" y="1066801"/>
-            <a:ext cx="9405791" cy="5141388"/>
-          </a:xfrm>
-        </p:spPr>
-        <p:txBody>
-          <a:bodyPr>
-            <a:noAutofit/>
-          </a:bodyPr>
-          <a:lstStyle/>
-          <a:p>
-            <a:endParaRPr lang="en-US" sz="2400" dirty="0">
-              <a:cs typeface="Times New Roman" panose="02020603050405020304" pitchFamily="18" charset="0"/>
-            </a:endParaRPr>
-          </a:p>
-        </p:txBody>
-      </p:sp>
-      <p:pic>
-        <p:nvPicPr>
-          <p:cNvPr id="5" name="Picture 4">
-            <a:extLst>
-              <a:ext uri="{FF2B5EF4-FFF2-40B4-BE49-F238E27FC236}">
-                <a16:creationId xmlns:a16="http://schemas.microsoft.com/office/drawing/2014/main" id="{6DC5AE8E-A65F-5605-D51C-DC5F4DDDB01B}"/>
-              </a:ext>
-            </a:extLst>
-          </p:cNvPr>
-          <p:cNvPicPr>
-            <a:picLocks noChangeAspect="1"/>
-          </p:cNvPicPr>
-          <p:nvPr/>
-        </p:nvPicPr>
-        <p:blipFill>
-          <a:blip r:embed="rId3"/>
-          <a:stretch>
-            <a:fillRect/>
-          </a:stretch>
-        </p:blipFill>
-        <p:spPr>
-          <a:xfrm>
-            <a:off x="152400" y="228600"/>
-            <a:ext cx="10101064" cy="6629400"/>
-          </a:xfrm>
-          <a:prstGeom prst="rect">
-            <a:avLst/>
-          </a:prstGeom>
-        </p:spPr>
-      </p:pic>
-    </p:spTree>
-    <p:extLst>
-      <p:ext uri="{BB962C8B-B14F-4D97-AF65-F5344CB8AC3E}">
-        <p14:creationId xmlns:p14="http://schemas.microsoft.com/office/powerpoint/2010/main" val="3172041985"/>
-      </p:ext>
-    </p:extLst>
-  </p:cSld>
-  <p:clrMapOvr>
-    <a:masterClrMapping/>
-  </p:clrMapOvr>
-</p:sld>
-</file>
-
-<file path=ppt/slides/slide69.xml><?xml version="1.0" encoding="utf-8"?>
-<p:sld xmlns:a="http://schemas.openxmlformats.org/drawingml/2006/main" xmlns:r="http://schemas.openxmlformats.org/officeDocument/2006/relationships" xmlns:p="http://schemas.openxmlformats.org/presentationml/2006/main">
-  <p:cSld>
-    <p:spTree>
-      <p:nvGrpSpPr>
-        <p:cNvPr id="1" name=""/>
-        <p:cNvGrpSpPr/>
-        <p:nvPr/>
-      </p:nvGrpSpPr>
-      <p:grpSpPr>
-        <a:xfrm>
-          <a:off x="0" y="0"/>
-          <a:ext cx="0" cy="0"/>
-          <a:chOff x="0" y="0"/>
-          <a:chExt cx="0" cy="0"/>
-        </a:xfrm>
-      </p:grpSpPr>
-      <p:sp>
-        <p:nvSpPr>
-          <p:cNvPr id="2" name="Title 1"/>
-          <p:cNvSpPr>
-            <a:spLocks noGrp="1"/>
-          </p:cNvSpPr>
-          <p:nvPr>
-            <p:ph type="title"/>
-          </p:nvPr>
-        </p:nvSpPr>
-        <p:spPr>
-          <a:xfrm>
-            <a:off x="609600" y="337392"/>
-            <a:ext cx="10439400" cy="624840"/>
-          </a:xfrm>
-        </p:spPr>
-        <p:txBody>
-          <a:bodyPr>
-            <a:noAutofit/>
-          </a:bodyPr>
-          <a:lstStyle/>
-          <a:p>
-            <a:r>
-              <a:rPr lang="en-US" sz="3600" dirty="0">
-                <a:cs typeface="Times New Roman" panose="02020603050405020304" pitchFamily="18" charset="0"/>
-              </a:rPr>
-              <a:t>Method of Moments (Generally)</a:t>
-            </a:r>
-            <a:endParaRPr lang="en-US" sz="3600" dirty="0">
-              <a:latin typeface="Times New Roman" panose="02020603050405020304" pitchFamily="18" charset="0"/>
-              <a:cs typeface="Times New Roman" panose="02020603050405020304" pitchFamily="18" charset="0"/>
-            </a:endParaRPr>
-          </a:p>
-        </p:txBody>
-      </p:sp>
-      <p:sp>
-        <p:nvSpPr>
-          <p:cNvPr id="3" name="Content Placeholder 2"/>
-          <p:cNvSpPr>
-            <a:spLocks noGrp="1"/>
-          </p:cNvSpPr>
-          <p:nvPr>
-            <p:ph idx="1"/>
-          </p:nvPr>
-        </p:nvSpPr>
-        <p:spPr>
-          <a:xfrm>
-            <a:off x="1219199" y="1066801"/>
-            <a:ext cx="9405791" cy="5141388"/>
-          </a:xfrm>
-        </p:spPr>
-        <p:txBody>
-          <a:bodyPr>
-            <a:noAutofit/>
-          </a:bodyPr>
-          <a:lstStyle/>
-          <a:p>
-            <a:endParaRPr lang="en-US" sz="2400" dirty="0">
-              <a:cs typeface="Times New Roman" panose="02020603050405020304" pitchFamily="18" charset="0"/>
-            </a:endParaRPr>
-          </a:p>
-        </p:txBody>
-      </p:sp>
-      <p:pic>
-        <p:nvPicPr>
-          <p:cNvPr id="6" name="Picture 5">
-            <a:extLst>
-              <a:ext uri="{FF2B5EF4-FFF2-40B4-BE49-F238E27FC236}">
-                <a16:creationId xmlns:a16="http://schemas.microsoft.com/office/drawing/2014/main" id="{A2AF3DBF-360B-9FEA-5A7D-CD48520EA4E8}"/>
-              </a:ext>
-            </a:extLst>
-          </p:cNvPr>
-          <p:cNvPicPr>
-            <a:picLocks noChangeAspect="1"/>
-          </p:cNvPicPr>
-          <p:nvPr/>
-        </p:nvPicPr>
-        <p:blipFill>
-          <a:blip r:embed="rId3"/>
-          <a:stretch>
-            <a:fillRect/>
-          </a:stretch>
-        </p:blipFill>
-        <p:spPr>
-          <a:xfrm>
-            <a:off x="152399" y="15432"/>
-            <a:ext cx="10308341" cy="6613967"/>
-          </a:xfrm>
-          <a:prstGeom prst="rect">
-            <a:avLst/>
-          </a:prstGeom>
-        </p:spPr>
-      </p:pic>
-    </p:spTree>
-    <p:extLst>
-      <p:ext uri="{BB962C8B-B14F-4D97-AF65-F5344CB8AC3E}">
-        <p14:creationId xmlns:p14="http://schemas.microsoft.com/office/powerpoint/2010/main" val="3123113761"/>
       </p:ext>
     </p:extLst>
   </p:cSld>
@@ -32724,6 +32952,252 @@
           <p:cNvPr id="5" name="Picture 4">
             <a:extLst>
               <a:ext uri="{FF2B5EF4-FFF2-40B4-BE49-F238E27FC236}">
+                <a16:creationId xmlns:a16="http://schemas.microsoft.com/office/drawing/2014/main" id="{6DC5AE8E-A65F-5605-D51C-DC5F4DDDB01B}"/>
+              </a:ext>
+            </a:extLst>
+          </p:cNvPr>
+          <p:cNvPicPr>
+            <a:picLocks noChangeAspect="1"/>
+          </p:cNvPicPr>
+          <p:nvPr/>
+        </p:nvPicPr>
+        <p:blipFill>
+          <a:blip r:embed="rId3"/>
+          <a:stretch>
+            <a:fillRect/>
+          </a:stretch>
+        </p:blipFill>
+        <p:spPr>
+          <a:xfrm>
+            <a:off x="152400" y="228600"/>
+            <a:ext cx="10101064" cy="6629400"/>
+          </a:xfrm>
+          <a:prstGeom prst="rect">
+            <a:avLst/>
+          </a:prstGeom>
+        </p:spPr>
+      </p:pic>
+    </p:spTree>
+    <p:extLst>
+      <p:ext uri="{BB962C8B-B14F-4D97-AF65-F5344CB8AC3E}">
+        <p14:creationId xmlns:p14="http://schemas.microsoft.com/office/powerpoint/2010/main" val="3172041985"/>
+      </p:ext>
+    </p:extLst>
+  </p:cSld>
+  <p:clrMapOvr>
+    <a:masterClrMapping/>
+  </p:clrMapOvr>
+</p:sld>
+</file>
+
+<file path=ppt/slides/slide71.xml><?xml version="1.0" encoding="utf-8"?>
+<p:sld xmlns:a="http://schemas.openxmlformats.org/drawingml/2006/main" xmlns:r="http://schemas.openxmlformats.org/officeDocument/2006/relationships" xmlns:p="http://schemas.openxmlformats.org/presentationml/2006/main">
+  <p:cSld>
+    <p:spTree>
+      <p:nvGrpSpPr>
+        <p:cNvPr id="1" name=""/>
+        <p:cNvGrpSpPr/>
+        <p:nvPr/>
+      </p:nvGrpSpPr>
+      <p:grpSpPr>
+        <a:xfrm>
+          <a:off x="0" y="0"/>
+          <a:ext cx="0" cy="0"/>
+          <a:chOff x="0" y="0"/>
+          <a:chExt cx="0" cy="0"/>
+        </a:xfrm>
+      </p:grpSpPr>
+      <p:sp>
+        <p:nvSpPr>
+          <p:cNvPr id="2" name="Title 1"/>
+          <p:cNvSpPr>
+            <a:spLocks noGrp="1"/>
+          </p:cNvSpPr>
+          <p:nvPr>
+            <p:ph type="title"/>
+          </p:nvPr>
+        </p:nvSpPr>
+        <p:spPr>
+          <a:xfrm>
+            <a:off x="609600" y="337392"/>
+            <a:ext cx="10439400" cy="624840"/>
+          </a:xfrm>
+        </p:spPr>
+        <p:txBody>
+          <a:bodyPr>
+            <a:noAutofit/>
+          </a:bodyPr>
+          <a:lstStyle/>
+          <a:p>
+            <a:r>
+              <a:rPr lang="en-US" sz="3600" dirty="0">
+                <a:cs typeface="Times New Roman" panose="02020603050405020304" pitchFamily="18" charset="0"/>
+              </a:rPr>
+              <a:t>Method of Moments (Generally)</a:t>
+            </a:r>
+            <a:endParaRPr lang="en-US" sz="3600" dirty="0">
+              <a:latin typeface="Times New Roman" panose="02020603050405020304" pitchFamily="18" charset="0"/>
+              <a:cs typeface="Times New Roman" panose="02020603050405020304" pitchFamily="18" charset="0"/>
+            </a:endParaRPr>
+          </a:p>
+        </p:txBody>
+      </p:sp>
+      <p:sp>
+        <p:nvSpPr>
+          <p:cNvPr id="3" name="Content Placeholder 2"/>
+          <p:cNvSpPr>
+            <a:spLocks noGrp="1"/>
+          </p:cNvSpPr>
+          <p:nvPr>
+            <p:ph idx="1"/>
+          </p:nvPr>
+        </p:nvSpPr>
+        <p:spPr>
+          <a:xfrm>
+            <a:off x="1219199" y="1066801"/>
+            <a:ext cx="9405791" cy="5141388"/>
+          </a:xfrm>
+        </p:spPr>
+        <p:txBody>
+          <a:bodyPr>
+            <a:noAutofit/>
+          </a:bodyPr>
+          <a:lstStyle/>
+          <a:p>
+            <a:endParaRPr lang="en-US" sz="2400" dirty="0">
+              <a:cs typeface="Times New Roman" panose="02020603050405020304" pitchFamily="18" charset="0"/>
+            </a:endParaRPr>
+          </a:p>
+        </p:txBody>
+      </p:sp>
+      <p:pic>
+        <p:nvPicPr>
+          <p:cNvPr id="6" name="Picture 5">
+            <a:extLst>
+              <a:ext uri="{FF2B5EF4-FFF2-40B4-BE49-F238E27FC236}">
+                <a16:creationId xmlns:a16="http://schemas.microsoft.com/office/drawing/2014/main" id="{A2AF3DBF-360B-9FEA-5A7D-CD48520EA4E8}"/>
+              </a:ext>
+            </a:extLst>
+          </p:cNvPr>
+          <p:cNvPicPr>
+            <a:picLocks noChangeAspect="1"/>
+          </p:cNvPicPr>
+          <p:nvPr/>
+        </p:nvPicPr>
+        <p:blipFill>
+          <a:blip r:embed="rId3"/>
+          <a:stretch>
+            <a:fillRect/>
+          </a:stretch>
+        </p:blipFill>
+        <p:spPr>
+          <a:xfrm>
+            <a:off x="152399" y="15432"/>
+            <a:ext cx="10308341" cy="6613967"/>
+          </a:xfrm>
+          <a:prstGeom prst="rect">
+            <a:avLst/>
+          </a:prstGeom>
+        </p:spPr>
+      </p:pic>
+    </p:spTree>
+    <p:extLst>
+      <p:ext uri="{BB962C8B-B14F-4D97-AF65-F5344CB8AC3E}">
+        <p14:creationId xmlns:p14="http://schemas.microsoft.com/office/powerpoint/2010/main" val="3123113761"/>
+      </p:ext>
+    </p:extLst>
+  </p:cSld>
+  <p:clrMapOvr>
+    <a:masterClrMapping/>
+  </p:clrMapOvr>
+</p:sld>
+</file>
+
+<file path=ppt/slides/slide72.xml><?xml version="1.0" encoding="utf-8"?>
+<p:sld xmlns:a="http://schemas.openxmlformats.org/drawingml/2006/main" xmlns:r="http://schemas.openxmlformats.org/officeDocument/2006/relationships" xmlns:p="http://schemas.openxmlformats.org/presentationml/2006/main">
+  <p:cSld>
+    <p:spTree>
+      <p:nvGrpSpPr>
+        <p:cNvPr id="1" name=""/>
+        <p:cNvGrpSpPr/>
+        <p:nvPr/>
+      </p:nvGrpSpPr>
+      <p:grpSpPr>
+        <a:xfrm>
+          <a:off x="0" y="0"/>
+          <a:ext cx="0" cy="0"/>
+          <a:chOff x="0" y="0"/>
+          <a:chExt cx="0" cy="0"/>
+        </a:xfrm>
+      </p:grpSpPr>
+      <p:sp>
+        <p:nvSpPr>
+          <p:cNvPr id="2" name="Title 1"/>
+          <p:cNvSpPr>
+            <a:spLocks noGrp="1"/>
+          </p:cNvSpPr>
+          <p:nvPr>
+            <p:ph type="title"/>
+          </p:nvPr>
+        </p:nvSpPr>
+        <p:spPr>
+          <a:xfrm>
+            <a:off x="609600" y="337392"/>
+            <a:ext cx="10439400" cy="624840"/>
+          </a:xfrm>
+        </p:spPr>
+        <p:txBody>
+          <a:bodyPr>
+            <a:noAutofit/>
+          </a:bodyPr>
+          <a:lstStyle/>
+          <a:p>
+            <a:r>
+              <a:rPr lang="en-US" sz="3600" dirty="0">
+                <a:cs typeface="Times New Roman" panose="02020603050405020304" pitchFamily="18" charset="0"/>
+              </a:rPr>
+              <a:t>Method of Moments (Generally)</a:t>
+            </a:r>
+            <a:endParaRPr lang="en-US" sz="3600" dirty="0">
+              <a:latin typeface="Times New Roman" panose="02020603050405020304" pitchFamily="18" charset="0"/>
+              <a:cs typeface="Times New Roman" panose="02020603050405020304" pitchFamily="18" charset="0"/>
+            </a:endParaRPr>
+          </a:p>
+        </p:txBody>
+      </p:sp>
+      <p:sp>
+        <p:nvSpPr>
+          <p:cNvPr id="3" name="Content Placeholder 2"/>
+          <p:cNvSpPr>
+            <a:spLocks noGrp="1"/>
+          </p:cNvSpPr>
+          <p:nvPr>
+            <p:ph idx="1"/>
+          </p:nvPr>
+        </p:nvSpPr>
+        <p:spPr>
+          <a:xfrm>
+            <a:off x="1219199" y="1066801"/>
+            <a:ext cx="9405791" cy="5141388"/>
+          </a:xfrm>
+        </p:spPr>
+        <p:txBody>
+          <a:bodyPr>
+            <a:noAutofit/>
+          </a:bodyPr>
+          <a:lstStyle/>
+          <a:p>
+            <a:endParaRPr lang="en-US" sz="2400" dirty="0">
+              <a:cs typeface="Times New Roman" panose="02020603050405020304" pitchFamily="18" charset="0"/>
+            </a:endParaRPr>
+          </a:p>
+        </p:txBody>
+      </p:sp>
+      <p:pic>
+        <p:nvPicPr>
+          <p:cNvPr id="5" name="Picture 4">
+            <a:extLst>
+              <a:ext uri="{FF2B5EF4-FFF2-40B4-BE49-F238E27FC236}">
                 <a16:creationId xmlns:a16="http://schemas.microsoft.com/office/drawing/2014/main" id="{8F98407E-EA83-3871-B049-D2CC9CBE08CB}"/>
               </a:ext>
             </a:extLst>
@@ -32762,7 +33236,7 @@
 </p:sld>
 </file>
 
-<file path=ppt/slides/slide71.xml><?xml version="1.0" encoding="utf-8"?>
+<file path=ppt/slides/slide73.xml><?xml version="1.0" encoding="utf-8"?>
 <p:sld xmlns:a="http://schemas.openxmlformats.org/drawingml/2006/main" xmlns:r="http://schemas.openxmlformats.org/officeDocument/2006/relationships" xmlns:p="http://schemas.openxmlformats.org/presentationml/2006/main">
   <p:cSld>
     <p:spTree>
@@ -32885,7 +33359,7 @@
 </p:sld>
 </file>
 
-<file path=ppt/slides/slide72.xml><?xml version="1.0" encoding="utf-8"?>
+<file path=ppt/slides/slide74.xml><?xml version="1.0" encoding="utf-8"?>
 <p:sld xmlns:a="http://schemas.openxmlformats.org/drawingml/2006/main" xmlns:r="http://schemas.openxmlformats.org/officeDocument/2006/relationships" xmlns:p="http://schemas.openxmlformats.org/presentationml/2006/main">
   <p:cSld>
     <p:spTree>
@@ -33008,7 +33482,7 @@
 </p:sld>
 </file>
 
-<file path=ppt/slides/slide73.xml><?xml version="1.0" encoding="utf-8"?>
+<file path=ppt/slides/slide75.xml><?xml version="1.0" encoding="utf-8"?>
 <p:sld xmlns:a="http://schemas.openxmlformats.org/drawingml/2006/main" xmlns:r="http://schemas.openxmlformats.org/officeDocument/2006/relationships" xmlns:p="http://schemas.openxmlformats.org/presentationml/2006/main">
   <p:cSld>
     <p:spTree>
@@ -33183,8 +33657,8 @@
           </a:p>
         </p:txBody>
       </p:sp>
-      <mc:AlternateContent xmlns:mc="http://schemas.openxmlformats.org/markup-compatibility/2006">
-        <mc:Choice xmlns:a14="http://schemas.microsoft.com/office/drawing/2010/main" Requires="a14">
+      <mc:AlternateContent xmlns:mc="http://schemas.openxmlformats.org/markup-compatibility/2006" xmlns:a14="http://schemas.microsoft.com/office/drawing/2010/main">
+        <mc:Choice Requires="a14">
           <p:sp>
             <p:nvSpPr>
               <p:cNvPr id="3" name="Content Placeholder 2"/>
@@ -33526,7 +34000,7 @@
             </p:txBody>
           </p:sp>
         </mc:Choice>
-        <mc:Fallback>
+        <mc:Fallback xmlns="">
           <p:sp>
             <p:nvSpPr>
               <p:cNvPr id="3" name="Content Placeholder 2"/>

--- a/Lecture09_BinaryOutcomeVariables/Lecture09_BinaryDepVars.pptx
+++ b/Lecture09_BinaryOutcomeVariables/Lecture09_BinaryDepVars.pptx
@@ -9,43 +9,43 @@
   </p:notesMasterIdLst>
   <p:sldIdLst>
     <p:sldId id="256" r:id="rId2"/>
-    <p:sldId id="515" r:id="rId3"/>
-    <p:sldId id="397" r:id="rId4"/>
-    <p:sldId id="516" r:id="rId5"/>
-    <p:sldId id="517" r:id="rId6"/>
-    <p:sldId id="518" r:id="rId7"/>
-    <p:sldId id="519" r:id="rId8"/>
-    <p:sldId id="520" r:id="rId9"/>
-    <p:sldId id="630" r:id="rId10"/>
-    <p:sldId id="631" r:id="rId11"/>
-    <p:sldId id="632" r:id="rId12"/>
-    <p:sldId id="633" r:id="rId13"/>
-    <p:sldId id="634" r:id="rId14"/>
-    <p:sldId id="635" r:id="rId15"/>
-    <p:sldId id="636" r:id="rId16"/>
-    <p:sldId id="637" r:id="rId17"/>
-    <p:sldId id="398" r:id="rId18"/>
-    <p:sldId id="419" r:id="rId19"/>
-    <p:sldId id="543" r:id="rId20"/>
-    <p:sldId id="523" r:id="rId21"/>
-    <p:sldId id="544" r:id="rId22"/>
-    <p:sldId id="525" r:id="rId23"/>
-    <p:sldId id="546" r:id="rId24"/>
-    <p:sldId id="589" r:id="rId25"/>
-    <p:sldId id="590" r:id="rId26"/>
-    <p:sldId id="591" r:id="rId27"/>
-    <p:sldId id="592" r:id="rId28"/>
-    <p:sldId id="547" r:id="rId29"/>
-    <p:sldId id="548" r:id="rId30"/>
-    <p:sldId id="549" r:id="rId31"/>
-    <p:sldId id="550" r:id="rId32"/>
-    <p:sldId id="524" r:id="rId33"/>
-    <p:sldId id="552" r:id="rId34"/>
-    <p:sldId id="553" r:id="rId35"/>
-    <p:sldId id="551" r:id="rId36"/>
-    <p:sldId id="521" r:id="rId37"/>
-    <p:sldId id="526" r:id="rId38"/>
-    <p:sldId id="646" r:id="rId39"/>
+    <p:sldId id="526" r:id="rId3"/>
+    <p:sldId id="646" r:id="rId4"/>
+    <p:sldId id="515" r:id="rId5"/>
+    <p:sldId id="397" r:id="rId6"/>
+    <p:sldId id="516" r:id="rId7"/>
+    <p:sldId id="517" r:id="rId8"/>
+    <p:sldId id="518" r:id="rId9"/>
+    <p:sldId id="519" r:id="rId10"/>
+    <p:sldId id="520" r:id="rId11"/>
+    <p:sldId id="630" r:id="rId12"/>
+    <p:sldId id="631" r:id="rId13"/>
+    <p:sldId id="632" r:id="rId14"/>
+    <p:sldId id="633" r:id="rId15"/>
+    <p:sldId id="634" r:id="rId16"/>
+    <p:sldId id="635" r:id="rId17"/>
+    <p:sldId id="636" r:id="rId18"/>
+    <p:sldId id="637" r:id="rId19"/>
+    <p:sldId id="398" r:id="rId20"/>
+    <p:sldId id="419" r:id="rId21"/>
+    <p:sldId id="543" r:id="rId22"/>
+    <p:sldId id="523" r:id="rId23"/>
+    <p:sldId id="544" r:id="rId24"/>
+    <p:sldId id="525" r:id="rId25"/>
+    <p:sldId id="546" r:id="rId26"/>
+    <p:sldId id="589" r:id="rId27"/>
+    <p:sldId id="590" r:id="rId28"/>
+    <p:sldId id="591" r:id="rId29"/>
+    <p:sldId id="592" r:id="rId30"/>
+    <p:sldId id="547" r:id="rId31"/>
+    <p:sldId id="548" r:id="rId32"/>
+    <p:sldId id="549" r:id="rId33"/>
+    <p:sldId id="550" r:id="rId34"/>
+    <p:sldId id="524" r:id="rId35"/>
+    <p:sldId id="552" r:id="rId36"/>
+    <p:sldId id="553" r:id="rId37"/>
+    <p:sldId id="551" r:id="rId38"/>
+    <p:sldId id="521" r:id="rId39"/>
     <p:sldId id="645" r:id="rId40"/>
     <p:sldId id="555" r:id="rId41"/>
     <p:sldId id="554" r:id="rId42"/>
@@ -282,7 +282,7 @@
           <a:p>
             <a:fld id="{EF911157-0FC2-4F06-8D61-FD647FE4E19D}" type="datetimeFigureOut">
               <a:rPr lang="en-US" smtClean="0"/>
-              <a:t>11/21/2025</a:t>
+              <a:t>11/24/2025</a:t>
             </a:fld>
             <a:endParaRPr lang="en-US"/>
           </a:p>
@@ -691,7 +691,15 @@
           <a:p>
             <a:r>
               <a:rPr lang="en-US" dirty="0"/>
-              <a:t>Reminder: for endogeneity, think about “selection.” What could be selected by the agents in your sample, and how could that affect estimation? Correlation isn’t evidence of spillovers (what do we mean by spillovers?) Also, pairs are endogenously formed (two high propensity people might have matched)</a:t>
+              <a:t>Focusing only on just logit/probit for today, as this lays the ground work </a:t>
+            </a:r>
+            <a:r>
+              <a:rPr lang="en-US"/>
+              <a:t>for the rest </a:t>
+            </a:r>
+            <a:r>
+              <a:rPr lang="en-US" dirty="0"/>
+              <a:t>of them. (can include more in next lecture if you want?). Also have appendix material on an extension of ordered that highlights choices between competing options. </a:t>
             </a:r>
           </a:p>
         </p:txBody>
@@ -713,7 +721,7 @@
           <a:p>
             <a:fld id="{4AF79E1B-2C51-4B9B-8EA4-26DE9E345AFF}" type="slidenum">
               <a:rPr lang="en-US" smtClean="0"/>
-              <a:t>11</a:t>
+              <a:t>10</a:t>
             </a:fld>
             <a:endParaRPr lang="en-US"/>
           </a:p>
@@ -722,7 +730,7 @@
     </p:spTree>
     <p:extLst>
       <p:ext uri="{BB962C8B-B14F-4D97-AF65-F5344CB8AC3E}">
-        <p14:creationId xmlns:p14="http://schemas.microsoft.com/office/powerpoint/2010/main" val="123716811"/>
+        <p14:creationId xmlns:p14="http://schemas.microsoft.com/office/powerpoint/2010/main" val="765826619"/>
       </p:ext>
     </p:extLst>
   </p:cSld>
@@ -778,7 +786,7 @@
           <a:p>
             <a:r>
               <a:rPr lang="en-US" dirty="0"/>
-              <a:t>Reflection problem – who started the spillover? Chicken and egg. </a:t>
+              <a:t>Peer effects could be very powerful to the extent that they generate a “social multiplier” effect </a:t>
             </a:r>
           </a:p>
         </p:txBody>
@@ -809,7 +817,7 @@
     </p:spTree>
     <p:extLst>
       <p:ext uri="{BB962C8B-B14F-4D97-AF65-F5344CB8AC3E}">
-        <p14:creationId xmlns:p14="http://schemas.microsoft.com/office/powerpoint/2010/main" val="3713539380"/>
+        <p14:creationId xmlns:p14="http://schemas.microsoft.com/office/powerpoint/2010/main" val="3336318063"/>
       </p:ext>
     </p:extLst>
   </p:cSld>
@@ -863,7 +871,10 @@
           <a:bodyPr/>
           <a:lstStyle/>
           <a:p>
-            <a:endParaRPr lang="en-US" dirty="0"/>
+            <a:r>
+              <a:rPr lang="en-US" dirty="0"/>
+              <a:t>Reminder: for endogeneity, think about “selection.” What could be selected by the agents in your sample, and how could that affect estimation? Correlation isn’t evidence of spillovers (what do we mean by spillovers?) Also, pairs are endogenously formed (two high propensity people might have matched)</a:t>
+            </a:r>
           </a:p>
         </p:txBody>
       </p:sp>
@@ -893,7 +904,7 @@
     </p:spTree>
     <p:extLst>
       <p:ext uri="{BB962C8B-B14F-4D97-AF65-F5344CB8AC3E}">
-        <p14:creationId xmlns:p14="http://schemas.microsoft.com/office/powerpoint/2010/main" val="2652628131"/>
+        <p14:creationId xmlns:p14="http://schemas.microsoft.com/office/powerpoint/2010/main" val="123716811"/>
       </p:ext>
     </p:extLst>
   </p:cSld>
@@ -949,7 +960,7 @@
           <a:p>
             <a:r>
               <a:rPr lang="en-US" dirty="0"/>
-              <a:t>What do we mean by bivariate? Just that we have probit on both sides of the 2SLS equation. </a:t>
+              <a:t>Reflection problem – who started the spillover? Chicken and egg. </a:t>
             </a:r>
           </a:p>
         </p:txBody>
@@ -980,7 +991,7 @@
     </p:spTree>
     <p:extLst>
       <p:ext uri="{BB962C8B-B14F-4D97-AF65-F5344CB8AC3E}">
-        <p14:creationId xmlns:p14="http://schemas.microsoft.com/office/powerpoint/2010/main" val="3144348869"/>
+        <p14:creationId xmlns:p14="http://schemas.microsoft.com/office/powerpoint/2010/main" val="3713539380"/>
       </p:ext>
     </p:extLst>
   </p:cSld>
@@ -1034,10 +1045,7 @@
           <a:bodyPr/>
           <a:lstStyle/>
           <a:p>
-            <a:r>
-              <a:rPr lang="en-US" dirty="0"/>
-              <a:t>What do we think about this figure?</a:t>
-            </a:r>
+            <a:endParaRPr lang="en-US" dirty="0"/>
           </a:p>
         </p:txBody>
       </p:sp>
@@ -1067,7 +1075,7 @@
     </p:spTree>
     <p:extLst>
       <p:ext uri="{BB962C8B-B14F-4D97-AF65-F5344CB8AC3E}">
-        <p14:creationId xmlns:p14="http://schemas.microsoft.com/office/powerpoint/2010/main" val="1249535664"/>
+        <p14:creationId xmlns:p14="http://schemas.microsoft.com/office/powerpoint/2010/main" val="2652628131"/>
       </p:ext>
     </p:extLst>
   </p:cSld>
@@ -1123,7 +1131,7 @@
           <a:p>
             <a:r>
               <a:rPr lang="en-US" dirty="0"/>
-              <a:t>This is a nice descriptive graph. What is it showing? Walk through (quickly) tests of IV validity – what tests did they do? Was the IV strong? </a:t>
+              <a:t>What do we mean by bivariate? Just that we have probit on both sides of the 2SLS equation. </a:t>
             </a:r>
           </a:p>
         </p:txBody>
@@ -1154,7 +1162,7 @@
     </p:spTree>
     <p:extLst>
       <p:ext uri="{BB962C8B-B14F-4D97-AF65-F5344CB8AC3E}">
-        <p14:creationId xmlns:p14="http://schemas.microsoft.com/office/powerpoint/2010/main" val="202563152"/>
+        <p14:creationId xmlns:p14="http://schemas.microsoft.com/office/powerpoint/2010/main" val="3144348869"/>
       </p:ext>
     </p:extLst>
   </p:cSld>
@@ -1210,7 +1218,7 @@
           <a:p>
             <a:r>
               <a:rPr lang="en-US" dirty="0"/>
-              <a:t>Binary dependent variables show up *all* the time in research. We’ve already seen them (and glossed over them) in lots of cases. Can anyone think of key examples (propensity score is a big one). </a:t>
+              <a:t>What do we think about this figure?</a:t>
             </a:r>
           </a:p>
         </p:txBody>
@@ -1232,7 +1240,7 @@
           <a:p>
             <a:fld id="{4AF79E1B-2C51-4B9B-8EA4-26DE9E345AFF}" type="slidenum">
               <a:rPr lang="en-US" smtClean="0"/>
-              <a:t>18</a:t>
+              <a:t>17</a:t>
             </a:fld>
             <a:endParaRPr lang="en-US"/>
           </a:p>
@@ -1241,7 +1249,7 @@
     </p:spTree>
     <p:extLst>
       <p:ext uri="{BB962C8B-B14F-4D97-AF65-F5344CB8AC3E}">
-        <p14:creationId xmlns:p14="http://schemas.microsoft.com/office/powerpoint/2010/main" val="1936787623"/>
+        <p14:creationId xmlns:p14="http://schemas.microsoft.com/office/powerpoint/2010/main" val="1249535664"/>
       </p:ext>
     </p:extLst>
   </p:cSld>
@@ -1297,7 +1305,7 @@
           <a:p>
             <a:r>
               <a:rPr lang="en-US" dirty="0"/>
-              <a:t>Clarify differences in pp versus %. Homework late grades are a good example. </a:t>
+              <a:t>This is a nice descriptive graph. What is it showing? Walk through (quickly) tests of IV validity – what tests did they do? Was the IV strong? </a:t>
             </a:r>
           </a:p>
         </p:txBody>
@@ -1319,7 +1327,7 @@
           <a:p>
             <a:fld id="{4AF79E1B-2C51-4B9B-8EA4-26DE9E345AFF}" type="slidenum">
               <a:rPr lang="en-US" smtClean="0"/>
-              <a:t>19</a:t>
+              <a:t>18</a:t>
             </a:fld>
             <a:endParaRPr lang="en-US"/>
           </a:p>
@@ -1328,7 +1336,7 @@
     </p:spTree>
     <p:extLst>
       <p:ext uri="{BB962C8B-B14F-4D97-AF65-F5344CB8AC3E}">
-        <p14:creationId xmlns:p14="http://schemas.microsoft.com/office/powerpoint/2010/main" val="3671228170"/>
+        <p14:creationId xmlns:p14="http://schemas.microsoft.com/office/powerpoint/2010/main" val="202563152"/>
       </p:ext>
     </p:extLst>
   </p:cSld>
@@ -1384,13 +1392,7 @@
           <a:p>
             <a:r>
               <a:rPr lang="en-US" dirty="0"/>
-              <a:t>Again, note that there is field idiosyncrasy in how people respond to LPMs. Economists = great, others = not. Really depends on your context (are you using for prediction, or just trying to get a simple ATE, or something in between?)</a:t>
-            </a:r>
-          </a:p>
-          <a:p>
-            <a:r>
-              <a:rPr lang="en-US" dirty="0"/>
-              <a:t>- Larger point here: some fields try to focus on getting one single parameter really well-identified (no mistakes allowed in methods), while others (econ) try to tell a more holistic story with multiple specifications. You can decide what’s good there. </a:t>
+              <a:t>Binary dependent variables show up *all* the time in research. We’ve already seen them (and glossed over them) in lots of cases. Can anyone think of key examples (propensity score is a big one). </a:t>
             </a:r>
           </a:p>
         </p:txBody>
@@ -1421,7 +1423,7 @@
     </p:spTree>
     <p:extLst>
       <p:ext uri="{BB962C8B-B14F-4D97-AF65-F5344CB8AC3E}">
-        <p14:creationId xmlns:p14="http://schemas.microsoft.com/office/powerpoint/2010/main" val="2102649687"/>
+        <p14:creationId xmlns:p14="http://schemas.microsoft.com/office/powerpoint/2010/main" val="1936787623"/>
       </p:ext>
     </p:extLst>
   </p:cSld>
@@ -1477,7 +1479,7 @@
           <a:p>
             <a:r>
               <a:rPr lang="en-US" dirty="0"/>
-              <a:t>You might as well get in the habit of some kind of robust standard error anyway (remember for DID we cluster)</a:t>
+              <a:t>Clarify differences in pp versus %. Homework late grades are a good example. </a:t>
             </a:r>
           </a:p>
         </p:txBody>
@@ -1508,7 +1510,7 @@
     </p:spTree>
     <p:extLst>
       <p:ext uri="{BB962C8B-B14F-4D97-AF65-F5344CB8AC3E}">
-        <p14:creationId xmlns:p14="http://schemas.microsoft.com/office/powerpoint/2010/main" val="3264886497"/>
+        <p14:creationId xmlns:p14="http://schemas.microsoft.com/office/powerpoint/2010/main" val="3671228170"/>
       </p:ext>
     </p:extLst>
   </p:cSld>
@@ -1563,11 +1565,8 @@
           <a:lstStyle/>
           <a:p>
             <a:r>
-              <a:rPr lang="en-US" dirty="0">
-                <a:ea typeface="Calibri"/>
-                <a:cs typeface="Calibri"/>
-              </a:rPr>
-              <a:t>Call these limited dependent varaibles </a:t>
+              <a:rPr lang="en-US" dirty="0"/>
+              <a:t>Move this to beginning of another lecture for next time. Link here: https://hadley.github.io/genzplyr/. </a:t>
             </a:r>
           </a:p>
         </p:txBody>
@@ -1587,7 +1586,7 @@
           <a:bodyPr/>
           <a:lstStyle/>
           <a:p>
-            <a:fld id="{3298C5B2-5D6B-2949-9D6C-64FEDA8AB56A}" type="slidenum">
+            <a:fld id="{4AF79E1B-2C51-4B9B-8EA4-26DE9E345AFF}" type="slidenum">
               <a:rPr lang="en-US" smtClean="0"/>
               <a:t>2</a:t>
             </a:fld>
@@ -1598,7 +1597,7 @@
     </p:spTree>
     <p:extLst>
       <p:ext uri="{BB962C8B-B14F-4D97-AF65-F5344CB8AC3E}">
-        <p14:creationId xmlns:p14="http://schemas.microsoft.com/office/powerpoint/2010/main" val="1213885927"/>
+        <p14:creationId xmlns:p14="http://schemas.microsoft.com/office/powerpoint/2010/main" val="2116626943"/>
       </p:ext>
     </p:extLst>
   </p:cSld>
@@ -1654,7 +1653,13 @@
           <a:p>
             <a:r>
               <a:rPr lang="en-US" dirty="0"/>
-              <a:t>This is why heteroskedasticity – the residuals (difference between prediction and actual) depend on X because X is only in (0,1). </a:t>
+              <a:t>Again, note that there is field idiosyncrasy in how people respond to LPMs. Economists = great, others = not. Really depends on your context (are you using for prediction, or just trying to get a simple ATE, or something in between?)</a:t>
+            </a:r>
+          </a:p>
+          <a:p>
+            <a:r>
+              <a:rPr lang="en-US" dirty="0"/>
+              <a:t>- Larger point here: some fields try to focus on getting one single parameter really well-identified (no mistakes allowed in methods), while others (econ) try to tell a more holistic story with multiple specifications. You can decide what’s good there. </a:t>
             </a:r>
           </a:p>
         </p:txBody>
@@ -1685,7 +1690,7 @@
     </p:spTree>
     <p:extLst>
       <p:ext uri="{BB962C8B-B14F-4D97-AF65-F5344CB8AC3E}">
-        <p14:creationId xmlns:p14="http://schemas.microsoft.com/office/powerpoint/2010/main" val="3212296068"/>
+        <p14:creationId xmlns:p14="http://schemas.microsoft.com/office/powerpoint/2010/main" val="2102649687"/>
       </p:ext>
     </p:extLst>
   </p:cSld>
@@ -1741,7 +1746,7 @@
           <a:p>
             <a:r>
               <a:rPr lang="en-US" dirty="0"/>
-              <a:t>Compare OLS prediction to just a local mean across x – okay in middle, but notice that the slopes don’t flatten out at edge of range like we would want</a:t>
+              <a:t>You might as well get in the habit of some kind of robust standard error anyway (remember for DID we cluster)</a:t>
             </a:r>
           </a:p>
         </p:txBody>
@@ -1772,7 +1777,7 @@
     </p:spTree>
     <p:extLst>
       <p:ext uri="{BB962C8B-B14F-4D97-AF65-F5344CB8AC3E}">
-        <p14:creationId xmlns:p14="http://schemas.microsoft.com/office/powerpoint/2010/main" val="3149550532"/>
+        <p14:creationId xmlns:p14="http://schemas.microsoft.com/office/powerpoint/2010/main" val="3264886497"/>
       </p:ext>
     </p:extLst>
   </p:cSld>
@@ -1828,7 +1833,7 @@
           <a:p>
             <a:r>
               <a:rPr lang="en-US" dirty="0"/>
-              <a:t>Suppose that this is the true underlying DGP – probability of outcome needs to be between 0 and 1, will almost surely be continuous (note: how many straight lines fit the criteria that y(0)=0,y(1)=1, linear, and increasing? Only 1!</a:t>
+              <a:t>This is why heteroskedasticity – the residuals (difference between prediction and actual) depend on X because X is only in (0,1). </a:t>
             </a:r>
           </a:p>
         </p:txBody>
@@ -1859,7 +1864,7 @@
     </p:spTree>
     <p:extLst>
       <p:ext uri="{BB962C8B-B14F-4D97-AF65-F5344CB8AC3E}">
-        <p14:creationId xmlns:p14="http://schemas.microsoft.com/office/powerpoint/2010/main" val="1241265574"/>
+        <p14:creationId xmlns:p14="http://schemas.microsoft.com/office/powerpoint/2010/main" val="3212296068"/>
       </p:ext>
     </p:extLst>
   </p:cSld>
@@ -1915,7 +1920,7 @@
           <a:p>
             <a:r>
               <a:rPr lang="en-US" dirty="0"/>
-              <a:t>This is what a linear probability model tries to do (hence, the problems). Note that this also shows the benefits (are we that far off?)</a:t>
+              <a:t>Compare OLS prediction to just a local mean across x – okay in middle, but notice that the slopes don’t flatten out at edge of range like we would want</a:t>
             </a:r>
           </a:p>
         </p:txBody>
@@ -1946,7 +1951,7 @@
     </p:spTree>
     <p:extLst>
       <p:ext uri="{BB962C8B-B14F-4D97-AF65-F5344CB8AC3E}">
-        <p14:creationId xmlns:p14="http://schemas.microsoft.com/office/powerpoint/2010/main" val="3493422258"/>
+        <p14:creationId xmlns:p14="http://schemas.microsoft.com/office/powerpoint/2010/main" val="3149550532"/>
       </p:ext>
     </p:extLst>
   </p:cSld>
@@ -2002,7 +2007,7 @@
           <a:p>
             <a:r>
               <a:rPr lang="en-US" dirty="0"/>
-              <a:t>So what if we transform probabilities? Meh, still funky, but we’re getting closer! </a:t>
+              <a:t>Suppose that this is the true underlying DGP – probability of outcome needs to be between 0 and 1, will almost surely be continuous (note: how many straight lines fit the criteria that y(0)=0,y(1)=1, linear, and increasing? Only 1!</a:t>
             </a:r>
           </a:p>
         </p:txBody>
@@ -2033,7 +2038,7 @@
     </p:spTree>
     <p:extLst>
       <p:ext uri="{BB962C8B-B14F-4D97-AF65-F5344CB8AC3E}">
-        <p14:creationId xmlns:p14="http://schemas.microsoft.com/office/powerpoint/2010/main" val="4074671966"/>
+        <p14:creationId xmlns:p14="http://schemas.microsoft.com/office/powerpoint/2010/main" val="1241265574"/>
       </p:ext>
     </p:extLst>
   </p:cSld>
@@ -2089,7 +2094,7 @@
           <a:p>
             <a:r>
               <a:rPr lang="en-US" dirty="0"/>
-              <a:t>Hey, now we’re getting somewhere! The trick was to transform the data in a specific way so that a (then) linear regression works. </a:t>
+              <a:t>This is what a linear probability model tries to do (hence, the problems). Note that this also shows the benefits (are we that far off?)</a:t>
             </a:r>
           </a:p>
         </p:txBody>
@@ -2120,7 +2125,7 @@
     </p:spTree>
     <p:extLst>
       <p:ext uri="{BB962C8B-B14F-4D97-AF65-F5344CB8AC3E}">
-        <p14:creationId xmlns:p14="http://schemas.microsoft.com/office/powerpoint/2010/main" val="374580238"/>
+        <p14:creationId xmlns:p14="http://schemas.microsoft.com/office/powerpoint/2010/main" val="3493422258"/>
       </p:ext>
     </p:extLst>
   </p:cSld>
@@ -2176,7 +2181,7 @@
           <a:p>
             <a:r>
               <a:rPr lang="en-US" dirty="0"/>
-              <a:t>Nonlinear functions! So we call this GLM (generalized linear models)</a:t>
+              <a:t>So what if we transform probabilities? Meh, still funky, but we’re getting closer! </a:t>
             </a:r>
           </a:p>
         </p:txBody>
@@ -2207,7 +2212,7 @@
     </p:spTree>
     <p:extLst>
       <p:ext uri="{BB962C8B-B14F-4D97-AF65-F5344CB8AC3E}">
-        <p14:creationId xmlns:p14="http://schemas.microsoft.com/office/powerpoint/2010/main" val="125320388"/>
+        <p14:creationId xmlns:p14="http://schemas.microsoft.com/office/powerpoint/2010/main" val="4074671966"/>
       </p:ext>
     </p:extLst>
   </p:cSld>
@@ -2263,7 +2268,7 @@
           <a:p>
             <a:r>
               <a:rPr lang="en-US" dirty="0"/>
-              <a:t>Specifically, a nonlinear “link” function coupled with a linear “index” function. So the index function is the linear (marginal effects) we want, and we wrap them in a transformation to handle the nonlinearity of the prediction. </a:t>
+              <a:t>Hey, now we’re getting somewhere! The trick was to transform the data in a specific way so that a (then) linear regression works. </a:t>
             </a:r>
           </a:p>
         </p:txBody>
@@ -2294,7 +2299,7 @@
     </p:spTree>
     <p:extLst>
       <p:ext uri="{BB962C8B-B14F-4D97-AF65-F5344CB8AC3E}">
-        <p14:creationId xmlns:p14="http://schemas.microsoft.com/office/powerpoint/2010/main" val="3938021874"/>
+        <p14:creationId xmlns:p14="http://schemas.microsoft.com/office/powerpoint/2010/main" val="374580238"/>
       </p:ext>
     </p:extLst>
   </p:cSld>
@@ -2350,7 +2355,7 @@
           <a:p>
             <a:r>
               <a:rPr lang="en-US" dirty="0"/>
-              <a:t>Hit the GEE bit here – there are slight differences but we are definitely covering this. Here, F() is a piecewise function where F(D*)=1 if D*&gt;c, 0 otherwise</a:t>
+              <a:t>Nonlinear functions! So we call this GLM (generalized linear models)</a:t>
             </a:r>
           </a:p>
         </p:txBody>
@@ -2381,7 +2386,7 @@
     </p:spTree>
     <p:extLst>
       <p:ext uri="{BB962C8B-B14F-4D97-AF65-F5344CB8AC3E}">
-        <p14:creationId xmlns:p14="http://schemas.microsoft.com/office/powerpoint/2010/main" val="1852544472"/>
+        <p14:creationId xmlns:p14="http://schemas.microsoft.com/office/powerpoint/2010/main" val="125320388"/>
       </p:ext>
     </p:extLst>
   </p:cSld>
@@ -2435,7 +2440,10 @@
           <a:bodyPr/>
           <a:lstStyle/>
           <a:p>
-            <a:endParaRPr lang="en-US" dirty="0"/>
+            <a:r>
+              <a:rPr lang="en-US" dirty="0"/>
+              <a:t>Specifically, a nonlinear “link” function coupled with a linear “index” function. So the index function is the linear (marginal effects) we want, and we wrap them in a transformation to handle the nonlinearity of the prediction. </a:t>
+            </a:r>
           </a:p>
         </p:txBody>
       </p:sp>
@@ -2465,7 +2473,7 @@
     </p:spTree>
     <p:extLst>
       <p:ext uri="{BB962C8B-B14F-4D97-AF65-F5344CB8AC3E}">
-        <p14:creationId xmlns:p14="http://schemas.microsoft.com/office/powerpoint/2010/main" val="382475667"/>
+        <p14:creationId xmlns:p14="http://schemas.microsoft.com/office/powerpoint/2010/main" val="3938021874"/>
       </p:ext>
     </p:extLst>
   </p:cSld>
@@ -2480,7 +2488,13 @@
   <p:cSld>
     <p:spTree>
       <p:nvGrpSpPr>
-        <p:cNvPr id="1" name=""/>
+        <p:cNvPr id="1" name="">
+          <a:extLst>
+            <a:ext uri="{FF2B5EF4-FFF2-40B4-BE49-F238E27FC236}">
+              <a16:creationId xmlns:a16="http://schemas.microsoft.com/office/drawing/2014/main" id="{F3DC7C6E-8B35-E59D-7510-35BA90F70913}"/>
+            </a:ext>
+          </a:extLst>
+        </p:cNvPr>
         <p:cNvGrpSpPr/>
         <p:nvPr/>
       </p:nvGrpSpPr>
@@ -2494,7 +2508,13 @@
       </p:grpSpPr>
       <p:sp>
         <p:nvSpPr>
-          <p:cNvPr id="2" name="Slide Image Placeholder 1"/>
+          <p:cNvPr id="2" name="Slide Image Placeholder 1">
+            <a:extLst>
+              <a:ext uri="{FF2B5EF4-FFF2-40B4-BE49-F238E27FC236}">
+                <a16:creationId xmlns:a16="http://schemas.microsoft.com/office/drawing/2014/main" id="{A4DA8A05-3B1B-8C35-8D48-EE8466D9DA03}"/>
+              </a:ext>
+            </a:extLst>
+          </p:cNvPr>
           <p:cNvSpPr>
             <a:spLocks noGrp="1" noRot="1" noChangeAspect="1"/>
           </p:cNvSpPr>
@@ -2506,7 +2526,13 @@
       </p:sp>
       <p:sp>
         <p:nvSpPr>
-          <p:cNvPr id="3" name="Notes Placeholder 2"/>
+          <p:cNvPr id="3" name="Notes Placeholder 2">
+            <a:extLst>
+              <a:ext uri="{FF2B5EF4-FFF2-40B4-BE49-F238E27FC236}">
+                <a16:creationId xmlns:a16="http://schemas.microsoft.com/office/drawing/2014/main" id="{1CEAC7BD-A59B-3CFD-B624-BEE5B6EC7979}"/>
+              </a:ext>
+            </a:extLst>
+          </p:cNvPr>
           <p:cNvSpPr>
             <a:spLocks noGrp="1"/>
           </p:cNvSpPr>
@@ -2519,16 +2545,19 @@
           <a:bodyPr/>
           <a:lstStyle/>
           <a:p>
-            <a:r>
-              <a:rPr lang="en-US" dirty="0"/>
-              <a:t>A limited dependent variable is one that is restricted in some way. All of these have important considerations for regression. </a:t>
-            </a:r>
+            <a:endParaRPr lang="en-US" dirty="0"/>
           </a:p>
         </p:txBody>
       </p:sp>
       <p:sp>
         <p:nvSpPr>
-          <p:cNvPr id="4" name="Slide Number Placeholder 3"/>
+          <p:cNvPr id="4" name="Slide Number Placeholder 3">
+            <a:extLst>
+              <a:ext uri="{FF2B5EF4-FFF2-40B4-BE49-F238E27FC236}">
+                <a16:creationId xmlns:a16="http://schemas.microsoft.com/office/drawing/2014/main" id="{226CD589-F905-AA73-02C6-403EAF869B7E}"/>
+              </a:ext>
+            </a:extLst>
+          </p:cNvPr>
           <p:cNvSpPr>
             <a:spLocks noGrp="1"/>
           </p:cNvSpPr>
@@ -2552,7 +2581,7 @@
     </p:spTree>
     <p:extLst>
       <p:ext uri="{BB962C8B-B14F-4D97-AF65-F5344CB8AC3E}">
-        <p14:creationId xmlns:p14="http://schemas.microsoft.com/office/powerpoint/2010/main" val="2055365196"/>
+        <p14:creationId xmlns:p14="http://schemas.microsoft.com/office/powerpoint/2010/main" val="3090770729"/>
       </p:ext>
     </p:extLst>
   </p:cSld>
@@ -2608,7 +2637,7 @@
           <a:p>
             <a:r>
               <a:rPr lang="en-US" dirty="0"/>
-              <a:t>So what link functions can we use?</a:t>
+              <a:t>Hit the GEE bit here – there are slight differences but we are definitely covering this. Here, F() is a piecewise function where F(D*)=1 if D*&gt;c, 0 otherwise</a:t>
             </a:r>
           </a:p>
         </p:txBody>
@@ -2639,7 +2668,7 @@
     </p:spTree>
     <p:extLst>
       <p:ext uri="{BB962C8B-B14F-4D97-AF65-F5344CB8AC3E}">
-        <p14:creationId xmlns:p14="http://schemas.microsoft.com/office/powerpoint/2010/main" val="285855126"/>
+        <p14:creationId xmlns:p14="http://schemas.microsoft.com/office/powerpoint/2010/main" val="1852544472"/>
       </p:ext>
     </p:extLst>
   </p:cSld>
@@ -2723,7 +2752,7 @@
     </p:spTree>
     <p:extLst>
       <p:ext uri="{BB962C8B-B14F-4D97-AF65-F5344CB8AC3E}">
-        <p14:creationId xmlns:p14="http://schemas.microsoft.com/office/powerpoint/2010/main" val="2535863126"/>
+        <p14:creationId xmlns:p14="http://schemas.microsoft.com/office/powerpoint/2010/main" val="382475667"/>
       </p:ext>
     </p:extLst>
   </p:cSld>
@@ -2779,31 +2808,7 @@
           <a:p>
             <a:r>
               <a:rPr lang="en-US" dirty="0"/>
-              <a:t>Where phi is the normal </a:t>
-            </a:r>
-            <a:r>
-              <a:rPr lang="en-US" dirty="0" err="1"/>
-              <a:t>cdf</a:t>
-            </a:r>
-            <a:r>
-              <a:rPr lang="en-US" dirty="0"/>
-              <a:t> for the standard normal (probability that </a:t>
-            </a:r>
-            <a:r>
-              <a:rPr lang="en-US" dirty="0" err="1"/>
-              <a:t>i</a:t>
-            </a:r>
-            <a:r>
-              <a:rPr lang="en-US" dirty="0"/>
-              <a:t> is &lt;= </a:t>
-            </a:r>
-            <a:r>
-              <a:rPr lang="en-US" dirty="0" err="1"/>
-              <a:t>i</a:t>
-            </a:r>
-            <a:r>
-              <a:rPr lang="en-US" dirty="0"/>
-              <a:t>)</a:t>
+              <a:t>So what link functions can we use?</a:t>
             </a:r>
           </a:p>
         </p:txBody>
@@ -2834,7 +2839,7 @@
     </p:spTree>
     <p:extLst>
       <p:ext uri="{BB962C8B-B14F-4D97-AF65-F5344CB8AC3E}">
-        <p14:creationId xmlns:p14="http://schemas.microsoft.com/office/powerpoint/2010/main" val="3319997769"/>
+        <p14:creationId xmlns:p14="http://schemas.microsoft.com/office/powerpoint/2010/main" val="285855126"/>
       </p:ext>
     </p:extLst>
   </p:cSld>
@@ -2888,10 +2893,7 @@
           <a:bodyPr/>
           <a:lstStyle/>
           <a:p>
-            <a:r>
-              <a:rPr lang="en-US" dirty="0"/>
-              <a:t>And F(b_1) isn’t necessarily the same across x</a:t>
-            </a:r>
+            <a:endParaRPr lang="en-US" dirty="0"/>
           </a:p>
         </p:txBody>
       </p:sp>
@@ -2921,7 +2923,7 @@
     </p:spTree>
     <p:extLst>
       <p:ext uri="{BB962C8B-B14F-4D97-AF65-F5344CB8AC3E}">
-        <p14:creationId xmlns:p14="http://schemas.microsoft.com/office/powerpoint/2010/main" val="2544021057"/>
+        <p14:creationId xmlns:p14="http://schemas.microsoft.com/office/powerpoint/2010/main" val="2535863126"/>
       </p:ext>
     </p:extLst>
   </p:cSld>
@@ -2977,7 +2979,31 @@
           <a:p>
             <a:r>
               <a:rPr lang="en-US" dirty="0"/>
-              <a:t>Move this to beginning of another lecture for next time. Link here: https://hadley.github.io/genzplyr/. </a:t>
+              <a:t>Where phi is the normal </a:t>
+            </a:r>
+            <a:r>
+              <a:rPr lang="en-US" dirty="0" err="1"/>
+              <a:t>cdf</a:t>
+            </a:r>
+            <a:r>
+              <a:rPr lang="en-US" dirty="0"/>
+              <a:t> for the standard normal (probability that </a:t>
+            </a:r>
+            <a:r>
+              <a:rPr lang="en-US" dirty="0" err="1"/>
+              <a:t>i</a:t>
+            </a:r>
+            <a:r>
+              <a:rPr lang="en-US" dirty="0"/>
+              <a:t> is &lt;= </a:t>
+            </a:r>
+            <a:r>
+              <a:rPr lang="en-US" dirty="0" err="1"/>
+              <a:t>i</a:t>
+            </a:r>
+            <a:r>
+              <a:rPr lang="en-US" dirty="0"/>
+              <a:t>)</a:t>
             </a:r>
           </a:p>
         </p:txBody>
@@ -2999,7 +3025,7 @@
           <a:p>
             <a:fld id="{4AF79E1B-2C51-4B9B-8EA4-26DE9E345AFF}" type="slidenum">
               <a:rPr lang="en-US" smtClean="0"/>
-              <a:t>37</a:t>
+              <a:t>36</a:t>
             </a:fld>
             <a:endParaRPr lang="en-US"/>
           </a:p>
@@ -3008,7 +3034,7 @@
     </p:spTree>
     <p:extLst>
       <p:ext uri="{BB962C8B-B14F-4D97-AF65-F5344CB8AC3E}">
-        <p14:creationId xmlns:p14="http://schemas.microsoft.com/office/powerpoint/2010/main" val="1461889382"/>
+        <p14:creationId xmlns:p14="http://schemas.microsoft.com/office/powerpoint/2010/main" val="3319997769"/>
       </p:ext>
     </p:extLst>
   </p:cSld>
@@ -3023,13 +3049,7 @@
   <p:cSld>
     <p:spTree>
       <p:nvGrpSpPr>
-        <p:cNvPr id="1" name="">
-          <a:extLst>
-            <a:ext uri="{FF2B5EF4-FFF2-40B4-BE49-F238E27FC236}">
-              <a16:creationId xmlns:a16="http://schemas.microsoft.com/office/drawing/2014/main" id="{F3DC7C6E-8B35-E59D-7510-35BA90F70913}"/>
-            </a:ext>
-          </a:extLst>
-        </p:cNvPr>
+        <p:cNvPr id="1" name=""/>
         <p:cNvGrpSpPr/>
         <p:nvPr/>
       </p:nvGrpSpPr>
@@ -3043,13 +3063,7 @@
       </p:grpSpPr>
       <p:sp>
         <p:nvSpPr>
-          <p:cNvPr id="2" name="Slide Image Placeholder 1">
-            <a:extLst>
-              <a:ext uri="{FF2B5EF4-FFF2-40B4-BE49-F238E27FC236}">
-                <a16:creationId xmlns:a16="http://schemas.microsoft.com/office/drawing/2014/main" id="{A4DA8A05-3B1B-8C35-8D48-EE8466D9DA03}"/>
-              </a:ext>
-            </a:extLst>
-          </p:cNvPr>
+          <p:cNvPr id="2" name="Slide Image Placeholder 1"/>
           <p:cNvSpPr>
             <a:spLocks noGrp="1" noRot="1" noChangeAspect="1"/>
           </p:cNvSpPr>
@@ -3061,13 +3075,7 @@
       </p:sp>
       <p:sp>
         <p:nvSpPr>
-          <p:cNvPr id="3" name="Notes Placeholder 2">
-            <a:extLst>
-              <a:ext uri="{FF2B5EF4-FFF2-40B4-BE49-F238E27FC236}">
-                <a16:creationId xmlns:a16="http://schemas.microsoft.com/office/drawing/2014/main" id="{1CEAC7BD-A59B-3CFD-B624-BEE5B6EC7979}"/>
-              </a:ext>
-            </a:extLst>
-          </p:cNvPr>
+          <p:cNvPr id="3" name="Notes Placeholder 2"/>
           <p:cNvSpPr>
             <a:spLocks noGrp="1"/>
           </p:cNvSpPr>
@@ -3080,19 +3088,16 @@
           <a:bodyPr/>
           <a:lstStyle/>
           <a:p>
-            <a:endParaRPr lang="en-US" dirty="0"/>
+            <a:r>
+              <a:rPr lang="en-US" dirty="0"/>
+              <a:t>And F(b_1) isn’t necessarily the same across x</a:t>
+            </a:r>
           </a:p>
         </p:txBody>
       </p:sp>
       <p:sp>
         <p:nvSpPr>
-          <p:cNvPr id="4" name="Slide Number Placeholder 3">
-            <a:extLst>
-              <a:ext uri="{FF2B5EF4-FFF2-40B4-BE49-F238E27FC236}">
-                <a16:creationId xmlns:a16="http://schemas.microsoft.com/office/drawing/2014/main" id="{226CD589-F905-AA73-02C6-403EAF869B7E}"/>
-              </a:ext>
-            </a:extLst>
-          </p:cNvPr>
+          <p:cNvPr id="4" name="Slide Number Placeholder 3"/>
           <p:cNvSpPr>
             <a:spLocks noGrp="1"/>
           </p:cNvSpPr>
@@ -3107,7 +3112,7 @@
           <a:p>
             <a:fld id="{4AF79E1B-2C51-4B9B-8EA4-26DE9E345AFF}" type="slidenum">
               <a:rPr lang="en-US" smtClean="0"/>
-              <a:t>38</a:t>
+              <a:t>37</a:t>
             </a:fld>
             <a:endParaRPr lang="en-US"/>
           </a:p>
@@ -3116,7 +3121,7 @@
     </p:spTree>
     <p:extLst>
       <p:ext uri="{BB962C8B-B14F-4D97-AF65-F5344CB8AC3E}">
-        <p14:creationId xmlns:p14="http://schemas.microsoft.com/office/powerpoint/2010/main" val="1160997302"/>
+        <p14:creationId xmlns:p14="http://schemas.microsoft.com/office/powerpoint/2010/main" val="2544021057"/>
       </p:ext>
     </p:extLst>
   </p:cSld>
@@ -3537,8 +3542,11 @@
           <a:lstStyle/>
           <a:p>
             <a:r>
-              <a:rPr lang="en-US" dirty="0"/>
-              <a:t>A limited dependent variable is one that is restricted in some way. All of these have important considerations for regression. </a:t>
+              <a:rPr lang="en-US" dirty="0">
+                <a:ea typeface="Calibri"/>
+                <a:cs typeface="Calibri"/>
+              </a:rPr>
+              <a:t>Call these limited dependent varaibles </a:t>
             </a:r>
           </a:p>
         </p:txBody>
@@ -3558,7 +3566,7 @@
           <a:bodyPr/>
           <a:lstStyle/>
           <a:p>
-            <a:fld id="{4AF79E1B-2C51-4B9B-8EA4-26DE9E345AFF}" type="slidenum">
+            <a:fld id="{3298C5B2-5D6B-2949-9D6C-64FEDA8AB56A}" type="slidenum">
               <a:rPr lang="en-US" smtClean="0"/>
               <a:t>4</a:t>
             </a:fld>
@@ -3569,7 +3577,7 @@
     </p:spTree>
     <p:extLst>
       <p:ext uri="{BB962C8B-B14F-4D97-AF65-F5344CB8AC3E}">
-        <p14:creationId xmlns:p14="http://schemas.microsoft.com/office/powerpoint/2010/main" val="3771879557"/>
+        <p14:creationId xmlns:p14="http://schemas.microsoft.com/office/powerpoint/2010/main" val="1213885927"/>
       </p:ext>
     </p:extLst>
   </p:cSld>
@@ -4615,7 +4623,7 @@
     </p:spTree>
     <p:extLst>
       <p:ext uri="{BB962C8B-B14F-4D97-AF65-F5344CB8AC3E}">
-        <p14:creationId xmlns:p14="http://schemas.microsoft.com/office/powerpoint/2010/main" val="3034532639"/>
+        <p14:creationId xmlns:p14="http://schemas.microsoft.com/office/powerpoint/2010/main" val="2055365196"/>
       </p:ext>
     </p:extLst>
   </p:cSld>
@@ -5616,7 +5624,7 @@
     </p:spTree>
     <p:extLst>
       <p:ext uri="{BB962C8B-B14F-4D97-AF65-F5344CB8AC3E}">
-        <p14:creationId xmlns:p14="http://schemas.microsoft.com/office/powerpoint/2010/main" val="2979269774"/>
+        <p14:creationId xmlns:p14="http://schemas.microsoft.com/office/powerpoint/2010/main" val="3771879557"/>
       </p:ext>
     </p:extLst>
   </p:cSld>
@@ -6585,7 +6593,7 @@
     </p:spTree>
     <p:extLst>
       <p:ext uri="{BB962C8B-B14F-4D97-AF65-F5344CB8AC3E}">
-        <p14:creationId xmlns:p14="http://schemas.microsoft.com/office/powerpoint/2010/main" val="278335146"/>
+        <p14:creationId xmlns:p14="http://schemas.microsoft.com/office/powerpoint/2010/main" val="3034532639"/>
       </p:ext>
     </p:extLst>
   </p:cSld>
@@ -6728,15 +6736,7 @@
           <a:p>
             <a:r>
               <a:rPr lang="en-US" dirty="0"/>
-              <a:t>Focusing only on just logit/probit for today, as this lays the ground work </a:t>
-            </a:r>
-            <a:r>
-              <a:rPr lang="en-US"/>
-              <a:t>for the rest </a:t>
-            </a:r>
-            <a:r>
-              <a:rPr lang="en-US" dirty="0"/>
-              <a:t>of them. (can include more in next lecture if you want?). Also have appendix material on an extension of ordered that highlights choices between competing options. </a:t>
+              <a:t>A limited dependent variable is one that is restricted in some way. All of these have important considerations for regression. </a:t>
             </a:r>
           </a:p>
         </p:txBody>
@@ -6767,7 +6767,7 @@
     </p:spTree>
     <p:extLst>
       <p:ext uri="{BB962C8B-B14F-4D97-AF65-F5344CB8AC3E}">
-        <p14:creationId xmlns:p14="http://schemas.microsoft.com/office/powerpoint/2010/main" val="765826619"/>
+        <p14:creationId xmlns:p14="http://schemas.microsoft.com/office/powerpoint/2010/main" val="2979269774"/>
       </p:ext>
     </p:extLst>
   </p:cSld>
@@ -6823,7 +6823,7 @@
           <a:p>
             <a:r>
               <a:rPr lang="en-US" dirty="0"/>
-              <a:t>Peer effects could be very powerful to the extent that they generate a “social multiplier” effect </a:t>
+              <a:t>A limited dependent variable is one that is restricted in some way. All of these have important considerations for regression. </a:t>
             </a:r>
           </a:p>
         </p:txBody>
@@ -6845,7 +6845,7 @@
           <a:p>
             <a:fld id="{4AF79E1B-2C51-4B9B-8EA4-26DE9E345AFF}" type="slidenum">
               <a:rPr lang="en-US" smtClean="0"/>
-              <a:t>10</a:t>
+              <a:t>9</a:t>
             </a:fld>
             <a:endParaRPr lang="en-US"/>
           </a:p>
@@ -6854,7 +6854,7 @@
     </p:spTree>
     <p:extLst>
       <p:ext uri="{BB962C8B-B14F-4D97-AF65-F5344CB8AC3E}">
-        <p14:creationId xmlns:p14="http://schemas.microsoft.com/office/powerpoint/2010/main" val="3336318063"/>
+        <p14:creationId xmlns:p14="http://schemas.microsoft.com/office/powerpoint/2010/main" val="278335146"/>
       </p:ext>
     </p:extLst>
   </p:cSld>
@@ -7033,7 +7033,7 @@
             <a:fld id="{0972D05C-DCFB-4BB6-B49C-AC126BF3ED2C}" type="datetimeFigureOut">
               <a:rPr lang="en-US" smtClean="0"/>
               <a:pPr/>
-              <a:t>11/21/2025</a:t>
+              <a:t>11/24/2025</a:t>
             </a:fld>
             <a:endParaRPr lang="en-US"/>
           </a:p>
@@ -7270,7 +7270,7 @@
             <a:fld id="{0972D05C-DCFB-4BB6-B49C-AC126BF3ED2C}" type="datetimeFigureOut">
               <a:rPr lang="en-US" smtClean="0"/>
               <a:pPr/>
-              <a:t>11/21/2025</a:t>
+              <a:t>11/24/2025</a:t>
             </a:fld>
             <a:endParaRPr lang="en-US"/>
           </a:p>
@@ -7452,7 +7452,7 @@
             <a:fld id="{0972D05C-DCFB-4BB6-B49C-AC126BF3ED2C}" type="datetimeFigureOut">
               <a:rPr lang="en-US" smtClean="0"/>
               <a:pPr/>
-              <a:t>11/21/2025</a:t>
+              <a:t>11/24/2025</a:t>
             </a:fld>
             <a:endParaRPr lang="en-US"/>
           </a:p>
@@ -7624,7 +7624,7 @@
             <a:fld id="{0972D05C-DCFB-4BB6-B49C-AC126BF3ED2C}" type="datetimeFigureOut">
               <a:rPr lang="en-US" smtClean="0"/>
               <a:pPr/>
-              <a:t>11/21/2025</a:t>
+              <a:t>11/24/2025</a:t>
             </a:fld>
             <a:endParaRPr lang="en-US"/>
           </a:p>
@@ -7880,7 +7880,7 @@
             <a:fld id="{0972D05C-DCFB-4BB6-B49C-AC126BF3ED2C}" type="datetimeFigureOut">
               <a:rPr lang="en-US" smtClean="0"/>
               <a:pPr/>
-              <a:t>11/21/2025</a:t>
+              <a:t>11/24/2025</a:t>
             </a:fld>
             <a:endParaRPr lang="en-US"/>
           </a:p>
@@ -8208,7 +8208,7 @@
             <a:fld id="{0972D05C-DCFB-4BB6-B49C-AC126BF3ED2C}" type="datetimeFigureOut">
               <a:rPr lang="en-US" smtClean="0"/>
               <a:pPr/>
-              <a:t>11/21/2025</a:t>
+              <a:t>11/24/2025</a:t>
             </a:fld>
             <a:endParaRPr lang="en-US"/>
           </a:p>
@@ -8661,7 +8661,7 @@
             <a:fld id="{0972D05C-DCFB-4BB6-B49C-AC126BF3ED2C}" type="datetimeFigureOut">
               <a:rPr lang="en-US" smtClean="0"/>
               <a:pPr/>
-              <a:t>11/21/2025</a:t>
+              <a:t>11/24/2025</a:t>
             </a:fld>
             <a:endParaRPr lang="en-US"/>
           </a:p>
@@ -8781,7 +8781,7 @@
             <a:fld id="{0972D05C-DCFB-4BB6-B49C-AC126BF3ED2C}" type="datetimeFigureOut">
               <a:rPr lang="en-US" smtClean="0"/>
               <a:pPr/>
-              <a:t>11/21/2025</a:t>
+              <a:t>11/24/2025</a:t>
             </a:fld>
             <a:endParaRPr lang="en-US"/>
           </a:p>
@@ -8878,7 +8878,7 @@
             <a:fld id="{0972D05C-DCFB-4BB6-B49C-AC126BF3ED2C}" type="datetimeFigureOut">
               <a:rPr lang="en-US" smtClean="0"/>
               <a:pPr/>
-              <a:t>11/21/2025</a:t>
+              <a:t>11/24/2025</a:t>
             </a:fld>
             <a:endParaRPr lang="en-US"/>
           </a:p>
@@ -9167,7 +9167,7 @@
             <a:fld id="{0972D05C-DCFB-4BB6-B49C-AC126BF3ED2C}" type="datetimeFigureOut">
               <a:rPr lang="en-US" smtClean="0"/>
               <a:pPr/>
-              <a:t>11/21/2025</a:t>
+              <a:t>11/24/2025</a:t>
             </a:fld>
             <a:endParaRPr lang="en-US"/>
           </a:p>
@@ -9491,7 +9491,7 @@
             <a:fld id="{0972D05C-DCFB-4BB6-B49C-AC126BF3ED2C}" type="datetimeFigureOut">
               <a:rPr lang="en-US" smtClean="0"/>
               <a:pPr/>
-              <a:t>11/21/2025</a:t>
+              <a:t>11/24/2025</a:t>
             </a:fld>
             <a:endParaRPr lang="en-US"/>
           </a:p>
@@ -9753,7 +9753,7 @@
             <a:fld id="{0972D05C-DCFB-4BB6-B49C-AC126BF3ED2C}" type="datetimeFigureOut">
               <a:rPr lang="en-US" smtClean="0"/>
               <a:pPr/>
-              <a:t>11/21/2025</a:t>
+              <a:t>11/24/2025</a:t>
             </a:fld>
             <a:endParaRPr lang="en-US" dirty="0"/>
           </a:p>
@@ -10386,6 +10386,560 @@
               <a:rPr lang="en-US" sz="3600" dirty="0">
                 <a:cs typeface="Times New Roman" panose="02020603050405020304" pitchFamily="18" charset="0"/>
               </a:rPr>
+              <a:t>Examples of Limited Dependent Variables</a:t>
+            </a:r>
+            <a:endParaRPr lang="en-US" sz="3600" dirty="0">
+              <a:latin typeface="Times New Roman" panose="02020603050405020304" pitchFamily="18" charset="0"/>
+              <a:cs typeface="Times New Roman" panose="02020603050405020304" pitchFamily="18" charset="0"/>
+            </a:endParaRPr>
+          </a:p>
+        </p:txBody>
+      </p:sp>
+      <mc:AlternateContent xmlns:mc="http://schemas.openxmlformats.org/markup-compatibility/2006" xmlns:a14="http://schemas.microsoft.com/office/drawing/2010/main">
+        <mc:Choice Requires="a14">
+          <p:sp>
+            <p:nvSpPr>
+              <p:cNvPr id="3" name="Content Placeholder 2"/>
+              <p:cNvSpPr>
+                <a:spLocks noGrp="1"/>
+              </p:cNvSpPr>
+              <p:nvPr>
+                <p:ph idx="1"/>
+              </p:nvPr>
+            </p:nvSpPr>
+            <p:spPr>
+              <a:xfrm>
+                <a:off x="1219199" y="1066801"/>
+                <a:ext cx="9405791" cy="5141388"/>
+              </a:xfrm>
+            </p:spPr>
+            <p:txBody>
+              <a:bodyPr>
+                <a:noAutofit/>
+              </a:bodyPr>
+              <a:lstStyle/>
+              <a:p>
+                <a:r>
+                  <a:rPr lang="en-US" sz="2400" b="1" dirty="0">
+                    <a:solidFill>
+                      <a:srgbClr val="FF0000"/>
+                    </a:solidFill>
+                    <a:cs typeface="Times New Roman" panose="02020603050405020304" pitchFamily="18" charset="0"/>
+                  </a:rPr>
+                  <a:t>Binary</a:t>
+                </a:r>
+                <a:r>
+                  <a:rPr lang="en-US" sz="2400" dirty="0">
+                    <a:cs typeface="Times New Roman" panose="02020603050405020304" pitchFamily="18" charset="0"/>
+                  </a:rPr>
+                  <a:t>: Whether or not someone receives a treatment</a:t>
+                </a:r>
+              </a:p>
+              <a:p>
+                <a:r>
+                  <a:rPr lang="en-US" sz="2400" b="1" dirty="0">
+                    <a:solidFill>
+                      <a:srgbClr val="FF0000"/>
+                    </a:solidFill>
+                    <a:cs typeface="Times New Roman" panose="02020603050405020304" pitchFamily="18" charset="0"/>
+                  </a:rPr>
+                  <a:t>Ordered</a:t>
+                </a:r>
+                <a:r>
+                  <a:rPr lang="en-US" sz="2400" dirty="0">
+                    <a:cs typeface="Times New Roman" panose="02020603050405020304" pitchFamily="18" charset="0"/>
+                  </a:rPr>
+                  <a:t>: Number of prenatal visits during a pregnancy</a:t>
+                </a:r>
+              </a:p>
+              <a:p>
+                <a:r>
+                  <a:rPr lang="en-US" sz="2400" b="1" dirty="0">
+                    <a:cs typeface="Times New Roman" panose="02020603050405020304" pitchFamily="18" charset="0"/>
+                  </a:rPr>
+                  <a:t>Censored</a:t>
+                </a:r>
+                <a:r>
+                  <a:rPr lang="en-US" sz="2400" dirty="0">
+                    <a:cs typeface="Times New Roman" panose="02020603050405020304" pitchFamily="18" charset="0"/>
+                  </a:rPr>
+                  <a:t>: Income data is observed only in a certain range</a:t>
+                </a:r>
+              </a:p>
+              <a:p>
+                <a:r>
+                  <a:rPr lang="en-US" sz="2400" b="1" dirty="0">
+                    <a:cs typeface="Times New Roman" panose="02020603050405020304" pitchFamily="18" charset="0"/>
+                  </a:rPr>
+                  <a:t>Truncated</a:t>
+                </a:r>
+                <a:r>
+                  <a:rPr lang="en-US" sz="2400" dirty="0">
+                    <a:cs typeface="Times New Roman" panose="02020603050405020304" pitchFamily="18" charset="0"/>
+                  </a:rPr>
+                  <a:t>: Data has a “hard limit” at a certain value</a:t>
+                </a:r>
+              </a:p>
+              <a:p>
+                <a:pPr lvl="1"/>
+                <a:r>
+                  <a:rPr lang="en-US" sz="2400" dirty="0">
+                    <a:cs typeface="Times New Roman" panose="02020603050405020304" pitchFamily="18" charset="0"/>
+                  </a:rPr>
+                  <a:t>Can be natural (no negative income) or imposed (top-coded spending)</a:t>
+                </a:r>
+              </a:p>
+              <a:p>
+                <a:r>
+                  <a:rPr lang="en-US" sz="2400" b="1" dirty="0">
+                    <a:cs typeface="Times New Roman" panose="02020603050405020304" pitchFamily="18" charset="0"/>
+                  </a:rPr>
+                  <a:t>Selection</a:t>
+                </a:r>
+                <a:r>
+                  <a:rPr lang="en-US" sz="2400" dirty="0">
+                    <a:cs typeface="Times New Roman" panose="02020603050405020304" pitchFamily="18" charset="0"/>
+                  </a:rPr>
+                  <a:t>: Outcome is observed only if a condition is met</a:t>
+                </a:r>
+              </a:p>
+              <a:p>
+                <a:pPr lvl="1"/>
+                <a:r>
+                  <a:rPr lang="en-US" sz="2400" dirty="0">
+                    <a:cs typeface="Times New Roman" panose="02020603050405020304" pitchFamily="18" charset="0"/>
+                  </a:rPr>
+                  <a:t>Example: diabetes risk observed only if a patient comes in</a:t>
+                </a:r>
+              </a:p>
+              <a:p>
+                <a:pPr marL="274320" lvl="1" indent="0">
+                  <a:buNone/>
+                </a:pPr>
+                <a14:m>
+                  <m:oMathPara xmlns:m="http://schemas.openxmlformats.org/officeDocument/2006/math">
+                    <m:oMathParaPr>
+                      <m:jc m:val="centerGroup"/>
+                    </m:oMathParaPr>
+                    <m:oMath xmlns:m="http://schemas.openxmlformats.org/officeDocument/2006/math">
+                      <m:r>
+                        <a:rPr lang="en-US" sz="2400" b="0" i="1" smtClean="0">
+                          <a:latin typeface="Cambria Math" panose="02040503050406030204" pitchFamily="18" charset="0"/>
+                          <a:cs typeface="Times New Roman" panose="02020603050405020304" pitchFamily="18" charset="0"/>
+                        </a:rPr>
+                        <m:t>𝑌</m:t>
+                      </m:r>
+                      <m:r>
+                        <a:rPr lang="en-US" sz="2400" b="0" i="1" smtClean="0">
+                          <a:latin typeface="Cambria Math" panose="02040503050406030204" pitchFamily="18" charset="0"/>
+                          <a:cs typeface="Times New Roman" panose="02020603050405020304" pitchFamily="18" charset="0"/>
+                        </a:rPr>
+                        <m:t>= </m:t>
+                      </m:r>
+                      <m:d>
+                        <m:dPr>
+                          <m:begChr m:val="{"/>
+                          <m:endChr m:val=""/>
+                          <m:ctrlPr>
+                            <a:rPr lang="en-US" sz="2400" b="0" i="1" smtClean="0">
+                              <a:latin typeface="Cambria Math" panose="02040503050406030204" pitchFamily="18" charset="0"/>
+                              <a:cs typeface="Times New Roman" panose="02020603050405020304" pitchFamily="18" charset="0"/>
+                            </a:rPr>
+                          </m:ctrlPr>
+                        </m:dPr>
+                        <m:e>
+                          <m:eqArr>
+                            <m:eqArrPr>
+                              <m:ctrlPr>
+                                <a:rPr lang="en-US" sz="2400" b="0" i="1" smtClean="0">
+                                  <a:latin typeface="Cambria Math" panose="02040503050406030204" pitchFamily="18" charset="0"/>
+                                  <a:cs typeface="Times New Roman" panose="02020603050405020304" pitchFamily="18" charset="0"/>
+                                </a:rPr>
+                              </m:ctrlPr>
+                            </m:eqArrPr>
+                            <m:e>
+                              <m:sSub>
+                                <m:sSubPr>
+                                  <m:ctrlPr>
+                                    <a:rPr lang="en-US" sz="2400" b="0" i="1" smtClean="0">
+                                      <a:latin typeface="Cambria Math" panose="02040503050406030204" pitchFamily="18" charset="0"/>
+                                      <a:cs typeface="Times New Roman" panose="02020603050405020304" pitchFamily="18" charset="0"/>
+                                    </a:rPr>
+                                  </m:ctrlPr>
+                                </m:sSubPr>
+                                <m:e>
+                                  <m:r>
+                                    <a:rPr lang="en-US" sz="2400" b="0" i="1" smtClean="0">
+                                      <a:latin typeface="Cambria Math" panose="02040503050406030204" pitchFamily="18" charset="0"/>
+                                      <a:cs typeface="Times New Roman" panose="02020603050405020304" pitchFamily="18" charset="0"/>
+                                    </a:rPr>
+                                    <m:t>𝑦</m:t>
+                                  </m:r>
+                                </m:e>
+                                <m:sub>
+                                  <m:r>
+                                    <a:rPr lang="en-US" sz="2400" b="0" i="1" smtClean="0">
+                                      <a:latin typeface="Cambria Math" panose="02040503050406030204" pitchFamily="18" charset="0"/>
+                                      <a:cs typeface="Times New Roman" panose="02020603050405020304" pitchFamily="18" charset="0"/>
+                                    </a:rPr>
+                                    <m:t>𝑖</m:t>
+                                  </m:r>
+                                  <m:r>
+                                    <a:rPr lang="en-US" sz="2400" b="0" i="1" smtClean="0">
+                                      <a:latin typeface="Cambria Math" panose="02040503050406030204" pitchFamily="18" charset="0"/>
+                                      <a:cs typeface="Times New Roman" panose="02020603050405020304" pitchFamily="18" charset="0"/>
+                                    </a:rPr>
+                                    <m:t> </m:t>
+                                  </m:r>
+                                </m:sub>
+                              </m:sSub>
+                              <m:r>
+                                <a:rPr lang="en-US" sz="2400" b="0" i="1" smtClean="0">
+                                  <a:latin typeface="Cambria Math" panose="02040503050406030204" pitchFamily="18" charset="0"/>
+                                  <a:cs typeface="Times New Roman" panose="02020603050405020304" pitchFamily="18" charset="0"/>
+                                </a:rPr>
+                                <m:t>𝑖𝑓</m:t>
+                              </m:r>
+                              <m:r>
+                                <a:rPr lang="en-US" sz="2400" b="0" i="1" smtClean="0">
+                                  <a:latin typeface="Cambria Math" panose="02040503050406030204" pitchFamily="18" charset="0"/>
+                                  <a:cs typeface="Times New Roman" panose="02020603050405020304" pitchFamily="18" charset="0"/>
+                                </a:rPr>
+                                <m:t> </m:t>
+                              </m:r>
+                              <m:sSub>
+                                <m:sSubPr>
+                                  <m:ctrlPr>
+                                    <a:rPr lang="en-US" sz="2400" b="0" i="1" smtClean="0">
+                                      <a:latin typeface="Cambria Math" panose="02040503050406030204" pitchFamily="18" charset="0"/>
+                                      <a:cs typeface="Times New Roman" panose="02020603050405020304" pitchFamily="18" charset="0"/>
+                                    </a:rPr>
+                                  </m:ctrlPr>
+                                </m:sSubPr>
+                                <m:e>
+                                  <m:r>
+                                    <a:rPr lang="en-US" sz="2400" b="0" i="1" smtClean="0">
+                                      <a:latin typeface="Cambria Math" panose="02040503050406030204" pitchFamily="18" charset="0"/>
+                                      <a:cs typeface="Times New Roman" panose="02020603050405020304" pitchFamily="18" charset="0"/>
+                                    </a:rPr>
+                                    <m:t>𝑥</m:t>
+                                  </m:r>
+                                </m:e>
+                                <m:sub>
+                                  <m:r>
+                                    <a:rPr lang="en-US" sz="2400" b="0" i="1" smtClean="0">
+                                      <a:latin typeface="Cambria Math" panose="02040503050406030204" pitchFamily="18" charset="0"/>
+                                      <a:cs typeface="Times New Roman" panose="02020603050405020304" pitchFamily="18" charset="0"/>
+                                    </a:rPr>
+                                    <m:t>𝑖</m:t>
+                                  </m:r>
+                                </m:sub>
+                              </m:sSub>
+                              <m:r>
+                                <a:rPr lang="en-US" sz="2400" b="0" i="1" smtClean="0">
+                                  <a:latin typeface="Cambria Math" panose="02040503050406030204" pitchFamily="18" charset="0"/>
+                                  <a:cs typeface="Times New Roman" panose="02020603050405020304" pitchFamily="18" charset="0"/>
+                                </a:rPr>
+                                <m:t>=1</m:t>
+                              </m:r>
+                            </m:e>
+                            <m:e>
+                              <m:r>
+                                <a:rPr lang="en-US" sz="2400" b="0" i="1" smtClean="0">
+                                  <a:latin typeface="Cambria Math" panose="02040503050406030204" pitchFamily="18" charset="0"/>
+                                  <a:cs typeface="Times New Roman" panose="02020603050405020304" pitchFamily="18" charset="0"/>
+                                </a:rPr>
+                                <m:t>0 </m:t>
+                              </m:r>
+                              <m:r>
+                                <a:rPr lang="en-US" sz="2400" b="0" i="1" smtClean="0">
+                                  <a:latin typeface="Cambria Math" panose="02040503050406030204" pitchFamily="18" charset="0"/>
+                                  <a:cs typeface="Times New Roman" panose="02020603050405020304" pitchFamily="18" charset="0"/>
+                                </a:rPr>
+                                <m:t>𝑖𝑓</m:t>
+                              </m:r>
+                              <m:r>
+                                <a:rPr lang="en-US" sz="2400" b="0" i="1" smtClean="0">
+                                  <a:latin typeface="Cambria Math" panose="02040503050406030204" pitchFamily="18" charset="0"/>
+                                  <a:cs typeface="Times New Roman" panose="02020603050405020304" pitchFamily="18" charset="0"/>
+                                </a:rPr>
+                                <m:t> </m:t>
+                              </m:r>
+                              <m:sSub>
+                                <m:sSubPr>
+                                  <m:ctrlPr>
+                                    <a:rPr lang="en-US" sz="2400" b="0" i="1" smtClean="0">
+                                      <a:latin typeface="Cambria Math" panose="02040503050406030204" pitchFamily="18" charset="0"/>
+                                      <a:cs typeface="Times New Roman" panose="02020603050405020304" pitchFamily="18" charset="0"/>
+                                    </a:rPr>
+                                  </m:ctrlPr>
+                                </m:sSubPr>
+                                <m:e>
+                                  <m:r>
+                                    <a:rPr lang="en-US" sz="2400" b="0" i="1" smtClean="0">
+                                      <a:latin typeface="Cambria Math" panose="02040503050406030204" pitchFamily="18" charset="0"/>
+                                      <a:cs typeface="Times New Roman" panose="02020603050405020304" pitchFamily="18" charset="0"/>
+                                    </a:rPr>
+                                    <m:t>𝑥</m:t>
+                                  </m:r>
+                                </m:e>
+                                <m:sub>
+                                  <m:r>
+                                    <a:rPr lang="en-US" sz="2400" b="0" i="1" smtClean="0">
+                                      <a:latin typeface="Cambria Math" panose="02040503050406030204" pitchFamily="18" charset="0"/>
+                                      <a:cs typeface="Times New Roman" panose="02020603050405020304" pitchFamily="18" charset="0"/>
+                                    </a:rPr>
+                                    <m:t>𝑖</m:t>
+                                  </m:r>
+                                </m:sub>
+                              </m:sSub>
+                              <m:r>
+                                <a:rPr lang="en-US" sz="2400" b="0" i="1" smtClean="0">
+                                  <a:latin typeface="Cambria Math" panose="02040503050406030204" pitchFamily="18" charset="0"/>
+                                  <a:cs typeface="Times New Roman" panose="02020603050405020304" pitchFamily="18" charset="0"/>
+                                </a:rPr>
+                                <m:t>=0</m:t>
+                              </m:r>
+                            </m:e>
+                          </m:eqArr>
+                        </m:e>
+                      </m:d>
+                    </m:oMath>
+                  </m:oMathPara>
+                </a14:m>
+                <a:endParaRPr lang="en-US" sz="2400" dirty="0">
+                  <a:cs typeface="Times New Roman" panose="02020603050405020304" pitchFamily="18" charset="0"/>
+                </a:endParaRPr>
+              </a:p>
+              <a:p>
+                <a:pPr marL="274320" lvl="1" indent="0">
+                  <a:buNone/>
+                </a:pPr>
+                <a:r>
+                  <a:rPr lang="en-US" sz="2400" dirty="0">
+                    <a:cs typeface="Times New Roman" panose="02020603050405020304" pitchFamily="18" charset="0"/>
+                  </a:rPr>
+                  <a:t>A handy resource: </a:t>
+                </a:r>
+                <a:r>
+                  <a:rPr lang="en-US" sz="2400" dirty="0">
+                    <a:cs typeface="Times New Roman" panose="02020603050405020304" pitchFamily="18" charset="0"/>
+                    <a:hlinkClick r:id="rId3"/>
+                  </a:rPr>
+                  <a:t>https://bookdown.org/sarahwerth2024/CategoricalBook/multinomial-logit-regression-r.html#running-a-mlr-in-r</a:t>
+                </a:r>
+                <a:r>
+                  <a:rPr lang="en-US" sz="2400" dirty="0">
+                    <a:cs typeface="Times New Roman" panose="02020603050405020304" pitchFamily="18" charset="0"/>
+                  </a:rPr>
+                  <a:t> </a:t>
+                </a:r>
+              </a:p>
+            </p:txBody>
+          </p:sp>
+        </mc:Choice>
+        <mc:Fallback xmlns="">
+          <p:sp>
+            <p:nvSpPr>
+              <p:cNvPr id="3" name="Content Placeholder 2"/>
+              <p:cNvSpPr>
+                <a:spLocks noGrp="1" noRot="1" noChangeAspect="1" noMove="1" noResize="1" noEditPoints="1" noAdjustHandles="1" noChangeArrowheads="1" noChangeShapeType="1" noTextEdit="1"/>
+              </p:cNvSpPr>
+              <p:nvPr>
+                <p:ph idx="1"/>
+              </p:nvPr>
+            </p:nvSpPr>
+            <p:spPr>
+              <a:xfrm>
+                <a:off x="1219199" y="1066801"/>
+                <a:ext cx="9405791" cy="5141388"/>
+              </a:xfrm>
+              <a:blipFill>
+                <a:blip r:embed="rId4"/>
+                <a:stretch>
+                  <a:fillRect l="-454" t="-1305" b="-5457"/>
+                </a:stretch>
+              </a:blipFill>
+            </p:spPr>
+            <p:txBody>
+              <a:bodyPr/>
+              <a:lstStyle/>
+              <a:p>
+                <a:r>
+                  <a:rPr lang="en-CA">
+                    <a:noFill/>
+                  </a:rPr>
+                  <a:t> </a:t>
+                </a:r>
+              </a:p>
+            </p:txBody>
+          </p:sp>
+        </mc:Fallback>
+      </mc:AlternateContent>
+    </p:spTree>
+    <p:extLst>
+      <p:ext uri="{BB962C8B-B14F-4D97-AF65-F5344CB8AC3E}">
+        <p14:creationId xmlns:p14="http://schemas.microsoft.com/office/powerpoint/2010/main" val="981944350"/>
+      </p:ext>
+    </p:extLst>
+  </p:cSld>
+  <p:clrMapOvr>
+    <a:masterClrMapping/>
+  </p:clrMapOvr>
+</p:sld>
+</file>
+
+<file path=ppt/slides/slide11.xml><?xml version="1.0" encoding="utf-8"?>
+<p:sld xmlns:a="http://schemas.openxmlformats.org/drawingml/2006/main" xmlns:r="http://schemas.openxmlformats.org/officeDocument/2006/relationships" xmlns:p="http://schemas.openxmlformats.org/presentationml/2006/main">
+  <p:cSld>
+    <p:spTree>
+      <p:nvGrpSpPr>
+        <p:cNvPr id="1" name=""/>
+        <p:cNvGrpSpPr/>
+        <p:nvPr/>
+      </p:nvGrpSpPr>
+      <p:grpSpPr>
+        <a:xfrm>
+          <a:off x="0" y="0"/>
+          <a:ext cx="0" cy="0"/>
+          <a:chOff x="0" y="0"/>
+          <a:chExt cx="0" cy="0"/>
+        </a:xfrm>
+      </p:grpSpPr>
+      <p:sp>
+        <p:nvSpPr>
+          <p:cNvPr id="2" name="Title 1">
+            <a:extLst>
+              <a:ext uri="{FF2B5EF4-FFF2-40B4-BE49-F238E27FC236}">
+                <a16:creationId xmlns:a16="http://schemas.microsoft.com/office/drawing/2014/main" id="{F6693EDF-660D-4391-A114-A6C54268E445}"/>
+              </a:ext>
+            </a:extLst>
+          </p:cNvPr>
+          <p:cNvSpPr>
+            <a:spLocks noGrp="1"/>
+          </p:cNvSpPr>
+          <p:nvPr>
+            <p:ph type="ctrTitle"/>
+          </p:nvPr>
+        </p:nvSpPr>
+        <p:spPr>
+          <a:xfrm>
+            <a:off x="1261872" y="758952"/>
+            <a:ext cx="10549128" cy="4041648"/>
+          </a:xfrm>
+        </p:spPr>
+        <p:txBody>
+          <a:bodyPr/>
+          <a:lstStyle/>
+          <a:p>
+            <a:r>
+              <a:rPr lang="en-US" dirty="0"/>
+              <a:t>Example Paper: </a:t>
+            </a:r>
+            <a:br>
+              <a:rPr lang="en-US" dirty="0"/>
+            </a:br>
+            <a:r>
+              <a:rPr lang="en-US" dirty="0" err="1"/>
+              <a:t>Bruhin</a:t>
+            </a:r>
+            <a:r>
+              <a:rPr lang="en-US" dirty="0"/>
+              <a:t> et al., (2019)</a:t>
+            </a:r>
+          </a:p>
+        </p:txBody>
+      </p:sp>
+      <p:sp>
+        <p:nvSpPr>
+          <p:cNvPr id="3" name="Subtitle 2">
+            <a:extLst>
+              <a:ext uri="{FF2B5EF4-FFF2-40B4-BE49-F238E27FC236}">
+                <a16:creationId xmlns:a16="http://schemas.microsoft.com/office/drawing/2014/main" id="{9A7FADE3-4D7C-4B3A-B023-71CD85AECCCB}"/>
+              </a:ext>
+            </a:extLst>
+          </p:cNvPr>
+          <p:cNvSpPr>
+            <a:spLocks noGrp="1"/>
+          </p:cNvSpPr>
+          <p:nvPr>
+            <p:ph type="subTitle" idx="1"/>
+          </p:nvPr>
+        </p:nvSpPr>
+        <p:spPr/>
+        <p:txBody>
+          <a:bodyPr/>
+          <a:lstStyle/>
+          <a:p>
+            <a:r>
+              <a:rPr lang="en-US" dirty="0"/>
+              <a:t>“Spillovers of prosocial motivation: Evidence from an intervention study on blood donors”</a:t>
+            </a:r>
+          </a:p>
+          <a:p>
+            <a:r>
+              <a:rPr lang="en-US" i="1" dirty="0"/>
+              <a:t>Journal of Health Economics</a:t>
+            </a:r>
+          </a:p>
+        </p:txBody>
+      </p:sp>
+    </p:spTree>
+    <p:extLst>
+      <p:ext uri="{BB962C8B-B14F-4D97-AF65-F5344CB8AC3E}">
+        <p14:creationId xmlns:p14="http://schemas.microsoft.com/office/powerpoint/2010/main" val="1210529259"/>
+      </p:ext>
+    </p:extLst>
+  </p:cSld>
+  <p:clrMapOvr>
+    <a:masterClrMapping/>
+  </p:clrMapOvr>
+</p:sld>
+</file>
+
+<file path=ppt/slides/slide12.xml><?xml version="1.0" encoding="utf-8"?>
+<p:sld xmlns:a="http://schemas.openxmlformats.org/drawingml/2006/main" xmlns:r="http://schemas.openxmlformats.org/officeDocument/2006/relationships" xmlns:p="http://schemas.openxmlformats.org/presentationml/2006/main">
+  <p:cSld>
+    <p:spTree>
+      <p:nvGrpSpPr>
+        <p:cNvPr id="1" name=""/>
+        <p:cNvGrpSpPr/>
+        <p:nvPr/>
+      </p:nvGrpSpPr>
+      <p:grpSpPr>
+        <a:xfrm>
+          <a:off x="0" y="0"/>
+          <a:ext cx="0" cy="0"/>
+          <a:chOff x="0" y="0"/>
+          <a:chExt cx="0" cy="0"/>
+        </a:xfrm>
+      </p:grpSpPr>
+      <p:sp>
+        <p:nvSpPr>
+          <p:cNvPr id="2" name="Title 1"/>
+          <p:cNvSpPr>
+            <a:spLocks noGrp="1"/>
+          </p:cNvSpPr>
+          <p:nvPr>
+            <p:ph type="title"/>
+          </p:nvPr>
+        </p:nvSpPr>
+        <p:spPr>
+          <a:xfrm>
+            <a:off x="609600" y="337392"/>
+            <a:ext cx="10439400" cy="624840"/>
+          </a:xfrm>
+        </p:spPr>
+        <p:txBody>
+          <a:bodyPr>
+            <a:noAutofit/>
+          </a:bodyPr>
+          <a:lstStyle/>
+          <a:p>
+            <a:r>
+              <a:rPr lang="en-US" sz="3600" dirty="0">
+                <a:cs typeface="Times New Roman" panose="02020603050405020304" pitchFamily="18" charset="0"/>
+              </a:rPr>
               <a:t>Research question: how do peer effects drive donations?</a:t>
             </a:r>
             <a:endParaRPr lang="en-US" sz="3600" dirty="0">
@@ -10477,7 +11031,7 @@
 </p:sld>
 </file>
 
-<file path=ppt/slides/slide11.xml><?xml version="1.0" encoding="utf-8"?>
+<file path=ppt/slides/slide13.xml><?xml version="1.0" encoding="utf-8"?>
 <p:sld xmlns:a="http://schemas.openxmlformats.org/drawingml/2006/main" xmlns:r="http://schemas.openxmlformats.org/officeDocument/2006/relationships" xmlns:p="http://schemas.openxmlformats.org/presentationml/2006/main">
   <p:cSld>
     <p:spTree>
@@ -10641,7 +11195,7 @@
 </p:sld>
 </file>
 
-<file path=ppt/slides/slide12.xml><?xml version="1.0" encoding="utf-8"?>
+<file path=ppt/slides/slide14.xml><?xml version="1.0" encoding="utf-8"?>
 <p:sld xmlns:a="http://schemas.openxmlformats.org/drawingml/2006/main" xmlns:r="http://schemas.openxmlformats.org/officeDocument/2006/relationships" xmlns:p="http://schemas.openxmlformats.org/presentationml/2006/main">
   <p:cSld>
     <p:spTree>
@@ -10786,7 +11340,7 @@
 </p:sld>
 </file>
 
-<file path=ppt/slides/slide13.xml><?xml version="1.0" encoding="utf-8"?>
+<file path=ppt/slides/slide15.xml><?xml version="1.0" encoding="utf-8"?>
 <p:sld xmlns:a="http://schemas.openxmlformats.org/drawingml/2006/main" xmlns:r="http://schemas.openxmlformats.org/officeDocument/2006/relationships" xmlns:p="http://schemas.openxmlformats.org/presentationml/2006/main">
   <p:cSld>
     <p:spTree>
@@ -10987,7 +11541,7 @@
 </p:sld>
 </file>
 
-<file path=ppt/slides/slide14.xml><?xml version="1.0" encoding="utf-8"?>
+<file path=ppt/slides/slide16.xml><?xml version="1.0" encoding="utf-8"?>
 <p:sld xmlns:a="http://schemas.openxmlformats.org/drawingml/2006/main" xmlns:r="http://schemas.openxmlformats.org/officeDocument/2006/relationships" xmlns:p="http://schemas.openxmlformats.org/presentationml/2006/main">
   <p:cSld>
     <p:spTree>
@@ -11183,7 +11737,7 @@
 </p:sld>
 </file>
 
-<file path=ppt/slides/slide15.xml><?xml version="1.0" encoding="utf-8"?>
+<file path=ppt/slides/slide17.xml><?xml version="1.0" encoding="utf-8"?>
 <p:sld xmlns:a="http://schemas.openxmlformats.org/drawingml/2006/main" xmlns:r="http://schemas.openxmlformats.org/officeDocument/2006/relationships" xmlns:p="http://schemas.openxmlformats.org/presentationml/2006/main">
   <p:cSld>
     <p:spTree>
@@ -11409,7 +11963,7 @@
 </p:sld>
 </file>
 
-<file path=ppt/slides/slide16.xml><?xml version="1.0" encoding="utf-8"?>
+<file path=ppt/slides/slide18.xml><?xml version="1.0" encoding="utf-8"?>
 <p:sld xmlns:a="http://schemas.openxmlformats.org/drawingml/2006/main" xmlns:r="http://schemas.openxmlformats.org/officeDocument/2006/relationships" xmlns:p="http://schemas.openxmlformats.org/presentationml/2006/main">
   <p:cSld>
     <p:spTree>
@@ -11532,7 +12086,7 @@
 </p:sld>
 </file>
 
-<file path=ppt/slides/slide17.xml><?xml version="1.0" encoding="utf-8"?>
+<file path=ppt/slides/slide19.xml><?xml version="1.0" encoding="utf-8"?>
 <p:sld xmlns:a="http://schemas.openxmlformats.org/drawingml/2006/main" xmlns:r="http://schemas.openxmlformats.org/officeDocument/2006/relationships" xmlns:p="http://schemas.openxmlformats.org/presentationml/2006/main">
   <p:cSld>
     <p:spTree>
@@ -11620,7 +12174,99 @@
 </p:sld>
 </file>
 
-<file path=ppt/slides/slide18.xml><?xml version="1.0" encoding="utf-8"?>
+<file path=ppt/slides/slide2.xml><?xml version="1.0" encoding="utf-8"?>
+<p:sld xmlns:a="http://schemas.openxmlformats.org/drawingml/2006/main" xmlns:r="http://schemas.openxmlformats.org/officeDocument/2006/relationships" xmlns:p="http://schemas.openxmlformats.org/presentationml/2006/main">
+  <p:cSld>
+    <p:spTree>
+      <p:nvGrpSpPr>
+        <p:cNvPr id="1" name=""/>
+        <p:cNvGrpSpPr/>
+        <p:nvPr/>
+      </p:nvGrpSpPr>
+      <p:grpSpPr>
+        <a:xfrm>
+          <a:off x="0" y="0"/>
+          <a:ext cx="0" cy="0"/>
+          <a:chOff x="0" y="0"/>
+          <a:chExt cx="0" cy="0"/>
+        </a:xfrm>
+      </p:grpSpPr>
+      <p:sp>
+        <p:nvSpPr>
+          <p:cNvPr id="2" name="Title 1"/>
+          <p:cNvSpPr>
+            <a:spLocks noGrp="1"/>
+          </p:cNvSpPr>
+          <p:nvPr>
+            <p:ph type="title"/>
+          </p:nvPr>
+        </p:nvSpPr>
+        <p:spPr>
+          <a:xfrm>
+            <a:off x="609600" y="337392"/>
+            <a:ext cx="10439400" cy="624840"/>
+          </a:xfrm>
+        </p:spPr>
+        <p:txBody>
+          <a:bodyPr>
+            <a:noAutofit/>
+          </a:bodyPr>
+          <a:lstStyle/>
+          <a:p>
+            <a:r>
+              <a:rPr lang="en-US" sz="3600" dirty="0">
+                <a:latin typeface="Times New Roman" panose="02020603050405020304" pitchFamily="18" charset="0"/>
+                <a:cs typeface="Times New Roman" panose="02020603050405020304" pitchFamily="18" charset="0"/>
+              </a:rPr>
+              <a:t>But first…</a:t>
+            </a:r>
+          </a:p>
+        </p:txBody>
+      </p:sp>
+      <p:pic>
+        <p:nvPicPr>
+          <p:cNvPr id="6" name="Picture 5">
+            <a:extLst>
+              <a:ext uri="{FF2B5EF4-FFF2-40B4-BE49-F238E27FC236}">
+                <a16:creationId xmlns:a16="http://schemas.microsoft.com/office/drawing/2014/main" id="{18FABF23-63D4-8045-1F8F-6775C282DB0B}"/>
+              </a:ext>
+            </a:extLst>
+          </p:cNvPr>
+          <p:cNvPicPr>
+            <a:picLocks noChangeAspect="1"/>
+          </p:cNvPicPr>
+          <p:nvPr/>
+        </p:nvPicPr>
+        <p:blipFill>
+          <a:blip r:embed="rId3"/>
+          <a:stretch>
+            <a:fillRect/>
+          </a:stretch>
+        </p:blipFill>
+        <p:spPr>
+          <a:xfrm>
+            <a:off x="32084" y="1143000"/>
+            <a:ext cx="11774543" cy="5896798"/>
+          </a:xfrm>
+          <a:prstGeom prst="rect">
+            <a:avLst/>
+          </a:prstGeom>
+        </p:spPr>
+      </p:pic>
+    </p:spTree>
+    <p:extLst>
+      <p:ext uri="{BB962C8B-B14F-4D97-AF65-F5344CB8AC3E}">
+        <p14:creationId xmlns:p14="http://schemas.microsoft.com/office/powerpoint/2010/main" val="3949488666"/>
+      </p:ext>
+    </p:extLst>
+  </p:cSld>
+  <p:clrMapOvr>
+    <a:masterClrMapping/>
+  </p:clrMapOvr>
+</p:sld>
+</file>
+
+<file path=ppt/slides/slide20.xml><?xml version="1.0" encoding="utf-8"?>
 <p:sld xmlns:a="http://schemas.openxmlformats.org/drawingml/2006/main" xmlns:r="http://schemas.openxmlformats.org/officeDocument/2006/relationships" xmlns:p="http://schemas.openxmlformats.org/presentationml/2006/main">
   <p:cSld>
     <p:spTree>
@@ -12042,7 +12688,7 @@
 </p:sld>
 </file>
 
-<file path=ppt/slides/slide19.xml><?xml version="1.0" encoding="utf-8"?>
+<file path=ppt/slides/slide21.xml><?xml version="1.0" encoding="utf-8"?>
 <p:sld xmlns:a="http://schemas.openxmlformats.org/drawingml/2006/main" xmlns:r="http://schemas.openxmlformats.org/officeDocument/2006/relationships" xmlns:p="http://schemas.openxmlformats.org/presentationml/2006/main">
   <p:cSld>
     <p:spTree>
@@ -12732,413 +13378,7 @@
 </p:sld>
 </file>
 
-<file path=ppt/slides/slide2.xml><?xml version="1.0" encoding="utf-8"?>
-<p:sld xmlns:a="http://schemas.openxmlformats.org/drawingml/2006/main" xmlns:r="http://schemas.openxmlformats.org/officeDocument/2006/relationships" xmlns:p="http://schemas.openxmlformats.org/presentationml/2006/main">
-  <p:cSld>
-    <p:spTree>
-      <p:nvGrpSpPr>
-        <p:cNvPr id="1" name=""/>
-        <p:cNvGrpSpPr/>
-        <p:nvPr/>
-      </p:nvGrpSpPr>
-      <p:grpSpPr>
-        <a:xfrm>
-          <a:off x="0" y="0"/>
-          <a:ext cx="0" cy="0"/>
-          <a:chOff x="0" y="0"/>
-          <a:chExt cx="0" cy="0"/>
-        </a:xfrm>
-      </p:grpSpPr>
-      <mc:AlternateContent xmlns:mc="http://schemas.openxmlformats.org/markup-compatibility/2006" xmlns:a14="http://schemas.microsoft.com/office/drawing/2010/main">
-        <mc:Choice Requires="a14">
-          <p:sp>
-            <p:nvSpPr>
-              <p:cNvPr id="3" name="Content Placeholder 2">
-                <a:extLst>
-                  <a:ext uri="{FF2B5EF4-FFF2-40B4-BE49-F238E27FC236}">
-                    <a16:creationId xmlns:a16="http://schemas.microsoft.com/office/drawing/2014/main" id="{8BFAC18E-4064-A1FE-C1EB-5D23F1DFAD23}"/>
-                  </a:ext>
-                </a:extLst>
-              </p:cNvPr>
-              <p:cNvSpPr>
-                <a:spLocks noGrp="1"/>
-              </p:cNvSpPr>
-              <p:nvPr>
-                <p:ph idx="1"/>
-              </p:nvPr>
-            </p:nvSpPr>
-            <p:spPr>
-              <a:xfrm>
-                <a:off x="914400" y="1119952"/>
-                <a:ext cx="9984829" cy="5357048"/>
-              </a:xfrm>
-            </p:spPr>
-            <p:txBody>
-              <a:bodyPr vert="horz" lIns="91440" tIns="45720" rIns="91440" bIns="45720" rtlCol="0" anchor="t">
-                <a:normAutofit/>
-              </a:bodyPr>
-              <a:lstStyle/>
-              <a:p>
-                <a:r>
-                  <a:rPr lang="en-US" sz="2400" dirty="0">
-                    <a:latin typeface="Times New Roman"/>
-                    <a:cs typeface="Times New Roman"/>
-                  </a:rPr>
-                  <a:t>Using plausibly exogenous variation </a:t>
-                </a:r>
-                <a:r>
-                  <a:rPr lang="en-US" sz="2400" b="1" dirty="0">
-                    <a:latin typeface="Times New Roman"/>
-                    <a:cs typeface="Times New Roman"/>
-                  </a:rPr>
-                  <a:t>across groups and time</a:t>
-                </a:r>
-              </a:p>
-              <a:p>
-                <a:r>
-                  <a:rPr lang="en-US" sz="2400" dirty="0">
-                    <a:latin typeface="Times New Roman"/>
-                    <a:cs typeface="Times New Roman"/>
-                  </a:rPr>
-                  <a:t>Mimicking an experiment with federalism</a:t>
-                </a:r>
-              </a:p>
-              <a:p>
-                <a:r>
-                  <a:rPr lang="en-US" sz="2400" dirty="0">
-                    <a:latin typeface="Times New Roman"/>
-                    <a:cs typeface="Times New Roman"/>
-                  </a:rPr>
-                  <a:t>Parallel trends assumption is easy to state and defend – what drawbacks are there? </a:t>
-                </a:r>
-                <a:endParaRPr lang="en-US" sz="2400" dirty="0">
-                  <a:solidFill>
-                    <a:srgbClr val="262626"/>
-                  </a:solidFill>
-                  <a:latin typeface="Times New Roman"/>
-                  <a:cs typeface="Times New Roman"/>
-                </a:endParaRPr>
-              </a:p>
-              <a:p>
-                <a:pPr lvl="1"/>
-                <a:endParaRPr lang="en-US" sz="2400" dirty="0">
-                  <a:solidFill>
-                    <a:srgbClr val="262626"/>
-                  </a:solidFill>
-                  <a:latin typeface="Times New Roman"/>
-                  <a:cs typeface="Times New Roman"/>
-                </a:endParaRPr>
-              </a:p>
-              <a:p>
-                <a:pPr lvl="1"/>
-                <a:endParaRPr lang="en-US" sz="2400" dirty="0">
-                  <a:solidFill>
-                    <a:srgbClr val="262626"/>
-                  </a:solidFill>
-                  <a:latin typeface="Times New Roman"/>
-                  <a:cs typeface="Times New Roman"/>
-                </a:endParaRPr>
-              </a:p>
-              <a:p>
-                <a:pPr lvl="1"/>
-                <a:endParaRPr lang="en-US" sz="2400" dirty="0">
-                  <a:solidFill>
-                    <a:srgbClr val="262626"/>
-                  </a:solidFill>
-                  <a:latin typeface="Times New Roman"/>
-                  <a:cs typeface="Times New Roman"/>
-                </a:endParaRPr>
-              </a:p>
-              <a:p>
-                <a:pPr lvl="1"/>
-                <a:endParaRPr lang="en-US" sz="2400" dirty="0">
-                  <a:solidFill>
-                    <a:srgbClr val="262626"/>
-                  </a:solidFill>
-                  <a:latin typeface="Times New Roman"/>
-                  <a:cs typeface="Times New Roman"/>
-                </a:endParaRPr>
-              </a:p>
-              <a:p>
-                <a:r>
-                  <a:rPr lang="en-US" sz="2600" dirty="0">
-                    <a:solidFill>
-                      <a:srgbClr val="262626"/>
-                    </a:solidFill>
-                    <a:latin typeface="Times New Roman"/>
-                    <a:cs typeface="Times New Roman"/>
-                  </a:rPr>
-                  <a:t>Designing estimating equations</a:t>
-                </a:r>
-              </a:p>
-              <a:p>
-                <a:r>
-                  <a:rPr lang="en-US" sz="2600" dirty="0">
-                    <a:solidFill>
-                      <a:srgbClr val="262626"/>
-                    </a:solidFill>
-                    <a:latin typeface="Times New Roman"/>
-                    <a:cs typeface="Times New Roman"/>
-                  </a:rPr>
-                  <a:t>Specifically: what do you do when </a:t>
-                </a:r>
-                <a14:m>
-                  <m:oMath xmlns:m="http://schemas.openxmlformats.org/officeDocument/2006/math">
-                    <m:r>
-                      <a:rPr lang="en-US" sz="2600" b="0" i="1" smtClean="0">
-                        <a:solidFill>
-                          <a:srgbClr val="262626"/>
-                        </a:solidFill>
-                        <a:latin typeface="Cambria Math" panose="02040503050406030204" pitchFamily="18" charset="0"/>
-                        <a:cs typeface="Times New Roman"/>
-                      </a:rPr>
-                      <m:t>𝑌</m:t>
-                    </m:r>
-                  </m:oMath>
-                </a14:m>
-                <a:r>
-                  <a:rPr lang="en-US" sz="2600" dirty="0">
-                    <a:solidFill>
-                      <a:srgbClr val="262626"/>
-                    </a:solidFill>
-                    <a:cs typeface="Times New Roman"/>
-                  </a:rPr>
-                  <a:t> is not continuous or you don’t want OLS? </a:t>
-                </a:r>
-              </a:p>
-              <a:p>
-                <a:pPr lvl="1">
-                  <a:buFont typeface="Wingdings 2"/>
-                  <a:buChar char=""/>
-                </a:pPr>
-                <a:endParaRPr lang="en-US" sz="2400" dirty="0">
-                  <a:cs typeface="Times New Roman"/>
-                </a:endParaRPr>
-              </a:p>
-            </p:txBody>
-          </p:sp>
-        </mc:Choice>
-        <mc:Fallback xmlns="">
-          <p:sp>
-            <p:nvSpPr>
-              <p:cNvPr id="3" name="Content Placeholder 2">
-                <a:extLst>
-                  <a:ext uri="{FF2B5EF4-FFF2-40B4-BE49-F238E27FC236}">
-                    <a16:creationId xmlns:a16="http://schemas.microsoft.com/office/drawing/2014/main" id="{8BFAC18E-4064-A1FE-C1EB-5D23F1DFAD23}"/>
-                  </a:ext>
-                </a:extLst>
-              </p:cNvPr>
-              <p:cNvSpPr>
-                <a:spLocks noGrp="1" noRot="1" noChangeAspect="1" noMove="1" noResize="1" noEditPoints="1" noAdjustHandles="1" noChangeArrowheads="1" noChangeShapeType="1" noTextEdit="1"/>
-              </p:cNvSpPr>
-              <p:nvPr>
-                <p:ph idx="1"/>
-              </p:nvPr>
-            </p:nvSpPr>
-            <p:spPr>
-              <a:xfrm>
-                <a:off x="914400" y="1119952"/>
-                <a:ext cx="9984829" cy="5357048"/>
-              </a:xfrm>
-              <a:blipFill>
-                <a:blip r:embed="rId3"/>
-                <a:stretch>
-                  <a:fillRect l="-549" t="-1251"/>
-                </a:stretch>
-              </a:blipFill>
-            </p:spPr>
-            <p:txBody>
-              <a:bodyPr/>
-              <a:lstStyle/>
-              <a:p>
-                <a:r>
-                  <a:rPr lang="en-CA">
-                    <a:noFill/>
-                  </a:rPr>
-                  <a:t> </a:t>
-                </a:r>
-              </a:p>
-            </p:txBody>
-          </p:sp>
-        </mc:Fallback>
-      </mc:AlternateContent>
-      <p:sp>
-        <p:nvSpPr>
-          <p:cNvPr id="5" name="Title 1">
-            <a:extLst>
-              <a:ext uri="{FF2B5EF4-FFF2-40B4-BE49-F238E27FC236}">
-                <a16:creationId xmlns:a16="http://schemas.microsoft.com/office/drawing/2014/main" id="{EF3111ED-61A2-2123-0D2A-EFDD981A07C2}"/>
-              </a:ext>
-            </a:extLst>
-          </p:cNvPr>
-          <p:cNvSpPr txBox="1">
-            <a:spLocks/>
-          </p:cNvSpPr>
-          <p:nvPr/>
-        </p:nvSpPr>
-        <p:spPr>
-          <a:xfrm>
-            <a:off x="609600" y="337392"/>
-            <a:ext cx="10439400" cy="624840"/>
-          </a:xfrm>
-          <a:prstGeom prst="rect">
-            <a:avLst/>
-          </a:prstGeom>
-        </p:spPr>
-        <p:txBody>
-          <a:bodyPr vert="horz" lIns="91440" tIns="45720" rIns="91440" bIns="45720" rtlCol="0" anchor="b">
-            <a:noAutofit/>
-          </a:bodyPr>
-          <a:lstStyle>
-            <a:lvl1pPr algn="l" defTabSz="914400" rtl="0" eaLnBrk="1" latinLnBrk="0" hangingPunct="1">
-              <a:lnSpc>
-                <a:spcPct val="90000"/>
-              </a:lnSpc>
-              <a:spcBef>
-                <a:spcPct val="0"/>
-              </a:spcBef>
-              <a:buNone/>
-              <a:defRPr sz="4400" kern="1200" spc="-50" baseline="0">
-                <a:solidFill>
-                  <a:schemeClr val="tx1"/>
-                </a:solidFill>
-                <a:latin typeface="Times New Roman" panose="02020603050405020304" pitchFamily="18" charset="0"/>
-                <a:ea typeface="+mj-ea"/>
-                <a:cs typeface="+mj-cs"/>
-              </a:defRPr>
-            </a:lvl1pPr>
-          </a:lstStyle>
-          <a:p>
-            <a:r>
-              <a:rPr lang="en-US" sz="3600" dirty="0">
-                <a:latin typeface="Times New Roman"/>
-                <a:cs typeface="Times New Roman"/>
-              </a:rPr>
-              <a:t>Last Time: Difference-in-Differences </a:t>
-            </a:r>
-            <a:endParaRPr lang="en-US" dirty="0"/>
-          </a:p>
-        </p:txBody>
-      </p:sp>
-      <p:sp>
-        <p:nvSpPr>
-          <p:cNvPr id="4" name="Title 1">
-            <a:extLst>
-              <a:ext uri="{FF2B5EF4-FFF2-40B4-BE49-F238E27FC236}">
-                <a16:creationId xmlns:a16="http://schemas.microsoft.com/office/drawing/2014/main" id="{66D88018-A2D6-33DA-4F0F-340FD6CC732C}"/>
-              </a:ext>
-            </a:extLst>
-          </p:cNvPr>
-          <p:cNvSpPr txBox="1">
-            <a:spLocks/>
-          </p:cNvSpPr>
-          <p:nvPr/>
-        </p:nvSpPr>
-        <p:spPr>
-          <a:xfrm>
-            <a:off x="609600" y="3962400"/>
-            <a:ext cx="10439400" cy="624840"/>
-          </a:xfrm>
-          <a:prstGeom prst="rect">
-            <a:avLst/>
-          </a:prstGeom>
-        </p:spPr>
-        <p:txBody>
-          <a:bodyPr vert="horz" lIns="91440" tIns="45720" rIns="91440" bIns="45720" rtlCol="0" anchor="b">
-            <a:noAutofit/>
-          </a:bodyPr>
-          <a:lstStyle>
-            <a:lvl1pPr algn="l" defTabSz="914400" rtl="0" eaLnBrk="1" latinLnBrk="0" hangingPunct="1">
-              <a:lnSpc>
-                <a:spcPct val="90000"/>
-              </a:lnSpc>
-              <a:spcBef>
-                <a:spcPct val="0"/>
-              </a:spcBef>
-              <a:buNone/>
-              <a:defRPr sz="4400" kern="1200" spc="-50" baseline="0">
-                <a:solidFill>
-                  <a:schemeClr val="tx1"/>
-                </a:solidFill>
-                <a:latin typeface="Times New Roman" panose="02020603050405020304" pitchFamily="18" charset="0"/>
-                <a:ea typeface="+mj-ea"/>
-                <a:cs typeface="+mj-cs"/>
-              </a:defRPr>
-            </a:lvl1pPr>
-          </a:lstStyle>
-          <a:p>
-            <a:r>
-              <a:rPr lang="en-US" sz="3600" dirty="0">
-                <a:latin typeface="Times New Roman"/>
-                <a:cs typeface="Times New Roman"/>
-              </a:rPr>
-              <a:t>This Time: Limited Dependent Variables</a:t>
-            </a:r>
-            <a:endParaRPr lang="en-US" dirty="0"/>
-          </a:p>
-        </p:txBody>
-      </p:sp>
-      <p:pic>
-        <p:nvPicPr>
-          <p:cNvPr id="1026" name="Picture 2" descr="Unlimited Wicked Star Wars | TikTok">
-            <a:extLst>
-              <a:ext uri="{FF2B5EF4-FFF2-40B4-BE49-F238E27FC236}">
-                <a16:creationId xmlns:a16="http://schemas.microsoft.com/office/drawing/2014/main" id="{121C6132-7BB5-01D5-44F1-F66CD6E83C48}"/>
-              </a:ext>
-            </a:extLst>
-          </p:cNvPr>
-          <p:cNvPicPr>
-            <a:picLocks noChangeAspect="1" noChangeArrowheads="1"/>
-          </p:cNvPicPr>
-          <p:nvPr/>
-        </p:nvPicPr>
-        <p:blipFill>
-          <a:blip r:embed="rId4">
-            <a:extLst>
-              <a:ext uri="{28A0092B-C50C-407E-A947-70E740481C1C}">
-                <a14:useLocalDpi xmlns:a14="http://schemas.microsoft.com/office/drawing/2010/main" val="0"/>
-              </a:ext>
-            </a:extLst>
-          </a:blip>
-          <a:srcRect/>
-          <a:stretch>
-            <a:fillRect/>
-          </a:stretch>
-        </p:blipFill>
-        <p:spPr bwMode="auto">
-          <a:xfrm>
-            <a:off x="8162956" y="3781158"/>
-            <a:ext cx="3048000" cy="1504950"/>
-          </a:xfrm>
-          <a:prstGeom prst="rect">
-            <a:avLst/>
-          </a:prstGeom>
-          <a:noFill/>
-          <a:extLst>
-            <a:ext uri="{909E8E84-426E-40DD-AFC4-6F175D3DCCD1}">
-              <a14:hiddenFill xmlns:a14="http://schemas.microsoft.com/office/drawing/2010/main">
-                <a:solidFill>
-                  <a:srgbClr val="FFFFFF"/>
-                </a:solidFill>
-              </a14:hiddenFill>
-            </a:ext>
-          </a:extLst>
-        </p:spPr>
-      </p:pic>
-    </p:spTree>
-    <p:extLst>
-      <p:ext uri="{BB962C8B-B14F-4D97-AF65-F5344CB8AC3E}">
-        <p14:creationId xmlns:p14="http://schemas.microsoft.com/office/powerpoint/2010/main" val="1286152431"/>
-      </p:ext>
-    </p:extLst>
-  </p:cSld>
-  <p:clrMapOvr>
-    <a:masterClrMapping/>
-  </p:clrMapOvr>
-</p:sld>
-</file>
-
-<file path=ppt/slides/slide20.xml><?xml version="1.0" encoding="utf-8"?>
+<file path=ppt/slides/slide22.xml><?xml version="1.0" encoding="utf-8"?>
 <p:sld xmlns:a="http://schemas.openxmlformats.org/drawingml/2006/main" xmlns:r="http://schemas.openxmlformats.org/officeDocument/2006/relationships" xmlns:p="http://schemas.openxmlformats.org/presentationml/2006/main">
   <p:cSld>
     <p:spTree>
@@ -13389,7 +13629,7 @@
 </p:sld>
 </file>
 
-<file path=ppt/slides/slide21.xml><?xml version="1.0" encoding="utf-8"?>
+<file path=ppt/slides/slide23.xml><?xml version="1.0" encoding="utf-8"?>
 <p:sld xmlns:a="http://schemas.openxmlformats.org/drawingml/2006/main" xmlns:r="http://schemas.openxmlformats.org/officeDocument/2006/relationships" xmlns:p="http://schemas.openxmlformats.org/presentationml/2006/main">
   <p:cSld>
     <p:spTree>
@@ -13792,7 +14032,7 @@
 </p:sld>
 </file>
 
-<file path=ppt/slides/slide22.xml><?xml version="1.0" encoding="utf-8"?>
+<file path=ppt/slides/slide24.xml><?xml version="1.0" encoding="utf-8"?>
 <p:sld xmlns:a="http://schemas.openxmlformats.org/drawingml/2006/main" xmlns:r="http://schemas.openxmlformats.org/officeDocument/2006/relationships" xmlns:p="http://schemas.openxmlformats.org/presentationml/2006/main">
   <p:cSld>
     <p:spTree>
@@ -13912,7 +14152,7 @@
 </p:sld>
 </file>
 
-<file path=ppt/slides/slide23.xml><?xml version="1.0" encoding="utf-8"?>
+<file path=ppt/slides/slide25.xml><?xml version="1.0" encoding="utf-8"?>
 <p:sld xmlns:a="http://schemas.openxmlformats.org/drawingml/2006/main" xmlns:r="http://schemas.openxmlformats.org/officeDocument/2006/relationships" xmlns:p="http://schemas.openxmlformats.org/presentationml/2006/main">
   <p:cSld>
     <p:spTree>
@@ -14032,7 +14272,7 @@
 </p:sld>
 </file>
 
-<file path=ppt/slides/slide24.xml><?xml version="1.0" encoding="utf-8"?>
+<file path=ppt/slides/slide26.xml><?xml version="1.0" encoding="utf-8"?>
 <p:sld xmlns:a="http://schemas.openxmlformats.org/drawingml/2006/main" xmlns:r="http://schemas.openxmlformats.org/officeDocument/2006/relationships" xmlns:p="http://schemas.openxmlformats.org/presentationml/2006/main">
   <p:cSld>
     <p:spTree>
@@ -14123,7 +14363,7 @@
 </p:sld>
 </file>
 
-<file path=ppt/slides/slide25.xml><?xml version="1.0" encoding="utf-8"?>
+<file path=ppt/slides/slide27.xml><?xml version="1.0" encoding="utf-8"?>
 <p:sld xmlns:a="http://schemas.openxmlformats.org/drawingml/2006/main" xmlns:r="http://schemas.openxmlformats.org/officeDocument/2006/relationships" xmlns:p="http://schemas.openxmlformats.org/presentationml/2006/main">
   <p:cSld>
     <p:spTree>
@@ -14244,7 +14484,7 @@
 </p:sld>
 </file>
 
-<file path=ppt/slides/slide26.xml><?xml version="1.0" encoding="utf-8"?>
+<file path=ppt/slides/slide28.xml><?xml version="1.0" encoding="utf-8"?>
 <p:sld xmlns:a="http://schemas.openxmlformats.org/drawingml/2006/main" xmlns:r="http://schemas.openxmlformats.org/officeDocument/2006/relationships" xmlns:p="http://schemas.openxmlformats.org/presentationml/2006/main">
   <p:cSld>
     <p:spTree>
@@ -14336,7 +14576,7 @@
 </p:sld>
 </file>
 
-<file path=ppt/slides/slide27.xml><?xml version="1.0" encoding="utf-8"?>
+<file path=ppt/slides/slide29.xml><?xml version="1.0" encoding="utf-8"?>
 <p:sld xmlns:a="http://schemas.openxmlformats.org/drawingml/2006/main" xmlns:r="http://schemas.openxmlformats.org/officeDocument/2006/relationships" xmlns:p="http://schemas.openxmlformats.org/presentationml/2006/main">
   <p:cSld>
     <p:spTree>
@@ -14428,7 +14668,141 @@
 </p:sld>
 </file>
 
-<file path=ppt/slides/slide28.xml><?xml version="1.0" encoding="utf-8"?>
+<file path=ppt/slides/slide3.xml><?xml version="1.0" encoding="utf-8"?>
+<p:sld xmlns:a="http://schemas.openxmlformats.org/drawingml/2006/main" xmlns:r="http://schemas.openxmlformats.org/officeDocument/2006/relationships" xmlns:p="http://schemas.openxmlformats.org/presentationml/2006/main">
+  <p:cSld>
+    <p:spTree>
+      <p:nvGrpSpPr>
+        <p:cNvPr id="1" name="">
+          <a:extLst>
+            <a:ext uri="{FF2B5EF4-FFF2-40B4-BE49-F238E27FC236}">
+              <a16:creationId xmlns:a16="http://schemas.microsoft.com/office/drawing/2014/main" id="{4999F446-C813-A200-4803-DECAB82C61B1}"/>
+            </a:ext>
+          </a:extLst>
+        </p:cNvPr>
+        <p:cNvGrpSpPr/>
+        <p:nvPr/>
+      </p:nvGrpSpPr>
+      <p:grpSpPr>
+        <a:xfrm>
+          <a:off x="0" y="0"/>
+          <a:ext cx="0" cy="0"/>
+          <a:chOff x="0" y="0"/>
+          <a:chExt cx="0" cy="0"/>
+        </a:xfrm>
+      </p:grpSpPr>
+      <p:sp>
+        <p:nvSpPr>
+          <p:cNvPr id="2" name="Title 1">
+            <a:extLst>
+              <a:ext uri="{FF2B5EF4-FFF2-40B4-BE49-F238E27FC236}">
+                <a16:creationId xmlns:a16="http://schemas.microsoft.com/office/drawing/2014/main" id="{514DE3A3-AF4B-8985-A02D-C074836BF1C7}"/>
+              </a:ext>
+            </a:extLst>
+          </p:cNvPr>
+          <p:cNvSpPr>
+            <a:spLocks noGrp="1"/>
+          </p:cNvSpPr>
+          <p:nvPr>
+            <p:ph type="title"/>
+          </p:nvPr>
+        </p:nvSpPr>
+        <p:spPr>
+          <a:xfrm>
+            <a:off x="609600" y="337392"/>
+            <a:ext cx="10439400" cy="624840"/>
+          </a:xfrm>
+        </p:spPr>
+        <p:txBody>
+          <a:bodyPr>
+            <a:noAutofit/>
+          </a:bodyPr>
+          <a:lstStyle/>
+          <a:p>
+            <a:r>
+              <a:rPr lang="en-US" sz="3600" dirty="0">
+                <a:latin typeface="Times New Roman" panose="02020603050405020304" pitchFamily="18" charset="0"/>
+                <a:cs typeface="Times New Roman" panose="02020603050405020304" pitchFamily="18" charset="0"/>
+              </a:rPr>
+              <a:t>But first…</a:t>
+            </a:r>
+          </a:p>
+        </p:txBody>
+      </p:sp>
+      <p:pic>
+        <p:nvPicPr>
+          <p:cNvPr id="4" name="Picture 3">
+            <a:extLst>
+              <a:ext uri="{FF2B5EF4-FFF2-40B4-BE49-F238E27FC236}">
+                <a16:creationId xmlns:a16="http://schemas.microsoft.com/office/drawing/2014/main" id="{07D30BFC-92FC-9D40-7964-36F920834C44}"/>
+              </a:ext>
+            </a:extLst>
+          </p:cNvPr>
+          <p:cNvPicPr>
+            <a:picLocks noChangeAspect="1"/>
+          </p:cNvPicPr>
+          <p:nvPr/>
+        </p:nvPicPr>
+        <p:blipFill>
+          <a:blip r:embed="rId3"/>
+          <a:stretch>
+            <a:fillRect/>
+          </a:stretch>
+        </p:blipFill>
+        <p:spPr>
+          <a:xfrm>
+            <a:off x="0" y="116304"/>
+            <a:ext cx="6219777" cy="3846096"/>
+          </a:xfrm>
+          <a:prstGeom prst="rect">
+            <a:avLst/>
+          </a:prstGeom>
+        </p:spPr>
+      </p:pic>
+      <p:pic>
+        <p:nvPicPr>
+          <p:cNvPr id="7" name="Picture 6">
+            <a:extLst>
+              <a:ext uri="{FF2B5EF4-FFF2-40B4-BE49-F238E27FC236}">
+                <a16:creationId xmlns:a16="http://schemas.microsoft.com/office/drawing/2014/main" id="{81C3A404-F206-4BBD-6A1B-D1C8C09D14C6}"/>
+              </a:ext>
+            </a:extLst>
+          </p:cNvPr>
+          <p:cNvPicPr>
+            <a:picLocks noChangeAspect="1"/>
+          </p:cNvPicPr>
+          <p:nvPr/>
+        </p:nvPicPr>
+        <p:blipFill>
+          <a:blip r:embed="rId4"/>
+          <a:stretch>
+            <a:fillRect/>
+          </a:stretch>
+        </p:blipFill>
+        <p:spPr>
+          <a:xfrm>
+            <a:off x="6371247" y="3011904"/>
+            <a:ext cx="5824764" cy="3810001"/>
+          </a:xfrm>
+          <a:prstGeom prst="rect">
+            <a:avLst/>
+          </a:prstGeom>
+        </p:spPr>
+      </p:pic>
+    </p:spTree>
+    <p:extLst>
+      <p:ext uri="{BB962C8B-B14F-4D97-AF65-F5344CB8AC3E}">
+        <p14:creationId xmlns:p14="http://schemas.microsoft.com/office/powerpoint/2010/main" val="1834883695"/>
+      </p:ext>
+    </p:extLst>
+  </p:cSld>
+  <p:clrMapOvr>
+    <a:masterClrMapping/>
+  </p:clrMapOvr>
+</p:sld>
+</file>
+
+<file path=ppt/slides/slide30.xml><?xml version="1.0" encoding="utf-8"?>
 <p:sld xmlns:a="http://schemas.openxmlformats.org/drawingml/2006/main" xmlns:r="http://schemas.openxmlformats.org/officeDocument/2006/relationships" xmlns:p="http://schemas.openxmlformats.org/presentationml/2006/main">
   <p:cSld>
     <p:spTree>
@@ -14855,7 +15229,7 @@
 </p:sld>
 </file>
 
-<file path=ppt/slides/slide29.xml><?xml version="1.0" encoding="utf-8"?>
+<file path=ppt/slides/slide31.xml><?xml version="1.0" encoding="utf-8"?>
 <p:sld xmlns:a="http://schemas.openxmlformats.org/drawingml/2006/main" xmlns:r="http://schemas.openxmlformats.org/officeDocument/2006/relationships" xmlns:p="http://schemas.openxmlformats.org/presentationml/2006/main">
   <p:cSld>
     <p:spTree>
@@ -15463,208 +15837,7 @@
 </p:sld>
 </file>
 
-<file path=ppt/slides/slide3.xml><?xml version="1.0" encoding="utf-8"?>
-<p:sld xmlns:a="http://schemas.openxmlformats.org/drawingml/2006/main" xmlns:r="http://schemas.openxmlformats.org/officeDocument/2006/relationships" xmlns:p="http://schemas.openxmlformats.org/presentationml/2006/main">
-  <p:cSld>
-    <p:spTree>
-      <p:nvGrpSpPr>
-        <p:cNvPr id="1" name=""/>
-        <p:cNvGrpSpPr/>
-        <p:nvPr/>
-      </p:nvGrpSpPr>
-      <p:grpSpPr>
-        <a:xfrm>
-          <a:off x="0" y="0"/>
-          <a:ext cx="0" cy="0"/>
-          <a:chOff x="0" y="0"/>
-          <a:chExt cx="0" cy="0"/>
-        </a:xfrm>
-      </p:grpSpPr>
-      <p:sp>
-        <p:nvSpPr>
-          <p:cNvPr id="2" name="Title 1"/>
-          <p:cNvSpPr>
-            <a:spLocks noGrp="1"/>
-          </p:cNvSpPr>
-          <p:nvPr>
-            <p:ph type="title"/>
-          </p:nvPr>
-        </p:nvSpPr>
-        <p:spPr>
-          <a:xfrm>
-            <a:off x="609600" y="337392"/>
-            <a:ext cx="10439400" cy="624840"/>
-          </a:xfrm>
-        </p:spPr>
-        <p:txBody>
-          <a:bodyPr>
-            <a:noAutofit/>
-          </a:bodyPr>
-          <a:lstStyle/>
-          <a:p>
-            <a:r>
-              <a:rPr lang="en-US" sz="3600" dirty="0">
-                <a:cs typeface="Times New Roman" panose="02020603050405020304" pitchFamily="18" charset="0"/>
-              </a:rPr>
-              <a:t>Examples of Limited Dependent Variables</a:t>
-            </a:r>
-            <a:endParaRPr lang="en-US" sz="3600" dirty="0">
-              <a:latin typeface="Times New Roman" panose="02020603050405020304" pitchFamily="18" charset="0"/>
-              <a:cs typeface="Times New Roman" panose="02020603050405020304" pitchFamily="18" charset="0"/>
-            </a:endParaRPr>
-          </a:p>
-        </p:txBody>
-      </p:sp>
-      <mc:AlternateContent xmlns:mc="http://schemas.openxmlformats.org/markup-compatibility/2006" xmlns:a14="http://schemas.microsoft.com/office/drawing/2010/main">
-        <mc:Choice Requires="a14">
-          <p:sp>
-            <p:nvSpPr>
-              <p:cNvPr id="3" name="Content Placeholder 2"/>
-              <p:cNvSpPr>
-                <a:spLocks noGrp="1"/>
-              </p:cNvSpPr>
-              <p:nvPr>
-                <p:ph idx="1"/>
-              </p:nvPr>
-            </p:nvSpPr>
-            <p:spPr>
-              <a:xfrm>
-                <a:off x="1219199" y="1066801"/>
-                <a:ext cx="9405791" cy="5141388"/>
-              </a:xfrm>
-            </p:spPr>
-            <p:txBody>
-              <a:bodyPr>
-                <a:noAutofit/>
-              </a:bodyPr>
-              <a:lstStyle/>
-              <a:p>
-                <a:r>
-                  <a:rPr lang="en-US" sz="2600" b="1" dirty="0">
-                    <a:cs typeface="Times New Roman" panose="02020603050405020304" pitchFamily="18" charset="0"/>
-                  </a:rPr>
-                  <a:t>Binary</a:t>
-                </a:r>
-                <a:r>
-                  <a:rPr lang="en-US" sz="2600" dirty="0">
-                    <a:cs typeface="Times New Roman" panose="02020603050405020304" pitchFamily="18" charset="0"/>
-                  </a:rPr>
-                  <a:t>: Whether or not someone receives a treatment</a:t>
-                </a:r>
-              </a:p>
-              <a:p>
-                <a:pPr marL="0" indent="0">
-                  <a:buNone/>
-                </a:pPr>
-                <a14:m>
-                  <m:oMathPara xmlns:m="http://schemas.openxmlformats.org/officeDocument/2006/math">
-                    <m:oMathParaPr>
-                      <m:jc m:val="centerGroup"/>
-                    </m:oMathParaPr>
-                    <m:oMath xmlns:m="http://schemas.openxmlformats.org/officeDocument/2006/math">
-                      <m:r>
-                        <a:rPr lang="en-US" sz="2400" b="0" i="1" smtClean="0">
-                          <a:latin typeface="Cambria Math" panose="02040503050406030204" pitchFamily="18" charset="0"/>
-                          <a:cs typeface="Times New Roman" panose="02020603050405020304" pitchFamily="18" charset="0"/>
-                        </a:rPr>
-                        <m:t>𝑌</m:t>
-                      </m:r>
-                      <m:r>
-                        <a:rPr lang="en-US" sz="2400" b="0" i="1" smtClean="0">
-                          <a:latin typeface="Cambria Math" panose="02040503050406030204" pitchFamily="18" charset="0"/>
-                          <a:cs typeface="Times New Roman" panose="02020603050405020304" pitchFamily="18" charset="0"/>
-                        </a:rPr>
-                        <m:t>∈</m:t>
-                      </m:r>
-                      <m:r>
-                        <m:rPr>
-                          <m:lit/>
-                        </m:rPr>
-                        <a:rPr lang="en-US" sz="2400" b="0" i="1" smtClean="0">
-                          <a:latin typeface="Cambria Math" panose="02040503050406030204" pitchFamily="18" charset="0"/>
-                          <a:cs typeface="Times New Roman" panose="02020603050405020304" pitchFamily="18" charset="0"/>
-                        </a:rPr>
-                        <m:t>{</m:t>
-                      </m:r>
-                      <m:r>
-                        <a:rPr lang="en-US" sz="2400" b="0" i="1" smtClean="0">
-                          <a:latin typeface="Cambria Math" panose="02040503050406030204" pitchFamily="18" charset="0"/>
-                          <a:cs typeface="Times New Roman" panose="02020603050405020304" pitchFamily="18" charset="0"/>
-                        </a:rPr>
-                        <m:t>0,1</m:t>
-                      </m:r>
-                      <m:r>
-                        <m:rPr>
-                          <m:lit/>
-                        </m:rPr>
-                        <a:rPr lang="en-US" sz="2400" b="0" i="1" smtClean="0">
-                          <a:latin typeface="Cambria Math" panose="02040503050406030204" pitchFamily="18" charset="0"/>
-                          <a:cs typeface="Times New Roman" panose="02020603050405020304" pitchFamily="18" charset="0"/>
-                        </a:rPr>
-                        <m:t>}</m:t>
-                      </m:r>
-                    </m:oMath>
-                  </m:oMathPara>
-                </a14:m>
-                <a:endParaRPr lang="en-US" sz="2400" dirty="0">
-                  <a:cs typeface="Times New Roman" panose="02020603050405020304" pitchFamily="18" charset="0"/>
-                </a:endParaRPr>
-              </a:p>
-            </p:txBody>
-          </p:sp>
-        </mc:Choice>
-        <mc:Fallback xmlns="">
-          <p:sp>
-            <p:nvSpPr>
-              <p:cNvPr id="3" name="Content Placeholder 2"/>
-              <p:cNvSpPr>
-                <a:spLocks noGrp="1" noRot="1" noChangeAspect="1" noMove="1" noResize="1" noEditPoints="1" noAdjustHandles="1" noChangeArrowheads="1" noChangeShapeType="1" noTextEdit="1"/>
-              </p:cNvSpPr>
-              <p:nvPr>
-                <p:ph idx="1"/>
-              </p:nvPr>
-            </p:nvSpPr>
-            <p:spPr>
-              <a:xfrm>
-                <a:off x="1219199" y="1066801"/>
-                <a:ext cx="9405791" cy="5141388"/>
-              </a:xfrm>
-              <a:blipFill>
-                <a:blip r:embed="rId3"/>
-                <a:stretch>
-                  <a:fillRect l="-583" t="-1423"/>
-                </a:stretch>
-              </a:blipFill>
-            </p:spPr>
-            <p:txBody>
-              <a:bodyPr/>
-              <a:lstStyle/>
-              <a:p>
-                <a:r>
-                  <a:rPr lang="en-US">
-                    <a:noFill/>
-                  </a:rPr>
-                  <a:t> </a:t>
-                </a:r>
-              </a:p>
-            </p:txBody>
-          </p:sp>
-        </mc:Fallback>
-      </mc:AlternateContent>
-    </p:spTree>
-    <p:extLst>
-      <p:ext uri="{BB962C8B-B14F-4D97-AF65-F5344CB8AC3E}">
-        <p14:creationId xmlns:p14="http://schemas.microsoft.com/office/powerpoint/2010/main" val="824285635"/>
-      </p:ext>
-    </p:extLst>
-  </p:cSld>
-  <p:clrMapOvr>
-    <a:masterClrMapping/>
-  </p:clrMapOvr>
-</p:sld>
-</file>
-
-<file path=ppt/slides/slide30.xml><?xml version="1.0" encoding="utf-8"?>
+<file path=ppt/slides/slide32.xml><?xml version="1.0" encoding="utf-8"?>
 <p:sld xmlns:a="http://schemas.openxmlformats.org/drawingml/2006/main" xmlns:r="http://schemas.openxmlformats.org/officeDocument/2006/relationships" xmlns:p="http://schemas.openxmlformats.org/presentationml/2006/main">
   <p:cSld>
     <p:spTree>
@@ -16490,7 +16663,7 @@
 </p:sld>
 </file>
 
-<file path=ppt/slides/slide31.xml><?xml version="1.0" encoding="utf-8"?>
+<file path=ppt/slides/slide33.xml><?xml version="1.0" encoding="utf-8"?>
 <p:sld xmlns:a="http://schemas.openxmlformats.org/drawingml/2006/main" xmlns:r="http://schemas.openxmlformats.org/officeDocument/2006/relationships" xmlns:p="http://schemas.openxmlformats.org/presentationml/2006/main">
   <p:cSld>
     <p:spTree>
@@ -17394,7 +17567,7 @@
 </p:sld>
 </file>
 
-<file path=ppt/slides/slide32.xml><?xml version="1.0" encoding="utf-8"?>
+<file path=ppt/slides/slide34.xml><?xml version="1.0" encoding="utf-8"?>
 <p:sld xmlns:a="http://schemas.openxmlformats.org/drawingml/2006/main" xmlns:r="http://schemas.openxmlformats.org/officeDocument/2006/relationships" xmlns:p="http://schemas.openxmlformats.org/presentationml/2006/main">
   <p:cSld>
     <p:spTree>
@@ -17595,7 +17768,7 @@
 </p:sld>
 </file>
 
-<file path=ppt/slides/slide33.xml><?xml version="1.0" encoding="utf-8"?>
+<file path=ppt/slides/slide35.xml><?xml version="1.0" encoding="utf-8"?>
 <p:sld xmlns:a="http://schemas.openxmlformats.org/drawingml/2006/main" xmlns:r="http://schemas.openxmlformats.org/officeDocument/2006/relationships" xmlns:p="http://schemas.openxmlformats.org/presentationml/2006/main">
   <p:cSld>
     <p:spTree>
@@ -17796,7 +17969,7 @@
 </p:sld>
 </file>
 
-<file path=ppt/slides/slide34.xml><?xml version="1.0" encoding="utf-8"?>
+<file path=ppt/slides/slide36.xml><?xml version="1.0" encoding="utf-8"?>
 <p:sld xmlns:a="http://schemas.openxmlformats.org/drawingml/2006/main" xmlns:r="http://schemas.openxmlformats.org/officeDocument/2006/relationships" xmlns:p="http://schemas.openxmlformats.org/presentationml/2006/main">
   <p:cSld>
     <p:spTree>
@@ -18231,7 +18404,7 @@
 </p:sld>
 </file>
 
-<file path=ppt/slides/slide35.xml><?xml version="1.0" encoding="utf-8"?>
+<file path=ppt/slides/slide37.xml><?xml version="1.0" encoding="utf-8"?>
 <p:sld xmlns:a="http://schemas.openxmlformats.org/drawingml/2006/main" xmlns:r="http://schemas.openxmlformats.org/officeDocument/2006/relationships" xmlns:p="http://schemas.openxmlformats.org/presentationml/2006/main">
   <p:cSld>
     <p:spTree>
@@ -18865,7 +19038,7 @@
 </p:sld>
 </file>
 
-<file path=ppt/slides/slide36.xml><?xml version="1.0" encoding="utf-8"?>
+<file path=ppt/slides/slide38.xml><?xml version="1.0" encoding="utf-8"?>
 <p:sld xmlns:a="http://schemas.openxmlformats.org/drawingml/2006/main" xmlns:r="http://schemas.openxmlformats.org/officeDocument/2006/relationships" xmlns:p="http://schemas.openxmlformats.org/presentationml/2006/main">
   <p:cSld>
     <p:spTree>
@@ -18952,232 +19125,6 @@
     <p:extLst>
       <p:ext uri="{BB962C8B-B14F-4D97-AF65-F5344CB8AC3E}">
         <p14:creationId xmlns:p14="http://schemas.microsoft.com/office/powerpoint/2010/main" val="3942256509"/>
-      </p:ext>
-    </p:extLst>
-  </p:cSld>
-  <p:clrMapOvr>
-    <a:masterClrMapping/>
-  </p:clrMapOvr>
-</p:sld>
-</file>
-
-<file path=ppt/slides/slide37.xml><?xml version="1.0" encoding="utf-8"?>
-<p:sld xmlns:a="http://schemas.openxmlformats.org/drawingml/2006/main" xmlns:r="http://schemas.openxmlformats.org/officeDocument/2006/relationships" xmlns:p="http://schemas.openxmlformats.org/presentationml/2006/main">
-  <p:cSld>
-    <p:spTree>
-      <p:nvGrpSpPr>
-        <p:cNvPr id="1" name=""/>
-        <p:cNvGrpSpPr/>
-        <p:nvPr/>
-      </p:nvGrpSpPr>
-      <p:grpSpPr>
-        <a:xfrm>
-          <a:off x="0" y="0"/>
-          <a:ext cx="0" cy="0"/>
-          <a:chOff x="0" y="0"/>
-          <a:chExt cx="0" cy="0"/>
-        </a:xfrm>
-      </p:grpSpPr>
-      <p:sp>
-        <p:nvSpPr>
-          <p:cNvPr id="2" name="Title 1"/>
-          <p:cNvSpPr>
-            <a:spLocks noGrp="1"/>
-          </p:cNvSpPr>
-          <p:nvPr>
-            <p:ph type="title"/>
-          </p:nvPr>
-        </p:nvSpPr>
-        <p:spPr>
-          <a:xfrm>
-            <a:off x="609600" y="337392"/>
-            <a:ext cx="10439400" cy="624840"/>
-          </a:xfrm>
-        </p:spPr>
-        <p:txBody>
-          <a:bodyPr>
-            <a:noAutofit/>
-          </a:bodyPr>
-          <a:lstStyle/>
-          <a:p>
-            <a:r>
-              <a:rPr lang="en-US" sz="3600" dirty="0">
-                <a:latin typeface="Times New Roman" panose="02020603050405020304" pitchFamily="18" charset="0"/>
-                <a:cs typeface="Times New Roman" panose="02020603050405020304" pitchFamily="18" charset="0"/>
-              </a:rPr>
-              <a:t>But first…</a:t>
-            </a:r>
-          </a:p>
-        </p:txBody>
-      </p:sp>
-      <p:pic>
-        <p:nvPicPr>
-          <p:cNvPr id="6" name="Picture 5">
-            <a:extLst>
-              <a:ext uri="{FF2B5EF4-FFF2-40B4-BE49-F238E27FC236}">
-                <a16:creationId xmlns:a16="http://schemas.microsoft.com/office/drawing/2014/main" id="{18FABF23-63D4-8045-1F8F-6775C282DB0B}"/>
-              </a:ext>
-            </a:extLst>
-          </p:cNvPr>
-          <p:cNvPicPr>
-            <a:picLocks noChangeAspect="1"/>
-          </p:cNvPicPr>
-          <p:nvPr/>
-        </p:nvPicPr>
-        <p:blipFill>
-          <a:blip r:embed="rId3"/>
-          <a:stretch>
-            <a:fillRect/>
-          </a:stretch>
-        </p:blipFill>
-        <p:spPr>
-          <a:xfrm>
-            <a:off x="32084" y="1143000"/>
-            <a:ext cx="11774543" cy="5896798"/>
-          </a:xfrm>
-          <a:prstGeom prst="rect">
-            <a:avLst/>
-          </a:prstGeom>
-        </p:spPr>
-      </p:pic>
-    </p:spTree>
-    <p:extLst>
-      <p:ext uri="{BB962C8B-B14F-4D97-AF65-F5344CB8AC3E}">
-        <p14:creationId xmlns:p14="http://schemas.microsoft.com/office/powerpoint/2010/main" val="1557838854"/>
-      </p:ext>
-    </p:extLst>
-  </p:cSld>
-  <p:clrMapOvr>
-    <a:masterClrMapping/>
-  </p:clrMapOvr>
-</p:sld>
-</file>
-
-<file path=ppt/slides/slide38.xml><?xml version="1.0" encoding="utf-8"?>
-<p:sld xmlns:a="http://schemas.openxmlformats.org/drawingml/2006/main" xmlns:r="http://schemas.openxmlformats.org/officeDocument/2006/relationships" xmlns:p="http://schemas.openxmlformats.org/presentationml/2006/main">
-  <p:cSld>
-    <p:spTree>
-      <p:nvGrpSpPr>
-        <p:cNvPr id="1" name="">
-          <a:extLst>
-            <a:ext uri="{FF2B5EF4-FFF2-40B4-BE49-F238E27FC236}">
-              <a16:creationId xmlns:a16="http://schemas.microsoft.com/office/drawing/2014/main" id="{4999F446-C813-A200-4803-DECAB82C61B1}"/>
-            </a:ext>
-          </a:extLst>
-        </p:cNvPr>
-        <p:cNvGrpSpPr/>
-        <p:nvPr/>
-      </p:nvGrpSpPr>
-      <p:grpSpPr>
-        <a:xfrm>
-          <a:off x="0" y="0"/>
-          <a:ext cx="0" cy="0"/>
-          <a:chOff x="0" y="0"/>
-          <a:chExt cx="0" cy="0"/>
-        </a:xfrm>
-      </p:grpSpPr>
-      <p:sp>
-        <p:nvSpPr>
-          <p:cNvPr id="2" name="Title 1">
-            <a:extLst>
-              <a:ext uri="{FF2B5EF4-FFF2-40B4-BE49-F238E27FC236}">
-                <a16:creationId xmlns:a16="http://schemas.microsoft.com/office/drawing/2014/main" id="{514DE3A3-AF4B-8985-A02D-C074836BF1C7}"/>
-              </a:ext>
-            </a:extLst>
-          </p:cNvPr>
-          <p:cNvSpPr>
-            <a:spLocks noGrp="1"/>
-          </p:cNvSpPr>
-          <p:nvPr>
-            <p:ph type="title"/>
-          </p:nvPr>
-        </p:nvSpPr>
-        <p:spPr>
-          <a:xfrm>
-            <a:off x="609600" y="337392"/>
-            <a:ext cx="10439400" cy="624840"/>
-          </a:xfrm>
-        </p:spPr>
-        <p:txBody>
-          <a:bodyPr>
-            <a:noAutofit/>
-          </a:bodyPr>
-          <a:lstStyle/>
-          <a:p>
-            <a:r>
-              <a:rPr lang="en-US" sz="3600" dirty="0">
-                <a:latin typeface="Times New Roman" panose="02020603050405020304" pitchFamily="18" charset="0"/>
-                <a:cs typeface="Times New Roman" panose="02020603050405020304" pitchFamily="18" charset="0"/>
-              </a:rPr>
-              <a:t>But first…</a:t>
-            </a:r>
-          </a:p>
-        </p:txBody>
-      </p:sp>
-      <p:pic>
-        <p:nvPicPr>
-          <p:cNvPr id="4" name="Picture 3">
-            <a:extLst>
-              <a:ext uri="{FF2B5EF4-FFF2-40B4-BE49-F238E27FC236}">
-                <a16:creationId xmlns:a16="http://schemas.microsoft.com/office/drawing/2014/main" id="{07D30BFC-92FC-9D40-7964-36F920834C44}"/>
-              </a:ext>
-            </a:extLst>
-          </p:cNvPr>
-          <p:cNvPicPr>
-            <a:picLocks noChangeAspect="1"/>
-          </p:cNvPicPr>
-          <p:nvPr/>
-        </p:nvPicPr>
-        <p:blipFill>
-          <a:blip r:embed="rId3"/>
-          <a:stretch>
-            <a:fillRect/>
-          </a:stretch>
-        </p:blipFill>
-        <p:spPr>
-          <a:xfrm>
-            <a:off x="0" y="116304"/>
-            <a:ext cx="6219777" cy="3846096"/>
-          </a:xfrm>
-          <a:prstGeom prst="rect">
-            <a:avLst/>
-          </a:prstGeom>
-        </p:spPr>
-      </p:pic>
-      <p:pic>
-        <p:nvPicPr>
-          <p:cNvPr id="7" name="Picture 6">
-            <a:extLst>
-              <a:ext uri="{FF2B5EF4-FFF2-40B4-BE49-F238E27FC236}">
-                <a16:creationId xmlns:a16="http://schemas.microsoft.com/office/drawing/2014/main" id="{81C3A404-F206-4BBD-6A1B-D1C8C09D14C6}"/>
-              </a:ext>
-            </a:extLst>
-          </p:cNvPr>
-          <p:cNvPicPr>
-            <a:picLocks noChangeAspect="1"/>
-          </p:cNvPicPr>
-          <p:nvPr/>
-        </p:nvPicPr>
-        <p:blipFill>
-          <a:blip r:embed="rId4"/>
-          <a:stretch>
-            <a:fillRect/>
-          </a:stretch>
-        </p:blipFill>
-        <p:spPr>
-          <a:xfrm>
-            <a:off x="6371247" y="3011904"/>
-            <a:ext cx="5824764" cy="3810001"/>
-          </a:xfrm>
-          <a:prstGeom prst="rect">
-            <a:avLst/>
-          </a:prstGeom>
-        </p:spPr>
-      </p:pic>
-    </p:spTree>
-    <p:extLst>
-      <p:ext uri="{BB962C8B-B14F-4D97-AF65-F5344CB8AC3E}">
-        <p14:creationId xmlns:p14="http://schemas.microsoft.com/office/powerpoint/2010/main" val="272964036"/>
       </p:ext>
     </p:extLst>
   </p:cSld>
@@ -19634,46 +19581,17 @@
           <a:chExt cx="0" cy="0"/>
         </a:xfrm>
       </p:grpSpPr>
-      <p:sp>
-        <p:nvSpPr>
-          <p:cNvPr id="2" name="Title 1"/>
-          <p:cNvSpPr>
-            <a:spLocks noGrp="1"/>
-          </p:cNvSpPr>
-          <p:nvPr>
-            <p:ph type="title"/>
-          </p:nvPr>
-        </p:nvSpPr>
-        <p:spPr>
-          <a:xfrm>
-            <a:off x="609600" y="337392"/>
-            <a:ext cx="10439400" cy="624840"/>
-          </a:xfrm>
-        </p:spPr>
-        <p:txBody>
-          <a:bodyPr>
-            <a:noAutofit/>
-          </a:bodyPr>
-          <a:lstStyle/>
-          <a:p>
-            <a:r>
-              <a:rPr lang="en-US" sz="3600" dirty="0">
-                <a:cs typeface="Times New Roman" panose="02020603050405020304" pitchFamily="18" charset="0"/>
-              </a:rPr>
-              <a:t>Examples of Limited Dependent Variables</a:t>
-            </a:r>
-            <a:endParaRPr lang="en-US" sz="3600" dirty="0">
-              <a:latin typeface="Times New Roman" panose="02020603050405020304" pitchFamily="18" charset="0"/>
-              <a:cs typeface="Times New Roman" panose="02020603050405020304" pitchFamily="18" charset="0"/>
-            </a:endParaRPr>
-          </a:p>
-        </p:txBody>
-      </p:sp>
       <mc:AlternateContent xmlns:mc="http://schemas.openxmlformats.org/markup-compatibility/2006" xmlns:a14="http://schemas.microsoft.com/office/drawing/2010/main">
         <mc:Choice Requires="a14">
           <p:sp>
             <p:nvSpPr>
-              <p:cNvPr id="3" name="Content Placeholder 2"/>
+              <p:cNvPr id="3" name="Content Placeholder 2">
+                <a:extLst>
+                  <a:ext uri="{FF2B5EF4-FFF2-40B4-BE49-F238E27FC236}">
+                    <a16:creationId xmlns:a16="http://schemas.microsoft.com/office/drawing/2014/main" id="{8BFAC18E-4064-A1FE-C1EB-5D23F1DFAD23}"/>
+                  </a:ext>
+                </a:extLst>
+              </p:cNvPr>
               <p:cNvSpPr>
                 <a:spLocks noGrp="1"/>
               </p:cNvSpPr>
@@ -19683,114 +19601,150 @@
             </p:nvSpPr>
             <p:spPr>
               <a:xfrm>
-                <a:off x="1219199" y="1066801"/>
-                <a:ext cx="9405791" cy="5141388"/>
+                <a:off x="914400" y="1119952"/>
+                <a:ext cx="9984829" cy="5357048"/>
               </a:xfrm>
             </p:spPr>
             <p:txBody>
-              <a:bodyPr>
-                <a:noAutofit/>
+              <a:bodyPr vert="horz" lIns="91440" tIns="45720" rIns="91440" bIns="45720" rtlCol="0" anchor="t">
+                <a:normAutofit/>
               </a:bodyPr>
               <a:lstStyle/>
               <a:p>
                 <a:r>
-                  <a:rPr lang="en-US" sz="2600" b="1" dirty="0">
-                    <a:cs typeface="Times New Roman" panose="02020603050405020304" pitchFamily="18" charset="0"/>
-                  </a:rPr>
-                  <a:t>Binary</a:t>
-                </a:r>
-                <a:r>
-                  <a:rPr lang="en-US" sz="2600" dirty="0">
-                    <a:cs typeface="Times New Roman" panose="02020603050405020304" pitchFamily="18" charset="0"/>
-                  </a:rPr>
-                  <a:t>: Whether or not someone receives a treatment</a:t>
+                  <a:rPr lang="en-US" sz="2400" dirty="0">
+                    <a:latin typeface="Times New Roman"/>
+                    <a:cs typeface="Times New Roman"/>
+                  </a:rPr>
+                  <a:t>Using plausibly exogenous variation </a:t>
+                </a:r>
+                <a:r>
+                  <a:rPr lang="en-US" sz="2400" b="1" dirty="0">
+                    <a:latin typeface="Times New Roman"/>
+                    <a:cs typeface="Times New Roman"/>
+                  </a:rPr>
+                  <a:t>across groups and time</a:t>
+                </a:r>
+              </a:p>
+              <a:p>
+                <a:r>
+                  <a:rPr lang="en-US" sz="2400" dirty="0">
+                    <a:latin typeface="Times New Roman"/>
+                    <a:cs typeface="Times New Roman"/>
+                  </a:rPr>
+                  <a:t>Mimicking an experiment with federalism</a:t>
+                </a:r>
+              </a:p>
+              <a:p>
+                <a:r>
+                  <a:rPr lang="en-US" sz="2400" dirty="0">
+                    <a:latin typeface="Times New Roman"/>
+                    <a:cs typeface="Times New Roman"/>
+                  </a:rPr>
+                  <a:t>Parallel trends assumption is easy to state and defend – what drawbacks are there? </a:t>
                 </a:r>
                 <a:endParaRPr lang="en-US" sz="2400" dirty="0">
-                  <a:cs typeface="Times New Roman" panose="02020603050405020304" pitchFamily="18" charset="0"/>
+                  <a:solidFill>
+                    <a:srgbClr val="262626"/>
+                  </a:solidFill>
+                  <a:latin typeface="Times New Roman"/>
+                  <a:cs typeface="Times New Roman"/>
                 </a:endParaRPr>
               </a:p>
               <a:p>
-                <a:r>
-                  <a:rPr lang="en-US" sz="2400" b="1" dirty="0">
-                    <a:cs typeface="Times New Roman" panose="02020603050405020304" pitchFamily="18" charset="0"/>
-                  </a:rPr>
-                  <a:t>Ordered</a:t>
-                </a:r>
-                <a:r>
-                  <a:rPr lang="en-US" sz="2400" dirty="0">
-                    <a:cs typeface="Times New Roman" panose="02020603050405020304" pitchFamily="18" charset="0"/>
-                  </a:rPr>
-                  <a:t>: Number of prenatal visits during a pregnancy</a:t>
-                </a:r>
-              </a:p>
-              <a:p>
-                <a:pPr marL="0" indent="0">
-                  <a:buNone/>
-                </a:pPr>
-                <a14:m>
-                  <m:oMathPara xmlns:m="http://schemas.openxmlformats.org/officeDocument/2006/math">
-                    <m:oMathParaPr>
-                      <m:jc m:val="centerGroup"/>
-                    </m:oMathParaPr>
-                    <m:oMath xmlns:m="http://schemas.openxmlformats.org/officeDocument/2006/math">
-                      <m:r>
-                        <a:rPr lang="en-US" sz="2400" b="0" i="1" smtClean="0">
-                          <a:latin typeface="Cambria Math" panose="02040503050406030204" pitchFamily="18" charset="0"/>
-                          <a:cs typeface="Times New Roman" panose="02020603050405020304" pitchFamily="18" charset="0"/>
-                        </a:rPr>
-                        <m:t>𝑌</m:t>
-                      </m:r>
-                      <m:r>
-                        <a:rPr lang="en-US" sz="2400" b="0" i="1" smtClean="0">
-                          <a:latin typeface="Cambria Math" panose="02040503050406030204" pitchFamily="18" charset="0"/>
-                          <a:cs typeface="Times New Roman" panose="02020603050405020304" pitchFamily="18" charset="0"/>
-                        </a:rPr>
-                        <m:t>∈</m:t>
-                      </m:r>
-                      <m:r>
-                        <m:rPr>
-                          <m:lit/>
-                        </m:rPr>
-                        <a:rPr lang="en-US" sz="2400" b="0" i="1" smtClean="0">
-                          <a:latin typeface="Cambria Math" panose="02040503050406030204" pitchFamily="18" charset="0"/>
-                          <a:cs typeface="Times New Roman" panose="02020603050405020304" pitchFamily="18" charset="0"/>
-                        </a:rPr>
-                        <m:t>{</m:t>
-                      </m:r>
-                      <m:r>
-                        <a:rPr lang="en-US" sz="2400" b="0" i="1" smtClean="0">
-                          <a:latin typeface="Cambria Math" panose="02040503050406030204" pitchFamily="18" charset="0"/>
-                          <a:cs typeface="Times New Roman" panose="02020603050405020304" pitchFamily="18" charset="0"/>
-                        </a:rPr>
-                        <m:t>0, 1, 2, 3, …, </m:t>
-                      </m:r>
-                      <m:r>
-                        <a:rPr lang="en-US" sz="2400" b="0" i="1" smtClean="0">
-                          <a:latin typeface="Cambria Math" panose="02040503050406030204" pitchFamily="18" charset="0"/>
-                          <a:cs typeface="Times New Roman" panose="02020603050405020304" pitchFamily="18" charset="0"/>
-                        </a:rPr>
-                        <m:t>𝑁</m:t>
-                      </m:r>
-                      <m:r>
-                        <m:rPr>
-                          <m:lit/>
-                        </m:rPr>
-                        <a:rPr lang="en-US" sz="2400" b="0" i="1" smtClean="0">
-                          <a:latin typeface="Cambria Math" panose="02040503050406030204" pitchFamily="18" charset="0"/>
-                          <a:cs typeface="Times New Roman" panose="02020603050405020304" pitchFamily="18" charset="0"/>
-                        </a:rPr>
-                        <m:t>}</m:t>
-                      </m:r>
-                    </m:oMath>
-                  </m:oMathPara>
-                </a14:m>
+                <a:pPr lvl="1"/>
                 <a:endParaRPr lang="en-US" sz="2400" dirty="0">
-                  <a:cs typeface="Times New Roman" panose="02020603050405020304" pitchFamily="18" charset="0"/>
+                  <a:solidFill>
+                    <a:srgbClr val="262626"/>
+                  </a:solidFill>
+                  <a:latin typeface="Times New Roman"/>
+                  <a:cs typeface="Times New Roman"/>
                 </a:endParaRPr>
               </a:p>
               <a:p>
-                <a:endParaRPr lang="en-US" sz="2200" dirty="0">
-                  <a:cs typeface="Times New Roman" panose="02020603050405020304" pitchFamily="18" charset="0"/>
+                <a:pPr lvl="1"/>
+                <a:endParaRPr lang="en-US" sz="2400" dirty="0">
+                  <a:solidFill>
+                    <a:srgbClr val="262626"/>
+                  </a:solidFill>
+                  <a:latin typeface="Times New Roman"/>
+                  <a:cs typeface="Times New Roman"/>
+                </a:endParaRPr>
+              </a:p>
+              <a:p>
+                <a:pPr lvl="1"/>
+                <a:endParaRPr lang="en-US" sz="2400" dirty="0">
+                  <a:solidFill>
+                    <a:srgbClr val="262626"/>
+                  </a:solidFill>
+                  <a:latin typeface="Times New Roman"/>
+                  <a:cs typeface="Times New Roman"/>
+                </a:endParaRPr>
+              </a:p>
+              <a:p>
+                <a:pPr lvl="1"/>
+                <a:endParaRPr lang="en-US" sz="2400" dirty="0">
+                  <a:solidFill>
+                    <a:srgbClr val="262626"/>
+                  </a:solidFill>
+                  <a:latin typeface="Times New Roman"/>
+                  <a:cs typeface="Times New Roman"/>
+                </a:endParaRPr>
+              </a:p>
+              <a:p>
+                <a:r>
+                  <a:rPr lang="en-US" sz="2600" dirty="0">
+                    <a:solidFill>
+                      <a:srgbClr val="262626"/>
+                    </a:solidFill>
+                    <a:latin typeface="Times New Roman"/>
+                    <a:cs typeface="Times New Roman"/>
+                  </a:rPr>
+                  <a:t>Designing estimating equations</a:t>
+                </a:r>
+              </a:p>
+              <a:p>
+                <a:r>
+                  <a:rPr lang="en-US" sz="2600" dirty="0">
+                    <a:solidFill>
+                      <a:srgbClr val="262626"/>
+                    </a:solidFill>
+                    <a:latin typeface="Times New Roman"/>
+                    <a:cs typeface="Times New Roman"/>
+                  </a:rPr>
+                  <a:t>Specifically: what do you do when </a:t>
+                </a:r>
+                <a14:m>
+                  <m:oMath xmlns:m="http://schemas.openxmlformats.org/officeDocument/2006/math">
+                    <m:r>
+                      <a:rPr lang="en-US" sz="2600" b="0" i="1" smtClean="0">
+                        <a:solidFill>
+                          <a:srgbClr val="262626"/>
+                        </a:solidFill>
+                        <a:latin typeface="Cambria Math" panose="02040503050406030204" pitchFamily="18" charset="0"/>
+                        <a:cs typeface="Times New Roman"/>
+                      </a:rPr>
+                      <m:t>𝑌</m:t>
+                    </m:r>
+                  </m:oMath>
+                </a14:m>
+                <a:r>
+                  <a:rPr lang="en-US" sz="2600" dirty="0">
+                    <a:solidFill>
+                      <a:srgbClr val="262626"/>
+                    </a:solidFill>
+                    <a:cs typeface="Times New Roman"/>
+                  </a:rPr>
+                  <a:t> is not continuous or you don’t want OLS? </a:t>
+                </a:r>
+              </a:p>
+              <a:p>
+                <a:pPr lvl="1">
+                  <a:buFont typeface="Wingdings 2"/>
+                  <a:buChar char=""/>
+                </a:pPr>
+                <a:endParaRPr lang="en-US" sz="2400" dirty="0">
+                  <a:cs typeface="Times New Roman"/>
                 </a:endParaRPr>
               </a:p>
             </p:txBody>
@@ -19799,7 +19753,13 @@
         <mc:Fallback xmlns="">
           <p:sp>
             <p:nvSpPr>
-              <p:cNvPr id="3" name="Content Placeholder 2"/>
+              <p:cNvPr id="3" name="Content Placeholder 2">
+                <a:extLst>
+                  <a:ext uri="{FF2B5EF4-FFF2-40B4-BE49-F238E27FC236}">
+                    <a16:creationId xmlns:a16="http://schemas.microsoft.com/office/drawing/2014/main" id="{8BFAC18E-4064-A1FE-C1EB-5D23F1DFAD23}"/>
+                  </a:ext>
+                </a:extLst>
+              </p:cNvPr>
               <p:cNvSpPr>
                 <a:spLocks noGrp="1" noRot="1" noChangeAspect="1" noMove="1" noResize="1" noEditPoints="1" noAdjustHandles="1" noChangeArrowheads="1" noChangeShapeType="1" noTextEdit="1"/>
               </p:cNvSpPr>
@@ -19809,13 +19769,13 @@
             </p:nvSpPr>
             <p:spPr>
               <a:xfrm>
-                <a:off x="1219199" y="1066801"/>
-                <a:ext cx="9405791" cy="5141388"/>
+                <a:off x="914400" y="1119952"/>
+                <a:ext cx="9984829" cy="5357048"/>
               </a:xfrm>
               <a:blipFill>
                 <a:blip r:embed="rId3"/>
                 <a:stretch>
-                  <a:fillRect l="-583" t="-1423"/>
+                  <a:fillRect l="-549" t="-1251"/>
                 </a:stretch>
               </a:blipFill>
             </p:spPr>
@@ -19824,7 +19784,7 @@
               <a:lstStyle/>
               <a:p>
                 <a:r>
-                  <a:rPr lang="en-US">
+                  <a:rPr lang="en-CA">
                     <a:noFill/>
                   </a:rPr>
                   <a:t> </a:t>
@@ -19834,10 +19794,173 @@
           </p:sp>
         </mc:Fallback>
       </mc:AlternateContent>
+      <p:sp>
+        <p:nvSpPr>
+          <p:cNvPr id="5" name="Title 1">
+            <a:extLst>
+              <a:ext uri="{FF2B5EF4-FFF2-40B4-BE49-F238E27FC236}">
+                <a16:creationId xmlns:a16="http://schemas.microsoft.com/office/drawing/2014/main" id="{EF3111ED-61A2-2123-0D2A-EFDD981A07C2}"/>
+              </a:ext>
+            </a:extLst>
+          </p:cNvPr>
+          <p:cNvSpPr txBox="1">
+            <a:spLocks/>
+          </p:cNvSpPr>
+          <p:nvPr/>
+        </p:nvSpPr>
+        <p:spPr>
+          <a:xfrm>
+            <a:off x="609600" y="337392"/>
+            <a:ext cx="10439400" cy="624840"/>
+          </a:xfrm>
+          <a:prstGeom prst="rect">
+            <a:avLst/>
+          </a:prstGeom>
+        </p:spPr>
+        <p:txBody>
+          <a:bodyPr vert="horz" lIns="91440" tIns="45720" rIns="91440" bIns="45720" rtlCol="0" anchor="b">
+            <a:noAutofit/>
+          </a:bodyPr>
+          <a:lstStyle>
+            <a:lvl1pPr algn="l" defTabSz="914400" rtl="0" eaLnBrk="1" latinLnBrk="0" hangingPunct="1">
+              <a:lnSpc>
+                <a:spcPct val="90000"/>
+              </a:lnSpc>
+              <a:spcBef>
+                <a:spcPct val="0"/>
+              </a:spcBef>
+              <a:buNone/>
+              <a:defRPr sz="4400" kern="1200" spc="-50" baseline="0">
+                <a:solidFill>
+                  <a:schemeClr val="tx1"/>
+                </a:solidFill>
+                <a:latin typeface="Times New Roman" panose="02020603050405020304" pitchFamily="18" charset="0"/>
+                <a:ea typeface="+mj-ea"/>
+                <a:cs typeface="+mj-cs"/>
+              </a:defRPr>
+            </a:lvl1pPr>
+          </a:lstStyle>
+          <a:p>
+            <a:r>
+              <a:rPr lang="en-US" sz="3600" dirty="0">
+                <a:latin typeface="Times New Roman"/>
+                <a:cs typeface="Times New Roman"/>
+              </a:rPr>
+              <a:t>Last Time: Difference-in-Differences </a:t>
+            </a:r>
+            <a:endParaRPr lang="en-US" dirty="0"/>
+          </a:p>
+        </p:txBody>
+      </p:sp>
+      <p:sp>
+        <p:nvSpPr>
+          <p:cNvPr id="4" name="Title 1">
+            <a:extLst>
+              <a:ext uri="{FF2B5EF4-FFF2-40B4-BE49-F238E27FC236}">
+                <a16:creationId xmlns:a16="http://schemas.microsoft.com/office/drawing/2014/main" id="{66D88018-A2D6-33DA-4F0F-340FD6CC732C}"/>
+              </a:ext>
+            </a:extLst>
+          </p:cNvPr>
+          <p:cNvSpPr txBox="1">
+            <a:spLocks/>
+          </p:cNvSpPr>
+          <p:nvPr/>
+        </p:nvSpPr>
+        <p:spPr>
+          <a:xfrm>
+            <a:off x="609600" y="3962400"/>
+            <a:ext cx="10439400" cy="624840"/>
+          </a:xfrm>
+          <a:prstGeom prst="rect">
+            <a:avLst/>
+          </a:prstGeom>
+        </p:spPr>
+        <p:txBody>
+          <a:bodyPr vert="horz" lIns="91440" tIns="45720" rIns="91440" bIns="45720" rtlCol="0" anchor="b">
+            <a:noAutofit/>
+          </a:bodyPr>
+          <a:lstStyle>
+            <a:lvl1pPr algn="l" defTabSz="914400" rtl="0" eaLnBrk="1" latinLnBrk="0" hangingPunct="1">
+              <a:lnSpc>
+                <a:spcPct val="90000"/>
+              </a:lnSpc>
+              <a:spcBef>
+                <a:spcPct val="0"/>
+              </a:spcBef>
+              <a:buNone/>
+              <a:defRPr sz="4400" kern="1200" spc="-50" baseline="0">
+                <a:solidFill>
+                  <a:schemeClr val="tx1"/>
+                </a:solidFill>
+                <a:latin typeface="Times New Roman" panose="02020603050405020304" pitchFamily="18" charset="0"/>
+                <a:ea typeface="+mj-ea"/>
+                <a:cs typeface="+mj-cs"/>
+              </a:defRPr>
+            </a:lvl1pPr>
+          </a:lstStyle>
+          <a:p>
+            <a:r>
+              <a:rPr lang="en-US" sz="3600" dirty="0">
+                <a:latin typeface="Times New Roman"/>
+                <a:cs typeface="Times New Roman"/>
+              </a:rPr>
+              <a:t>This Time: Limited Dependent Variables</a:t>
+            </a:r>
+            <a:endParaRPr lang="en-US" dirty="0"/>
+          </a:p>
+        </p:txBody>
+      </p:sp>
+      <p:pic>
+        <p:nvPicPr>
+          <p:cNvPr id="1026" name="Picture 2" descr="Unlimited Wicked Star Wars | TikTok">
+            <a:extLst>
+              <a:ext uri="{FF2B5EF4-FFF2-40B4-BE49-F238E27FC236}">
+                <a16:creationId xmlns:a16="http://schemas.microsoft.com/office/drawing/2014/main" id="{121C6132-7BB5-01D5-44F1-F66CD6E83C48}"/>
+              </a:ext>
+            </a:extLst>
+          </p:cNvPr>
+          <p:cNvPicPr>
+            <a:picLocks noChangeAspect="1" noChangeArrowheads="1"/>
+          </p:cNvPicPr>
+          <p:nvPr/>
+        </p:nvPicPr>
+        <p:blipFill>
+          <a:blip r:embed="rId4">
+            <a:extLst>
+              <a:ext uri="{28A0092B-C50C-407E-A947-70E740481C1C}">
+                <a14:useLocalDpi xmlns:a14="http://schemas.microsoft.com/office/drawing/2010/main" val="0"/>
+              </a:ext>
+            </a:extLst>
+          </a:blip>
+          <a:srcRect/>
+          <a:stretch>
+            <a:fillRect/>
+          </a:stretch>
+        </p:blipFill>
+        <p:spPr bwMode="auto">
+          <a:xfrm>
+            <a:off x="8162956" y="3781158"/>
+            <a:ext cx="3048000" cy="1504950"/>
+          </a:xfrm>
+          <a:prstGeom prst="rect">
+            <a:avLst/>
+          </a:prstGeom>
+          <a:noFill/>
+          <a:extLst>
+            <a:ext uri="{909E8E84-426E-40DD-AFC4-6F175D3DCCD1}">
+              <a14:hiddenFill xmlns:a14="http://schemas.microsoft.com/office/drawing/2010/main">
+                <a:solidFill>
+                  <a:srgbClr val="FFFFFF"/>
+                </a:solidFill>
+              </a14:hiddenFill>
+            </a:ext>
+          </a:extLst>
+        </p:spPr>
+      </p:pic>
     </p:spTree>
     <p:extLst>
       <p:ext uri="{BB962C8B-B14F-4D97-AF65-F5344CB8AC3E}">
-        <p14:creationId xmlns:p14="http://schemas.microsoft.com/office/powerpoint/2010/main" val="2634887981"/>
+        <p14:creationId xmlns:p14="http://schemas.microsoft.com/office/powerpoint/2010/main" val="1286152431"/>
       </p:ext>
     </p:extLst>
   </p:cSld>
@@ -24796,34 +24919,6 @@
                 </a:r>
               </a:p>
               <a:p>
-                <a:r>
-                  <a:rPr lang="en-US" sz="2400" b="1" dirty="0">
-                    <a:cs typeface="Times New Roman" panose="02020603050405020304" pitchFamily="18" charset="0"/>
-                  </a:rPr>
-                  <a:t>Ordered</a:t>
-                </a:r>
-                <a:r>
-                  <a:rPr lang="en-US" sz="2400" dirty="0">
-                    <a:cs typeface="Times New Roman" panose="02020603050405020304" pitchFamily="18" charset="0"/>
-                  </a:rPr>
-                  <a:t>: Number of prenatal visits during a pregnancy</a:t>
-                </a:r>
-              </a:p>
-              <a:p>
-                <a:r>
-                  <a:rPr lang="en-US" sz="2400" b="1" dirty="0">
-                    <a:cs typeface="Times New Roman" panose="02020603050405020304" pitchFamily="18" charset="0"/>
-                  </a:rPr>
-                  <a:t>Censored</a:t>
-                </a:r>
-                <a:r>
-                  <a:rPr lang="en-US" sz="2400" dirty="0">
-                    <a:cs typeface="Times New Roman" panose="02020603050405020304" pitchFamily="18" charset="0"/>
-                  </a:rPr>
-                  <a:t>: Income data is observed only in a certain range</a:t>
-                </a:r>
-              </a:p>
-              <a:p>
                 <a:pPr marL="0" indent="0">
                   <a:buNone/>
                 </a:pPr>
@@ -24839,16 +24934,6 @@
                           <a:cs typeface="Times New Roman" panose="02020603050405020304" pitchFamily="18" charset="0"/>
                         </a:rPr>
                         <m:t>𝑌</m:t>
-                      </m:r>
-                      <m:r>
-                        <m:rPr>
-                          <m:lit/>
-                        </m:rPr>
-                        <a:rPr lang="en-US" sz="2400" b="0" i="1" smtClean="0">
-                          <a:latin typeface="Cambria Math" panose="02040503050406030204" pitchFamily="18" charset="0"/>
-                          <a:cs typeface="Times New Roman" panose="02020603050405020304" pitchFamily="18" charset="0"/>
-                        </a:rPr>
-                        <m:t> </m:t>
                       </m:r>
                       <m:r>
                         <a:rPr lang="en-US" sz="2400" b="0" i="1" smtClean="0">
@@ -24872,7 +24957,7 @@
                           <a:latin typeface="Cambria Math" panose="02040503050406030204" pitchFamily="18" charset="0"/>
                           <a:cs typeface="Times New Roman" panose="02020603050405020304" pitchFamily="18" charset="0"/>
                         </a:rPr>
-                        <m:t>$0−$1,000, $1,000−$5,000, $5,000−$8,000,…, $1,000,000+</m:t>
+                        <m:t>0,1</m:t>
                       </m:r>
                       <m:r>
                         <m:rPr>
@@ -24888,11 +24973,6 @@
                   </m:oMathPara>
                 </a14:m>
                 <a:endParaRPr lang="en-US" sz="2400" dirty="0">
-                  <a:cs typeface="Times New Roman" panose="02020603050405020304" pitchFamily="18" charset="0"/>
-                </a:endParaRPr>
-              </a:p>
-              <a:p>
-                <a:endParaRPr lang="en-US" sz="2200" dirty="0">
                   <a:cs typeface="Times New Roman" panose="02020603050405020304" pitchFamily="18" charset="0"/>
                 </a:endParaRPr>
               </a:p>
@@ -24918,7 +24998,7 @@
               <a:blipFill>
                 <a:blip r:embed="rId3"/>
                 <a:stretch>
-                  <a:fillRect l="-583" t="-1423" r="-324"/>
+                  <a:fillRect l="-583" t="-1423"/>
                 </a:stretch>
               </a:blipFill>
             </p:spPr>
@@ -24940,7 +25020,7 @@
     </p:spTree>
     <p:extLst>
       <p:ext uri="{BB962C8B-B14F-4D97-AF65-F5344CB8AC3E}">
-        <p14:creationId xmlns:p14="http://schemas.microsoft.com/office/powerpoint/2010/main" val="1919802246"/>
+        <p14:creationId xmlns:p14="http://schemas.microsoft.com/office/powerpoint/2010/main" val="824285635"/>
       </p:ext>
     </p:extLst>
   </p:cSld>
@@ -27923,17 +28003,20 @@
               <a:lstStyle/>
               <a:p>
                 <a:r>
-                  <a:rPr lang="en-US" sz="2400" b="1" dirty="0">
+                  <a:rPr lang="en-US" sz="2600" b="1" dirty="0">
                     <a:cs typeface="Times New Roman" panose="02020603050405020304" pitchFamily="18" charset="0"/>
                   </a:rPr>
                   <a:t>Binary</a:t>
                 </a:r>
                 <a:r>
-                  <a:rPr lang="en-US" sz="2400" dirty="0">
+                  <a:rPr lang="en-US" sz="2600" dirty="0">
                     <a:cs typeface="Times New Roman" panose="02020603050405020304" pitchFamily="18" charset="0"/>
                   </a:rPr>
                   <a:t>: Whether or not someone receives a treatment</a:t>
                 </a:r>
+                <a:endParaRPr lang="en-US" sz="2400" dirty="0">
+                  <a:cs typeface="Times New Roman" panose="02020603050405020304" pitchFamily="18" charset="0"/>
+                </a:endParaRPr>
               </a:p>
               <a:p>
                 <a:r>
@@ -27950,44 +28033,7 @@
                 </a:r>
               </a:p>
               <a:p>
-                <a:r>
-                  <a:rPr lang="en-US" sz="2400" b="1" dirty="0">
-                    <a:cs typeface="Times New Roman" panose="02020603050405020304" pitchFamily="18" charset="0"/>
-                  </a:rPr>
-                  <a:t>Censored</a:t>
-                </a:r>
-                <a:r>
-                  <a:rPr lang="en-US" sz="2400" dirty="0">
-                    <a:cs typeface="Times New Roman" panose="02020603050405020304" pitchFamily="18" charset="0"/>
-                  </a:rPr>
-                  <a:t>: Income data is observed only in a certain range</a:t>
-                </a:r>
-              </a:p>
-              <a:p>
-                <a:r>
-                  <a:rPr lang="en-US" sz="2400" b="1" dirty="0">
-                    <a:cs typeface="Times New Roman" panose="02020603050405020304" pitchFamily="18" charset="0"/>
-                  </a:rPr>
-                  <a:t>Truncated</a:t>
-                </a:r>
-                <a:r>
-                  <a:rPr lang="en-US" sz="2400" dirty="0">
-                    <a:cs typeface="Times New Roman" panose="02020603050405020304" pitchFamily="18" charset="0"/>
-                  </a:rPr>
-                  <a:t>: Data has a “hard limit” at a certain value</a:t>
-                </a:r>
-              </a:p>
-              <a:p>
-                <a:pPr lvl="1"/>
-                <a:r>
-                  <a:rPr lang="en-US" sz="2400" dirty="0">
-                    <a:cs typeface="Times New Roman" panose="02020603050405020304" pitchFamily="18" charset="0"/>
-                  </a:rPr>
-                  <a:t>Can be natural (no negative income) or imposed (top-coded spending)</a:t>
-                </a:r>
-              </a:p>
-              <a:p>
-                <a:pPr marL="274320" lvl="1" indent="0">
+                <a:pPr marL="0" indent="0">
                   <a:buNone/>
                 </a:pPr>
                 <a14:m>
@@ -28008,176 +28054,42 @@
                           <a:latin typeface="Cambria Math" panose="02040503050406030204" pitchFamily="18" charset="0"/>
                           <a:cs typeface="Times New Roman" panose="02020603050405020304" pitchFamily="18" charset="0"/>
                         </a:rPr>
-                        <m:t>= </m:t>
+                        <m:t>∈</m:t>
                       </m:r>
-                      <m:d>
-                        <m:dPr>
-                          <m:begChr m:val="{"/>
-                          <m:endChr m:val=""/>
-                          <m:ctrlPr>
-                            <a:rPr lang="en-US" sz="2400" b="0" i="1" smtClean="0">
-                              <a:latin typeface="Cambria Math" panose="02040503050406030204" pitchFamily="18" charset="0"/>
-                              <a:cs typeface="Times New Roman" panose="02020603050405020304" pitchFamily="18" charset="0"/>
-                            </a:rPr>
-                          </m:ctrlPr>
-                        </m:dPr>
-                        <m:e>
-                          <m:eqArr>
-                            <m:eqArrPr>
-                              <m:ctrlPr>
-                                <a:rPr lang="en-US" sz="2400" b="0" i="1" smtClean="0">
-                                  <a:latin typeface="Cambria Math" panose="02040503050406030204" pitchFamily="18" charset="0"/>
-                                  <a:cs typeface="Times New Roman" panose="02020603050405020304" pitchFamily="18" charset="0"/>
-                                </a:rPr>
-                              </m:ctrlPr>
-                            </m:eqArrPr>
-                            <m:e>
-                              <m:sSub>
-                                <m:sSubPr>
-                                  <m:ctrlPr>
-                                    <a:rPr lang="en-US" sz="2400" b="0" i="1" smtClean="0">
-                                      <a:latin typeface="Cambria Math" panose="02040503050406030204" pitchFamily="18" charset="0"/>
-                                      <a:cs typeface="Times New Roman" panose="02020603050405020304" pitchFamily="18" charset="0"/>
-                                    </a:rPr>
-                                  </m:ctrlPr>
-                                </m:sSubPr>
-                                <m:e>
-                                  <m:r>
-                                    <a:rPr lang="en-US" sz="2400" b="0" i="1" smtClean="0">
-                                      <a:latin typeface="Cambria Math" panose="02040503050406030204" pitchFamily="18" charset="0"/>
-                                      <a:cs typeface="Times New Roman" panose="02020603050405020304" pitchFamily="18" charset="0"/>
-                                    </a:rPr>
-                                    <m:t>𝑦</m:t>
-                                  </m:r>
-                                </m:e>
-                                <m:sub>
-                                  <m:r>
-                                    <a:rPr lang="en-US" sz="2400" b="0" i="1" smtClean="0">
-                                      <a:latin typeface="Cambria Math" panose="02040503050406030204" pitchFamily="18" charset="0"/>
-                                      <a:cs typeface="Times New Roman" panose="02020603050405020304" pitchFamily="18" charset="0"/>
-                                    </a:rPr>
-                                    <m:t>𝑖</m:t>
-                                  </m:r>
-                                  <m:r>
-                                    <a:rPr lang="en-US" sz="2400" b="0" i="1" smtClean="0">
-                                      <a:latin typeface="Cambria Math" panose="02040503050406030204" pitchFamily="18" charset="0"/>
-                                      <a:cs typeface="Times New Roman" panose="02020603050405020304" pitchFamily="18" charset="0"/>
-                                    </a:rPr>
-                                    <m:t> </m:t>
-                                  </m:r>
-                                </m:sub>
-                              </m:sSub>
-                              <m:r>
-                                <a:rPr lang="en-US" sz="2400" b="0" i="1" smtClean="0">
-                                  <a:latin typeface="Cambria Math" panose="02040503050406030204" pitchFamily="18" charset="0"/>
-                                  <a:cs typeface="Times New Roman" panose="02020603050405020304" pitchFamily="18" charset="0"/>
-                                </a:rPr>
-                                <m:t>𝑖𝑓</m:t>
-                              </m:r>
-                              <m:r>
-                                <a:rPr lang="en-US" sz="2400" b="0" i="1" smtClean="0">
-                                  <a:latin typeface="Cambria Math" panose="02040503050406030204" pitchFamily="18" charset="0"/>
-                                  <a:cs typeface="Times New Roman" panose="02020603050405020304" pitchFamily="18" charset="0"/>
-                                </a:rPr>
-                                <m:t> </m:t>
-                              </m:r>
-                              <m:sSub>
-                                <m:sSubPr>
-                                  <m:ctrlPr>
-                                    <a:rPr lang="en-US" sz="2400" b="0" i="1" smtClean="0">
-                                      <a:latin typeface="Cambria Math" panose="02040503050406030204" pitchFamily="18" charset="0"/>
-                                      <a:cs typeface="Times New Roman" panose="02020603050405020304" pitchFamily="18" charset="0"/>
-                                    </a:rPr>
-                                  </m:ctrlPr>
-                                </m:sSubPr>
-                                <m:e>
-                                  <m:r>
-                                    <a:rPr lang="en-US" sz="2400" b="0" i="1" smtClean="0">
-                                      <a:latin typeface="Cambria Math" panose="02040503050406030204" pitchFamily="18" charset="0"/>
-                                      <a:cs typeface="Times New Roman" panose="02020603050405020304" pitchFamily="18" charset="0"/>
-                                    </a:rPr>
-                                    <m:t>𝑦</m:t>
-                                  </m:r>
-                                </m:e>
-                                <m:sub>
-                                  <m:r>
-                                    <a:rPr lang="en-US" sz="2400" b="0" i="1" smtClean="0">
-                                      <a:latin typeface="Cambria Math" panose="02040503050406030204" pitchFamily="18" charset="0"/>
-                                      <a:cs typeface="Times New Roman" panose="02020603050405020304" pitchFamily="18" charset="0"/>
-                                    </a:rPr>
-                                    <m:t>𝑖</m:t>
-                                  </m:r>
-                                </m:sub>
-                              </m:sSub>
-                              <m:r>
-                                <a:rPr lang="en-US" sz="2400" b="0" i="1" smtClean="0">
-                                  <a:latin typeface="Cambria Math" panose="02040503050406030204" pitchFamily="18" charset="0"/>
-                                  <a:cs typeface="Times New Roman" panose="02020603050405020304" pitchFamily="18" charset="0"/>
-                                </a:rPr>
-                                <m:t>≥0</m:t>
-                              </m:r>
-                            </m:e>
-                            <m:e>
-                              <m:r>
-                                <a:rPr lang="en-US" sz="2400" b="0" i="1" smtClean="0">
-                                  <a:latin typeface="Cambria Math" panose="02040503050406030204" pitchFamily="18" charset="0"/>
-                                  <a:cs typeface="Times New Roman" panose="02020603050405020304" pitchFamily="18" charset="0"/>
-                                </a:rPr>
-                                <m:t>0 </m:t>
-                              </m:r>
-                              <m:r>
-                                <a:rPr lang="en-US" sz="2400" b="0" i="1" smtClean="0">
-                                  <a:latin typeface="Cambria Math" panose="02040503050406030204" pitchFamily="18" charset="0"/>
-                                  <a:cs typeface="Times New Roman" panose="02020603050405020304" pitchFamily="18" charset="0"/>
-                                </a:rPr>
-                                <m:t>𝑖𝑓</m:t>
-                              </m:r>
-                              <m:r>
-                                <a:rPr lang="en-US" sz="2400" b="0" i="1" smtClean="0">
-                                  <a:latin typeface="Cambria Math" panose="02040503050406030204" pitchFamily="18" charset="0"/>
-                                  <a:cs typeface="Times New Roman" panose="02020603050405020304" pitchFamily="18" charset="0"/>
-                                </a:rPr>
-                                <m:t> </m:t>
-                              </m:r>
-                              <m:sSub>
-                                <m:sSubPr>
-                                  <m:ctrlPr>
-                                    <a:rPr lang="en-US" sz="2400" b="0" i="1" smtClean="0">
-                                      <a:latin typeface="Cambria Math" panose="02040503050406030204" pitchFamily="18" charset="0"/>
-                                      <a:cs typeface="Times New Roman" panose="02020603050405020304" pitchFamily="18" charset="0"/>
-                                    </a:rPr>
-                                  </m:ctrlPr>
-                                </m:sSubPr>
-                                <m:e>
-                                  <m:r>
-                                    <a:rPr lang="en-US" sz="2400" b="0" i="1" smtClean="0">
-                                      <a:latin typeface="Cambria Math" panose="02040503050406030204" pitchFamily="18" charset="0"/>
-                                      <a:cs typeface="Times New Roman" panose="02020603050405020304" pitchFamily="18" charset="0"/>
-                                    </a:rPr>
-                                    <m:t>𝑦</m:t>
-                                  </m:r>
-                                </m:e>
-                                <m:sub>
-                                  <m:r>
-                                    <a:rPr lang="en-US" sz="2400" b="0" i="1" smtClean="0">
-                                      <a:latin typeface="Cambria Math" panose="02040503050406030204" pitchFamily="18" charset="0"/>
-                                      <a:cs typeface="Times New Roman" panose="02020603050405020304" pitchFamily="18" charset="0"/>
-                                    </a:rPr>
-                                    <m:t>𝑖</m:t>
-                                  </m:r>
-                                </m:sub>
-                              </m:sSub>
-                              <m:r>
-                                <a:rPr lang="en-US" sz="2400" b="0" i="1" smtClean="0">
-                                  <a:latin typeface="Cambria Math" panose="02040503050406030204" pitchFamily="18" charset="0"/>
-                                  <a:cs typeface="Times New Roman" panose="02020603050405020304" pitchFamily="18" charset="0"/>
-                                </a:rPr>
-                                <m:t>&lt;0</m:t>
-                              </m:r>
-                            </m:e>
-                          </m:eqArr>
-                        </m:e>
-                      </m:d>
+                      <m:r>
+                        <m:rPr>
+                          <m:lit/>
+                        </m:rPr>
+                        <a:rPr lang="en-US" sz="2400" b="0" i="1" smtClean="0">
+                          <a:latin typeface="Cambria Math" panose="02040503050406030204" pitchFamily="18" charset="0"/>
+                          <a:cs typeface="Times New Roman" panose="02020603050405020304" pitchFamily="18" charset="0"/>
+                        </a:rPr>
+                        <m:t>{</m:t>
+                      </m:r>
+                      <m:r>
+                        <a:rPr lang="en-US" sz="2400" b="0" i="1" smtClean="0">
+                          <a:latin typeface="Cambria Math" panose="02040503050406030204" pitchFamily="18" charset="0"/>
+                          <a:cs typeface="Times New Roman" panose="02020603050405020304" pitchFamily="18" charset="0"/>
+                        </a:rPr>
+                        <m:t>0, 1, 2, 3, …, </m:t>
+                      </m:r>
+                      <m:r>
+                        <a:rPr lang="en-US" sz="2400" b="0" i="1" smtClean="0">
+                          <a:latin typeface="Cambria Math" panose="02040503050406030204" pitchFamily="18" charset="0"/>
+                          <a:cs typeface="Times New Roman" panose="02020603050405020304" pitchFamily="18" charset="0"/>
+                        </a:rPr>
+                        <m:t>𝑁</m:t>
+                      </m:r>
+                      <m:r>
+                        <m:rPr>
+                          <m:lit/>
+                        </m:rPr>
+                        <a:rPr lang="en-US" sz="2400" b="0" i="1" smtClean="0">
+                          <a:latin typeface="Cambria Math" panose="02040503050406030204" pitchFamily="18" charset="0"/>
+                          <a:cs typeface="Times New Roman" panose="02020603050405020304" pitchFamily="18" charset="0"/>
+                        </a:rPr>
+                        <m:t>}</m:t>
+                      </m:r>
                     </m:oMath>
                   </m:oMathPara>
                 </a14:m>
@@ -28186,7 +28098,7 @@
                 </a:endParaRPr>
               </a:p>
               <a:p>
-                <a:endParaRPr lang="en-US" sz="2400" dirty="0">
+                <a:endParaRPr lang="en-US" sz="2200" dirty="0">
                   <a:cs typeface="Times New Roman" panose="02020603050405020304" pitchFamily="18" charset="0"/>
                 </a:endParaRPr>
               </a:p>
@@ -28212,7 +28124,7 @@
               <a:blipFill>
                 <a:blip r:embed="rId3"/>
                 <a:stretch>
-                  <a:fillRect l="-454" t="-1305"/>
+                  <a:fillRect l="-583" t="-1423"/>
                 </a:stretch>
               </a:blipFill>
             </p:spPr>
@@ -28234,7 +28146,7 @@
     </p:spTree>
     <p:extLst>
       <p:ext uri="{BB962C8B-B14F-4D97-AF65-F5344CB8AC3E}">
-        <p14:creationId xmlns:p14="http://schemas.microsoft.com/office/powerpoint/2010/main" val="402010716"/>
+        <p14:creationId xmlns:p14="http://schemas.microsoft.com/office/powerpoint/2010/main" val="2634887981"/>
       </p:ext>
     </p:extLst>
   </p:cSld>
@@ -32528,6 +32440,1386 @@
               <a:lstStyle/>
               <a:p>
                 <a:r>
+                  <a:rPr lang="en-US" sz="2600" b="1" dirty="0">
+                    <a:cs typeface="Times New Roman" panose="02020603050405020304" pitchFamily="18" charset="0"/>
+                  </a:rPr>
+                  <a:t>Binary</a:t>
+                </a:r>
+                <a:r>
+                  <a:rPr lang="en-US" sz="2600" dirty="0">
+                    <a:cs typeface="Times New Roman" panose="02020603050405020304" pitchFamily="18" charset="0"/>
+                  </a:rPr>
+                  <a:t>: Whether or not someone receives a treatment</a:t>
+                </a:r>
+              </a:p>
+              <a:p>
+                <a:r>
+                  <a:rPr lang="en-US" sz="2400" b="1" dirty="0">
+                    <a:cs typeface="Times New Roman" panose="02020603050405020304" pitchFamily="18" charset="0"/>
+                  </a:rPr>
+                  <a:t>Ordered</a:t>
+                </a:r>
+                <a:r>
+                  <a:rPr lang="en-US" sz="2400" dirty="0">
+                    <a:cs typeface="Times New Roman" panose="02020603050405020304" pitchFamily="18" charset="0"/>
+                  </a:rPr>
+                  <a:t>: Number of prenatal visits during a pregnancy</a:t>
+                </a:r>
+              </a:p>
+              <a:p>
+                <a:r>
+                  <a:rPr lang="en-US" sz="2400" b="1" dirty="0">
+                    <a:cs typeface="Times New Roman" panose="02020603050405020304" pitchFamily="18" charset="0"/>
+                  </a:rPr>
+                  <a:t>Censored</a:t>
+                </a:r>
+                <a:r>
+                  <a:rPr lang="en-US" sz="2400" dirty="0">
+                    <a:cs typeface="Times New Roman" panose="02020603050405020304" pitchFamily="18" charset="0"/>
+                  </a:rPr>
+                  <a:t>: Income data is observed only in a certain range</a:t>
+                </a:r>
+              </a:p>
+              <a:p>
+                <a:pPr marL="0" indent="0">
+                  <a:buNone/>
+                </a:pPr>
+                <a14:m>
+                  <m:oMathPara xmlns:m="http://schemas.openxmlformats.org/officeDocument/2006/math">
+                    <m:oMathParaPr>
+                      <m:jc m:val="centerGroup"/>
+                    </m:oMathParaPr>
+                    <m:oMath xmlns:m="http://schemas.openxmlformats.org/officeDocument/2006/math">
+                      <m:r>
+                        <a:rPr lang="en-US" sz="2400" b="0" i="1" smtClean="0">
+                          <a:latin typeface="Cambria Math" panose="02040503050406030204" pitchFamily="18" charset="0"/>
+                          <a:cs typeface="Times New Roman" panose="02020603050405020304" pitchFamily="18" charset="0"/>
+                        </a:rPr>
+                        <m:t>𝑌</m:t>
+                      </m:r>
+                      <m:r>
+                        <m:rPr>
+                          <m:lit/>
+                        </m:rPr>
+                        <a:rPr lang="en-US" sz="2400" b="0" i="1" smtClean="0">
+                          <a:latin typeface="Cambria Math" panose="02040503050406030204" pitchFamily="18" charset="0"/>
+                          <a:cs typeface="Times New Roman" panose="02020603050405020304" pitchFamily="18" charset="0"/>
+                        </a:rPr>
+                        <m:t> </m:t>
+                      </m:r>
+                      <m:r>
+                        <a:rPr lang="en-US" sz="2400" b="0" i="1" smtClean="0">
+                          <a:latin typeface="Cambria Math" panose="02040503050406030204" pitchFamily="18" charset="0"/>
+                          <a:cs typeface="Times New Roman" panose="02020603050405020304" pitchFamily="18" charset="0"/>
+                        </a:rPr>
+                        <m:t>∈</m:t>
+                      </m:r>
+                      <m:r>
+                        <m:rPr>
+                          <m:lit/>
+                        </m:rPr>
+                        <a:rPr lang="en-US" sz="2400" b="0" i="1" smtClean="0">
+                          <a:latin typeface="Cambria Math" panose="02040503050406030204" pitchFamily="18" charset="0"/>
+                          <a:cs typeface="Times New Roman" panose="02020603050405020304" pitchFamily="18" charset="0"/>
+                        </a:rPr>
+                        <m:t>{</m:t>
+                      </m:r>
+                      <m:r>
+                        <a:rPr lang="en-US" sz="2400" b="0" i="1" smtClean="0">
+                          <a:latin typeface="Cambria Math" panose="02040503050406030204" pitchFamily="18" charset="0"/>
+                          <a:cs typeface="Times New Roman" panose="02020603050405020304" pitchFamily="18" charset="0"/>
+                        </a:rPr>
+                        <m:t>$0−$1,000, $1,000−$5,000, $5,000−$8,000,…, $1,000,000+</m:t>
+                      </m:r>
+                      <m:r>
+                        <m:rPr>
+                          <m:lit/>
+                        </m:rPr>
+                        <a:rPr lang="en-US" sz="2400" b="0" i="1" smtClean="0">
+                          <a:latin typeface="Cambria Math" panose="02040503050406030204" pitchFamily="18" charset="0"/>
+                          <a:cs typeface="Times New Roman" panose="02020603050405020304" pitchFamily="18" charset="0"/>
+                        </a:rPr>
+                        <m:t>}</m:t>
+                      </m:r>
+                    </m:oMath>
+                  </m:oMathPara>
+                </a14:m>
+                <a:endParaRPr lang="en-US" sz="2400" dirty="0">
+                  <a:cs typeface="Times New Roman" panose="02020603050405020304" pitchFamily="18" charset="0"/>
+                </a:endParaRPr>
+              </a:p>
+              <a:p>
+                <a:endParaRPr lang="en-US" sz="2200" dirty="0">
+                  <a:cs typeface="Times New Roman" panose="02020603050405020304" pitchFamily="18" charset="0"/>
+                </a:endParaRPr>
+              </a:p>
+            </p:txBody>
+          </p:sp>
+        </mc:Choice>
+        <mc:Fallback xmlns="">
+          <p:sp>
+            <p:nvSpPr>
+              <p:cNvPr id="3" name="Content Placeholder 2"/>
+              <p:cNvSpPr>
+                <a:spLocks noGrp="1" noRot="1" noChangeAspect="1" noMove="1" noResize="1" noEditPoints="1" noAdjustHandles="1" noChangeArrowheads="1" noChangeShapeType="1" noTextEdit="1"/>
+              </p:cNvSpPr>
+              <p:nvPr>
+                <p:ph idx="1"/>
+              </p:nvPr>
+            </p:nvSpPr>
+            <p:spPr>
+              <a:xfrm>
+                <a:off x="1219199" y="1066801"/>
+                <a:ext cx="9405791" cy="5141388"/>
+              </a:xfrm>
+              <a:blipFill>
+                <a:blip r:embed="rId3"/>
+                <a:stretch>
+                  <a:fillRect l="-583" t="-1423" r="-324"/>
+                </a:stretch>
+              </a:blipFill>
+            </p:spPr>
+            <p:txBody>
+              <a:bodyPr/>
+              <a:lstStyle/>
+              <a:p>
+                <a:r>
+                  <a:rPr lang="en-US">
+                    <a:noFill/>
+                  </a:rPr>
+                  <a:t> </a:t>
+                </a:r>
+              </a:p>
+            </p:txBody>
+          </p:sp>
+        </mc:Fallback>
+      </mc:AlternateContent>
+    </p:spTree>
+    <p:extLst>
+      <p:ext uri="{BB962C8B-B14F-4D97-AF65-F5344CB8AC3E}">
+        <p14:creationId xmlns:p14="http://schemas.microsoft.com/office/powerpoint/2010/main" val="1919802246"/>
+      </p:ext>
+    </p:extLst>
+  </p:cSld>
+  <p:clrMapOvr>
+    <a:masterClrMapping/>
+  </p:clrMapOvr>
+</p:sld>
+</file>
+
+<file path=ppt/slides/slide70.xml><?xml version="1.0" encoding="utf-8"?>
+<p:sld xmlns:a="http://schemas.openxmlformats.org/drawingml/2006/main" xmlns:r="http://schemas.openxmlformats.org/officeDocument/2006/relationships" xmlns:p="http://schemas.openxmlformats.org/presentationml/2006/main">
+  <p:cSld>
+    <p:spTree>
+      <p:nvGrpSpPr>
+        <p:cNvPr id="1" name=""/>
+        <p:cNvGrpSpPr/>
+        <p:nvPr/>
+      </p:nvGrpSpPr>
+      <p:grpSpPr>
+        <a:xfrm>
+          <a:off x="0" y="0"/>
+          <a:ext cx="0" cy="0"/>
+          <a:chOff x="0" y="0"/>
+          <a:chExt cx="0" cy="0"/>
+        </a:xfrm>
+      </p:grpSpPr>
+      <p:sp>
+        <p:nvSpPr>
+          <p:cNvPr id="2" name="Title 1"/>
+          <p:cNvSpPr>
+            <a:spLocks noGrp="1"/>
+          </p:cNvSpPr>
+          <p:nvPr>
+            <p:ph type="title"/>
+          </p:nvPr>
+        </p:nvSpPr>
+        <p:spPr>
+          <a:xfrm>
+            <a:off x="609600" y="337392"/>
+            <a:ext cx="10439400" cy="624840"/>
+          </a:xfrm>
+        </p:spPr>
+        <p:txBody>
+          <a:bodyPr>
+            <a:noAutofit/>
+          </a:bodyPr>
+          <a:lstStyle/>
+          <a:p>
+            <a:r>
+              <a:rPr lang="en-US" sz="3600" dirty="0">
+                <a:cs typeface="Times New Roman" panose="02020603050405020304" pitchFamily="18" charset="0"/>
+              </a:rPr>
+              <a:t>Method of Moments (Generally)</a:t>
+            </a:r>
+            <a:endParaRPr lang="en-US" sz="3600" dirty="0">
+              <a:latin typeface="Times New Roman" panose="02020603050405020304" pitchFamily="18" charset="0"/>
+              <a:cs typeface="Times New Roman" panose="02020603050405020304" pitchFamily="18" charset="0"/>
+            </a:endParaRPr>
+          </a:p>
+        </p:txBody>
+      </p:sp>
+      <p:sp>
+        <p:nvSpPr>
+          <p:cNvPr id="3" name="Content Placeholder 2"/>
+          <p:cNvSpPr>
+            <a:spLocks noGrp="1"/>
+          </p:cNvSpPr>
+          <p:nvPr>
+            <p:ph idx="1"/>
+          </p:nvPr>
+        </p:nvSpPr>
+        <p:spPr>
+          <a:xfrm>
+            <a:off x="1219199" y="1066801"/>
+            <a:ext cx="9405791" cy="5141388"/>
+          </a:xfrm>
+        </p:spPr>
+        <p:txBody>
+          <a:bodyPr>
+            <a:noAutofit/>
+          </a:bodyPr>
+          <a:lstStyle/>
+          <a:p>
+            <a:endParaRPr lang="en-US" sz="2400" dirty="0">
+              <a:cs typeface="Times New Roman" panose="02020603050405020304" pitchFamily="18" charset="0"/>
+            </a:endParaRPr>
+          </a:p>
+        </p:txBody>
+      </p:sp>
+      <p:pic>
+        <p:nvPicPr>
+          <p:cNvPr id="5" name="Picture 4">
+            <a:extLst>
+              <a:ext uri="{FF2B5EF4-FFF2-40B4-BE49-F238E27FC236}">
+                <a16:creationId xmlns:a16="http://schemas.microsoft.com/office/drawing/2014/main" id="{6DC5AE8E-A65F-5605-D51C-DC5F4DDDB01B}"/>
+              </a:ext>
+            </a:extLst>
+          </p:cNvPr>
+          <p:cNvPicPr>
+            <a:picLocks noChangeAspect="1"/>
+          </p:cNvPicPr>
+          <p:nvPr/>
+        </p:nvPicPr>
+        <p:blipFill>
+          <a:blip r:embed="rId3"/>
+          <a:stretch>
+            <a:fillRect/>
+          </a:stretch>
+        </p:blipFill>
+        <p:spPr>
+          <a:xfrm>
+            <a:off x="152400" y="228600"/>
+            <a:ext cx="10101064" cy="6629400"/>
+          </a:xfrm>
+          <a:prstGeom prst="rect">
+            <a:avLst/>
+          </a:prstGeom>
+        </p:spPr>
+      </p:pic>
+    </p:spTree>
+    <p:extLst>
+      <p:ext uri="{BB962C8B-B14F-4D97-AF65-F5344CB8AC3E}">
+        <p14:creationId xmlns:p14="http://schemas.microsoft.com/office/powerpoint/2010/main" val="3172041985"/>
+      </p:ext>
+    </p:extLst>
+  </p:cSld>
+  <p:clrMapOvr>
+    <a:masterClrMapping/>
+  </p:clrMapOvr>
+</p:sld>
+</file>
+
+<file path=ppt/slides/slide71.xml><?xml version="1.0" encoding="utf-8"?>
+<p:sld xmlns:a="http://schemas.openxmlformats.org/drawingml/2006/main" xmlns:r="http://schemas.openxmlformats.org/officeDocument/2006/relationships" xmlns:p="http://schemas.openxmlformats.org/presentationml/2006/main">
+  <p:cSld>
+    <p:spTree>
+      <p:nvGrpSpPr>
+        <p:cNvPr id="1" name=""/>
+        <p:cNvGrpSpPr/>
+        <p:nvPr/>
+      </p:nvGrpSpPr>
+      <p:grpSpPr>
+        <a:xfrm>
+          <a:off x="0" y="0"/>
+          <a:ext cx="0" cy="0"/>
+          <a:chOff x="0" y="0"/>
+          <a:chExt cx="0" cy="0"/>
+        </a:xfrm>
+      </p:grpSpPr>
+      <p:sp>
+        <p:nvSpPr>
+          <p:cNvPr id="2" name="Title 1"/>
+          <p:cNvSpPr>
+            <a:spLocks noGrp="1"/>
+          </p:cNvSpPr>
+          <p:nvPr>
+            <p:ph type="title"/>
+          </p:nvPr>
+        </p:nvSpPr>
+        <p:spPr>
+          <a:xfrm>
+            <a:off x="609600" y="337392"/>
+            <a:ext cx="10439400" cy="624840"/>
+          </a:xfrm>
+        </p:spPr>
+        <p:txBody>
+          <a:bodyPr>
+            <a:noAutofit/>
+          </a:bodyPr>
+          <a:lstStyle/>
+          <a:p>
+            <a:r>
+              <a:rPr lang="en-US" sz="3600" dirty="0">
+                <a:cs typeface="Times New Roman" panose="02020603050405020304" pitchFamily="18" charset="0"/>
+              </a:rPr>
+              <a:t>Method of Moments (Generally)</a:t>
+            </a:r>
+            <a:endParaRPr lang="en-US" sz="3600" dirty="0">
+              <a:latin typeface="Times New Roman" panose="02020603050405020304" pitchFamily="18" charset="0"/>
+              <a:cs typeface="Times New Roman" panose="02020603050405020304" pitchFamily="18" charset="0"/>
+            </a:endParaRPr>
+          </a:p>
+        </p:txBody>
+      </p:sp>
+      <p:sp>
+        <p:nvSpPr>
+          <p:cNvPr id="3" name="Content Placeholder 2"/>
+          <p:cNvSpPr>
+            <a:spLocks noGrp="1"/>
+          </p:cNvSpPr>
+          <p:nvPr>
+            <p:ph idx="1"/>
+          </p:nvPr>
+        </p:nvSpPr>
+        <p:spPr>
+          <a:xfrm>
+            <a:off x="1219199" y="1066801"/>
+            <a:ext cx="9405791" cy="5141388"/>
+          </a:xfrm>
+        </p:spPr>
+        <p:txBody>
+          <a:bodyPr>
+            <a:noAutofit/>
+          </a:bodyPr>
+          <a:lstStyle/>
+          <a:p>
+            <a:endParaRPr lang="en-US" sz="2400" dirty="0">
+              <a:cs typeface="Times New Roman" panose="02020603050405020304" pitchFamily="18" charset="0"/>
+            </a:endParaRPr>
+          </a:p>
+        </p:txBody>
+      </p:sp>
+      <p:pic>
+        <p:nvPicPr>
+          <p:cNvPr id="6" name="Picture 5">
+            <a:extLst>
+              <a:ext uri="{FF2B5EF4-FFF2-40B4-BE49-F238E27FC236}">
+                <a16:creationId xmlns:a16="http://schemas.microsoft.com/office/drawing/2014/main" id="{A2AF3DBF-360B-9FEA-5A7D-CD48520EA4E8}"/>
+              </a:ext>
+            </a:extLst>
+          </p:cNvPr>
+          <p:cNvPicPr>
+            <a:picLocks noChangeAspect="1"/>
+          </p:cNvPicPr>
+          <p:nvPr/>
+        </p:nvPicPr>
+        <p:blipFill>
+          <a:blip r:embed="rId3"/>
+          <a:stretch>
+            <a:fillRect/>
+          </a:stretch>
+        </p:blipFill>
+        <p:spPr>
+          <a:xfrm>
+            <a:off x="152399" y="15432"/>
+            <a:ext cx="10308341" cy="6613967"/>
+          </a:xfrm>
+          <a:prstGeom prst="rect">
+            <a:avLst/>
+          </a:prstGeom>
+        </p:spPr>
+      </p:pic>
+    </p:spTree>
+    <p:extLst>
+      <p:ext uri="{BB962C8B-B14F-4D97-AF65-F5344CB8AC3E}">
+        <p14:creationId xmlns:p14="http://schemas.microsoft.com/office/powerpoint/2010/main" val="3123113761"/>
+      </p:ext>
+    </p:extLst>
+  </p:cSld>
+  <p:clrMapOvr>
+    <a:masterClrMapping/>
+  </p:clrMapOvr>
+</p:sld>
+</file>
+
+<file path=ppt/slides/slide72.xml><?xml version="1.0" encoding="utf-8"?>
+<p:sld xmlns:a="http://schemas.openxmlformats.org/drawingml/2006/main" xmlns:r="http://schemas.openxmlformats.org/officeDocument/2006/relationships" xmlns:p="http://schemas.openxmlformats.org/presentationml/2006/main">
+  <p:cSld>
+    <p:spTree>
+      <p:nvGrpSpPr>
+        <p:cNvPr id="1" name=""/>
+        <p:cNvGrpSpPr/>
+        <p:nvPr/>
+      </p:nvGrpSpPr>
+      <p:grpSpPr>
+        <a:xfrm>
+          <a:off x="0" y="0"/>
+          <a:ext cx="0" cy="0"/>
+          <a:chOff x="0" y="0"/>
+          <a:chExt cx="0" cy="0"/>
+        </a:xfrm>
+      </p:grpSpPr>
+      <p:sp>
+        <p:nvSpPr>
+          <p:cNvPr id="2" name="Title 1"/>
+          <p:cNvSpPr>
+            <a:spLocks noGrp="1"/>
+          </p:cNvSpPr>
+          <p:nvPr>
+            <p:ph type="title"/>
+          </p:nvPr>
+        </p:nvSpPr>
+        <p:spPr>
+          <a:xfrm>
+            <a:off x="609600" y="337392"/>
+            <a:ext cx="10439400" cy="624840"/>
+          </a:xfrm>
+        </p:spPr>
+        <p:txBody>
+          <a:bodyPr>
+            <a:noAutofit/>
+          </a:bodyPr>
+          <a:lstStyle/>
+          <a:p>
+            <a:r>
+              <a:rPr lang="en-US" sz="3600" dirty="0">
+                <a:cs typeface="Times New Roman" panose="02020603050405020304" pitchFamily="18" charset="0"/>
+              </a:rPr>
+              <a:t>Method of Moments (Generally)</a:t>
+            </a:r>
+            <a:endParaRPr lang="en-US" sz="3600" dirty="0">
+              <a:latin typeface="Times New Roman" panose="02020603050405020304" pitchFamily="18" charset="0"/>
+              <a:cs typeface="Times New Roman" panose="02020603050405020304" pitchFamily="18" charset="0"/>
+            </a:endParaRPr>
+          </a:p>
+        </p:txBody>
+      </p:sp>
+      <p:sp>
+        <p:nvSpPr>
+          <p:cNvPr id="3" name="Content Placeholder 2"/>
+          <p:cNvSpPr>
+            <a:spLocks noGrp="1"/>
+          </p:cNvSpPr>
+          <p:nvPr>
+            <p:ph idx="1"/>
+          </p:nvPr>
+        </p:nvSpPr>
+        <p:spPr>
+          <a:xfrm>
+            <a:off x="1219199" y="1066801"/>
+            <a:ext cx="9405791" cy="5141388"/>
+          </a:xfrm>
+        </p:spPr>
+        <p:txBody>
+          <a:bodyPr>
+            <a:noAutofit/>
+          </a:bodyPr>
+          <a:lstStyle/>
+          <a:p>
+            <a:endParaRPr lang="en-US" sz="2400" dirty="0">
+              <a:cs typeface="Times New Roman" panose="02020603050405020304" pitchFamily="18" charset="0"/>
+            </a:endParaRPr>
+          </a:p>
+        </p:txBody>
+      </p:sp>
+      <p:pic>
+        <p:nvPicPr>
+          <p:cNvPr id="5" name="Picture 4">
+            <a:extLst>
+              <a:ext uri="{FF2B5EF4-FFF2-40B4-BE49-F238E27FC236}">
+                <a16:creationId xmlns:a16="http://schemas.microsoft.com/office/drawing/2014/main" id="{8F98407E-EA83-3871-B049-D2CC9CBE08CB}"/>
+              </a:ext>
+            </a:extLst>
+          </p:cNvPr>
+          <p:cNvPicPr>
+            <a:picLocks noChangeAspect="1"/>
+          </p:cNvPicPr>
+          <p:nvPr/>
+        </p:nvPicPr>
+        <p:blipFill>
+          <a:blip r:embed="rId3"/>
+          <a:stretch>
+            <a:fillRect/>
+          </a:stretch>
+        </p:blipFill>
+        <p:spPr>
+          <a:xfrm>
+            <a:off x="6752" y="14468"/>
+            <a:ext cx="9823048" cy="6735288"/>
+          </a:xfrm>
+          <a:prstGeom prst="rect">
+            <a:avLst/>
+          </a:prstGeom>
+        </p:spPr>
+      </p:pic>
+    </p:spTree>
+    <p:extLst>
+      <p:ext uri="{BB962C8B-B14F-4D97-AF65-F5344CB8AC3E}">
+        <p14:creationId xmlns:p14="http://schemas.microsoft.com/office/powerpoint/2010/main" val="4228913354"/>
+      </p:ext>
+    </p:extLst>
+  </p:cSld>
+  <p:clrMapOvr>
+    <a:masterClrMapping/>
+  </p:clrMapOvr>
+</p:sld>
+</file>
+
+<file path=ppt/slides/slide73.xml><?xml version="1.0" encoding="utf-8"?>
+<p:sld xmlns:a="http://schemas.openxmlformats.org/drawingml/2006/main" xmlns:r="http://schemas.openxmlformats.org/officeDocument/2006/relationships" xmlns:p="http://schemas.openxmlformats.org/presentationml/2006/main">
+  <p:cSld>
+    <p:spTree>
+      <p:nvGrpSpPr>
+        <p:cNvPr id="1" name=""/>
+        <p:cNvGrpSpPr/>
+        <p:nvPr/>
+      </p:nvGrpSpPr>
+      <p:grpSpPr>
+        <a:xfrm>
+          <a:off x="0" y="0"/>
+          <a:ext cx="0" cy="0"/>
+          <a:chOff x="0" y="0"/>
+          <a:chExt cx="0" cy="0"/>
+        </a:xfrm>
+      </p:grpSpPr>
+      <p:sp>
+        <p:nvSpPr>
+          <p:cNvPr id="2" name="Title 1"/>
+          <p:cNvSpPr>
+            <a:spLocks noGrp="1"/>
+          </p:cNvSpPr>
+          <p:nvPr>
+            <p:ph type="title"/>
+          </p:nvPr>
+        </p:nvSpPr>
+        <p:spPr>
+          <a:xfrm>
+            <a:off x="609600" y="337392"/>
+            <a:ext cx="10439400" cy="624840"/>
+          </a:xfrm>
+        </p:spPr>
+        <p:txBody>
+          <a:bodyPr>
+            <a:noAutofit/>
+          </a:bodyPr>
+          <a:lstStyle/>
+          <a:p>
+            <a:r>
+              <a:rPr lang="en-US" sz="3600" dirty="0">
+                <a:cs typeface="Times New Roman" panose="02020603050405020304" pitchFamily="18" charset="0"/>
+              </a:rPr>
+              <a:t>Method of Moments (Generally)</a:t>
+            </a:r>
+            <a:endParaRPr lang="en-US" sz="3600" dirty="0">
+              <a:latin typeface="Times New Roman" panose="02020603050405020304" pitchFamily="18" charset="0"/>
+              <a:cs typeface="Times New Roman" panose="02020603050405020304" pitchFamily="18" charset="0"/>
+            </a:endParaRPr>
+          </a:p>
+        </p:txBody>
+      </p:sp>
+      <p:sp>
+        <p:nvSpPr>
+          <p:cNvPr id="3" name="Content Placeholder 2"/>
+          <p:cNvSpPr>
+            <a:spLocks noGrp="1"/>
+          </p:cNvSpPr>
+          <p:nvPr>
+            <p:ph idx="1"/>
+          </p:nvPr>
+        </p:nvSpPr>
+        <p:spPr>
+          <a:xfrm>
+            <a:off x="1219199" y="1066801"/>
+            <a:ext cx="9405791" cy="5141388"/>
+          </a:xfrm>
+        </p:spPr>
+        <p:txBody>
+          <a:bodyPr>
+            <a:noAutofit/>
+          </a:bodyPr>
+          <a:lstStyle/>
+          <a:p>
+            <a:endParaRPr lang="en-US" sz="2400" dirty="0">
+              <a:cs typeface="Times New Roman" panose="02020603050405020304" pitchFamily="18" charset="0"/>
+            </a:endParaRPr>
+          </a:p>
+        </p:txBody>
+      </p:sp>
+      <p:pic>
+        <p:nvPicPr>
+          <p:cNvPr id="6" name="Picture 5">
+            <a:extLst>
+              <a:ext uri="{FF2B5EF4-FFF2-40B4-BE49-F238E27FC236}">
+                <a16:creationId xmlns:a16="http://schemas.microsoft.com/office/drawing/2014/main" id="{6345FEF1-EACC-6E43-10F1-1B626213F6B5}"/>
+              </a:ext>
+            </a:extLst>
+          </p:cNvPr>
+          <p:cNvPicPr>
+            <a:picLocks noChangeAspect="1"/>
+          </p:cNvPicPr>
+          <p:nvPr/>
+        </p:nvPicPr>
+        <p:blipFill>
+          <a:blip r:embed="rId3"/>
+          <a:stretch>
+            <a:fillRect/>
+          </a:stretch>
+        </p:blipFill>
+        <p:spPr>
+          <a:xfrm>
+            <a:off x="32794" y="152400"/>
+            <a:ext cx="10439399" cy="5058070"/>
+          </a:xfrm>
+          <a:prstGeom prst="rect">
+            <a:avLst/>
+          </a:prstGeom>
+        </p:spPr>
+      </p:pic>
+    </p:spTree>
+    <p:extLst>
+      <p:ext uri="{BB962C8B-B14F-4D97-AF65-F5344CB8AC3E}">
+        <p14:creationId xmlns:p14="http://schemas.microsoft.com/office/powerpoint/2010/main" val="3665351825"/>
+      </p:ext>
+    </p:extLst>
+  </p:cSld>
+  <p:clrMapOvr>
+    <a:masterClrMapping/>
+  </p:clrMapOvr>
+</p:sld>
+</file>
+
+<file path=ppt/slides/slide74.xml><?xml version="1.0" encoding="utf-8"?>
+<p:sld xmlns:a="http://schemas.openxmlformats.org/drawingml/2006/main" xmlns:r="http://schemas.openxmlformats.org/officeDocument/2006/relationships" xmlns:p="http://schemas.openxmlformats.org/presentationml/2006/main">
+  <p:cSld>
+    <p:spTree>
+      <p:nvGrpSpPr>
+        <p:cNvPr id="1" name=""/>
+        <p:cNvGrpSpPr/>
+        <p:nvPr/>
+      </p:nvGrpSpPr>
+      <p:grpSpPr>
+        <a:xfrm>
+          <a:off x="0" y="0"/>
+          <a:ext cx="0" cy="0"/>
+          <a:chOff x="0" y="0"/>
+          <a:chExt cx="0" cy="0"/>
+        </a:xfrm>
+      </p:grpSpPr>
+      <p:sp>
+        <p:nvSpPr>
+          <p:cNvPr id="2" name="Title 1"/>
+          <p:cNvSpPr>
+            <a:spLocks noGrp="1"/>
+          </p:cNvSpPr>
+          <p:nvPr>
+            <p:ph type="title"/>
+          </p:nvPr>
+        </p:nvSpPr>
+        <p:spPr>
+          <a:xfrm>
+            <a:off x="609600" y="337392"/>
+            <a:ext cx="10439400" cy="624840"/>
+          </a:xfrm>
+        </p:spPr>
+        <p:txBody>
+          <a:bodyPr>
+            <a:noAutofit/>
+          </a:bodyPr>
+          <a:lstStyle/>
+          <a:p>
+            <a:r>
+              <a:rPr lang="en-US" sz="3600" dirty="0">
+                <a:cs typeface="Times New Roman" panose="02020603050405020304" pitchFamily="18" charset="0"/>
+              </a:rPr>
+              <a:t>Method of Moments (Generally)</a:t>
+            </a:r>
+            <a:endParaRPr lang="en-US" sz="3600" dirty="0">
+              <a:latin typeface="Times New Roman" panose="02020603050405020304" pitchFamily="18" charset="0"/>
+              <a:cs typeface="Times New Roman" panose="02020603050405020304" pitchFamily="18" charset="0"/>
+            </a:endParaRPr>
+          </a:p>
+        </p:txBody>
+      </p:sp>
+      <p:sp>
+        <p:nvSpPr>
+          <p:cNvPr id="3" name="Content Placeholder 2"/>
+          <p:cNvSpPr>
+            <a:spLocks noGrp="1"/>
+          </p:cNvSpPr>
+          <p:nvPr>
+            <p:ph idx="1"/>
+          </p:nvPr>
+        </p:nvSpPr>
+        <p:spPr>
+          <a:xfrm>
+            <a:off x="1219199" y="1066801"/>
+            <a:ext cx="9405791" cy="5141388"/>
+          </a:xfrm>
+        </p:spPr>
+        <p:txBody>
+          <a:bodyPr>
+            <a:noAutofit/>
+          </a:bodyPr>
+          <a:lstStyle/>
+          <a:p>
+            <a:endParaRPr lang="en-US" sz="2400" dirty="0">
+              <a:cs typeface="Times New Roman" panose="02020603050405020304" pitchFamily="18" charset="0"/>
+            </a:endParaRPr>
+          </a:p>
+        </p:txBody>
+      </p:sp>
+      <p:pic>
+        <p:nvPicPr>
+          <p:cNvPr id="5" name="Picture 4">
+            <a:extLst>
+              <a:ext uri="{FF2B5EF4-FFF2-40B4-BE49-F238E27FC236}">
+                <a16:creationId xmlns:a16="http://schemas.microsoft.com/office/drawing/2014/main" id="{86815261-7160-3084-A334-7CA9BEC3C513}"/>
+              </a:ext>
+            </a:extLst>
+          </p:cNvPr>
+          <p:cNvPicPr>
+            <a:picLocks noChangeAspect="1"/>
+          </p:cNvPicPr>
+          <p:nvPr/>
+        </p:nvPicPr>
+        <p:blipFill>
+          <a:blip r:embed="rId3"/>
+          <a:stretch>
+            <a:fillRect/>
+          </a:stretch>
+        </p:blipFill>
+        <p:spPr>
+          <a:xfrm>
+            <a:off x="30866" y="152400"/>
+            <a:ext cx="9574212" cy="6368208"/>
+          </a:xfrm>
+          <a:prstGeom prst="rect">
+            <a:avLst/>
+          </a:prstGeom>
+        </p:spPr>
+      </p:pic>
+    </p:spTree>
+    <p:extLst>
+      <p:ext uri="{BB962C8B-B14F-4D97-AF65-F5344CB8AC3E}">
+        <p14:creationId xmlns:p14="http://schemas.microsoft.com/office/powerpoint/2010/main" val="54870397"/>
+      </p:ext>
+    </p:extLst>
+  </p:cSld>
+  <p:clrMapOvr>
+    <a:masterClrMapping/>
+  </p:clrMapOvr>
+</p:sld>
+</file>
+
+<file path=ppt/slides/slide75.xml><?xml version="1.0" encoding="utf-8"?>
+<p:sld xmlns:a="http://schemas.openxmlformats.org/drawingml/2006/main" xmlns:r="http://schemas.openxmlformats.org/officeDocument/2006/relationships" xmlns:p="http://schemas.openxmlformats.org/presentationml/2006/main">
+  <p:cSld>
+    <p:spTree>
+      <p:nvGrpSpPr>
+        <p:cNvPr id="1" name=""/>
+        <p:cNvGrpSpPr/>
+        <p:nvPr/>
+      </p:nvGrpSpPr>
+      <p:grpSpPr>
+        <a:xfrm>
+          <a:off x="0" y="0"/>
+          <a:ext cx="0" cy="0"/>
+          <a:chOff x="0" y="0"/>
+          <a:chExt cx="0" cy="0"/>
+        </a:xfrm>
+      </p:grpSpPr>
+      <p:sp>
+        <p:nvSpPr>
+          <p:cNvPr id="2" name="Title 1"/>
+          <p:cNvSpPr>
+            <a:spLocks noGrp="1"/>
+          </p:cNvSpPr>
+          <p:nvPr>
+            <p:ph type="title"/>
+          </p:nvPr>
+        </p:nvSpPr>
+        <p:spPr>
+          <a:xfrm>
+            <a:off x="609600" y="337392"/>
+            <a:ext cx="10439400" cy="624840"/>
+          </a:xfrm>
+        </p:spPr>
+        <p:txBody>
+          <a:bodyPr>
+            <a:noAutofit/>
+          </a:bodyPr>
+          <a:lstStyle/>
+          <a:p>
+            <a:r>
+              <a:rPr lang="en-US" sz="3600" dirty="0">
+                <a:cs typeface="Times New Roman" panose="02020603050405020304" pitchFamily="18" charset="0"/>
+              </a:rPr>
+              <a:t>Method of Moments (Generally)</a:t>
+            </a:r>
+            <a:endParaRPr lang="en-US" sz="3600" dirty="0">
+              <a:latin typeface="Times New Roman" panose="02020603050405020304" pitchFamily="18" charset="0"/>
+              <a:cs typeface="Times New Roman" panose="02020603050405020304" pitchFamily="18" charset="0"/>
+            </a:endParaRPr>
+          </a:p>
+        </p:txBody>
+      </p:sp>
+      <p:sp>
+        <p:nvSpPr>
+          <p:cNvPr id="3" name="Content Placeholder 2"/>
+          <p:cNvSpPr>
+            <a:spLocks noGrp="1"/>
+          </p:cNvSpPr>
+          <p:nvPr>
+            <p:ph idx="1"/>
+          </p:nvPr>
+        </p:nvSpPr>
+        <p:spPr>
+          <a:xfrm>
+            <a:off x="1219199" y="1066801"/>
+            <a:ext cx="9405791" cy="5141388"/>
+          </a:xfrm>
+        </p:spPr>
+        <p:txBody>
+          <a:bodyPr>
+            <a:noAutofit/>
+          </a:bodyPr>
+          <a:lstStyle/>
+          <a:p>
+            <a:endParaRPr lang="en-US" sz="2400" dirty="0">
+              <a:cs typeface="Times New Roman" panose="02020603050405020304" pitchFamily="18" charset="0"/>
+            </a:endParaRPr>
+          </a:p>
+        </p:txBody>
+      </p:sp>
+      <p:pic>
+        <p:nvPicPr>
+          <p:cNvPr id="6" name="Picture 5">
+            <a:extLst>
+              <a:ext uri="{FF2B5EF4-FFF2-40B4-BE49-F238E27FC236}">
+                <a16:creationId xmlns:a16="http://schemas.microsoft.com/office/drawing/2014/main" id="{9372B997-D6A5-9098-B577-E069D7484464}"/>
+              </a:ext>
+            </a:extLst>
+          </p:cNvPr>
+          <p:cNvPicPr>
+            <a:picLocks noChangeAspect="1"/>
+          </p:cNvPicPr>
+          <p:nvPr/>
+        </p:nvPicPr>
+        <p:blipFill>
+          <a:blip r:embed="rId3"/>
+          <a:stretch>
+            <a:fillRect/>
+          </a:stretch>
+        </p:blipFill>
+        <p:spPr>
+          <a:xfrm>
+            <a:off x="76200" y="-1"/>
+            <a:ext cx="10439400" cy="6691923"/>
+          </a:xfrm>
+          <a:prstGeom prst="rect">
+            <a:avLst/>
+          </a:prstGeom>
+        </p:spPr>
+      </p:pic>
+    </p:spTree>
+    <p:extLst>
+      <p:ext uri="{BB962C8B-B14F-4D97-AF65-F5344CB8AC3E}">
+        <p14:creationId xmlns:p14="http://schemas.microsoft.com/office/powerpoint/2010/main" val="3865707337"/>
+      </p:ext>
+    </p:extLst>
+  </p:cSld>
+  <p:clrMapOvr>
+    <a:masterClrMapping/>
+  </p:clrMapOvr>
+</p:sld>
+</file>
+
+<file path=ppt/slides/slide8.xml><?xml version="1.0" encoding="utf-8"?>
+<p:sld xmlns:a="http://schemas.openxmlformats.org/drawingml/2006/main" xmlns:r="http://schemas.openxmlformats.org/officeDocument/2006/relationships" xmlns:p="http://schemas.openxmlformats.org/presentationml/2006/main">
+  <p:cSld>
+    <p:spTree>
+      <p:nvGrpSpPr>
+        <p:cNvPr id="1" name=""/>
+        <p:cNvGrpSpPr/>
+        <p:nvPr/>
+      </p:nvGrpSpPr>
+      <p:grpSpPr>
+        <a:xfrm>
+          <a:off x="0" y="0"/>
+          <a:ext cx="0" cy="0"/>
+          <a:chOff x="0" y="0"/>
+          <a:chExt cx="0" cy="0"/>
+        </a:xfrm>
+      </p:grpSpPr>
+      <p:sp>
+        <p:nvSpPr>
+          <p:cNvPr id="2" name="Title 1"/>
+          <p:cNvSpPr>
+            <a:spLocks noGrp="1"/>
+          </p:cNvSpPr>
+          <p:nvPr>
+            <p:ph type="title"/>
+          </p:nvPr>
+        </p:nvSpPr>
+        <p:spPr>
+          <a:xfrm>
+            <a:off x="609600" y="337392"/>
+            <a:ext cx="10439400" cy="624840"/>
+          </a:xfrm>
+        </p:spPr>
+        <p:txBody>
+          <a:bodyPr>
+            <a:noAutofit/>
+          </a:bodyPr>
+          <a:lstStyle/>
+          <a:p>
+            <a:r>
+              <a:rPr lang="en-US" sz="3600" dirty="0">
+                <a:cs typeface="Times New Roman" panose="02020603050405020304" pitchFamily="18" charset="0"/>
+              </a:rPr>
+              <a:t>Examples of Limited Dependent Variables</a:t>
+            </a:r>
+            <a:endParaRPr lang="en-US" sz="3600" dirty="0">
+              <a:latin typeface="Times New Roman" panose="02020603050405020304" pitchFamily="18" charset="0"/>
+              <a:cs typeface="Times New Roman" panose="02020603050405020304" pitchFamily="18" charset="0"/>
+            </a:endParaRPr>
+          </a:p>
+        </p:txBody>
+      </p:sp>
+      <mc:AlternateContent xmlns:mc="http://schemas.openxmlformats.org/markup-compatibility/2006" xmlns:a14="http://schemas.microsoft.com/office/drawing/2010/main">
+        <mc:Choice Requires="a14">
+          <p:sp>
+            <p:nvSpPr>
+              <p:cNvPr id="3" name="Content Placeholder 2"/>
+              <p:cNvSpPr>
+                <a:spLocks noGrp="1"/>
+              </p:cNvSpPr>
+              <p:nvPr>
+                <p:ph idx="1"/>
+              </p:nvPr>
+            </p:nvSpPr>
+            <p:spPr>
+              <a:xfrm>
+                <a:off x="1219199" y="1066801"/>
+                <a:ext cx="9405791" cy="5141388"/>
+              </a:xfrm>
+            </p:spPr>
+            <p:txBody>
+              <a:bodyPr>
+                <a:noAutofit/>
+              </a:bodyPr>
+              <a:lstStyle/>
+              <a:p>
+                <a:r>
+                  <a:rPr lang="en-US" sz="2400" b="1" dirty="0">
+                    <a:cs typeface="Times New Roman" panose="02020603050405020304" pitchFamily="18" charset="0"/>
+                  </a:rPr>
+                  <a:t>Binary</a:t>
+                </a:r>
+                <a:r>
+                  <a:rPr lang="en-US" sz="2400" dirty="0">
+                    <a:cs typeface="Times New Roman" panose="02020603050405020304" pitchFamily="18" charset="0"/>
+                  </a:rPr>
+                  <a:t>: Whether or not someone receives a treatment</a:t>
+                </a:r>
+              </a:p>
+              <a:p>
+                <a:r>
+                  <a:rPr lang="en-US" sz="2400" b="1" dirty="0">
+                    <a:cs typeface="Times New Roman" panose="02020603050405020304" pitchFamily="18" charset="0"/>
+                  </a:rPr>
+                  <a:t>Ordered</a:t>
+                </a:r>
+                <a:r>
+                  <a:rPr lang="en-US" sz="2400" dirty="0">
+                    <a:cs typeface="Times New Roman" panose="02020603050405020304" pitchFamily="18" charset="0"/>
+                  </a:rPr>
+                  <a:t>: Number of prenatal visits during a pregnancy</a:t>
+                </a:r>
+              </a:p>
+              <a:p>
+                <a:r>
+                  <a:rPr lang="en-US" sz="2400" b="1" dirty="0">
+                    <a:cs typeface="Times New Roman" panose="02020603050405020304" pitchFamily="18" charset="0"/>
+                  </a:rPr>
+                  <a:t>Censored</a:t>
+                </a:r>
+                <a:r>
+                  <a:rPr lang="en-US" sz="2400" dirty="0">
+                    <a:cs typeface="Times New Roman" panose="02020603050405020304" pitchFamily="18" charset="0"/>
+                  </a:rPr>
+                  <a:t>: Income data is observed only in a certain range</a:t>
+                </a:r>
+              </a:p>
+              <a:p>
+                <a:r>
+                  <a:rPr lang="en-US" sz="2400" b="1" dirty="0">
+                    <a:cs typeface="Times New Roman" panose="02020603050405020304" pitchFamily="18" charset="0"/>
+                  </a:rPr>
+                  <a:t>Truncated</a:t>
+                </a:r>
+                <a:r>
+                  <a:rPr lang="en-US" sz="2400" dirty="0">
+                    <a:cs typeface="Times New Roman" panose="02020603050405020304" pitchFamily="18" charset="0"/>
+                  </a:rPr>
+                  <a:t>: Data has a “hard limit” at a certain value</a:t>
+                </a:r>
+              </a:p>
+              <a:p>
+                <a:pPr lvl="1"/>
+                <a:r>
+                  <a:rPr lang="en-US" sz="2400" dirty="0">
+                    <a:cs typeface="Times New Roman" panose="02020603050405020304" pitchFamily="18" charset="0"/>
+                  </a:rPr>
+                  <a:t>Can be natural (no negative income) or imposed (top-coded spending)</a:t>
+                </a:r>
+              </a:p>
+              <a:p>
+                <a:pPr marL="274320" lvl="1" indent="0">
+                  <a:buNone/>
+                </a:pPr>
+                <a14:m>
+                  <m:oMathPara xmlns:m="http://schemas.openxmlformats.org/officeDocument/2006/math">
+                    <m:oMathParaPr>
+                      <m:jc m:val="centerGroup"/>
+                    </m:oMathParaPr>
+                    <m:oMath xmlns:m="http://schemas.openxmlformats.org/officeDocument/2006/math">
+                      <m:r>
+                        <a:rPr lang="en-US" sz="2400" b="0" i="1" smtClean="0">
+                          <a:latin typeface="Cambria Math" panose="02040503050406030204" pitchFamily="18" charset="0"/>
+                          <a:cs typeface="Times New Roman" panose="02020603050405020304" pitchFamily="18" charset="0"/>
+                        </a:rPr>
+                        <m:t>𝑌</m:t>
+                      </m:r>
+                      <m:r>
+                        <a:rPr lang="en-US" sz="2400" b="0" i="1" smtClean="0">
+                          <a:latin typeface="Cambria Math" panose="02040503050406030204" pitchFamily="18" charset="0"/>
+                          <a:cs typeface="Times New Roman" panose="02020603050405020304" pitchFamily="18" charset="0"/>
+                        </a:rPr>
+                        <m:t>= </m:t>
+                      </m:r>
+                      <m:d>
+                        <m:dPr>
+                          <m:begChr m:val="{"/>
+                          <m:endChr m:val=""/>
+                          <m:ctrlPr>
+                            <a:rPr lang="en-US" sz="2400" b="0" i="1" smtClean="0">
+                              <a:latin typeface="Cambria Math" panose="02040503050406030204" pitchFamily="18" charset="0"/>
+                              <a:cs typeface="Times New Roman" panose="02020603050405020304" pitchFamily="18" charset="0"/>
+                            </a:rPr>
+                          </m:ctrlPr>
+                        </m:dPr>
+                        <m:e>
+                          <m:eqArr>
+                            <m:eqArrPr>
+                              <m:ctrlPr>
+                                <a:rPr lang="en-US" sz="2400" b="0" i="1" smtClean="0">
+                                  <a:latin typeface="Cambria Math" panose="02040503050406030204" pitchFamily="18" charset="0"/>
+                                  <a:cs typeface="Times New Roman" panose="02020603050405020304" pitchFamily="18" charset="0"/>
+                                </a:rPr>
+                              </m:ctrlPr>
+                            </m:eqArrPr>
+                            <m:e>
+                              <m:sSub>
+                                <m:sSubPr>
+                                  <m:ctrlPr>
+                                    <a:rPr lang="en-US" sz="2400" b="0" i="1" smtClean="0">
+                                      <a:latin typeface="Cambria Math" panose="02040503050406030204" pitchFamily="18" charset="0"/>
+                                      <a:cs typeface="Times New Roman" panose="02020603050405020304" pitchFamily="18" charset="0"/>
+                                    </a:rPr>
+                                  </m:ctrlPr>
+                                </m:sSubPr>
+                                <m:e>
+                                  <m:r>
+                                    <a:rPr lang="en-US" sz="2400" b="0" i="1" smtClean="0">
+                                      <a:latin typeface="Cambria Math" panose="02040503050406030204" pitchFamily="18" charset="0"/>
+                                      <a:cs typeface="Times New Roman" panose="02020603050405020304" pitchFamily="18" charset="0"/>
+                                    </a:rPr>
+                                    <m:t>𝑦</m:t>
+                                  </m:r>
+                                </m:e>
+                                <m:sub>
+                                  <m:r>
+                                    <a:rPr lang="en-US" sz="2400" b="0" i="1" smtClean="0">
+                                      <a:latin typeface="Cambria Math" panose="02040503050406030204" pitchFamily="18" charset="0"/>
+                                      <a:cs typeface="Times New Roman" panose="02020603050405020304" pitchFamily="18" charset="0"/>
+                                    </a:rPr>
+                                    <m:t>𝑖</m:t>
+                                  </m:r>
+                                  <m:r>
+                                    <a:rPr lang="en-US" sz="2400" b="0" i="1" smtClean="0">
+                                      <a:latin typeface="Cambria Math" panose="02040503050406030204" pitchFamily="18" charset="0"/>
+                                      <a:cs typeface="Times New Roman" panose="02020603050405020304" pitchFamily="18" charset="0"/>
+                                    </a:rPr>
+                                    <m:t> </m:t>
+                                  </m:r>
+                                </m:sub>
+                              </m:sSub>
+                              <m:r>
+                                <a:rPr lang="en-US" sz="2400" b="0" i="1" smtClean="0">
+                                  <a:latin typeface="Cambria Math" panose="02040503050406030204" pitchFamily="18" charset="0"/>
+                                  <a:cs typeface="Times New Roman" panose="02020603050405020304" pitchFamily="18" charset="0"/>
+                                </a:rPr>
+                                <m:t>𝑖𝑓</m:t>
+                              </m:r>
+                              <m:r>
+                                <a:rPr lang="en-US" sz="2400" b="0" i="1" smtClean="0">
+                                  <a:latin typeface="Cambria Math" panose="02040503050406030204" pitchFamily="18" charset="0"/>
+                                  <a:cs typeface="Times New Roman" panose="02020603050405020304" pitchFamily="18" charset="0"/>
+                                </a:rPr>
+                                <m:t> </m:t>
+                              </m:r>
+                              <m:sSub>
+                                <m:sSubPr>
+                                  <m:ctrlPr>
+                                    <a:rPr lang="en-US" sz="2400" b="0" i="1" smtClean="0">
+                                      <a:latin typeface="Cambria Math" panose="02040503050406030204" pitchFamily="18" charset="0"/>
+                                      <a:cs typeface="Times New Roman" panose="02020603050405020304" pitchFamily="18" charset="0"/>
+                                    </a:rPr>
+                                  </m:ctrlPr>
+                                </m:sSubPr>
+                                <m:e>
+                                  <m:r>
+                                    <a:rPr lang="en-US" sz="2400" b="0" i="1" smtClean="0">
+                                      <a:latin typeface="Cambria Math" panose="02040503050406030204" pitchFamily="18" charset="0"/>
+                                      <a:cs typeface="Times New Roman" panose="02020603050405020304" pitchFamily="18" charset="0"/>
+                                    </a:rPr>
+                                    <m:t>𝑦</m:t>
+                                  </m:r>
+                                </m:e>
+                                <m:sub>
+                                  <m:r>
+                                    <a:rPr lang="en-US" sz="2400" b="0" i="1" smtClean="0">
+                                      <a:latin typeface="Cambria Math" panose="02040503050406030204" pitchFamily="18" charset="0"/>
+                                      <a:cs typeface="Times New Roman" panose="02020603050405020304" pitchFamily="18" charset="0"/>
+                                    </a:rPr>
+                                    <m:t>𝑖</m:t>
+                                  </m:r>
+                                </m:sub>
+                              </m:sSub>
+                              <m:r>
+                                <a:rPr lang="en-US" sz="2400" b="0" i="1" smtClean="0">
+                                  <a:latin typeface="Cambria Math" panose="02040503050406030204" pitchFamily="18" charset="0"/>
+                                  <a:cs typeface="Times New Roman" panose="02020603050405020304" pitchFamily="18" charset="0"/>
+                                </a:rPr>
+                                <m:t>≥0</m:t>
+                              </m:r>
+                            </m:e>
+                            <m:e>
+                              <m:r>
+                                <a:rPr lang="en-US" sz="2400" b="0" i="1" smtClean="0">
+                                  <a:latin typeface="Cambria Math" panose="02040503050406030204" pitchFamily="18" charset="0"/>
+                                  <a:cs typeface="Times New Roman" panose="02020603050405020304" pitchFamily="18" charset="0"/>
+                                </a:rPr>
+                                <m:t>0 </m:t>
+                              </m:r>
+                              <m:r>
+                                <a:rPr lang="en-US" sz="2400" b="0" i="1" smtClean="0">
+                                  <a:latin typeface="Cambria Math" panose="02040503050406030204" pitchFamily="18" charset="0"/>
+                                  <a:cs typeface="Times New Roman" panose="02020603050405020304" pitchFamily="18" charset="0"/>
+                                </a:rPr>
+                                <m:t>𝑖𝑓</m:t>
+                              </m:r>
+                              <m:r>
+                                <a:rPr lang="en-US" sz="2400" b="0" i="1" smtClean="0">
+                                  <a:latin typeface="Cambria Math" panose="02040503050406030204" pitchFamily="18" charset="0"/>
+                                  <a:cs typeface="Times New Roman" panose="02020603050405020304" pitchFamily="18" charset="0"/>
+                                </a:rPr>
+                                <m:t> </m:t>
+                              </m:r>
+                              <m:sSub>
+                                <m:sSubPr>
+                                  <m:ctrlPr>
+                                    <a:rPr lang="en-US" sz="2400" b="0" i="1" smtClean="0">
+                                      <a:latin typeface="Cambria Math" panose="02040503050406030204" pitchFamily="18" charset="0"/>
+                                      <a:cs typeface="Times New Roman" panose="02020603050405020304" pitchFamily="18" charset="0"/>
+                                    </a:rPr>
+                                  </m:ctrlPr>
+                                </m:sSubPr>
+                                <m:e>
+                                  <m:r>
+                                    <a:rPr lang="en-US" sz="2400" b="0" i="1" smtClean="0">
+                                      <a:latin typeface="Cambria Math" panose="02040503050406030204" pitchFamily="18" charset="0"/>
+                                      <a:cs typeface="Times New Roman" panose="02020603050405020304" pitchFamily="18" charset="0"/>
+                                    </a:rPr>
+                                    <m:t>𝑦</m:t>
+                                  </m:r>
+                                </m:e>
+                                <m:sub>
+                                  <m:r>
+                                    <a:rPr lang="en-US" sz="2400" b="0" i="1" smtClean="0">
+                                      <a:latin typeface="Cambria Math" panose="02040503050406030204" pitchFamily="18" charset="0"/>
+                                      <a:cs typeface="Times New Roman" panose="02020603050405020304" pitchFamily="18" charset="0"/>
+                                    </a:rPr>
+                                    <m:t>𝑖</m:t>
+                                  </m:r>
+                                </m:sub>
+                              </m:sSub>
+                              <m:r>
+                                <a:rPr lang="en-US" sz="2400" b="0" i="1" smtClean="0">
+                                  <a:latin typeface="Cambria Math" panose="02040503050406030204" pitchFamily="18" charset="0"/>
+                                  <a:cs typeface="Times New Roman" panose="02020603050405020304" pitchFamily="18" charset="0"/>
+                                </a:rPr>
+                                <m:t>&lt;0</m:t>
+                              </m:r>
+                            </m:e>
+                          </m:eqArr>
+                        </m:e>
+                      </m:d>
+                    </m:oMath>
+                  </m:oMathPara>
+                </a14:m>
+                <a:endParaRPr lang="en-US" sz="2400" dirty="0">
+                  <a:cs typeface="Times New Roman" panose="02020603050405020304" pitchFamily="18" charset="0"/>
+                </a:endParaRPr>
+              </a:p>
+              <a:p>
+                <a:endParaRPr lang="en-US" sz="2400" dirty="0">
+                  <a:cs typeface="Times New Roman" panose="02020603050405020304" pitchFamily="18" charset="0"/>
+                </a:endParaRPr>
+              </a:p>
+            </p:txBody>
+          </p:sp>
+        </mc:Choice>
+        <mc:Fallback xmlns="">
+          <p:sp>
+            <p:nvSpPr>
+              <p:cNvPr id="3" name="Content Placeholder 2"/>
+              <p:cNvSpPr>
+                <a:spLocks noGrp="1" noRot="1" noChangeAspect="1" noMove="1" noResize="1" noEditPoints="1" noAdjustHandles="1" noChangeArrowheads="1" noChangeShapeType="1" noTextEdit="1"/>
+              </p:cNvSpPr>
+              <p:nvPr>
+                <p:ph idx="1"/>
+              </p:nvPr>
+            </p:nvSpPr>
+            <p:spPr>
+              <a:xfrm>
+                <a:off x="1219199" y="1066801"/>
+                <a:ext cx="9405791" cy="5141388"/>
+              </a:xfrm>
+              <a:blipFill>
+                <a:blip r:embed="rId3"/>
+                <a:stretch>
+                  <a:fillRect l="-454" t="-1305"/>
+                </a:stretch>
+              </a:blipFill>
+            </p:spPr>
+            <p:txBody>
+              <a:bodyPr/>
+              <a:lstStyle/>
+              <a:p>
+                <a:r>
+                  <a:rPr lang="en-US">
+                    <a:noFill/>
+                  </a:rPr>
+                  <a:t> </a:t>
+                </a:r>
+              </a:p>
+            </p:txBody>
+          </p:sp>
+        </mc:Fallback>
+      </mc:AlternateContent>
+    </p:spTree>
+    <p:extLst>
+      <p:ext uri="{BB962C8B-B14F-4D97-AF65-F5344CB8AC3E}">
+        <p14:creationId xmlns:p14="http://schemas.microsoft.com/office/powerpoint/2010/main" val="402010716"/>
+      </p:ext>
+    </p:extLst>
+  </p:cSld>
+  <p:clrMapOvr>
+    <a:masterClrMapping/>
+  </p:clrMapOvr>
+</p:sld>
+</file>
+
+<file path=ppt/slides/slide9.xml><?xml version="1.0" encoding="utf-8"?>
+<p:sld xmlns:a="http://schemas.openxmlformats.org/drawingml/2006/main" xmlns:r="http://schemas.openxmlformats.org/officeDocument/2006/relationships" xmlns:p="http://schemas.openxmlformats.org/presentationml/2006/main">
+  <p:cSld>
+    <p:spTree>
+      <p:nvGrpSpPr>
+        <p:cNvPr id="1" name=""/>
+        <p:cNvGrpSpPr/>
+        <p:nvPr/>
+      </p:nvGrpSpPr>
+      <p:grpSpPr>
+        <a:xfrm>
+          <a:off x="0" y="0"/>
+          <a:ext cx="0" cy="0"/>
+          <a:chOff x="0" y="0"/>
+          <a:chExt cx="0" cy="0"/>
+        </a:xfrm>
+      </p:grpSpPr>
+      <p:sp>
+        <p:nvSpPr>
+          <p:cNvPr id="2" name="Title 1"/>
+          <p:cNvSpPr>
+            <a:spLocks noGrp="1"/>
+          </p:cNvSpPr>
+          <p:nvPr>
+            <p:ph type="title"/>
+          </p:nvPr>
+        </p:nvSpPr>
+        <p:spPr>
+          <a:xfrm>
+            <a:off x="609600" y="337392"/>
+            <a:ext cx="10439400" cy="624840"/>
+          </a:xfrm>
+        </p:spPr>
+        <p:txBody>
+          <a:bodyPr>
+            <a:noAutofit/>
+          </a:bodyPr>
+          <a:lstStyle/>
+          <a:p>
+            <a:r>
+              <a:rPr lang="en-US" sz="3600" dirty="0">
+                <a:cs typeface="Times New Roman" panose="02020603050405020304" pitchFamily="18" charset="0"/>
+              </a:rPr>
+              <a:t>Examples of Limited Dependent Variables</a:t>
+            </a:r>
+            <a:endParaRPr lang="en-US" sz="3600" dirty="0">
+              <a:latin typeface="Times New Roman" panose="02020603050405020304" pitchFamily="18" charset="0"/>
+              <a:cs typeface="Times New Roman" panose="02020603050405020304" pitchFamily="18" charset="0"/>
+            </a:endParaRPr>
+          </a:p>
+        </p:txBody>
+      </p:sp>
+      <mc:AlternateContent xmlns:mc="http://schemas.openxmlformats.org/markup-compatibility/2006" xmlns:a14="http://schemas.microsoft.com/office/drawing/2010/main">
+        <mc:Choice Requires="a14">
+          <p:sp>
+            <p:nvSpPr>
+              <p:cNvPr id="3" name="Content Placeholder 2"/>
+              <p:cNvSpPr>
+                <a:spLocks noGrp="1"/>
+              </p:cNvSpPr>
+              <p:nvPr>
+                <p:ph idx="1"/>
+              </p:nvPr>
+            </p:nvSpPr>
+            <p:spPr>
+              <a:xfrm>
+                <a:off x="1219199" y="1066801"/>
+                <a:ext cx="9405791" cy="5141388"/>
+              </a:xfrm>
+            </p:spPr>
+            <p:txBody>
+              <a:bodyPr>
+                <a:noAutofit/>
+              </a:bodyPr>
+              <a:lstStyle/>
+              <a:p>
+                <a:r>
                   <a:rPr lang="en-US" sz="2400" b="1" dirty="0">
                     <a:cs typeface="Times New Roman" panose="02020603050405020304" pitchFamily="18" charset="0"/>
                   </a:rPr>
@@ -32858,1298 +34150,6 @@
     <p:extLst>
       <p:ext uri="{BB962C8B-B14F-4D97-AF65-F5344CB8AC3E}">
         <p14:creationId xmlns:p14="http://schemas.microsoft.com/office/powerpoint/2010/main" val="989699135"/>
-      </p:ext>
-    </p:extLst>
-  </p:cSld>
-  <p:clrMapOvr>
-    <a:masterClrMapping/>
-  </p:clrMapOvr>
-</p:sld>
-</file>
-
-<file path=ppt/slides/slide70.xml><?xml version="1.0" encoding="utf-8"?>
-<p:sld xmlns:a="http://schemas.openxmlformats.org/drawingml/2006/main" xmlns:r="http://schemas.openxmlformats.org/officeDocument/2006/relationships" xmlns:p="http://schemas.openxmlformats.org/presentationml/2006/main">
-  <p:cSld>
-    <p:spTree>
-      <p:nvGrpSpPr>
-        <p:cNvPr id="1" name=""/>
-        <p:cNvGrpSpPr/>
-        <p:nvPr/>
-      </p:nvGrpSpPr>
-      <p:grpSpPr>
-        <a:xfrm>
-          <a:off x="0" y="0"/>
-          <a:ext cx="0" cy="0"/>
-          <a:chOff x="0" y="0"/>
-          <a:chExt cx="0" cy="0"/>
-        </a:xfrm>
-      </p:grpSpPr>
-      <p:sp>
-        <p:nvSpPr>
-          <p:cNvPr id="2" name="Title 1"/>
-          <p:cNvSpPr>
-            <a:spLocks noGrp="1"/>
-          </p:cNvSpPr>
-          <p:nvPr>
-            <p:ph type="title"/>
-          </p:nvPr>
-        </p:nvSpPr>
-        <p:spPr>
-          <a:xfrm>
-            <a:off x="609600" y="337392"/>
-            <a:ext cx="10439400" cy="624840"/>
-          </a:xfrm>
-        </p:spPr>
-        <p:txBody>
-          <a:bodyPr>
-            <a:noAutofit/>
-          </a:bodyPr>
-          <a:lstStyle/>
-          <a:p>
-            <a:r>
-              <a:rPr lang="en-US" sz="3600" dirty="0">
-                <a:cs typeface="Times New Roman" panose="02020603050405020304" pitchFamily="18" charset="0"/>
-              </a:rPr>
-              <a:t>Method of Moments (Generally)</a:t>
-            </a:r>
-            <a:endParaRPr lang="en-US" sz="3600" dirty="0">
-              <a:latin typeface="Times New Roman" panose="02020603050405020304" pitchFamily="18" charset="0"/>
-              <a:cs typeface="Times New Roman" panose="02020603050405020304" pitchFamily="18" charset="0"/>
-            </a:endParaRPr>
-          </a:p>
-        </p:txBody>
-      </p:sp>
-      <p:sp>
-        <p:nvSpPr>
-          <p:cNvPr id="3" name="Content Placeholder 2"/>
-          <p:cNvSpPr>
-            <a:spLocks noGrp="1"/>
-          </p:cNvSpPr>
-          <p:nvPr>
-            <p:ph idx="1"/>
-          </p:nvPr>
-        </p:nvSpPr>
-        <p:spPr>
-          <a:xfrm>
-            <a:off x="1219199" y="1066801"/>
-            <a:ext cx="9405791" cy="5141388"/>
-          </a:xfrm>
-        </p:spPr>
-        <p:txBody>
-          <a:bodyPr>
-            <a:noAutofit/>
-          </a:bodyPr>
-          <a:lstStyle/>
-          <a:p>
-            <a:endParaRPr lang="en-US" sz="2400" dirty="0">
-              <a:cs typeface="Times New Roman" panose="02020603050405020304" pitchFamily="18" charset="0"/>
-            </a:endParaRPr>
-          </a:p>
-        </p:txBody>
-      </p:sp>
-      <p:pic>
-        <p:nvPicPr>
-          <p:cNvPr id="5" name="Picture 4">
-            <a:extLst>
-              <a:ext uri="{FF2B5EF4-FFF2-40B4-BE49-F238E27FC236}">
-                <a16:creationId xmlns:a16="http://schemas.microsoft.com/office/drawing/2014/main" id="{6DC5AE8E-A65F-5605-D51C-DC5F4DDDB01B}"/>
-              </a:ext>
-            </a:extLst>
-          </p:cNvPr>
-          <p:cNvPicPr>
-            <a:picLocks noChangeAspect="1"/>
-          </p:cNvPicPr>
-          <p:nvPr/>
-        </p:nvPicPr>
-        <p:blipFill>
-          <a:blip r:embed="rId3"/>
-          <a:stretch>
-            <a:fillRect/>
-          </a:stretch>
-        </p:blipFill>
-        <p:spPr>
-          <a:xfrm>
-            <a:off x="152400" y="228600"/>
-            <a:ext cx="10101064" cy="6629400"/>
-          </a:xfrm>
-          <a:prstGeom prst="rect">
-            <a:avLst/>
-          </a:prstGeom>
-        </p:spPr>
-      </p:pic>
-    </p:spTree>
-    <p:extLst>
-      <p:ext uri="{BB962C8B-B14F-4D97-AF65-F5344CB8AC3E}">
-        <p14:creationId xmlns:p14="http://schemas.microsoft.com/office/powerpoint/2010/main" val="3172041985"/>
-      </p:ext>
-    </p:extLst>
-  </p:cSld>
-  <p:clrMapOvr>
-    <a:masterClrMapping/>
-  </p:clrMapOvr>
-</p:sld>
-</file>
-
-<file path=ppt/slides/slide71.xml><?xml version="1.0" encoding="utf-8"?>
-<p:sld xmlns:a="http://schemas.openxmlformats.org/drawingml/2006/main" xmlns:r="http://schemas.openxmlformats.org/officeDocument/2006/relationships" xmlns:p="http://schemas.openxmlformats.org/presentationml/2006/main">
-  <p:cSld>
-    <p:spTree>
-      <p:nvGrpSpPr>
-        <p:cNvPr id="1" name=""/>
-        <p:cNvGrpSpPr/>
-        <p:nvPr/>
-      </p:nvGrpSpPr>
-      <p:grpSpPr>
-        <a:xfrm>
-          <a:off x="0" y="0"/>
-          <a:ext cx="0" cy="0"/>
-          <a:chOff x="0" y="0"/>
-          <a:chExt cx="0" cy="0"/>
-        </a:xfrm>
-      </p:grpSpPr>
-      <p:sp>
-        <p:nvSpPr>
-          <p:cNvPr id="2" name="Title 1"/>
-          <p:cNvSpPr>
-            <a:spLocks noGrp="1"/>
-          </p:cNvSpPr>
-          <p:nvPr>
-            <p:ph type="title"/>
-          </p:nvPr>
-        </p:nvSpPr>
-        <p:spPr>
-          <a:xfrm>
-            <a:off x="609600" y="337392"/>
-            <a:ext cx="10439400" cy="624840"/>
-          </a:xfrm>
-        </p:spPr>
-        <p:txBody>
-          <a:bodyPr>
-            <a:noAutofit/>
-          </a:bodyPr>
-          <a:lstStyle/>
-          <a:p>
-            <a:r>
-              <a:rPr lang="en-US" sz="3600" dirty="0">
-                <a:cs typeface="Times New Roman" panose="02020603050405020304" pitchFamily="18" charset="0"/>
-              </a:rPr>
-              <a:t>Method of Moments (Generally)</a:t>
-            </a:r>
-            <a:endParaRPr lang="en-US" sz="3600" dirty="0">
-              <a:latin typeface="Times New Roman" panose="02020603050405020304" pitchFamily="18" charset="0"/>
-              <a:cs typeface="Times New Roman" panose="02020603050405020304" pitchFamily="18" charset="0"/>
-            </a:endParaRPr>
-          </a:p>
-        </p:txBody>
-      </p:sp>
-      <p:sp>
-        <p:nvSpPr>
-          <p:cNvPr id="3" name="Content Placeholder 2"/>
-          <p:cNvSpPr>
-            <a:spLocks noGrp="1"/>
-          </p:cNvSpPr>
-          <p:nvPr>
-            <p:ph idx="1"/>
-          </p:nvPr>
-        </p:nvSpPr>
-        <p:spPr>
-          <a:xfrm>
-            <a:off x="1219199" y="1066801"/>
-            <a:ext cx="9405791" cy="5141388"/>
-          </a:xfrm>
-        </p:spPr>
-        <p:txBody>
-          <a:bodyPr>
-            <a:noAutofit/>
-          </a:bodyPr>
-          <a:lstStyle/>
-          <a:p>
-            <a:endParaRPr lang="en-US" sz="2400" dirty="0">
-              <a:cs typeface="Times New Roman" panose="02020603050405020304" pitchFamily="18" charset="0"/>
-            </a:endParaRPr>
-          </a:p>
-        </p:txBody>
-      </p:sp>
-      <p:pic>
-        <p:nvPicPr>
-          <p:cNvPr id="6" name="Picture 5">
-            <a:extLst>
-              <a:ext uri="{FF2B5EF4-FFF2-40B4-BE49-F238E27FC236}">
-                <a16:creationId xmlns:a16="http://schemas.microsoft.com/office/drawing/2014/main" id="{A2AF3DBF-360B-9FEA-5A7D-CD48520EA4E8}"/>
-              </a:ext>
-            </a:extLst>
-          </p:cNvPr>
-          <p:cNvPicPr>
-            <a:picLocks noChangeAspect="1"/>
-          </p:cNvPicPr>
-          <p:nvPr/>
-        </p:nvPicPr>
-        <p:blipFill>
-          <a:blip r:embed="rId3"/>
-          <a:stretch>
-            <a:fillRect/>
-          </a:stretch>
-        </p:blipFill>
-        <p:spPr>
-          <a:xfrm>
-            <a:off x="152399" y="15432"/>
-            <a:ext cx="10308341" cy="6613967"/>
-          </a:xfrm>
-          <a:prstGeom prst="rect">
-            <a:avLst/>
-          </a:prstGeom>
-        </p:spPr>
-      </p:pic>
-    </p:spTree>
-    <p:extLst>
-      <p:ext uri="{BB962C8B-B14F-4D97-AF65-F5344CB8AC3E}">
-        <p14:creationId xmlns:p14="http://schemas.microsoft.com/office/powerpoint/2010/main" val="3123113761"/>
-      </p:ext>
-    </p:extLst>
-  </p:cSld>
-  <p:clrMapOvr>
-    <a:masterClrMapping/>
-  </p:clrMapOvr>
-</p:sld>
-</file>
-
-<file path=ppt/slides/slide72.xml><?xml version="1.0" encoding="utf-8"?>
-<p:sld xmlns:a="http://schemas.openxmlformats.org/drawingml/2006/main" xmlns:r="http://schemas.openxmlformats.org/officeDocument/2006/relationships" xmlns:p="http://schemas.openxmlformats.org/presentationml/2006/main">
-  <p:cSld>
-    <p:spTree>
-      <p:nvGrpSpPr>
-        <p:cNvPr id="1" name=""/>
-        <p:cNvGrpSpPr/>
-        <p:nvPr/>
-      </p:nvGrpSpPr>
-      <p:grpSpPr>
-        <a:xfrm>
-          <a:off x="0" y="0"/>
-          <a:ext cx="0" cy="0"/>
-          <a:chOff x="0" y="0"/>
-          <a:chExt cx="0" cy="0"/>
-        </a:xfrm>
-      </p:grpSpPr>
-      <p:sp>
-        <p:nvSpPr>
-          <p:cNvPr id="2" name="Title 1"/>
-          <p:cNvSpPr>
-            <a:spLocks noGrp="1"/>
-          </p:cNvSpPr>
-          <p:nvPr>
-            <p:ph type="title"/>
-          </p:nvPr>
-        </p:nvSpPr>
-        <p:spPr>
-          <a:xfrm>
-            <a:off x="609600" y="337392"/>
-            <a:ext cx="10439400" cy="624840"/>
-          </a:xfrm>
-        </p:spPr>
-        <p:txBody>
-          <a:bodyPr>
-            <a:noAutofit/>
-          </a:bodyPr>
-          <a:lstStyle/>
-          <a:p>
-            <a:r>
-              <a:rPr lang="en-US" sz="3600" dirty="0">
-                <a:cs typeface="Times New Roman" panose="02020603050405020304" pitchFamily="18" charset="0"/>
-              </a:rPr>
-              <a:t>Method of Moments (Generally)</a:t>
-            </a:r>
-            <a:endParaRPr lang="en-US" sz="3600" dirty="0">
-              <a:latin typeface="Times New Roman" panose="02020603050405020304" pitchFamily="18" charset="0"/>
-              <a:cs typeface="Times New Roman" panose="02020603050405020304" pitchFamily="18" charset="0"/>
-            </a:endParaRPr>
-          </a:p>
-        </p:txBody>
-      </p:sp>
-      <p:sp>
-        <p:nvSpPr>
-          <p:cNvPr id="3" name="Content Placeholder 2"/>
-          <p:cNvSpPr>
-            <a:spLocks noGrp="1"/>
-          </p:cNvSpPr>
-          <p:nvPr>
-            <p:ph idx="1"/>
-          </p:nvPr>
-        </p:nvSpPr>
-        <p:spPr>
-          <a:xfrm>
-            <a:off x="1219199" y="1066801"/>
-            <a:ext cx="9405791" cy="5141388"/>
-          </a:xfrm>
-        </p:spPr>
-        <p:txBody>
-          <a:bodyPr>
-            <a:noAutofit/>
-          </a:bodyPr>
-          <a:lstStyle/>
-          <a:p>
-            <a:endParaRPr lang="en-US" sz="2400" dirty="0">
-              <a:cs typeface="Times New Roman" panose="02020603050405020304" pitchFamily="18" charset="0"/>
-            </a:endParaRPr>
-          </a:p>
-        </p:txBody>
-      </p:sp>
-      <p:pic>
-        <p:nvPicPr>
-          <p:cNvPr id="5" name="Picture 4">
-            <a:extLst>
-              <a:ext uri="{FF2B5EF4-FFF2-40B4-BE49-F238E27FC236}">
-                <a16:creationId xmlns:a16="http://schemas.microsoft.com/office/drawing/2014/main" id="{8F98407E-EA83-3871-B049-D2CC9CBE08CB}"/>
-              </a:ext>
-            </a:extLst>
-          </p:cNvPr>
-          <p:cNvPicPr>
-            <a:picLocks noChangeAspect="1"/>
-          </p:cNvPicPr>
-          <p:nvPr/>
-        </p:nvPicPr>
-        <p:blipFill>
-          <a:blip r:embed="rId3"/>
-          <a:stretch>
-            <a:fillRect/>
-          </a:stretch>
-        </p:blipFill>
-        <p:spPr>
-          <a:xfrm>
-            <a:off x="6752" y="14468"/>
-            <a:ext cx="9823048" cy="6735288"/>
-          </a:xfrm>
-          <a:prstGeom prst="rect">
-            <a:avLst/>
-          </a:prstGeom>
-        </p:spPr>
-      </p:pic>
-    </p:spTree>
-    <p:extLst>
-      <p:ext uri="{BB962C8B-B14F-4D97-AF65-F5344CB8AC3E}">
-        <p14:creationId xmlns:p14="http://schemas.microsoft.com/office/powerpoint/2010/main" val="4228913354"/>
-      </p:ext>
-    </p:extLst>
-  </p:cSld>
-  <p:clrMapOvr>
-    <a:masterClrMapping/>
-  </p:clrMapOvr>
-</p:sld>
-</file>
-
-<file path=ppt/slides/slide73.xml><?xml version="1.0" encoding="utf-8"?>
-<p:sld xmlns:a="http://schemas.openxmlformats.org/drawingml/2006/main" xmlns:r="http://schemas.openxmlformats.org/officeDocument/2006/relationships" xmlns:p="http://schemas.openxmlformats.org/presentationml/2006/main">
-  <p:cSld>
-    <p:spTree>
-      <p:nvGrpSpPr>
-        <p:cNvPr id="1" name=""/>
-        <p:cNvGrpSpPr/>
-        <p:nvPr/>
-      </p:nvGrpSpPr>
-      <p:grpSpPr>
-        <a:xfrm>
-          <a:off x="0" y="0"/>
-          <a:ext cx="0" cy="0"/>
-          <a:chOff x="0" y="0"/>
-          <a:chExt cx="0" cy="0"/>
-        </a:xfrm>
-      </p:grpSpPr>
-      <p:sp>
-        <p:nvSpPr>
-          <p:cNvPr id="2" name="Title 1"/>
-          <p:cNvSpPr>
-            <a:spLocks noGrp="1"/>
-          </p:cNvSpPr>
-          <p:nvPr>
-            <p:ph type="title"/>
-          </p:nvPr>
-        </p:nvSpPr>
-        <p:spPr>
-          <a:xfrm>
-            <a:off x="609600" y="337392"/>
-            <a:ext cx="10439400" cy="624840"/>
-          </a:xfrm>
-        </p:spPr>
-        <p:txBody>
-          <a:bodyPr>
-            <a:noAutofit/>
-          </a:bodyPr>
-          <a:lstStyle/>
-          <a:p>
-            <a:r>
-              <a:rPr lang="en-US" sz="3600" dirty="0">
-                <a:cs typeface="Times New Roman" panose="02020603050405020304" pitchFamily="18" charset="0"/>
-              </a:rPr>
-              <a:t>Method of Moments (Generally)</a:t>
-            </a:r>
-            <a:endParaRPr lang="en-US" sz="3600" dirty="0">
-              <a:latin typeface="Times New Roman" panose="02020603050405020304" pitchFamily="18" charset="0"/>
-              <a:cs typeface="Times New Roman" panose="02020603050405020304" pitchFamily="18" charset="0"/>
-            </a:endParaRPr>
-          </a:p>
-        </p:txBody>
-      </p:sp>
-      <p:sp>
-        <p:nvSpPr>
-          <p:cNvPr id="3" name="Content Placeholder 2"/>
-          <p:cNvSpPr>
-            <a:spLocks noGrp="1"/>
-          </p:cNvSpPr>
-          <p:nvPr>
-            <p:ph idx="1"/>
-          </p:nvPr>
-        </p:nvSpPr>
-        <p:spPr>
-          <a:xfrm>
-            <a:off x="1219199" y="1066801"/>
-            <a:ext cx="9405791" cy="5141388"/>
-          </a:xfrm>
-        </p:spPr>
-        <p:txBody>
-          <a:bodyPr>
-            <a:noAutofit/>
-          </a:bodyPr>
-          <a:lstStyle/>
-          <a:p>
-            <a:endParaRPr lang="en-US" sz="2400" dirty="0">
-              <a:cs typeface="Times New Roman" panose="02020603050405020304" pitchFamily="18" charset="0"/>
-            </a:endParaRPr>
-          </a:p>
-        </p:txBody>
-      </p:sp>
-      <p:pic>
-        <p:nvPicPr>
-          <p:cNvPr id="6" name="Picture 5">
-            <a:extLst>
-              <a:ext uri="{FF2B5EF4-FFF2-40B4-BE49-F238E27FC236}">
-                <a16:creationId xmlns:a16="http://schemas.microsoft.com/office/drawing/2014/main" id="{6345FEF1-EACC-6E43-10F1-1B626213F6B5}"/>
-              </a:ext>
-            </a:extLst>
-          </p:cNvPr>
-          <p:cNvPicPr>
-            <a:picLocks noChangeAspect="1"/>
-          </p:cNvPicPr>
-          <p:nvPr/>
-        </p:nvPicPr>
-        <p:blipFill>
-          <a:blip r:embed="rId3"/>
-          <a:stretch>
-            <a:fillRect/>
-          </a:stretch>
-        </p:blipFill>
-        <p:spPr>
-          <a:xfrm>
-            <a:off x="32794" y="152400"/>
-            <a:ext cx="10439399" cy="5058070"/>
-          </a:xfrm>
-          <a:prstGeom prst="rect">
-            <a:avLst/>
-          </a:prstGeom>
-        </p:spPr>
-      </p:pic>
-    </p:spTree>
-    <p:extLst>
-      <p:ext uri="{BB962C8B-B14F-4D97-AF65-F5344CB8AC3E}">
-        <p14:creationId xmlns:p14="http://schemas.microsoft.com/office/powerpoint/2010/main" val="3665351825"/>
-      </p:ext>
-    </p:extLst>
-  </p:cSld>
-  <p:clrMapOvr>
-    <a:masterClrMapping/>
-  </p:clrMapOvr>
-</p:sld>
-</file>
-
-<file path=ppt/slides/slide74.xml><?xml version="1.0" encoding="utf-8"?>
-<p:sld xmlns:a="http://schemas.openxmlformats.org/drawingml/2006/main" xmlns:r="http://schemas.openxmlformats.org/officeDocument/2006/relationships" xmlns:p="http://schemas.openxmlformats.org/presentationml/2006/main">
-  <p:cSld>
-    <p:spTree>
-      <p:nvGrpSpPr>
-        <p:cNvPr id="1" name=""/>
-        <p:cNvGrpSpPr/>
-        <p:nvPr/>
-      </p:nvGrpSpPr>
-      <p:grpSpPr>
-        <a:xfrm>
-          <a:off x="0" y="0"/>
-          <a:ext cx="0" cy="0"/>
-          <a:chOff x="0" y="0"/>
-          <a:chExt cx="0" cy="0"/>
-        </a:xfrm>
-      </p:grpSpPr>
-      <p:sp>
-        <p:nvSpPr>
-          <p:cNvPr id="2" name="Title 1"/>
-          <p:cNvSpPr>
-            <a:spLocks noGrp="1"/>
-          </p:cNvSpPr>
-          <p:nvPr>
-            <p:ph type="title"/>
-          </p:nvPr>
-        </p:nvSpPr>
-        <p:spPr>
-          <a:xfrm>
-            <a:off x="609600" y="337392"/>
-            <a:ext cx="10439400" cy="624840"/>
-          </a:xfrm>
-        </p:spPr>
-        <p:txBody>
-          <a:bodyPr>
-            <a:noAutofit/>
-          </a:bodyPr>
-          <a:lstStyle/>
-          <a:p>
-            <a:r>
-              <a:rPr lang="en-US" sz="3600" dirty="0">
-                <a:cs typeface="Times New Roman" panose="02020603050405020304" pitchFamily="18" charset="0"/>
-              </a:rPr>
-              <a:t>Method of Moments (Generally)</a:t>
-            </a:r>
-            <a:endParaRPr lang="en-US" sz="3600" dirty="0">
-              <a:latin typeface="Times New Roman" panose="02020603050405020304" pitchFamily="18" charset="0"/>
-              <a:cs typeface="Times New Roman" panose="02020603050405020304" pitchFamily="18" charset="0"/>
-            </a:endParaRPr>
-          </a:p>
-        </p:txBody>
-      </p:sp>
-      <p:sp>
-        <p:nvSpPr>
-          <p:cNvPr id="3" name="Content Placeholder 2"/>
-          <p:cNvSpPr>
-            <a:spLocks noGrp="1"/>
-          </p:cNvSpPr>
-          <p:nvPr>
-            <p:ph idx="1"/>
-          </p:nvPr>
-        </p:nvSpPr>
-        <p:spPr>
-          <a:xfrm>
-            <a:off x="1219199" y="1066801"/>
-            <a:ext cx="9405791" cy="5141388"/>
-          </a:xfrm>
-        </p:spPr>
-        <p:txBody>
-          <a:bodyPr>
-            <a:noAutofit/>
-          </a:bodyPr>
-          <a:lstStyle/>
-          <a:p>
-            <a:endParaRPr lang="en-US" sz="2400" dirty="0">
-              <a:cs typeface="Times New Roman" panose="02020603050405020304" pitchFamily="18" charset="0"/>
-            </a:endParaRPr>
-          </a:p>
-        </p:txBody>
-      </p:sp>
-      <p:pic>
-        <p:nvPicPr>
-          <p:cNvPr id="5" name="Picture 4">
-            <a:extLst>
-              <a:ext uri="{FF2B5EF4-FFF2-40B4-BE49-F238E27FC236}">
-                <a16:creationId xmlns:a16="http://schemas.microsoft.com/office/drawing/2014/main" id="{86815261-7160-3084-A334-7CA9BEC3C513}"/>
-              </a:ext>
-            </a:extLst>
-          </p:cNvPr>
-          <p:cNvPicPr>
-            <a:picLocks noChangeAspect="1"/>
-          </p:cNvPicPr>
-          <p:nvPr/>
-        </p:nvPicPr>
-        <p:blipFill>
-          <a:blip r:embed="rId3"/>
-          <a:stretch>
-            <a:fillRect/>
-          </a:stretch>
-        </p:blipFill>
-        <p:spPr>
-          <a:xfrm>
-            <a:off x="30866" y="152400"/>
-            <a:ext cx="9574212" cy="6368208"/>
-          </a:xfrm>
-          <a:prstGeom prst="rect">
-            <a:avLst/>
-          </a:prstGeom>
-        </p:spPr>
-      </p:pic>
-    </p:spTree>
-    <p:extLst>
-      <p:ext uri="{BB962C8B-B14F-4D97-AF65-F5344CB8AC3E}">
-        <p14:creationId xmlns:p14="http://schemas.microsoft.com/office/powerpoint/2010/main" val="54870397"/>
-      </p:ext>
-    </p:extLst>
-  </p:cSld>
-  <p:clrMapOvr>
-    <a:masterClrMapping/>
-  </p:clrMapOvr>
-</p:sld>
-</file>
-
-<file path=ppt/slides/slide75.xml><?xml version="1.0" encoding="utf-8"?>
-<p:sld xmlns:a="http://schemas.openxmlformats.org/drawingml/2006/main" xmlns:r="http://schemas.openxmlformats.org/officeDocument/2006/relationships" xmlns:p="http://schemas.openxmlformats.org/presentationml/2006/main">
-  <p:cSld>
-    <p:spTree>
-      <p:nvGrpSpPr>
-        <p:cNvPr id="1" name=""/>
-        <p:cNvGrpSpPr/>
-        <p:nvPr/>
-      </p:nvGrpSpPr>
-      <p:grpSpPr>
-        <a:xfrm>
-          <a:off x="0" y="0"/>
-          <a:ext cx="0" cy="0"/>
-          <a:chOff x="0" y="0"/>
-          <a:chExt cx="0" cy="0"/>
-        </a:xfrm>
-      </p:grpSpPr>
-      <p:sp>
-        <p:nvSpPr>
-          <p:cNvPr id="2" name="Title 1"/>
-          <p:cNvSpPr>
-            <a:spLocks noGrp="1"/>
-          </p:cNvSpPr>
-          <p:nvPr>
-            <p:ph type="title"/>
-          </p:nvPr>
-        </p:nvSpPr>
-        <p:spPr>
-          <a:xfrm>
-            <a:off x="609600" y="337392"/>
-            <a:ext cx="10439400" cy="624840"/>
-          </a:xfrm>
-        </p:spPr>
-        <p:txBody>
-          <a:bodyPr>
-            <a:noAutofit/>
-          </a:bodyPr>
-          <a:lstStyle/>
-          <a:p>
-            <a:r>
-              <a:rPr lang="en-US" sz="3600" dirty="0">
-                <a:cs typeface="Times New Roman" panose="02020603050405020304" pitchFamily="18" charset="0"/>
-              </a:rPr>
-              <a:t>Method of Moments (Generally)</a:t>
-            </a:r>
-            <a:endParaRPr lang="en-US" sz="3600" dirty="0">
-              <a:latin typeface="Times New Roman" panose="02020603050405020304" pitchFamily="18" charset="0"/>
-              <a:cs typeface="Times New Roman" panose="02020603050405020304" pitchFamily="18" charset="0"/>
-            </a:endParaRPr>
-          </a:p>
-        </p:txBody>
-      </p:sp>
-      <p:sp>
-        <p:nvSpPr>
-          <p:cNvPr id="3" name="Content Placeholder 2"/>
-          <p:cNvSpPr>
-            <a:spLocks noGrp="1"/>
-          </p:cNvSpPr>
-          <p:nvPr>
-            <p:ph idx="1"/>
-          </p:nvPr>
-        </p:nvSpPr>
-        <p:spPr>
-          <a:xfrm>
-            <a:off x="1219199" y="1066801"/>
-            <a:ext cx="9405791" cy="5141388"/>
-          </a:xfrm>
-        </p:spPr>
-        <p:txBody>
-          <a:bodyPr>
-            <a:noAutofit/>
-          </a:bodyPr>
-          <a:lstStyle/>
-          <a:p>
-            <a:endParaRPr lang="en-US" sz="2400" dirty="0">
-              <a:cs typeface="Times New Roman" panose="02020603050405020304" pitchFamily="18" charset="0"/>
-            </a:endParaRPr>
-          </a:p>
-        </p:txBody>
-      </p:sp>
-      <p:pic>
-        <p:nvPicPr>
-          <p:cNvPr id="6" name="Picture 5">
-            <a:extLst>
-              <a:ext uri="{FF2B5EF4-FFF2-40B4-BE49-F238E27FC236}">
-                <a16:creationId xmlns:a16="http://schemas.microsoft.com/office/drawing/2014/main" id="{9372B997-D6A5-9098-B577-E069D7484464}"/>
-              </a:ext>
-            </a:extLst>
-          </p:cNvPr>
-          <p:cNvPicPr>
-            <a:picLocks noChangeAspect="1"/>
-          </p:cNvPicPr>
-          <p:nvPr/>
-        </p:nvPicPr>
-        <p:blipFill>
-          <a:blip r:embed="rId3"/>
-          <a:stretch>
-            <a:fillRect/>
-          </a:stretch>
-        </p:blipFill>
-        <p:spPr>
-          <a:xfrm>
-            <a:off x="76200" y="-1"/>
-            <a:ext cx="10439400" cy="6691923"/>
-          </a:xfrm>
-          <a:prstGeom prst="rect">
-            <a:avLst/>
-          </a:prstGeom>
-        </p:spPr>
-      </p:pic>
-    </p:spTree>
-    <p:extLst>
-      <p:ext uri="{BB962C8B-B14F-4D97-AF65-F5344CB8AC3E}">
-        <p14:creationId xmlns:p14="http://schemas.microsoft.com/office/powerpoint/2010/main" val="3865707337"/>
-      </p:ext>
-    </p:extLst>
-  </p:cSld>
-  <p:clrMapOvr>
-    <a:masterClrMapping/>
-  </p:clrMapOvr>
-</p:sld>
-</file>
-
-<file path=ppt/slides/slide8.xml><?xml version="1.0" encoding="utf-8"?>
-<p:sld xmlns:a="http://schemas.openxmlformats.org/drawingml/2006/main" xmlns:r="http://schemas.openxmlformats.org/officeDocument/2006/relationships" xmlns:p="http://schemas.openxmlformats.org/presentationml/2006/main">
-  <p:cSld>
-    <p:spTree>
-      <p:nvGrpSpPr>
-        <p:cNvPr id="1" name=""/>
-        <p:cNvGrpSpPr/>
-        <p:nvPr/>
-      </p:nvGrpSpPr>
-      <p:grpSpPr>
-        <a:xfrm>
-          <a:off x="0" y="0"/>
-          <a:ext cx="0" cy="0"/>
-          <a:chOff x="0" y="0"/>
-          <a:chExt cx="0" cy="0"/>
-        </a:xfrm>
-      </p:grpSpPr>
-      <p:sp>
-        <p:nvSpPr>
-          <p:cNvPr id="2" name="Title 1"/>
-          <p:cNvSpPr>
-            <a:spLocks noGrp="1"/>
-          </p:cNvSpPr>
-          <p:nvPr>
-            <p:ph type="title"/>
-          </p:nvPr>
-        </p:nvSpPr>
-        <p:spPr>
-          <a:xfrm>
-            <a:off x="609600" y="337392"/>
-            <a:ext cx="10439400" cy="624840"/>
-          </a:xfrm>
-        </p:spPr>
-        <p:txBody>
-          <a:bodyPr>
-            <a:noAutofit/>
-          </a:bodyPr>
-          <a:lstStyle/>
-          <a:p>
-            <a:r>
-              <a:rPr lang="en-US" sz="3600" dirty="0">
-                <a:cs typeface="Times New Roman" panose="02020603050405020304" pitchFamily="18" charset="0"/>
-              </a:rPr>
-              <a:t>Examples of Limited Dependent Variables</a:t>
-            </a:r>
-            <a:endParaRPr lang="en-US" sz="3600" dirty="0">
-              <a:latin typeface="Times New Roman" panose="02020603050405020304" pitchFamily="18" charset="0"/>
-              <a:cs typeface="Times New Roman" panose="02020603050405020304" pitchFamily="18" charset="0"/>
-            </a:endParaRPr>
-          </a:p>
-        </p:txBody>
-      </p:sp>
-      <mc:AlternateContent xmlns:mc="http://schemas.openxmlformats.org/markup-compatibility/2006" xmlns:a14="http://schemas.microsoft.com/office/drawing/2010/main">
-        <mc:Choice Requires="a14">
-          <p:sp>
-            <p:nvSpPr>
-              <p:cNvPr id="3" name="Content Placeholder 2"/>
-              <p:cNvSpPr>
-                <a:spLocks noGrp="1"/>
-              </p:cNvSpPr>
-              <p:nvPr>
-                <p:ph idx="1"/>
-              </p:nvPr>
-            </p:nvSpPr>
-            <p:spPr>
-              <a:xfrm>
-                <a:off x="1219199" y="1066801"/>
-                <a:ext cx="9405791" cy="5141388"/>
-              </a:xfrm>
-            </p:spPr>
-            <p:txBody>
-              <a:bodyPr>
-                <a:noAutofit/>
-              </a:bodyPr>
-              <a:lstStyle/>
-              <a:p>
-                <a:r>
-                  <a:rPr lang="en-US" sz="2400" b="1" dirty="0">
-                    <a:solidFill>
-                      <a:srgbClr val="FF0000"/>
-                    </a:solidFill>
-                    <a:cs typeface="Times New Roman" panose="02020603050405020304" pitchFamily="18" charset="0"/>
-                  </a:rPr>
-                  <a:t>Binary</a:t>
-                </a:r>
-                <a:r>
-                  <a:rPr lang="en-US" sz="2400" dirty="0">
-                    <a:cs typeface="Times New Roman" panose="02020603050405020304" pitchFamily="18" charset="0"/>
-                  </a:rPr>
-                  <a:t>: Whether or not someone receives a treatment</a:t>
-                </a:r>
-              </a:p>
-              <a:p>
-                <a:r>
-                  <a:rPr lang="en-US" sz="2400" b="1" dirty="0">
-                    <a:solidFill>
-                      <a:srgbClr val="FF0000"/>
-                    </a:solidFill>
-                    <a:cs typeface="Times New Roman" panose="02020603050405020304" pitchFamily="18" charset="0"/>
-                  </a:rPr>
-                  <a:t>Ordered</a:t>
-                </a:r>
-                <a:r>
-                  <a:rPr lang="en-US" sz="2400" dirty="0">
-                    <a:cs typeface="Times New Roman" panose="02020603050405020304" pitchFamily="18" charset="0"/>
-                  </a:rPr>
-                  <a:t>: Number of prenatal visits during a pregnancy</a:t>
-                </a:r>
-              </a:p>
-              <a:p>
-                <a:r>
-                  <a:rPr lang="en-US" sz="2400" b="1" dirty="0">
-                    <a:cs typeface="Times New Roman" panose="02020603050405020304" pitchFamily="18" charset="0"/>
-                  </a:rPr>
-                  <a:t>Censored</a:t>
-                </a:r>
-                <a:r>
-                  <a:rPr lang="en-US" sz="2400" dirty="0">
-                    <a:cs typeface="Times New Roman" panose="02020603050405020304" pitchFamily="18" charset="0"/>
-                  </a:rPr>
-                  <a:t>: Income data is observed only in a certain range</a:t>
-                </a:r>
-              </a:p>
-              <a:p>
-                <a:r>
-                  <a:rPr lang="en-US" sz="2400" b="1" dirty="0">
-                    <a:cs typeface="Times New Roman" panose="02020603050405020304" pitchFamily="18" charset="0"/>
-                  </a:rPr>
-                  <a:t>Truncated</a:t>
-                </a:r>
-                <a:r>
-                  <a:rPr lang="en-US" sz="2400" dirty="0">
-                    <a:cs typeface="Times New Roman" panose="02020603050405020304" pitchFamily="18" charset="0"/>
-                  </a:rPr>
-                  <a:t>: Data has a “hard limit” at a certain value</a:t>
-                </a:r>
-              </a:p>
-              <a:p>
-                <a:pPr lvl="1"/>
-                <a:r>
-                  <a:rPr lang="en-US" sz="2400" dirty="0">
-                    <a:cs typeface="Times New Roman" panose="02020603050405020304" pitchFamily="18" charset="0"/>
-                  </a:rPr>
-                  <a:t>Can be natural (no negative income) or imposed (top-coded spending)</a:t>
-                </a:r>
-              </a:p>
-              <a:p>
-                <a:r>
-                  <a:rPr lang="en-US" sz="2400" b="1" dirty="0">
-                    <a:cs typeface="Times New Roman" panose="02020603050405020304" pitchFamily="18" charset="0"/>
-                  </a:rPr>
-                  <a:t>Selection</a:t>
-                </a:r>
-                <a:r>
-                  <a:rPr lang="en-US" sz="2400" dirty="0">
-                    <a:cs typeface="Times New Roman" panose="02020603050405020304" pitchFamily="18" charset="0"/>
-                  </a:rPr>
-                  <a:t>: Outcome is observed only if a condition is met</a:t>
-                </a:r>
-              </a:p>
-              <a:p>
-                <a:pPr lvl="1"/>
-                <a:r>
-                  <a:rPr lang="en-US" sz="2400" dirty="0">
-                    <a:cs typeface="Times New Roman" panose="02020603050405020304" pitchFamily="18" charset="0"/>
-                  </a:rPr>
-                  <a:t>Example: diabetes risk observed only if a patient comes in</a:t>
-                </a:r>
-              </a:p>
-              <a:p>
-                <a:pPr marL="274320" lvl="1" indent="0">
-                  <a:buNone/>
-                </a:pPr>
-                <a14:m>
-                  <m:oMathPara xmlns:m="http://schemas.openxmlformats.org/officeDocument/2006/math">
-                    <m:oMathParaPr>
-                      <m:jc m:val="centerGroup"/>
-                    </m:oMathParaPr>
-                    <m:oMath xmlns:m="http://schemas.openxmlformats.org/officeDocument/2006/math">
-                      <m:r>
-                        <a:rPr lang="en-US" sz="2400" b="0" i="1" smtClean="0">
-                          <a:latin typeface="Cambria Math" panose="02040503050406030204" pitchFamily="18" charset="0"/>
-                          <a:cs typeface="Times New Roman" panose="02020603050405020304" pitchFamily="18" charset="0"/>
-                        </a:rPr>
-                        <m:t>𝑌</m:t>
-                      </m:r>
-                      <m:r>
-                        <a:rPr lang="en-US" sz="2400" b="0" i="1" smtClean="0">
-                          <a:latin typeface="Cambria Math" panose="02040503050406030204" pitchFamily="18" charset="0"/>
-                          <a:cs typeface="Times New Roman" panose="02020603050405020304" pitchFamily="18" charset="0"/>
-                        </a:rPr>
-                        <m:t>= </m:t>
-                      </m:r>
-                      <m:d>
-                        <m:dPr>
-                          <m:begChr m:val="{"/>
-                          <m:endChr m:val=""/>
-                          <m:ctrlPr>
-                            <a:rPr lang="en-US" sz="2400" b="0" i="1" smtClean="0">
-                              <a:latin typeface="Cambria Math" panose="02040503050406030204" pitchFamily="18" charset="0"/>
-                              <a:cs typeface="Times New Roman" panose="02020603050405020304" pitchFamily="18" charset="0"/>
-                            </a:rPr>
-                          </m:ctrlPr>
-                        </m:dPr>
-                        <m:e>
-                          <m:eqArr>
-                            <m:eqArrPr>
-                              <m:ctrlPr>
-                                <a:rPr lang="en-US" sz="2400" b="0" i="1" smtClean="0">
-                                  <a:latin typeface="Cambria Math" panose="02040503050406030204" pitchFamily="18" charset="0"/>
-                                  <a:cs typeface="Times New Roman" panose="02020603050405020304" pitchFamily="18" charset="0"/>
-                                </a:rPr>
-                              </m:ctrlPr>
-                            </m:eqArrPr>
-                            <m:e>
-                              <m:sSub>
-                                <m:sSubPr>
-                                  <m:ctrlPr>
-                                    <a:rPr lang="en-US" sz="2400" b="0" i="1" smtClean="0">
-                                      <a:latin typeface="Cambria Math" panose="02040503050406030204" pitchFamily="18" charset="0"/>
-                                      <a:cs typeface="Times New Roman" panose="02020603050405020304" pitchFamily="18" charset="0"/>
-                                    </a:rPr>
-                                  </m:ctrlPr>
-                                </m:sSubPr>
-                                <m:e>
-                                  <m:r>
-                                    <a:rPr lang="en-US" sz="2400" b="0" i="1" smtClean="0">
-                                      <a:latin typeface="Cambria Math" panose="02040503050406030204" pitchFamily="18" charset="0"/>
-                                      <a:cs typeface="Times New Roman" panose="02020603050405020304" pitchFamily="18" charset="0"/>
-                                    </a:rPr>
-                                    <m:t>𝑦</m:t>
-                                  </m:r>
-                                </m:e>
-                                <m:sub>
-                                  <m:r>
-                                    <a:rPr lang="en-US" sz="2400" b="0" i="1" smtClean="0">
-                                      <a:latin typeface="Cambria Math" panose="02040503050406030204" pitchFamily="18" charset="0"/>
-                                      <a:cs typeface="Times New Roman" panose="02020603050405020304" pitchFamily="18" charset="0"/>
-                                    </a:rPr>
-                                    <m:t>𝑖</m:t>
-                                  </m:r>
-                                  <m:r>
-                                    <a:rPr lang="en-US" sz="2400" b="0" i="1" smtClean="0">
-                                      <a:latin typeface="Cambria Math" panose="02040503050406030204" pitchFamily="18" charset="0"/>
-                                      <a:cs typeface="Times New Roman" panose="02020603050405020304" pitchFamily="18" charset="0"/>
-                                    </a:rPr>
-                                    <m:t> </m:t>
-                                  </m:r>
-                                </m:sub>
-                              </m:sSub>
-                              <m:r>
-                                <a:rPr lang="en-US" sz="2400" b="0" i="1" smtClean="0">
-                                  <a:latin typeface="Cambria Math" panose="02040503050406030204" pitchFamily="18" charset="0"/>
-                                  <a:cs typeface="Times New Roman" panose="02020603050405020304" pitchFamily="18" charset="0"/>
-                                </a:rPr>
-                                <m:t>𝑖𝑓</m:t>
-                              </m:r>
-                              <m:r>
-                                <a:rPr lang="en-US" sz="2400" b="0" i="1" smtClean="0">
-                                  <a:latin typeface="Cambria Math" panose="02040503050406030204" pitchFamily="18" charset="0"/>
-                                  <a:cs typeface="Times New Roman" panose="02020603050405020304" pitchFamily="18" charset="0"/>
-                                </a:rPr>
-                                <m:t> </m:t>
-                              </m:r>
-                              <m:sSub>
-                                <m:sSubPr>
-                                  <m:ctrlPr>
-                                    <a:rPr lang="en-US" sz="2400" b="0" i="1" smtClean="0">
-                                      <a:latin typeface="Cambria Math" panose="02040503050406030204" pitchFamily="18" charset="0"/>
-                                      <a:cs typeface="Times New Roman" panose="02020603050405020304" pitchFamily="18" charset="0"/>
-                                    </a:rPr>
-                                  </m:ctrlPr>
-                                </m:sSubPr>
-                                <m:e>
-                                  <m:r>
-                                    <a:rPr lang="en-US" sz="2400" b="0" i="1" smtClean="0">
-                                      <a:latin typeface="Cambria Math" panose="02040503050406030204" pitchFamily="18" charset="0"/>
-                                      <a:cs typeface="Times New Roman" panose="02020603050405020304" pitchFamily="18" charset="0"/>
-                                    </a:rPr>
-                                    <m:t>𝑥</m:t>
-                                  </m:r>
-                                </m:e>
-                                <m:sub>
-                                  <m:r>
-                                    <a:rPr lang="en-US" sz="2400" b="0" i="1" smtClean="0">
-                                      <a:latin typeface="Cambria Math" panose="02040503050406030204" pitchFamily="18" charset="0"/>
-                                      <a:cs typeface="Times New Roman" panose="02020603050405020304" pitchFamily="18" charset="0"/>
-                                    </a:rPr>
-                                    <m:t>𝑖</m:t>
-                                  </m:r>
-                                </m:sub>
-                              </m:sSub>
-                              <m:r>
-                                <a:rPr lang="en-US" sz="2400" b="0" i="1" smtClean="0">
-                                  <a:latin typeface="Cambria Math" panose="02040503050406030204" pitchFamily="18" charset="0"/>
-                                  <a:cs typeface="Times New Roman" panose="02020603050405020304" pitchFamily="18" charset="0"/>
-                                </a:rPr>
-                                <m:t>=1</m:t>
-                              </m:r>
-                            </m:e>
-                            <m:e>
-                              <m:r>
-                                <a:rPr lang="en-US" sz="2400" b="0" i="1" smtClean="0">
-                                  <a:latin typeface="Cambria Math" panose="02040503050406030204" pitchFamily="18" charset="0"/>
-                                  <a:cs typeface="Times New Roman" panose="02020603050405020304" pitchFamily="18" charset="0"/>
-                                </a:rPr>
-                                <m:t>0 </m:t>
-                              </m:r>
-                              <m:r>
-                                <a:rPr lang="en-US" sz="2400" b="0" i="1" smtClean="0">
-                                  <a:latin typeface="Cambria Math" panose="02040503050406030204" pitchFamily="18" charset="0"/>
-                                  <a:cs typeface="Times New Roman" panose="02020603050405020304" pitchFamily="18" charset="0"/>
-                                </a:rPr>
-                                <m:t>𝑖𝑓</m:t>
-                              </m:r>
-                              <m:r>
-                                <a:rPr lang="en-US" sz="2400" b="0" i="1" smtClean="0">
-                                  <a:latin typeface="Cambria Math" panose="02040503050406030204" pitchFamily="18" charset="0"/>
-                                  <a:cs typeface="Times New Roman" panose="02020603050405020304" pitchFamily="18" charset="0"/>
-                                </a:rPr>
-                                <m:t> </m:t>
-                              </m:r>
-                              <m:sSub>
-                                <m:sSubPr>
-                                  <m:ctrlPr>
-                                    <a:rPr lang="en-US" sz="2400" b="0" i="1" smtClean="0">
-                                      <a:latin typeface="Cambria Math" panose="02040503050406030204" pitchFamily="18" charset="0"/>
-                                      <a:cs typeface="Times New Roman" panose="02020603050405020304" pitchFamily="18" charset="0"/>
-                                    </a:rPr>
-                                  </m:ctrlPr>
-                                </m:sSubPr>
-                                <m:e>
-                                  <m:r>
-                                    <a:rPr lang="en-US" sz="2400" b="0" i="1" smtClean="0">
-                                      <a:latin typeface="Cambria Math" panose="02040503050406030204" pitchFamily="18" charset="0"/>
-                                      <a:cs typeface="Times New Roman" panose="02020603050405020304" pitchFamily="18" charset="0"/>
-                                    </a:rPr>
-                                    <m:t>𝑥</m:t>
-                                  </m:r>
-                                </m:e>
-                                <m:sub>
-                                  <m:r>
-                                    <a:rPr lang="en-US" sz="2400" b="0" i="1" smtClean="0">
-                                      <a:latin typeface="Cambria Math" panose="02040503050406030204" pitchFamily="18" charset="0"/>
-                                      <a:cs typeface="Times New Roman" panose="02020603050405020304" pitchFamily="18" charset="0"/>
-                                    </a:rPr>
-                                    <m:t>𝑖</m:t>
-                                  </m:r>
-                                </m:sub>
-                              </m:sSub>
-                              <m:r>
-                                <a:rPr lang="en-US" sz="2400" b="0" i="1" smtClean="0">
-                                  <a:latin typeface="Cambria Math" panose="02040503050406030204" pitchFamily="18" charset="0"/>
-                                  <a:cs typeface="Times New Roman" panose="02020603050405020304" pitchFamily="18" charset="0"/>
-                                </a:rPr>
-                                <m:t>=0</m:t>
-                              </m:r>
-                            </m:e>
-                          </m:eqArr>
-                        </m:e>
-                      </m:d>
-                    </m:oMath>
-                  </m:oMathPara>
-                </a14:m>
-                <a:endParaRPr lang="en-US" sz="2400" dirty="0">
-                  <a:cs typeface="Times New Roman" panose="02020603050405020304" pitchFamily="18" charset="0"/>
-                </a:endParaRPr>
-              </a:p>
-              <a:p>
-                <a:pPr marL="274320" lvl="1" indent="0">
-                  <a:buNone/>
-                </a:pPr>
-                <a:r>
-                  <a:rPr lang="en-US" sz="2400" dirty="0">
-                    <a:cs typeface="Times New Roman" panose="02020603050405020304" pitchFamily="18" charset="0"/>
-                  </a:rPr>
-                  <a:t>A handy resource: </a:t>
-                </a:r>
-                <a:r>
-                  <a:rPr lang="en-US" sz="2400" dirty="0">
-                    <a:cs typeface="Times New Roman" panose="02020603050405020304" pitchFamily="18" charset="0"/>
-                    <a:hlinkClick r:id="rId3"/>
-                  </a:rPr>
-                  <a:t>https://bookdown.org/sarahwerth2024/CategoricalBook/multinomial-logit-regression-r.html#running-a-mlr-in-r</a:t>
-                </a:r>
-                <a:r>
-                  <a:rPr lang="en-US" sz="2400" dirty="0">
-                    <a:cs typeface="Times New Roman" panose="02020603050405020304" pitchFamily="18" charset="0"/>
-                  </a:rPr>
-                  <a:t> </a:t>
-                </a:r>
-              </a:p>
-            </p:txBody>
-          </p:sp>
-        </mc:Choice>
-        <mc:Fallback xmlns="">
-          <p:sp>
-            <p:nvSpPr>
-              <p:cNvPr id="3" name="Content Placeholder 2"/>
-              <p:cNvSpPr>
-                <a:spLocks noGrp="1" noRot="1" noChangeAspect="1" noMove="1" noResize="1" noEditPoints="1" noAdjustHandles="1" noChangeArrowheads="1" noChangeShapeType="1" noTextEdit="1"/>
-              </p:cNvSpPr>
-              <p:nvPr>
-                <p:ph idx="1"/>
-              </p:nvPr>
-            </p:nvSpPr>
-            <p:spPr>
-              <a:xfrm>
-                <a:off x="1219199" y="1066801"/>
-                <a:ext cx="9405791" cy="5141388"/>
-              </a:xfrm>
-              <a:blipFill>
-                <a:blip r:embed="rId4"/>
-                <a:stretch>
-                  <a:fillRect l="-454" t="-1305" b="-5457"/>
-                </a:stretch>
-              </a:blipFill>
-            </p:spPr>
-            <p:txBody>
-              <a:bodyPr/>
-              <a:lstStyle/>
-              <a:p>
-                <a:r>
-                  <a:rPr lang="en-CA">
-                    <a:noFill/>
-                  </a:rPr>
-                  <a:t> </a:t>
-                </a:r>
-              </a:p>
-            </p:txBody>
-          </p:sp>
-        </mc:Fallback>
-      </mc:AlternateContent>
-    </p:spTree>
-    <p:extLst>
-      <p:ext uri="{BB962C8B-B14F-4D97-AF65-F5344CB8AC3E}">
-        <p14:creationId xmlns:p14="http://schemas.microsoft.com/office/powerpoint/2010/main" val="981944350"/>
-      </p:ext>
-    </p:extLst>
-  </p:cSld>
-  <p:clrMapOvr>
-    <a:masterClrMapping/>
-  </p:clrMapOvr>
-</p:sld>
-</file>
-
-<file path=ppt/slides/slide9.xml><?xml version="1.0" encoding="utf-8"?>
-<p:sld xmlns:a="http://schemas.openxmlformats.org/drawingml/2006/main" xmlns:r="http://schemas.openxmlformats.org/officeDocument/2006/relationships" xmlns:p="http://schemas.openxmlformats.org/presentationml/2006/main">
-  <p:cSld>
-    <p:spTree>
-      <p:nvGrpSpPr>
-        <p:cNvPr id="1" name=""/>
-        <p:cNvGrpSpPr/>
-        <p:nvPr/>
-      </p:nvGrpSpPr>
-      <p:grpSpPr>
-        <a:xfrm>
-          <a:off x="0" y="0"/>
-          <a:ext cx="0" cy="0"/>
-          <a:chOff x="0" y="0"/>
-          <a:chExt cx="0" cy="0"/>
-        </a:xfrm>
-      </p:grpSpPr>
-      <p:sp>
-        <p:nvSpPr>
-          <p:cNvPr id="2" name="Title 1">
-            <a:extLst>
-              <a:ext uri="{FF2B5EF4-FFF2-40B4-BE49-F238E27FC236}">
-                <a16:creationId xmlns:a16="http://schemas.microsoft.com/office/drawing/2014/main" id="{F6693EDF-660D-4391-A114-A6C54268E445}"/>
-              </a:ext>
-            </a:extLst>
-          </p:cNvPr>
-          <p:cNvSpPr>
-            <a:spLocks noGrp="1"/>
-          </p:cNvSpPr>
-          <p:nvPr>
-            <p:ph type="ctrTitle"/>
-          </p:nvPr>
-        </p:nvSpPr>
-        <p:spPr>
-          <a:xfrm>
-            <a:off x="1261872" y="758952"/>
-            <a:ext cx="10549128" cy="4041648"/>
-          </a:xfrm>
-        </p:spPr>
-        <p:txBody>
-          <a:bodyPr/>
-          <a:lstStyle/>
-          <a:p>
-            <a:r>
-              <a:rPr lang="en-US" dirty="0"/>
-              <a:t>Example Paper: </a:t>
-            </a:r>
-            <a:br>
-              <a:rPr lang="en-US" dirty="0"/>
-            </a:br>
-            <a:r>
-              <a:rPr lang="en-US" dirty="0" err="1"/>
-              <a:t>Bruhin</a:t>
-            </a:r>
-            <a:r>
-              <a:rPr lang="en-US" dirty="0"/>
-              <a:t> et al., (2019)</a:t>
-            </a:r>
-          </a:p>
-        </p:txBody>
-      </p:sp>
-      <p:sp>
-        <p:nvSpPr>
-          <p:cNvPr id="3" name="Subtitle 2">
-            <a:extLst>
-              <a:ext uri="{FF2B5EF4-FFF2-40B4-BE49-F238E27FC236}">
-                <a16:creationId xmlns:a16="http://schemas.microsoft.com/office/drawing/2014/main" id="{9A7FADE3-4D7C-4B3A-B023-71CD85AECCCB}"/>
-              </a:ext>
-            </a:extLst>
-          </p:cNvPr>
-          <p:cNvSpPr>
-            <a:spLocks noGrp="1"/>
-          </p:cNvSpPr>
-          <p:nvPr>
-            <p:ph type="subTitle" idx="1"/>
-          </p:nvPr>
-        </p:nvSpPr>
-        <p:spPr/>
-        <p:txBody>
-          <a:bodyPr/>
-          <a:lstStyle/>
-          <a:p>
-            <a:r>
-              <a:rPr lang="en-US" dirty="0"/>
-              <a:t>“Spillovers of prosocial motivation: Evidence from an intervention study on blood donors”</a:t>
-            </a:r>
-          </a:p>
-          <a:p>
-            <a:r>
-              <a:rPr lang="en-US" i="1" dirty="0"/>
-              <a:t>Journal of Health Economics</a:t>
-            </a:r>
-          </a:p>
-        </p:txBody>
-      </p:sp>
-    </p:spTree>
-    <p:extLst>
-      <p:ext uri="{BB962C8B-B14F-4D97-AF65-F5344CB8AC3E}">
-        <p14:creationId xmlns:p14="http://schemas.microsoft.com/office/powerpoint/2010/main" val="1210529259"/>
       </p:ext>
     </p:extLst>
   </p:cSld>
